--- a/20190918 - 光芯片深度学习调研.pptx
+++ b/20190918 - 光芯片深度学习调研.pptx
@@ -12,6 +12,10 @@
     <p:sldId id="260" r:id="rId6"/>
     <p:sldId id="261" r:id="rId7"/>
     <p:sldId id="262" r:id="rId8"/>
+    <p:sldId id="263" r:id="rId9"/>
+    <p:sldId id="266" r:id="rId10"/>
+    <p:sldId id="264" r:id="rId11"/>
+    <p:sldId id="267" r:id="rId12"/>
   </p:sldIdLst>
   <p:sldSz cx="12192000" cy="6858000"/>
   <p:notesSz cx="6858000" cy="9144000"/>
@@ -1089,6 +1093,293 @@
 </p:sld>
 </file>
 
+<file path=ppt/slides/slide10.xml><?xml version="1.0" encoding="utf-8"?>
+<p:sld xmlns:a="http://schemas.openxmlformats.org/drawingml/2006/main" xmlns:r="http://schemas.openxmlformats.org/officeDocument/2006/relationships" xmlns:p="http://schemas.openxmlformats.org/presentationml/2006/main">
+  <p:cSld>
+    <p:spTree>
+      <p:nvGrpSpPr>
+        <p:cNvPr id="1" name=""/>
+        <p:cNvGrpSpPr/>
+        <p:nvPr/>
+      </p:nvGrpSpPr>
+      <p:grpSpPr>
+        <a:xfrm>
+          <a:off x="0" y="0"/>
+          <a:ext cx="0" cy="0"/>
+          <a:chOff x="0" y="0"/>
+          <a:chExt cx="0" cy="0"/>
+        </a:xfrm>
+      </p:grpSpPr>
+      <p:sp>
+        <p:nvSpPr>
+          <p:cNvPr id="3" name="标题 2">
+            <a:extLst>
+              <a:ext uri="{FF2B5EF4-FFF2-40B4-BE49-F238E27FC236}">
+                <a16:creationId xmlns:a16="http://schemas.microsoft.com/office/drawing/2014/main" id="{0061993C-C465-46FB-9528-7419A56567FD}"/>
+              </a:ext>
+            </a:extLst>
+          </p:cNvPr>
+          <p:cNvSpPr>
+            <a:spLocks noGrp="1"/>
+          </p:cNvSpPr>
+          <p:nvPr>
+            <p:ph type="title"/>
+          </p:nvPr>
+        </p:nvSpPr>
+        <p:spPr/>
+        <p:txBody>
+          <a:bodyPr/>
+          <a:lstStyle/>
+          <a:p>
+            <a:r>
+              <a:rPr lang="en-US" altLang="zh-CN" dirty="0"/>
+              <a:t>Results</a:t>
+            </a:r>
+            <a:endParaRPr lang="zh-CN" altLang="en-US" dirty="0"/>
+          </a:p>
+        </p:txBody>
+      </p:sp>
+      <p:pic>
+        <p:nvPicPr>
+          <p:cNvPr id="5" name="图片 4">
+            <a:extLst>
+              <a:ext uri="{FF2B5EF4-FFF2-40B4-BE49-F238E27FC236}">
+                <a16:creationId xmlns:a16="http://schemas.microsoft.com/office/drawing/2014/main" id="{53F52D17-6AD1-47BF-962E-A45891AEBF15}"/>
+              </a:ext>
+            </a:extLst>
+          </p:cNvPr>
+          <p:cNvPicPr>
+            <a:picLocks noChangeAspect="1"/>
+          </p:cNvPicPr>
+          <p:nvPr/>
+        </p:nvPicPr>
+        <p:blipFill>
+          <a:blip r:embed="rId2"/>
+          <a:stretch>
+            <a:fillRect/>
+          </a:stretch>
+        </p:blipFill>
+        <p:spPr>
+          <a:xfrm>
+            <a:off x="1454316" y="1606282"/>
+            <a:ext cx="4100059" cy="5144494"/>
+          </a:xfrm>
+          <a:prstGeom prst="rect">
+            <a:avLst/>
+          </a:prstGeom>
+        </p:spPr>
+      </p:pic>
+      <p:pic>
+        <p:nvPicPr>
+          <p:cNvPr id="6" name="图片 5">
+            <a:extLst>
+              <a:ext uri="{FF2B5EF4-FFF2-40B4-BE49-F238E27FC236}">
+                <a16:creationId xmlns:a16="http://schemas.microsoft.com/office/drawing/2014/main" id="{5154EA9C-A078-4502-AFA2-6D3E158B55DD}"/>
+              </a:ext>
+            </a:extLst>
+          </p:cNvPr>
+          <p:cNvPicPr>
+            <a:picLocks noChangeAspect="1"/>
+          </p:cNvPicPr>
+          <p:nvPr/>
+        </p:nvPicPr>
+        <p:blipFill>
+          <a:blip r:embed="rId3"/>
+          <a:stretch>
+            <a:fillRect/>
+          </a:stretch>
+        </p:blipFill>
+        <p:spPr>
+          <a:xfrm>
+            <a:off x="6637626" y="1510748"/>
+            <a:ext cx="3965547" cy="5144494"/>
+          </a:xfrm>
+          <a:prstGeom prst="rect">
+            <a:avLst/>
+          </a:prstGeom>
+        </p:spPr>
+      </p:pic>
+    </p:spTree>
+    <p:extLst>
+      <p:ext uri="{BB962C8B-B14F-4D97-AF65-F5344CB8AC3E}">
+        <p14:creationId xmlns:p14="http://schemas.microsoft.com/office/powerpoint/2010/main" val="2449868782"/>
+      </p:ext>
+    </p:extLst>
+  </p:cSld>
+  <p:clrMapOvr>
+    <a:masterClrMapping/>
+  </p:clrMapOvr>
+</p:sld>
+</file>
+
+<file path=ppt/slides/slide11.xml><?xml version="1.0" encoding="utf-8"?>
+<p:sld xmlns:a="http://schemas.openxmlformats.org/drawingml/2006/main" xmlns:r="http://schemas.openxmlformats.org/officeDocument/2006/relationships" xmlns:p="http://schemas.openxmlformats.org/presentationml/2006/main">
+  <p:cSld>
+    <p:spTree>
+      <p:nvGrpSpPr>
+        <p:cNvPr id="1" name=""/>
+        <p:cNvGrpSpPr/>
+        <p:nvPr/>
+      </p:nvGrpSpPr>
+      <p:grpSpPr>
+        <a:xfrm>
+          <a:off x="0" y="0"/>
+          <a:ext cx="0" cy="0"/>
+          <a:chOff x="0" y="0"/>
+          <a:chExt cx="0" cy="0"/>
+        </a:xfrm>
+      </p:grpSpPr>
+      <p:sp>
+        <p:nvSpPr>
+          <p:cNvPr id="2" name="内容占位符 1">
+            <a:extLst>
+              <a:ext uri="{FF2B5EF4-FFF2-40B4-BE49-F238E27FC236}">
+                <a16:creationId xmlns:a16="http://schemas.microsoft.com/office/drawing/2014/main" id="{00D75A3B-A088-46C0-A2AC-859FF8293EEA}"/>
+              </a:ext>
+            </a:extLst>
+          </p:cNvPr>
+          <p:cNvSpPr>
+            <a:spLocks noGrp="1"/>
+          </p:cNvSpPr>
+          <p:nvPr>
+            <p:ph idx="1"/>
+          </p:nvPr>
+        </p:nvSpPr>
+        <p:spPr/>
+        <p:txBody>
+          <a:bodyPr/>
+          <a:lstStyle/>
+          <a:p>
+            <a:r>
+              <a:rPr lang="en-US" altLang="zh-CN" sz="2400" dirty="0">
+                <a:latin typeface="Times New Roman" panose="02020603050405020304" pitchFamily="18" charset="0"/>
+                <a:cs typeface="Times New Roman" panose="02020603050405020304" pitchFamily="18" charset="0"/>
+              </a:rPr>
+              <a:t>mapping quantum optics features(mode mixing, optical nonlinearity) to neural networks</a:t>
+            </a:r>
+          </a:p>
+          <a:p>
+            <a:r>
+              <a:rPr lang="en-US" altLang="zh-CN" sz="2400" dirty="0">
+                <a:latin typeface="Times New Roman" panose="02020603050405020304" pitchFamily="18" charset="0"/>
+                <a:cs typeface="Times New Roman" panose="02020603050405020304" pitchFamily="18" charset="0"/>
+              </a:rPr>
+              <a:t>similar architecture</a:t>
+            </a:r>
+          </a:p>
+          <a:p>
+            <a:r>
+              <a:rPr lang="en-US" altLang="zh-CN" sz="2400" dirty="0">
+                <a:latin typeface="Times New Roman" panose="02020603050405020304" pitchFamily="18" charset="0"/>
+                <a:cs typeface="Times New Roman" panose="02020603050405020304" pitchFamily="18" charset="0"/>
+              </a:rPr>
+              <a:t>CMOS-compatible platform instead of photonics chips</a:t>
+            </a:r>
+          </a:p>
+          <a:p>
+            <a:r>
+              <a:rPr lang="en-US" altLang="zh-CN" sz="2400" dirty="0">
+                <a:latin typeface="Times New Roman" panose="02020603050405020304" pitchFamily="18" charset="0"/>
+                <a:cs typeface="Times New Roman" panose="02020603050405020304" pitchFamily="18" charset="0"/>
+              </a:rPr>
+              <a:t>Application: quantum information processing tasks: quantum optical state compression for quantum networking and black-box quantum simulation</a:t>
+            </a:r>
+          </a:p>
+          <a:p>
+            <a:endParaRPr lang="en-US" altLang="zh-CN" dirty="0"/>
+          </a:p>
+          <a:p>
+            <a:endParaRPr lang="en-US" altLang="zh-CN" dirty="0"/>
+          </a:p>
+          <a:p>
+            <a:endParaRPr lang="en-US" altLang="zh-CN" dirty="0"/>
+          </a:p>
+          <a:p>
+            <a:endParaRPr lang="en-US" altLang="zh-CN" dirty="0"/>
+          </a:p>
+          <a:p>
+            <a:endParaRPr lang="zh-CN" altLang="en-US" dirty="0"/>
+          </a:p>
+        </p:txBody>
+      </p:sp>
+      <p:sp>
+        <p:nvSpPr>
+          <p:cNvPr id="3" name="标题 2">
+            <a:extLst>
+              <a:ext uri="{FF2B5EF4-FFF2-40B4-BE49-F238E27FC236}">
+                <a16:creationId xmlns:a16="http://schemas.microsoft.com/office/drawing/2014/main" id="{D40F7D01-4D3A-4EE9-9FB5-EAFDC3523999}"/>
+              </a:ext>
+            </a:extLst>
+          </p:cNvPr>
+          <p:cNvSpPr>
+            <a:spLocks noGrp="1"/>
+          </p:cNvSpPr>
+          <p:nvPr>
+            <p:ph type="title"/>
+          </p:nvPr>
+        </p:nvSpPr>
+        <p:spPr/>
+        <p:txBody>
+          <a:bodyPr>
+            <a:normAutofit fontScale="90000"/>
+          </a:bodyPr>
+          <a:lstStyle/>
+          <a:p>
+            <a:r>
+              <a:rPr lang="en-US" altLang="zh-CN" dirty="0"/>
+              <a:t>Quantum optical neural networks </a:t>
+            </a:r>
+            <a:r>
+              <a:rPr lang="en-US" altLang="zh-CN" sz="2700" dirty="0"/>
+              <a:t>(Dirk Englund)</a:t>
+            </a:r>
+            <a:endParaRPr lang="zh-CN" altLang="en-US" dirty="0"/>
+          </a:p>
+        </p:txBody>
+      </p:sp>
+      <p:pic>
+        <p:nvPicPr>
+          <p:cNvPr id="4" name="图片 3">
+            <a:extLst>
+              <a:ext uri="{FF2B5EF4-FFF2-40B4-BE49-F238E27FC236}">
+                <a16:creationId xmlns:a16="http://schemas.microsoft.com/office/drawing/2014/main" id="{F083C869-5221-4F58-9BB3-9086F6FA31CE}"/>
+              </a:ext>
+            </a:extLst>
+          </p:cNvPr>
+          <p:cNvPicPr>
+            <a:picLocks noChangeAspect="1"/>
+          </p:cNvPicPr>
+          <p:nvPr/>
+        </p:nvPicPr>
+        <p:blipFill>
+          <a:blip r:embed="rId2"/>
+          <a:stretch>
+            <a:fillRect/>
+          </a:stretch>
+        </p:blipFill>
+        <p:spPr>
+          <a:xfrm>
+            <a:off x="2106589" y="3937899"/>
+            <a:ext cx="7978822" cy="2554975"/>
+          </a:xfrm>
+          <a:prstGeom prst="rect">
+            <a:avLst/>
+          </a:prstGeom>
+        </p:spPr>
+      </p:pic>
+    </p:spTree>
+    <p:extLst>
+      <p:ext uri="{BB962C8B-B14F-4D97-AF65-F5344CB8AC3E}">
+        <p14:creationId xmlns:p14="http://schemas.microsoft.com/office/powerpoint/2010/main" val="3082762484"/>
+      </p:ext>
+    </p:extLst>
+  </p:cSld>
+  <p:clrMapOvr>
+    <a:masterClrMapping/>
+  </p:clrMapOvr>
+</p:sld>
+</file>
+
 <file path=ppt/slides/slide2.xml><?xml version="1.0" encoding="utf-8"?>
 <p:sld xmlns:a="http://schemas.openxmlformats.org/drawingml/2006/main" xmlns:r="http://schemas.openxmlformats.org/officeDocument/2006/relationships" xmlns:p="http://schemas.openxmlformats.org/presentationml/2006/main">
   <p:cSld>
@@ -1373,12 +1664,6 @@
           <a:p>
             <a:r>
               <a:rPr lang="en-US" altLang="zh-CN" sz="2000" dirty="0"/>
-              <a:t>Gated orthogonal recurrent units: On learning to forget, Neural Computation, 2019</a:t>
-            </a:r>
-          </a:p>
-          <a:p>
-            <a:r>
-              <a:rPr lang="en-US" altLang="zh-CN" sz="2000" dirty="0"/>
               <a:t>Tunable Efficient Unitary Neural Networks (</a:t>
             </a:r>
             <a:r>
@@ -1634,59 +1919,95 @@
           <a:lstStyle/>
           <a:p>
             <a:r>
-              <a:rPr lang="en-US" altLang="zh-CN" sz="2000" dirty="0"/>
+              <a:rPr lang="en-US" altLang="zh-CN" sz="2000" dirty="0">
+                <a:latin typeface="Times New Roman" panose="02020603050405020304" pitchFamily="18" charset="0"/>
+                <a:cs typeface="Times New Roman" panose="02020603050405020304" pitchFamily="18" charset="0"/>
+              </a:rPr>
               <a:t>Large-Scale Optical Neural Networks Based on </a:t>
             </a:r>
             <a:r>
-              <a:rPr lang="en-US" altLang="zh-CN" sz="2000" dirty="0" err="1"/>
+              <a:rPr lang="en-US" altLang="zh-CN" sz="2000" dirty="0" err="1">
+                <a:latin typeface="Times New Roman" panose="02020603050405020304" pitchFamily="18" charset="0"/>
+                <a:cs typeface="Times New Roman" panose="02020603050405020304" pitchFamily="18" charset="0"/>
+              </a:rPr>
               <a:t>Photoelecric</a:t>
             </a:r>
             <a:r>
-              <a:rPr lang="en-US" altLang="zh-CN" sz="2000" dirty="0"/>
+              <a:rPr lang="en-US" altLang="zh-CN" sz="2000" dirty="0">
+                <a:latin typeface="Times New Roman" panose="02020603050405020304" pitchFamily="18" charset="0"/>
+                <a:cs typeface="Times New Roman" panose="02020603050405020304" pitchFamily="18" charset="0"/>
+              </a:rPr>
               <a:t> Multiplication, PHYSICAL REVIEW X 9, 2019</a:t>
             </a:r>
           </a:p>
           <a:p>
             <a:r>
-              <a:rPr lang="en-US" altLang="zh-CN" sz="2000" dirty="0"/>
+              <a:rPr lang="en-US" altLang="zh-CN" sz="2000" dirty="0">
+                <a:latin typeface="Times New Roman" panose="02020603050405020304" pitchFamily="18" charset="0"/>
+                <a:cs typeface="Times New Roman" panose="02020603050405020304" pitchFamily="18" charset="0"/>
+              </a:rPr>
               <a:t>Quantum optical neural networks, Quantum Information, 2019</a:t>
             </a:r>
           </a:p>
           <a:p>
             <a:r>
-              <a:rPr lang="en-US" altLang="zh-CN" sz="2000" dirty="0"/>
+              <a:rPr lang="en-US" altLang="zh-CN" sz="2000" dirty="0">
+                <a:latin typeface="Times New Roman" panose="02020603050405020304" pitchFamily="18" charset="0"/>
+                <a:cs typeface="Times New Roman" panose="02020603050405020304" pitchFamily="18" charset="0"/>
+              </a:rPr>
               <a:t>Trace-free counterfactual communication with a nanophotonic processor, Quantum Information, 2019</a:t>
             </a:r>
           </a:p>
           <a:p>
             <a:r>
-              <a:rPr lang="en-US" altLang="zh-CN" sz="2000" dirty="0"/>
+              <a:rPr lang="en-US" altLang="zh-CN" sz="2000" dirty="0">
+                <a:latin typeface="Times New Roman" panose="02020603050405020304" pitchFamily="18" charset="0"/>
+                <a:cs typeface="Times New Roman" panose="02020603050405020304" pitchFamily="18" charset="0"/>
+              </a:rPr>
               <a:t>Variational Quantum </a:t>
             </a:r>
             <a:r>
-              <a:rPr lang="en-US" altLang="zh-CN" sz="2000" dirty="0" err="1"/>
+              <a:rPr lang="en-US" altLang="zh-CN" sz="2000" dirty="0" err="1">
+                <a:latin typeface="Times New Roman" panose="02020603050405020304" pitchFamily="18" charset="0"/>
+                <a:cs typeface="Times New Roman" panose="02020603050405020304" pitchFamily="18" charset="0"/>
+              </a:rPr>
               <a:t>Unsampling</a:t>
             </a:r>
             <a:r>
-              <a:rPr lang="en-US" altLang="zh-CN" sz="2000" dirty="0"/>
+              <a:rPr lang="en-US" altLang="zh-CN" sz="2000" dirty="0">
+                <a:latin typeface="Times New Roman" panose="02020603050405020304" pitchFamily="18" charset="0"/>
+                <a:cs typeface="Times New Roman" panose="02020603050405020304" pitchFamily="18" charset="0"/>
+              </a:rPr>
               <a:t> on a Programmable Nanophotonic Processor, CLEO, 2019</a:t>
             </a:r>
           </a:p>
           <a:p>
             <a:r>
-              <a:rPr lang="en-US" altLang="zh-CN" sz="2000" dirty="0"/>
+              <a:rPr lang="en-US" altLang="zh-CN" sz="2000" dirty="0">
+                <a:latin typeface="Times New Roman" panose="02020603050405020304" pitchFamily="18" charset="0"/>
+                <a:cs typeface="Times New Roman" panose="02020603050405020304" pitchFamily="18" charset="0"/>
+              </a:rPr>
               <a:t>Deep learning with coherent nanophotonic circuits</a:t>
             </a:r>
           </a:p>
           <a:p>
-            <a:endParaRPr lang="en-US" altLang="zh-CN" sz="2000" dirty="0"/>
-          </a:p>
-          <a:p>
-            <a:r>
-              <a:rPr lang="en-US" altLang="zh-CN" sz="2000" dirty="0"/>
+            <a:endParaRPr lang="en-US" altLang="zh-CN" sz="2000" dirty="0">
+              <a:latin typeface="Times New Roman" panose="02020603050405020304" pitchFamily="18" charset="0"/>
+              <a:cs typeface="Times New Roman" panose="02020603050405020304" pitchFamily="18" charset="0"/>
+            </a:endParaRPr>
+          </a:p>
+          <a:p>
+            <a:r>
+              <a:rPr lang="en-US" altLang="zh-CN" sz="2000" dirty="0">
+                <a:latin typeface="Times New Roman" panose="02020603050405020304" pitchFamily="18" charset="0"/>
+                <a:cs typeface="Times New Roman" panose="02020603050405020304" pitchFamily="18" charset="0"/>
+              </a:rPr>
               <a:t>Research Laboratory of Electronics, MIT</a:t>
             </a:r>
-            <a:endParaRPr lang="zh-CN" altLang="en-US" sz="2000" dirty="0"/>
+            <a:endParaRPr lang="zh-CN" altLang="en-US" sz="2000" dirty="0">
+              <a:latin typeface="Times New Roman" panose="02020603050405020304" pitchFamily="18" charset="0"/>
+              <a:cs typeface="Times New Roman" panose="02020603050405020304" pitchFamily="18" charset="0"/>
+            </a:endParaRPr>
           </a:p>
         </p:txBody>
       </p:sp>
@@ -1788,7 +2109,7 @@
           <a:p>
             <a:r>
               <a:rPr lang="en-US" altLang="zh-CN" sz="2000" dirty="0"/>
-              <a:t>Gated orthogonal recurrent units: On learning to forget</a:t>
+              <a:t>*Gated orthogonal recurrent units: On learning to forget</a:t>
             </a:r>
           </a:p>
           <a:p>
@@ -1830,10 +2151,9 @@
               <a:t>arXiv</a:t>
             </a:r>
             <a:r>
-              <a:rPr lang="en-US" altLang="zh-CN" sz="2000"/>
+              <a:rPr lang="en-US" altLang="zh-CN" sz="2000" dirty="0"/>
               <a:t>, 2018</a:t>
             </a:r>
-            <a:endParaRPr lang="en-US" altLang="zh-CN" sz="2000" dirty="0"/>
           </a:p>
           <a:p>
             <a:r>
@@ -1886,6 +2206,574 @@
     <p:extLst>
       <p:ext uri="{BB962C8B-B14F-4D97-AF65-F5344CB8AC3E}">
         <p14:creationId xmlns:p14="http://schemas.microsoft.com/office/powerpoint/2010/main" val="679095487"/>
+      </p:ext>
+    </p:extLst>
+  </p:cSld>
+  <p:clrMapOvr>
+    <a:masterClrMapping/>
+  </p:clrMapOvr>
+</p:sld>
+</file>
+
+<file path=ppt/slides/slide8.xml><?xml version="1.0" encoding="utf-8"?>
+<p:sld xmlns:a="http://schemas.openxmlformats.org/drawingml/2006/main" xmlns:r="http://schemas.openxmlformats.org/officeDocument/2006/relationships" xmlns:p="http://schemas.openxmlformats.org/presentationml/2006/main">
+  <p:cSld>
+    <p:spTree>
+      <p:nvGrpSpPr>
+        <p:cNvPr id="1" name=""/>
+        <p:cNvGrpSpPr/>
+        <p:nvPr/>
+      </p:nvGrpSpPr>
+      <p:grpSpPr>
+        <a:xfrm>
+          <a:off x="0" y="0"/>
+          <a:ext cx="0" cy="0"/>
+          <a:chOff x="0" y="0"/>
+          <a:chExt cx="0" cy="0"/>
+        </a:xfrm>
+      </p:grpSpPr>
+      <p:sp>
+        <p:nvSpPr>
+          <p:cNvPr id="2" name="内容占位符 1">
+            <a:extLst>
+              <a:ext uri="{FF2B5EF4-FFF2-40B4-BE49-F238E27FC236}">
+                <a16:creationId xmlns:a16="http://schemas.microsoft.com/office/drawing/2014/main" id="{E2F38258-C2FF-4EE9-B147-D09D6DD0E0A5}"/>
+              </a:ext>
+            </a:extLst>
+          </p:cNvPr>
+          <p:cNvSpPr>
+            <a:spLocks noGrp="1"/>
+          </p:cNvSpPr>
+          <p:nvPr>
+            <p:ph idx="1"/>
+          </p:nvPr>
+        </p:nvSpPr>
+        <p:spPr/>
+        <p:txBody>
+          <a:bodyPr/>
+          <a:lstStyle/>
+          <a:p>
+            <a:r>
+              <a:rPr lang="zh-CN" altLang="en-US" dirty="0"/>
+              <a:t>特点</a:t>
+            </a:r>
+            <a:endParaRPr lang="en-US" altLang="zh-CN" dirty="0"/>
+          </a:p>
+          <a:p>
+            <a:pPr lvl="1"/>
+            <a:r>
+              <a:rPr lang="en-US" altLang="zh-CN" dirty="0"/>
+              <a:t>reduce E/MAC (the energy per multiply and </a:t>
+            </a:r>
+            <a:r>
+              <a:rPr lang="en-US" altLang="zh-CN" dirty="0" err="1"/>
+              <a:t>accUmulate</a:t>
+            </a:r>
+            <a:r>
+              <a:rPr lang="en-US" altLang="zh-CN" dirty="0"/>
+              <a:t>) from 20 </a:t>
+            </a:r>
+            <a:r>
+              <a:rPr lang="en-US" altLang="zh-CN" dirty="0" err="1"/>
+              <a:t>pJ</a:t>
+            </a:r>
+            <a:r>
+              <a:rPr lang="en-US" altLang="zh-CN" dirty="0"/>
+              <a:t>/MAC(ASICs, GPUs) to around 1 </a:t>
+            </a:r>
+            <a:r>
+              <a:rPr lang="en-US" altLang="zh-CN" dirty="0" err="1"/>
+              <a:t>pJ</a:t>
+            </a:r>
+            <a:r>
+              <a:rPr lang="en-US" altLang="zh-CN" dirty="0"/>
+              <a:t>/MAC.</a:t>
+            </a:r>
+          </a:p>
+          <a:p>
+            <a:pPr lvl="1"/>
+            <a:r>
+              <a:rPr lang="en-US" altLang="zh-CN" dirty="0"/>
+              <a:t>1 </a:t>
+            </a:r>
+            <a:r>
+              <a:rPr lang="en-US" altLang="zh-CN" dirty="0" err="1"/>
+              <a:t>fJ</a:t>
+            </a:r>
+            <a:r>
+              <a:rPr lang="en-US" altLang="zh-CN" dirty="0"/>
+              <a:t>/MAC for modulator, rise above 1 </a:t>
+            </a:r>
+            <a:r>
+              <a:rPr lang="en-US" altLang="zh-CN" dirty="0" err="1"/>
+              <a:t>pJ</a:t>
+            </a:r>
+            <a:r>
+              <a:rPr lang="en-US" altLang="zh-CN" dirty="0"/>
+              <a:t>/MAC once the driver electronics and memory access are included</a:t>
+            </a:r>
+          </a:p>
+          <a:p>
+            <a:pPr lvl="1"/>
+            <a:r>
+              <a:rPr lang="en-US" altLang="zh-CN" dirty="0"/>
+              <a:t>naturally adapted to free space optics</a:t>
+            </a:r>
+          </a:p>
+          <a:p>
+            <a:r>
+              <a:rPr lang="en-US" altLang="zh-CN" dirty="0"/>
+              <a:t>fundamental limits:</a:t>
+            </a:r>
+          </a:p>
+          <a:p>
+            <a:pPr lvl="1"/>
+            <a:r>
+              <a:rPr lang="en-US" altLang="zh-CN" dirty="0"/>
+              <a:t>detector shot noise presents a standard quantum limit</a:t>
+            </a:r>
+          </a:p>
+          <a:p>
+            <a:pPr lvl="1"/>
+            <a:r>
+              <a:rPr lang="en-US" altLang="zh-CN" sz="1600" dirty="0"/>
+              <a:t>C. M. Caves, Quantum-Mechanical Noise in an Interferometer, Phys. Rev. D 23. 1693 (1981)</a:t>
+            </a:r>
+          </a:p>
+          <a:p>
+            <a:r>
+              <a:rPr lang="en-US" altLang="zh-CN" dirty="0"/>
+              <a:t>pretraining weights on a GPU</a:t>
+            </a:r>
+          </a:p>
+          <a:p>
+            <a:r>
+              <a:rPr lang="en-US" altLang="zh-CN" dirty="0"/>
+              <a:t>computing Neural-network performance using Monte Carlo simulations</a:t>
+            </a:r>
+          </a:p>
+        </p:txBody>
+      </p:sp>
+      <p:sp>
+        <p:nvSpPr>
+          <p:cNvPr id="3" name="标题 2">
+            <a:extLst>
+              <a:ext uri="{FF2B5EF4-FFF2-40B4-BE49-F238E27FC236}">
+                <a16:creationId xmlns:a16="http://schemas.microsoft.com/office/drawing/2014/main" id="{FEBF1208-A7ED-48DC-AAFC-277380708BBE}"/>
+              </a:ext>
+            </a:extLst>
+          </p:cNvPr>
+          <p:cNvSpPr>
+            <a:spLocks noGrp="1"/>
+          </p:cNvSpPr>
+          <p:nvPr>
+            <p:ph type="title"/>
+          </p:nvPr>
+        </p:nvSpPr>
+        <p:spPr/>
+        <p:txBody>
+          <a:bodyPr>
+            <a:noAutofit/>
+          </a:bodyPr>
+          <a:lstStyle/>
+          <a:p>
+            <a:r>
+              <a:rPr lang="en-US" altLang="zh-CN" sz="2800" dirty="0"/>
+              <a:t>Large-Scale Optical Neural Networks Based on Photoelectric Multiplication</a:t>
+            </a:r>
+            <a:endParaRPr lang="zh-CN" altLang="en-US" sz="2800" dirty="0"/>
+          </a:p>
+        </p:txBody>
+      </p:sp>
+    </p:spTree>
+    <p:extLst>
+      <p:ext uri="{BB962C8B-B14F-4D97-AF65-F5344CB8AC3E}">
+        <p14:creationId xmlns:p14="http://schemas.microsoft.com/office/powerpoint/2010/main" val="4214204154"/>
+      </p:ext>
+    </p:extLst>
+  </p:cSld>
+  <p:clrMapOvr>
+    <a:masterClrMapping/>
+  </p:clrMapOvr>
+</p:sld>
+</file>
+
+<file path=ppt/slides/slide9.xml><?xml version="1.0" encoding="utf-8"?>
+<p:sld xmlns:a="http://schemas.openxmlformats.org/drawingml/2006/main" xmlns:r="http://schemas.openxmlformats.org/officeDocument/2006/relationships" xmlns:p="http://schemas.openxmlformats.org/presentationml/2006/main">
+  <p:cSld>
+    <p:spTree>
+      <p:nvGrpSpPr>
+        <p:cNvPr id="1" name=""/>
+        <p:cNvGrpSpPr/>
+        <p:nvPr/>
+      </p:nvGrpSpPr>
+      <p:grpSpPr>
+        <a:xfrm>
+          <a:off x="0" y="0"/>
+          <a:ext cx="0" cy="0"/>
+          <a:chOff x="0" y="0"/>
+          <a:chExt cx="0" cy="0"/>
+        </a:xfrm>
+      </p:grpSpPr>
+      <p:pic>
+        <p:nvPicPr>
+          <p:cNvPr id="4" name="内容占位符 3">
+            <a:extLst>
+              <a:ext uri="{FF2B5EF4-FFF2-40B4-BE49-F238E27FC236}">
+                <a16:creationId xmlns:a16="http://schemas.microsoft.com/office/drawing/2014/main" id="{4D403EC5-E397-482B-BC7D-ECEE8A719266}"/>
+              </a:ext>
+            </a:extLst>
+          </p:cNvPr>
+          <p:cNvPicPr>
+            <a:picLocks noGrp="1" noChangeAspect="1"/>
+          </p:cNvPicPr>
+          <p:nvPr>
+            <p:ph idx="1"/>
+          </p:nvPr>
+        </p:nvPicPr>
+        <p:blipFill>
+          <a:blip r:embed="rId2"/>
+          <a:stretch>
+            <a:fillRect/>
+          </a:stretch>
+        </p:blipFill>
+        <p:spPr>
+          <a:xfrm>
+            <a:off x="391046" y="3959048"/>
+            <a:ext cx="3670300" cy="2240814"/>
+          </a:xfrm>
+          <a:prstGeom prst="rect">
+            <a:avLst/>
+          </a:prstGeom>
+        </p:spPr>
+      </p:pic>
+      <p:pic>
+        <p:nvPicPr>
+          <p:cNvPr id="3" name="图片 2">
+            <a:extLst>
+              <a:ext uri="{FF2B5EF4-FFF2-40B4-BE49-F238E27FC236}">
+                <a16:creationId xmlns:a16="http://schemas.microsoft.com/office/drawing/2014/main" id="{4F5F5F2E-4D61-4FEF-9640-332312AAE6D1}"/>
+              </a:ext>
+            </a:extLst>
+          </p:cNvPr>
+          <p:cNvPicPr>
+            <a:picLocks noChangeAspect="1"/>
+          </p:cNvPicPr>
+          <p:nvPr/>
+        </p:nvPicPr>
+        <p:blipFill>
+          <a:blip r:embed="rId3"/>
+          <a:stretch>
+            <a:fillRect/>
+          </a:stretch>
+        </p:blipFill>
+        <p:spPr>
+          <a:xfrm>
+            <a:off x="391046" y="532838"/>
+            <a:ext cx="6295345" cy="2886136"/>
+          </a:xfrm>
+          <a:prstGeom prst="rect">
+            <a:avLst/>
+          </a:prstGeom>
+        </p:spPr>
+      </p:pic>
+      <p:sp>
+        <p:nvSpPr>
+          <p:cNvPr id="5" name="文本框 4">
+            <a:extLst>
+              <a:ext uri="{FF2B5EF4-FFF2-40B4-BE49-F238E27FC236}">
+                <a16:creationId xmlns:a16="http://schemas.microsoft.com/office/drawing/2014/main" id="{5BDBB4EA-B47A-4B98-A60A-07C2398CAABA}"/>
+              </a:ext>
+            </a:extLst>
+          </p:cNvPr>
+          <p:cNvSpPr txBox="1"/>
+          <p:nvPr/>
+        </p:nvSpPr>
+        <p:spPr>
+          <a:xfrm>
+            <a:off x="4885898" y="4719869"/>
+            <a:ext cx="1800493" cy="719171"/>
+          </a:xfrm>
+          <a:prstGeom prst="rect">
+            <a:avLst/>
+          </a:prstGeom>
+          <a:noFill/>
+        </p:spPr>
+        <p:txBody>
+          <a:bodyPr wrap="none" rtlCol="0">
+            <a:spAutoFit/>
+          </a:bodyPr>
+          <a:lstStyle/>
+          <a:p>
+            <a:pPr algn="l">
+              <a:lnSpc>
+                <a:spcPct val="90000"/>
+              </a:lnSpc>
+              <a:spcBef>
+                <a:spcPts val="1000"/>
+              </a:spcBef>
+            </a:pPr>
+            <a:r>
+              <a:rPr lang="zh-CN" altLang="en-US" dirty="0">
+                <a:latin typeface="微软雅黑" panose="020B0503020204020204" pitchFamily="34" charset="-122"/>
+                <a:ea typeface="微软雅黑" panose="020B0503020204020204" pitchFamily="34" charset="-122"/>
+              </a:rPr>
+              <a:t>上图：计算过程</a:t>
+            </a:r>
+            <a:endParaRPr lang="en-US" altLang="zh-CN" dirty="0">
+              <a:latin typeface="微软雅黑" panose="020B0503020204020204" pitchFamily="34" charset="-122"/>
+              <a:ea typeface="微软雅黑" panose="020B0503020204020204" pitchFamily="34" charset="-122"/>
+            </a:endParaRPr>
+          </a:p>
+          <a:p>
+            <a:pPr algn="l">
+              <a:lnSpc>
+                <a:spcPct val="90000"/>
+              </a:lnSpc>
+              <a:spcBef>
+                <a:spcPts val="1000"/>
+              </a:spcBef>
+            </a:pPr>
+            <a:r>
+              <a:rPr lang="zh-CN" altLang="en-US" dirty="0">
+                <a:latin typeface="微软雅黑" panose="020B0503020204020204" pitchFamily="34" charset="-122"/>
+                <a:ea typeface="微软雅黑" panose="020B0503020204020204" pitchFamily="34" charset="-122"/>
+              </a:rPr>
+              <a:t>左图：并行计算</a:t>
+            </a:r>
+          </a:p>
+        </p:txBody>
+      </p:sp>
+      <p:sp>
+        <p:nvSpPr>
+          <p:cNvPr id="6" name="文本框 5">
+            <a:extLst>
+              <a:ext uri="{FF2B5EF4-FFF2-40B4-BE49-F238E27FC236}">
+                <a16:creationId xmlns:a16="http://schemas.microsoft.com/office/drawing/2014/main" id="{F47E848F-8C1D-4872-8B50-96706EA1FFA7}"/>
+              </a:ext>
+            </a:extLst>
+          </p:cNvPr>
+          <p:cNvSpPr txBox="1"/>
+          <p:nvPr/>
+        </p:nvSpPr>
+        <p:spPr>
+          <a:xfrm>
+            <a:off x="6796586" y="736979"/>
+            <a:ext cx="5240740" cy="3115725"/>
+          </a:xfrm>
+          <a:prstGeom prst="rect">
+            <a:avLst/>
+          </a:prstGeom>
+          <a:noFill/>
+        </p:spPr>
+        <p:txBody>
+          <a:bodyPr wrap="square" rtlCol="0">
+            <a:spAutoFit/>
+          </a:bodyPr>
+          <a:lstStyle/>
+          <a:p>
+            <a:pPr marL="457200" indent="-457200" algn="l">
+              <a:lnSpc>
+                <a:spcPct val="90000"/>
+              </a:lnSpc>
+              <a:spcBef>
+                <a:spcPts val="1000"/>
+              </a:spcBef>
+              <a:buFont typeface="Arial" panose="020B0604020202020204" pitchFamily="34" charset="0"/>
+              <a:buChar char="•"/>
+            </a:pPr>
+            <a:r>
+              <a:rPr lang="zh-CN" altLang="en-US" dirty="0">
+                <a:latin typeface="微软雅黑" panose="020B0503020204020204" pitchFamily="34" charset="-122"/>
+                <a:ea typeface="微软雅黑" panose="020B0503020204020204" pitchFamily="34" charset="-122"/>
+              </a:rPr>
+              <a:t>乘积值正比于探测器收到的电荷值</a:t>
+            </a:r>
+            <a:endParaRPr lang="en-US" altLang="zh-CN" dirty="0">
+              <a:latin typeface="微软雅黑" panose="020B0503020204020204" pitchFamily="34" charset="-122"/>
+              <a:ea typeface="微软雅黑" panose="020B0503020204020204" pitchFamily="34" charset="-122"/>
+            </a:endParaRPr>
+          </a:p>
+          <a:p>
+            <a:pPr marL="457200" indent="-457200" algn="l">
+              <a:lnSpc>
+                <a:spcPct val="90000"/>
+              </a:lnSpc>
+              <a:spcBef>
+                <a:spcPts val="1000"/>
+              </a:spcBef>
+              <a:buFont typeface="Arial" panose="020B0604020202020204" pitchFamily="34" charset="0"/>
+              <a:buChar char="•"/>
+            </a:pPr>
+            <a:endParaRPr lang="en-US" altLang="zh-CN" dirty="0">
+              <a:latin typeface="微软雅黑" panose="020B0503020204020204" pitchFamily="34" charset="-122"/>
+              <a:ea typeface="微软雅黑" panose="020B0503020204020204" pitchFamily="34" charset="-122"/>
+            </a:endParaRPr>
+          </a:p>
+          <a:p>
+            <a:pPr marL="457200" indent="-457200" algn="l">
+              <a:lnSpc>
+                <a:spcPct val="90000"/>
+              </a:lnSpc>
+              <a:spcBef>
+                <a:spcPts val="1000"/>
+              </a:spcBef>
+              <a:buFont typeface="Arial" panose="020B0604020202020204" pitchFamily="34" charset="0"/>
+              <a:buChar char="•"/>
+            </a:pPr>
+            <a:endParaRPr lang="en-US" altLang="zh-CN" dirty="0">
+              <a:latin typeface="微软雅黑" panose="020B0503020204020204" pitchFamily="34" charset="-122"/>
+              <a:ea typeface="微软雅黑" panose="020B0503020204020204" pitchFamily="34" charset="-122"/>
+            </a:endParaRPr>
+          </a:p>
+          <a:p>
+            <a:pPr marL="457200" indent="-457200" algn="l">
+              <a:lnSpc>
+                <a:spcPct val="90000"/>
+              </a:lnSpc>
+              <a:spcBef>
+                <a:spcPts val="1000"/>
+              </a:spcBef>
+              <a:buFont typeface="Arial" panose="020B0604020202020204" pitchFamily="34" charset="0"/>
+              <a:buChar char="•"/>
+            </a:pPr>
+            <a:r>
+              <a:rPr lang="zh-CN" altLang="en-US" dirty="0">
+                <a:latin typeface="微软雅黑" panose="020B0503020204020204" pitchFamily="34" charset="-122"/>
+                <a:ea typeface="微软雅黑" panose="020B0503020204020204" pitchFamily="34" charset="-122"/>
+              </a:rPr>
+              <a:t>并行运算</a:t>
+            </a:r>
+            <a:endParaRPr lang="en-US" altLang="zh-CN" dirty="0">
+              <a:latin typeface="微软雅黑" panose="020B0503020204020204" pitchFamily="34" charset="-122"/>
+              <a:ea typeface="微软雅黑" panose="020B0503020204020204" pitchFamily="34" charset="-122"/>
+            </a:endParaRPr>
+          </a:p>
+          <a:p>
+            <a:pPr marL="914400" lvl="1" indent="-457200">
+              <a:lnSpc>
+                <a:spcPct val="90000"/>
+              </a:lnSpc>
+              <a:spcBef>
+                <a:spcPts val="1000"/>
+              </a:spcBef>
+              <a:buFont typeface="Arial" panose="020B0604020202020204" pitchFamily="34" charset="0"/>
+              <a:buChar char="•"/>
+            </a:pPr>
+            <a:r>
+              <a:rPr lang="en-US" altLang="zh-CN" dirty="0">
+                <a:latin typeface="微软雅黑" panose="020B0503020204020204" pitchFamily="34" charset="-122"/>
+                <a:ea typeface="微软雅黑" panose="020B0503020204020204" pitchFamily="34" charset="-122"/>
+              </a:rPr>
+              <a:t>running a batch of instances, X = [</a:t>
+            </a:r>
+            <a:r>
+              <a:rPr lang="en-US" altLang="zh-CN" dirty="0" err="1">
+                <a:latin typeface="微软雅黑" panose="020B0503020204020204" pitchFamily="34" charset="-122"/>
+                <a:ea typeface="微软雅黑" panose="020B0503020204020204" pitchFamily="34" charset="-122"/>
+              </a:rPr>
+              <a:t>x1</a:t>
+            </a:r>
+            <a:r>
+              <a:rPr lang="en-US" altLang="zh-CN" dirty="0">
+                <a:latin typeface="微软雅黑" panose="020B0503020204020204" pitchFamily="34" charset="-122"/>
+                <a:ea typeface="微软雅黑" panose="020B0503020204020204" pitchFamily="34" charset="-122"/>
+              </a:rPr>
+              <a:t>…</a:t>
+            </a:r>
+            <a:r>
+              <a:rPr lang="en-US" altLang="zh-CN" dirty="0" err="1">
+                <a:latin typeface="微软雅黑" panose="020B0503020204020204" pitchFamily="34" charset="-122"/>
+                <a:ea typeface="微软雅黑" panose="020B0503020204020204" pitchFamily="34" charset="-122"/>
+              </a:rPr>
+              <a:t>xB</a:t>
+            </a:r>
+            <a:r>
+              <a:rPr lang="en-US" altLang="zh-CN" dirty="0">
+                <a:latin typeface="微软雅黑" panose="020B0503020204020204" pitchFamily="34" charset="-122"/>
+                <a:ea typeface="微软雅黑" panose="020B0503020204020204" pitchFamily="34" charset="-122"/>
+              </a:rPr>
+              <a:t>], the output Y = [</a:t>
+            </a:r>
+            <a:r>
+              <a:rPr lang="en-US" altLang="zh-CN" dirty="0" err="1">
+                <a:latin typeface="微软雅黑" panose="020B0503020204020204" pitchFamily="34" charset="-122"/>
+                <a:ea typeface="微软雅黑" panose="020B0503020204020204" pitchFamily="34" charset="-122"/>
+              </a:rPr>
+              <a:t>y1</a:t>
+            </a:r>
+            <a:r>
+              <a:rPr lang="en-US" altLang="zh-CN" dirty="0">
+                <a:latin typeface="微软雅黑" panose="020B0503020204020204" pitchFamily="34" charset="-122"/>
+                <a:ea typeface="微软雅黑" panose="020B0503020204020204" pitchFamily="34" charset="-122"/>
+              </a:rPr>
+              <a:t>…</a:t>
+            </a:r>
+            <a:r>
+              <a:rPr lang="en-US" altLang="zh-CN" dirty="0" err="1">
+                <a:latin typeface="微软雅黑" panose="020B0503020204020204" pitchFamily="34" charset="-122"/>
+                <a:ea typeface="微软雅黑" panose="020B0503020204020204" pitchFamily="34" charset="-122"/>
+              </a:rPr>
+              <a:t>yB</a:t>
+            </a:r>
+            <a:r>
+              <a:rPr lang="en-US" altLang="zh-CN" dirty="0">
+                <a:latin typeface="微软雅黑" panose="020B0503020204020204" pitchFamily="34" charset="-122"/>
+                <a:ea typeface="微软雅黑" panose="020B0503020204020204" pitchFamily="34" charset="-122"/>
+              </a:rPr>
+              <a:t>] can be computed through the matrix-matrix product Y = AX</a:t>
+            </a:r>
+          </a:p>
+          <a:p>
+            <a:pPr algn="l">
+              <a:lnSpc>
+                <a:spcPct val="90000"/>
+              </a:lnSpc>
+              <a:spcBef>
+                <a:spcPts val="1000"/>
+              </a:spcBef>
+            </a:pPr>
+            <a:endParaRPr lang="zh-CN" altLang="en-US" sz="2800" dirty="0">
+              <a:latin typeface="微软雅黑" panose="020B0503020204020204" pitchFamily="34" charset="-122"/>
+              <a:ea typeface="微软雅黑" panose="020B0503020204020204" pitchFamily="34" charset="-122"/>
+            </a:endParaRPr>
+          </a:p>
+        </p:txBody>
+      </p:sp>
+      <p:pic>
+        <p:nvPicPr>
+          <p:cNvPr id="7" name="图片 6">
+            <a:extLst>
+              <a:ext uri="{FF2B5EF4-FFF2-40B4-BE49-F238E27FC236}">
+                <a16:creationId xmlns:a16="http://schemas.microsoft.com/office/drawing/2014/main" id="{209763F8-DA4D-406B-AD0E-0546B0800C63}"/>
+              </a:ext>
+            </a:extLst>
+          </p:cNvPr>
+          <p:cNvPicPr>
+            <a:picLocks noChangeAspect="1"/>
+          </p:cNvPicPr>
+          <p:nvPr/>
+        </p:nvPicPr>
+        <p:blipFill>
+          <a:blip r:embed="rId4"/>
+          <a:stretch>
+            <a:fillRect/>
+          </a:stretch>
+        </p:blipFill>
+        <p:spPr>
+          <a:xfrm>
+            <a:off x="7962095" y="1165814"/>
+            <a:ext cx="3838859" cy="591073"/>
+          </a:xfrm>
+          <a:prstGeom prst="rect">
+            <a:avLst/>
+          </a:prstGeom>
+        </p:spPr>
+      </p:pic>
+    </p:spTree>
+    <p:extLst>
+      <p:ext uri="{BB962C8B-B14F-4D97-AF65-F5344CB8AC3E}">
+        <p14:creationId xmlns:p14="http://schemas.microsoft.com/office/powerpoint/2010/main" val="623524247"/>
       </p:ext>
     </p:extLst>
   </p:cSld>

--- a/20190918 - 光芯片深度学习调研.pptx
+++ b/20190918 - 光芯片深度学习调研.pptx
@@ -16,6 +16,7 @@
     <p:sldId id="266" r:id="rId10"/>
     <p:sldId id="264" r:id="rId11"/>
     <p:sldId id="267" r:id="rId12"/>
+    <p:sldId id="268" r:id="rId13"/>
   </p:sldIdLst>
   <p:sldSz cx="12192000" cy="6858000"/>
   <p:notesSz cx="6858000" cy="9144000"/>
@@ -1367,10 +1368,348 @@
           </a:prstGeom>
         </p:spPr>
       </p:pic>
+      <p:sp>
+        <p:nvSpPr>
+          <p:cNvPr id="5" name="矩形 4">
+            <a:extLst>
+              <a:ext uri="{FF2B5EF4-FFF2-40B4-BE49-F238E27FC236}">
+                <a16:creationId xmlns:a16="http://schemas.microsoft.com/office/drawing/2014/main" id="{12DF7CAD-0E36-4E47-AD1B-E531A170EB30}"/>
+              </a:ext>
+            </a:extLst>
+          </p:cNvPr>
+          <p:cNvSpPr/>
+          <p:nvPr/>
+        </p:nvSpPr>
+        <p:spPr>
+          <a:xfrm>
+            <a:off x="2888230" y="6580276"/>
+            <a:ext cx="6415539" cy="261610"/>
+          </a:xfrm>
+          <a:prstGeom prst="rect">
+            <a:avLst/>
+          </a:prstGeom>
+        </p:spPr>
+        <p:txBody>
+          <a:bodyPr wrap="none">
+            <a:spAutoFit/>
+          </a:bodyPr>
+          <a:lstStyle/>
+          <a:p>
+            <a:r>
+              <a:rPr lang="en-US" altLang="zh-CN" sz="1100" dirty="0">
+                <a:latin typeface="微软雅黑" panose="020B0503020204020204" pitchFamily="34" charset="-122"/>
+                <a:ea typeface="微软雅黑" panose="020B0503020204020204" pitchFamily="34" charset="-122"/>
+              </a:rPr>
+              <a:t>Gregory R. </a:t>
+            </a:r>
+            <a:r>
+              <a:rPr lang="en-US" altLang="zh-CN" sz="1100" dirty="0" err="1">
+                <a:latin typeface="微软雅黑" panose="020B0503020204020204" pitchFamily="34" charset="-122"/>
+                <a:ea typeface="微软雅黑" panose="020B0503020204020204" pitchFamily="34" charset="-122"/>
+              </a:rPr>
+              <a:t>Steinbrecher</a:t>
+            </a:r>
+            <a:r>
+              <a:rPr lang="en-US" altLang="zh-CN" sz="1100" dirty="0">
+                <a:latin typeface="微软雅黑" panose="020B0503020204020204" pitchFamily="34" charset="-122"/>
+                <a:ea typeface="微软雅黑" panose="020B0503020204020204" pitchFamily="34" charset="-122"/>
+              </a:rPr>
+              <a:t> et </a:t>
+            </a:r>
+            <a:r>
+              <a:rPr lang="en-US" altLang="zh-CN" sz="1100" dirty="0" err="1">
+                <a:latin typeface="微软雅黑" panose="020B0503020204020204" pitchFamily="34" charset="-122"/>
+                <a:ea typeface="微软雅黑" panose="020B0503020204020204" pitchFamily="34" charset="-122"/>
+              </a:rPr>
+              <a:t>al.,Quantum</a:t>
+            </a:r>
+            <a:r>
+              <a:rPr lang="en-US" altLang="zh-CN" sz="1100" dirty="0">
+                <a:latin typeface="微软雅黑" panose="020B0503020204020204" pitchFamily="34" charset="-122"/>
+                <a:ea typeface="微软雅黑" panose="020B0503020204020204" pitchFamily="34" charset="-122"/>
+              </a:rPr>
+              <a:t> optical neural networks, Quantum Information, 2019</a:t>
+            </a:r>
+            <a:endParaRPr lang="zh-CN" altLang="en-US" sz="1100" dirty="0">
+              <a:latin typeface="微软雅黑" panose="020B0503020204020204" pitchFamily="34" charset="-122"/>
+              <a:ea typeface="微软雅黑" panose="020B0503020204020204" pitchFamily="34" charset="-122"/>
+            </a:endParaRPr>
+          </a:p>
+        </p:txBody>
+      </p:sp>
     </p:spTree>
     <p:extLst>
       <p:ext uri="{BB962C8B-B14F-4D97-AF65-F5344CB8AC3E}">
         <p14:creationId xmlns:p14="http://schemas.microsoft.com/office/powerpoint/2010/main" val="3082762484"/>
+      </p:ext>
+    </p:extLst>
+  </p:cSld>
+  <p:clrMapOvr>
+    <a:masterClrMapping/>
+  </p:clrMapOvr>
+</p:sld>
+</file>
+
+<file path=ppt/slides/slide12.xml><?xml version="1.0" encoding="utf-8"?>
+<p:sld xmlns:a="http://schemas.openxmlformats.org/drawingml/2006/main" xmlns:r="http://schemas.openxmlformats.org/officeDocument/2006/relationships" xmlns:p="http://schemas.openxmlformats.org/presentationml/2006/main">
+  <p:cSld>
+    <p:spTree>
+      <p:nvGrpSpPr>
+        <p:cNvPr id="1" name=""/>
+        <p:cNvGrpSpPr/>
+        <p:nvPr/>
+      </p:nvGrpSpPr>
+      <p:grpSpPr>
+        <a:xfrm>
+          <a:off x="0" y="0"/>
+          <a:ext cx="0" cy="0"/>
+          <a:chOff x="0" y="0"/>
+          <a:chExt cx="0" cy="0"/>
+        </a:xfrm>
+      </p:grpSpPr>
+      <p:sp>
+        <p:nvSpPr>
+          <p:cNvPr id="2" name="内容占位符 1">
+            <a:extLst>
+              <a:ext uri="{FF2B5EF4-FFF2-40B4-BE49-F238E27FC236}">
+                <a16:creationId xmlns:a16="http://schemas.microsoft.com/office/drawing/2014/main" id="{6B9DE30B-A3CA-4DED-AB7B-F3B275122562}"/>
+              </a:ext>
+            </a:extLst>
+          </p:cNvPr>
+          <p:cNvSpPr>
+            <a:spLocks noGrp="1"/>
+          </p:cNvSpPr>
+          <p:nvPr>
+            <p:ph idx="1"/>
+          </p:nvPr>
+        </p:nvSpPr>
+        <p:spPr/>
+        <p:txBody>
+          <a:bodyPr>
+            <a:normAutofit/>
+          </a:bodyPr>
+          <a:lstStyle/>
+          <a:p>
+            <a:r>
+              <a:rPr lang="en-US" altLang="zh-CN" sz="2400" dirty="0">
+                <a:latin typeface="Times New Roman" panose="02020603050405020304" pitchFamily="18" charset="0"/>
+                <a:cs typeface="Times New Roman" panose="02020603050405020304" pitchFamily="18" charset="0"/>
+              </a:rPr>
+              <a:t>Performing  Quantum communication</a:t>
+            </a:r>
+          </a:p>
+          <a:p>
+            <a:r>
+              <a:rPr lang="en-US" altLang="zh-CN" sz="2400" dirty="0">
+                <a:latin typeface="Times New Roman" panose="02020603050405020304" pitchFamily="18" charset="0"/>
+                <a:cs typeface="Times New Roman" panose="02020603050405020304" pitchFamily="18" charset="0"/>
+              </a:rPr>
+              <a:t>Performing high-fidelity counterfactual communication protocol without post-selection enabled by a programmable nano-photonic programmable nanophotonic processor</a:t>
+            </a:r>
+          </a:p>
+          <a:p>
+            <a:r>
+              <a:rPr lang="en-US" altLang="zh-CN" sz="2400" dirty="0">
+                <a:latin typeface="Times New Roman" panose="02020603050405020304" pitchFamily="18" charset="0"/>
+                <a:cs typeface="Times New Roman" panose="02020603050405020304" pitchFamily="18" charset="0"/>
+              </a:rPr>
+              <a:t>implement CFC protocol using two to six concatenated beam splitters on the same photonic chip</a:t>
+            </a:r>
+          </a:p>
+          <a:p>
+            <a:r>
+              <a:rPr lang="en-US" altLang="zh-CN" sz="2400" dirty="0">
+                <a:latin typeface="Times New Roman" panose="02020603050405020304" pitchFamily="18" charset="0"/>
+                <a:cs typeface="Times New Roman" panose="02020603050405020304" pitchFamily="18" charset="0"/>
+              </a:rPr>
+              <a:t>high (99.94%) average visibility of </a:t>
+            </a:r>
+          </a:p>
+          <a:p>
+            <a:pPr marL="0" indent="0">
+              <a:buNone/>
+            </a:pPr>
+            <a:r>
+              <a:rPr lang="en-US" altLang="zh-CN" sz="2400" dirty="0">
+                <a:latin typeface="Times New Roman" panose="02020603050405020304" pitchFamily="18" charset="0"/>
+                <a:cs typeface="Times New Roman" panose="02020603050405020304" pitchFamily="18" charset="0"/>
+              </a:rPr>
+              <a:t>   the individual integrated interferometers </a:t>
+            </a:r>
+          </a:p>
+          <a:p>
+            <a:pPr marL="0" indent="0">
+              <a:buNone/>
+            </a:pPr>
+            <a:r>
+              <a:rPr lang="en-US" altLang="zh-CN" sz="2400" dirty="0">
+                <a:latin typeface="Times New Roman" panose="02020603050405020304" pitchFamily="18" charset="0"/>
+                <a:cs typeface="Times New Roman" panose="02020603050405020304" pitchFamily="18" charset="0"/>
+              </a:rPr>
+              <a:t>   allowed bit error probabilities as </a:t>
+            </a:r>
+          </a:p>
+          <a:p>
+            <a:pPr marL="0" indent="0">
+              <a:buNone/>
+            </a:pPr>
+            <a:r>
+              <a:rPr lang="en-US" altLang="zh-CN" sz="2400" dirty="0">
+                <a:latin typeface="Times New Roman" panose="02020603050405020304" pitchFamily="18" charset="0"/>
+                <a:cs typeface="Times New Roman" panose="02020603050405020304" pitchFamily="18" charset="0"/>
+              </a:rPr>
+              <a:t>   low as 1.5%</a:t>
+            </a:r>
+            <a:endParaRPr lang="zh-CN" altLang="en-US" sz="2400" dirty="0">
+              <a:latin typeface="Times New Roman" panose="02020603050405020304" pitchFamily="18" charset="0"/>
+              <a:cs typeface="Times New Roman" panose="02020603050405020304" pitchFamily="18" charset="0"/>
+            </a:endParaRPr>
+          </a:p>
+        </p:txBody>
+      </p:sp>
+      <p:sp>
+        <p:nvSpPr>
+          <p:cNvPr id="3" name="标题 2">
+            <a:extLst>
+              <a:ext uri="{FF2B5EF4-FFF2-40B4-BE49-F238E27FC236}">
+                <a16:creationId xmlns:a16="http://schemas.microsoft.com/office/drawing/2014/main" id="{F35F31EA-D297-4CDC-A765-1F4A9AE8A7A8}"/>
+              </a:ext>
+            </a:extLst>
+          </p:cNvPr>
+          <p:cNvSpPr>
+            <a:spLocks noGrp="1"/>
+          </p:cNvSpPr>
+          <p:nvPr>
+            <p:ph type="title"/>
+          </p:nvPr>
+        </p:nvSpPr>
+        <p:spPr/>
+        <p:txBody>
+          <a:bodyPr>
+            <a:noAutofit/>
+          </a:bodyPr>
+          <a:lstStyle/>
+          <a:p>
+            <a:r>
+              <a:rPr lang="en-US" altLang="zh-CN" sz="3200" dirty="0"/>
+              <a:t>Trace-free counterfactual communication with a nanophotonic processor</a:t>
+            </a:r>
+            <a:endParaRPr lang="zh-CN" altLang="en-US" sz="3200" dirty="0"/>
+          </a:p>
+        </p:txBody>
+      </p:sp>
+      <p:pic>
+        <p:nvPicPr>
+          <p:cNvPr id="4" name="图片 3">
+            <a:extLst>
+              <a:ext uri="{FF2B5EF4-FFF2-40B4-BE49-F238E27FC236}">
+                <a16:creationId xmlns:a16="http://schemas.microsoft.com/office/drawing/2014/main" id="{17F5BBE2-03D1-49A2-A92A-4EF133EF88A4}"/>
+              </a:ext>
+            </a:extLst>
+          </p:cNvPr>
+          <p:cNvPicPr>
+            <a:picLocks noChangeAspect="1"/>
+          </p:cNvPicPr>
+          <p:nvPr/>
+        </p:nvPicPr>
+        <p:blipFill>
+          <a:blip r:embed="rId2"/>
+          <a:stretch>
+            <a:fillRect/>
+          </a:stretch>
+        </p:blipFill>
+        <p:spPr>
+          <a:xfrm>
+            <a:off x="6846626" y="3617213"/>
+            <a:ext cx="4030639" cy="2875661"/>
+          </a:xfrm>
+          <a:prstGeom prst="rect">
+            <a:avLst/>
+          </a:prstGeom>
+        </p:spPr>
+      </p:pic>
+      <p:sp>
+        <p:nvSpPr>
+          <p:cNvPr id="5" name="文本框 4">
+            <a:extLst>
+              <a:ext uri="{FF2B5EF4-FFF2-40B4-BE49-F238E27FC236}">
+                <a16:creationId xmlns:a16="http://schemas.microsoft.com/office/drawing/2014/main" id="{2C5C973E-5803-4CA5-8812-F30EBAFEE1C9}"/>
+              </a:ext>
+            </a:extLst>
+          </p:cNvPr>
+          <p:cNvSpPr txBox="1"/>
+          <p:nvPr/>
+        </p:nvSpPr>
+        <p:spPr>
+          <a:xfrm>
+            <a:off x="2470245" y="6536363"/>
+            <a:ext cx="8119530" cy="237757"/>
+          </a:xfrm>
+          <a:prstGeom prst="rect">
+            <a:avLst/>
+          </a:prstGeom>
+          <a:noFill/>
+        </p:spPr>
+        <p:txBody>
+          <a:bodyPr wrap="none" rtlCol="0">
+            <a:spAutoFit/>
+          </a:bodyPr>
+          <a:lstStyle/>
+          <a:p>
+            <a:pPr>
+              <a:lnSpc>
+                <a:spcPct val="90000"/>
+              </a:lnSpc>
+              <a:spcBef>
+                <a:spcPts val="1000"/>
+              </a:spcBef>
+            </a:pPr>
+            <a:r>
+              <a:rPr lang="en-US" altLang="zh-CN" sz="1050" dirty="0">
+                <a:latin typeface="微软雅黑" panose="020B0503020204020204" pitchFamily="34" charset="-122"/>
+                <a:ea typeface="微软雅黑" panose="020B0503020204020204" pitchFamily="34" charset="-122"/>
+              </a:rPr>
+              <a:t>I. Alonso </a:t>
+            </a:r>
+            <a:r>
+              <a:rPr lang="en-US" altLang="zh-CN" sz="1050" dirty="0" err="1">
+                <a:latin typeface="微软雅黑" panose="020B0503020204020204" pitchFamily="34" charset="-122"/>
+                <a:ea typeface="微软雅黑" panose="020B0503020204020204" pitchFamily="34" charset="-122"/>
+              </a:rPr>
+              <a:t>Calafell</a:t>
+            </a:r>
+            <a:r>
+              <a:rPr lang="en-US" altLang="zh-CN" sz="1050" dirty="0">
+                <a:latin typeface="微软雅黑" panose="020B0503020204020204" pitchFamily="34" charset="-122"/>
+                <a:ea typeface="微软雅黑" panose="020B0503020204020204" pitchFamily="34" charset="-122"/>
+              </a:rPr>
+              <a:t> et </a:t>
+            </a:r>
+            <a:r>
+              <a:rPr lang="en-US" altLang="zh-CN" sz="1050" dirty="0" err="1">
+                <a:latin typeface="微软雅黑" panose="020B0503020204020204" pitchFamily="34" charset="-122"/>
+                <a:ea typeface="微软雅黑" panose="020B0503020204020204" pitchFamily="34" charset="-122"/>
+              </a:rPr>
+              <a:t>al.,Trace</a:t>
+            </a:r>
+            <a:r>
+              <a:rPr lang="en-US" altLang="zh-CN" sz="1050" dirty="0">
+                <a:latin typeface="微软雅黑" panose="020B0503020204020204" pitchFamily="34" charset="-122"/>
+                <a:ea typeface="微软雅黑" panose="020B0503020204020204" pitchFamily="34" charset="-122"/>
+              </a:rPr>
+              <a:t>-free counterfactual communication with a nanophotonic processor, Quantum Information, 2019</a:t>
+            </a:r>
+            <a:endParaRPr lang="zh-CN" altLang="en-US" sz="1050" dirty="0">
+              <a:latin typeface="微软雅黑" panose="020B0503020204020204" pitchFamily="34" charset="-122"/>
+              <a:ea typeface="微软雅黑" panose="020B0503020204020204" pitchFamily="34" charset="-122"/>
+            </a:endParaRPr>
+          </a:p>
+        </p:txBody>
+      </p:sp>
+    </p:spTree>
+    <p:extLst>
+      <p:ext uri="{BB962C8B-B14F-4D97-AF65-F5344CB8AC3E}">
+        <p14:creationId xmlns:p14="http://schemas.microsoft.com/office/powerpoint/2010/main" val="1893634446"/>
       </p:ext>
     </p:extLst>
   </p:cSld>
@@ -1415,23 +1754,37 @@
         </p:nvSpPr>
         <p:spPr/>
         <p:txBody>
-          <a:bodyPr/>
+          <a:bodyPr>
+            <a:normAutofit/>
+          </a:bodyPr>
           <a:lstStyle/>
           <a:p>
             <a:r>
-              <a:rPr lang="en-US" altLang="zh-CN" sz="2000" dirty="0"/>
+              <a:rPr lang="en-US" altLang="zh-CN" sz="2400" dirty="0">
+                <a:latin typeface="Times New Roman" panose="02020603050405020304" pitchFamily="18" charset="0"/>
+                <a:cs typeface="Times New Roman" panose="02020603050405020304" pitchFamily="18" charset="0"/>
+              </a:rPr>
               <a:t>Training of photonic neural networks through in situ backpropagation and gradient measurement, Optica, 2018.</a:t>
             </a:r>
           </a:p>
           <a:p>
             <a:r>
-              <a:rPr lang="nn-NO" altLang="zh-CN" sz="2000" dirty="0"/>
+              <a:rPr lang="nn-NO" altLang="zh-CN" sz="2400" dirty="0">
+                <a:latin typeface="Times New Roman" panose="02020603050405020304" pitchFamily="18" charset="0"/>
+                <a:cs typeface="Times New Roman" panose="02020603050405020304" pitchFamily="18" charset="0"/>
+              </a:rPr>
               <a:t>Stanford Univ, Ginzton Lab, Stanford; Stanford Univ, Dept Elect Engn, Stanford</a:t>
             </a:r>
-            <a:endParaRPr lang="en-US" altLang="zh-CN" sz="2000" dirty="0"/>
-          </a:p>
-          <a:p>
-            <a:endParaRPr lang="zh-CN" altLang="en-US" dirty="0"/>
+            <a:endParaRPr lang="en-US" altLang="zh-CN" sz="2400" dirty="0">
+              <a:latin typeface="Times New Roman" panose="02020603050405020304" pitchFamily="18" charset="0"/>
+              <a:cs typeface="Times New Roman" panose="02020603050405020304" pitchFamily="18" charset="0"/>
+            </a:endParaRPr>
+          </a:p>
+          <a:p>
+            <a:endParaRPr lang="zh-CN" altLang="en-US" sz="3200" dirty="0">
+              <a:latin typeface="Times New Roman" panose="02020603050405020304" pitchFamily="18" charset="0"/>
+              <a:cs typeface="Times New Roman" panose="02020603050405020304" pitchFamily="18" charset="0"/>
+            </a:endParaRPr>
           </a:p>
         </p:txBody>
       </p:sp>
@@ -1522,20 +1875,32 @@
           <a:lstStyle/>
           <a:p>
             <a:r>
-              <a:rPr lang="en-US" altLang="zh-CN" sz="2000" dirty="0"/>
+              <a:rPr lang="en-US" altLang="zh-CN" sz="2400" dirty="0">
+                <a:latin typeface="Times New Roman" panose="02020603050405020304" pitchFamily="18" charset="0"/>
+                <a:cs typeface="Times New Roman" panose="02020603050405020304" pitchFamily="18" charset="0"/>
+              </a:rPr>
               <a:t>Optimization of Nonlinear Nanophotonic Media for Artificial Neural Inference, Photonics Research, 2019</a:t>
             </a:r>
           </a:p>
           <a:p>
             <a:r>
-              <a:rPr lang="en-US" altLang="zh-CN" sz="2000" dirty="0"/>
+              <a:rPr lang="en-US" altLang="zh-CN" sz="2400" dirty="0">
+                <a:latin typeface="Times New Roman" panose="02020603050405020304" pitchFamily="18" charset="0"/>
+                <a:cs typeface="Times New Roman" panose="02020603050405020304" pitchFamily="18" charset="0"/>
+              </a:rPr>
               <a:t>Univ Wisconsin Madison, Dept Elect &amp; Comp </a:t>
             </a:r>
             <a:r>
-              <a:rPr lang="en-US" altLang="zh-CN" sz="2000" dirty="0" err="1"/>
+              <a:rPr lang="en-US" altLang="zh-CN" sz="2400" dirty="0" err="1">
+                <a:latin typeface="Times New Roman" panose="02020603050405020304" pitchFamily="18" charset="0"/>
+                <a:cs typeface="Times New Roman" panose="02020603050405020304" pitchFamily="18" charset="0"/>
+              </a:rPr>
               <a:t>Engn</a:t>
             </a:r>
-            <a:endParaRPr lang="zh-CN" altLang="en-US" sz="2000" dirty="0"/>
+            <a:endParaRPr lang="zh-CN" altLang="en-US" sz="2400" dirty="0">
+              <a:latin typeface="Times New Roman" panose="02020603050405020304" pitchFamily="18" charset="0"/>
+              <a:cs typeface="Times New Roman" panose="02020603050405020304" pitchFamily="18" charset="0"/>
+            </a:endParaRPr>
           </a:p>
         </p:txBody>
       </p:sp>
@@ -1626,88 +1991,145 @@
           <a:lstStyle/>
           <a:p>
             <a:r>
-              <a:rPr lang="en-US" altLang="zh-CN" sz="2000" dirty="0"/>
+              <a:rPr lang="en-US" altLang="zh-CN" sz="2400" dirty="0">
+                <a:latin typeface="Times New Roman" panose="02020603050405020304" pitchFamily="18" charset="0"/>
+                <a:cs typeface="Times New Roman" panose="02020603050405020304" pitchFamily="18" charset="0"/>
+              </a:rPr>
               <a:t>Deep learning with coherent nanophotonic circuits, Nature Photonics</a:t>
             </a:r>
           </a:p>
           <a:p>
             <a:r>
-              <a:rPr lang="en-US" altLang="zh-CN" sz="2000" dirty="0"/>
+              <a:rPr lang="en-US" altLang="zh-CN" sz="2400" dirty="0">
+                <a:latin typeface="Times New Roman" panose="02020603050405020304" pitchFamily="18" charset="0"/>
+                <a:cs typeface="Times New Roman" panose="02020603050405020304" pitchFamily="18" charset="0"/>
+              </a:rPr>
               <a:t>MIT, Elect Res Lab</a:t>
             </a:r>
           </a:p>
           <a:p>
             <a:r>
-              <a:rPr lang="en-US" altLang="zh-CN" sz="2000" dirty="0"/>
+              <a:rPr lang="en-US" altLang="zh-CN" sz="2400" dirty="0">
+                <a:latin typeface="Times New Roman" panose="02020603050405020304" pitchFamily="18" charset="0"/>
+                <a:cs typeface="Times New Roman" panose="02020603050405020304" pitchFamily="18" charset="0"/>
+              </a:rPr>
               <a:t>Shen, </a:t>
             </a:r>
             <a:r>
-              <a:rPr lang="en-US" altLang="zh-CN" sz="2000" dirty="0" err="1"/>
+              <a:rPr lang="en-US" altLang="zh-CN" sz="2400" dirty="0" err="1">
+                <a:latin typeface="Times New Roman" panose="02020603050405020304" pitchFamily="18" charset="0"/>
+                <a:cs typeface="Times New Roman" panose="02020603050405020304" pitchFamily="18" charset="0"/>
+              </a:rPr>
               <a:t>YC</a:t>
             </a:r>
             <a:r>
-              <a:rPr lang="en-US" altLang="zh-CN" sz="2000" dirty="0"/>
+              <a:rPr lang="en-US" altLang="zh-CN" sz="2400" dirty="0">
+                <a:latin typeface="Times New Roman" panose="02020603050405020304" pitchFamily="18" charset="0"/>
+                <a:cs typeface="Times New Roman" panose="02020603050405020304" pitchFamily="18" charset="0"/>
+              </a:rPr>
               <a:t>; Harris, NC (</a:t>
             </a:r>
             <a:r>
-              <a:rPr lang="zh-CN" altLang="en-US" sz="2000" dirty="0"/>
+              <a:rPr lang="zh-CN" altLang="en-US" sz="2400" dirty="0">
+                <a:latin typeface="Times New Roman" panose="02020603050405020304" pitchFamily="18" charset="0"/>
+                <a:cs typeface="Times New Roman" panose="02020603050405020304" pitchFamily="18" charset="0"/>
+              </a:rPr>
               <a:t>通讯作者</a:t>
             </a:r>
             <a:r>
-              <a:rPr lang="en-US" altLang="zh-CN" sz="2000" dirty="0"/>
+              <a:rPr lang="en-US" altLang="zh-CN" sz="2400" dirty="0">
+                <a:latin typeface="Times New Roman" panose="02020603050405020304" pitchFamily="18" charset="0"/>
+                <a:cs typeface="Times New Roman" panose="02020603050405020304" pitchFamily="18" charset="0"/>
+              </a:rPr>
               <a:t>)</a:t>
             </a:r>
           </a:p>
           <a:p>
-            <a:endParaRPr lang="en-US" altLang="zh-CN" sz="2000" dirty="0"/>
-          </a:p>
-          <a:p>
-            <a:r>
-              <a:rPr lang="en-US" altLang="zh-CN" sz="2000" dirty="0"/>
+            <a:endParaRPr lang="en-US" altLang="zh-CN" sz="2400" dirty="0">
+              <a:latin typeface="Times New Roman" panose="02020603050405020304" pitchFamily="18" charset="0"/>
+              <a:cs typeface="Times New Roman" panose="02020603050405020304" pitchFamily="18" charset="0"/>
+            </a:endParaRPr>
+          </a:p>
+          <a:p>
+            <a:r>
+              <a:rPr lang="en-US" altLang="zh-CN" sz="2400" dirty="0">
+                <a:latin typeface="Times New Roman" panose="02020603050405020304" pitchFamily="18" charset="0"/>
+                <a:cs typeface="Times New Roman" panose="02020603050405020304" pitchFamily="18" charset="0"/>
+              </a:rPr>
               <a:t>Tunable Efficient Unitary Neural Networks (</a:t>
             </a:r>
             <a:r>
-              <a:rPr lang="en-US" altLang="zh-CN" sz="2000" dirty="0" err="1"/>
+              <a:rPr lang="en-US" altLang="zh-CN" sz="2400" dirty="0" err="1">
+                <a:latin typeface="Times New Roman" panose="02020603050405020304" pitchFamily="18" charset="0"/>
+                <a:cs typeface="Times New Roman" panose="02020603050405020304" pitchFamily="18" charset="0"/>
+              </a:rPr>
               <a:t>EUNN</a:t>
             </a:r>
             <a:r>
-              <a:rPr lang="en-US" altLang="zh-CN" sz="2000" dirty="0"/>
+              <a:rPr lang="en-US" altLang="zh-CN" sz="2400" dirty="0">
+                <a:latin typeface="Times New Roman" panose="02020603050405020304" pitchFamily="18" charset="0"/>
+                <a:cs typeface="Times New Roman" panose="02020603050405020304" pitchFamily="18" charset="0"/>
+              </a:rPr>
               <a:t>) and their application to </a:t>
             </a:r>
             <a:r>
-              <a:rPr lang="en-US" altLang="zh-CN" sz="2000" dirty="0" err="1"/>
+              <a:rPr lang="en-US" altLang="zh-CN" sz="2400" dirty="0" err="1">
+                <a:latin typeface="Times New Roman" panose="02020603050405020304" pitchFamily="18" charset="0"/>
+                <a:cs typeface="Times New Roman" panose="02020603050405020304" pitchFamily="18" charset="0"/>
+              </a:rPr>
               <a:t>RNN</a:t>
             </a:r>
             <a:r>
-              <a:rPr lang="en-US" altLang="zh-CN" sz="2000" dirty="0"/>
+              <a:rPr lang="en-US" altLang="zh-CN" sz="2400" dirty="0">
+                <a:latin typeface="Times New Roman" panose="02020603050405020304" pitchFamily="18" charset="0"/>
+                <a:cs typeface="Times New Roman" panose="02020603050405020304" pitchFamily="18" charset="0"/>
+              </a:rPr>
               <a:t>, </a:t>
             </a:r>
             <a:r>
-              <a:rPr lang="en-US" altLang="zh-CN" sz="2000" dirty="0" err="1"/>
+              <a:rPr lang="en-US" altLang="zh-CN" sz="2400" dirty="0" err="1">
+                <a:latin typeface="Times New Roman" panose="02020603050405020304" pitchFamily="18" charset="0"/>
+                <a:cs typeface="Times New Roman" panose="02020603050405020304" pitchFamily="18" charset="0"/>
+              </a:rPr>
               <a:t>arXiv</a:t>
             </a:r>
             <a:r>
-              <a:rPr lang="en-US" altLang="zh-CN" sz="2000" dirty="0"/>
+              <a:rPr lang="en-US" altLang="zh-CN" sz="2400" dirty="0">
+                <a:latin typeface="Times New Roman" panose="02020603050405020304" pitchFamily="18" charset="0"/>
+                <a:cs typeface="Times New Roman" panose="02020603050405020304" pitchFamily="18" charset="0"/>
+              </a:rPr>
               <a:t>, 2017</a:t>
             </a:r>
           </a:p>
           <a:p>
             <a:r>
-              <a:rPr lang="en-US" altLang="zh-CN" sz="2000" dirty="0"/>
+              <a:rPr lang="en-US" altLang="zh-CN" sz="2400" dirty="0">
+                <a:latin typeface="Times New Roman" panose="02020603050405020304" pitchFamily="18" charset="0"/>
+                <a:cs typeface="Times New Roman" panose="02020603050405020304" pitchFamily="18" charset="0"/>
+              </a:rPr>
               <a:t>MIT</a:t>
             </a:r>
           </a:p>
           <a:p>
             <a:r>
-              <a:rPr lang="en-US" altLang="zh-CN" sz="2000" dirty="0"/>
+              <a:rPr lang="en-US" altLang="zh-CN" sz="2400" dirty="0">
+                <a:latin typeface="Times New Roman" panose="02020603050405020304" pitchFamily="18" charset="0"/>
+                <a:cs typeface="Times New Roman" panose="02020603050405020304" pitchFamily="18" charset="0"/>
+              </a:rPr>
               <a:t>Jing, L (</a:t>
             </a:r>
             <a:r>
-              <a:rPr lang="zh-CN" altLang="en-US" sz="2000" dirty="0"/>
+              <a:rPr lang="zh-CN" altLang="en-US" sz="2400" dirty="0">
+                <a:latin typeface="Times New Roman" panose="02020603050405020304" pitchFamily="18" charset="0"/>
+                <a:cs typeface="Times New Roman" panose="02020603050405020304" pitchFamily="18" charset="0"/>
+              </a:rPr>
               <a:t>通讯作者</a:t>
             </a:r>
             <a:r>
-              <a:rPr lang="en-US" altLang="zh-CN" sz="2000" dirty="0"/>
+              <a:rPr lang="en-US" altLang="zh-CN" sz="2400" dirty="0">
+                <a:latin typeface="Times New Roman" panose="02020603050405020304" pitchFamily="18" charset="0"/>
+                <a:cs typeface="Times New Roman" panose="02020603050405020304" pitchFamily="18" charset="0"/>
+              </a:rPr>
               <a:t>)</a:t>
             </a:r>
           </a:p>
@@ -1800,39 +2222,63 @@
           <a:lstStyle/>
           <a:p>
             <a:r>
-              <a:rPr lang="en-US" altLang="zh-CN" sz="2000" dirty="0"/>
+              <a:rPr lang="en-US" altLang="zh-CN" sz="2400" dirty="0">
+                <a:latin typeface="Times New Roman" panose="02020603050405020304" pitchFamily="18" charset="0"/>
+                <a:cs typeface="Times New Roman" panose="02020603050405020304" pitchFamily="18" charset="0"/>
+              </a:rPr>
               <a:t>Linear programmable nanophotonic processors, Optica, 2018</a:t>
             </a:r>
           </a:p>
           <a:p>
             <a:r>
-              <a:rPr lang="en-US" altLang="zh-CN" sz="2000" dirty="0"/>
+              <a:rPr lang="en-US" altLang="zh-CN" sz="2400" dirty="0">
+                <a:latin typeface="Times New Roman" panose="02020603050405020304" pitchFamily="18" charset="0"/>
+                <a:cs typeface="Times New Roman" panose="02020603050405020304" pitchFamily="18" charset="0"/>
+              </a:rPr>
               <a:t>MIT</a:t>
             </a:r>
           </a:p>
           <a:p>
             <a:r>
-              <a:rPr lang="en-US" altLang="zh-CN" sz="2000" dirty="0"/>
+              <a:rPr lang="en-US" altLang="zh-CN" sz="2400" dirty="0">
+                <a:latin typeface="Times New Roman" panose="02020603050405020304" pitchFamily="18" charset="0"/>
+                <a:cs typeface="Times New Roman" panose="02020603050405020304" pitchFamily="18" charset="0"/>
+              </a:rPr>
               <a:t>Englund, D (</a:t>
             </a:r>
             <a:r>
-              <a:rPr lang="zh-CN" altLang="en-US" sz="2000" dirty="0"/>
+              <a:rPr lang="zh-CN" altLang="en-US" sz="2400" dirty="0">
+                <a:latin typeface="Times New Roman" panose="02020603050405020304" pitchFamily="18" charset="0"/>
+                <a:cs typeface="Times New Roman" panose="02020603050405020304" pitchFamily="18" charset="0"/>
+              </a:rPr>
               <a:t>通讯作者</a:t>
             </a:r>
             <a:r>
-              <a:rPr lang="en-US" altLang="zh-CN" sz="2000" dirty="0"/>
+              <a:rPr lang="en-US" altLang="zh-CN" sz="2400" dirty="0">
+                <a:latin typeface="Times New Roman" panose="02020603050405020304" pitchFamily="18" charset="0"/>
+                <a:cs typeface="Times New Roman" panose="02020603050405020304" pitchFamily="18" charset="0"/>
+              </a:rPr>
               <a:t>)</a:t>
             </a:r>
           </a:p>
           <a:p>
-            <a:endParaRPr lang="en-US" altLang="zh-CN" sz="2000" dirty="0"/>
-          </a:p>
-          <a:p>
-            <a:r>
-              <a:rPr lang="en-US" altLang="zh-CN" sz="2000" dirty="0"/>
+            <a:endParaRPr lang="en-US" altLang="zh-CN" sz="2400" dirty="0">
+              <a:latin typeface="Times New Roman" panose="02020603050405020304" pitchFamily="18" charset="0"/>
+              <a:cs typeface="Times New Roman" panose="02020603050405020304" pitchFamily="18" charset="0"/>
+            </a:endParaRPr>
+          </a:p>
+          <a:p>
+            <a:r>
+              <a:rPr lang="en-US" altLang="zh-CN" sz="2400" dirty="0">
+                <a:latin typeface="Times New Roman" panose="02020603050405020304" pitchFamily="18" charset="0"/>
+                <a:cs typeface="Times New Roman" panose="02020603050405020304" pitchFamily="18" charset="0"/>
+              </a:rPr>
               <a:t>Deep learning with coherent nanophotonic circuits</a:t>
             </a:r>
-            <a:endParaRPr lang="zh-CN" altLang="en-US" sz="2000" dirty="0"/>
+            <a:endParaRPr lang="zh-CN" altLang="en-US" sz="2400" dirty="0">
+              <a:latin typeface="Times New Roman" panose="02020603050405020304" pitchFamily="18" charset="0"/>
+              <a:cs typeface="Times New Roman" panose="02020603050405020304" pitchFamily="18" charset="0"/>
+            </a:endParaRPr>
           </a:p>
         </p:txBody>
       </p:sp>
@@ -1919,21 +2365,21 @@
           <a:lstStyle/>
           <a:p>
             <a:r>
-              <a:rPr lang="en-US" altLang="zh-CN" sz="2000" dirty="0">
+              <a:rPr lang="en-US" altLang="zh-CN" sz="2400" dirty="0">
                 <a:latin typeface="Times New Roman" panose="02020603050405020304" pitchFamily="18" charset="0"/>
                 <a:cs typeface="Times New Roman" panose="02020603050405020304" pitchFamily="18" charset="0"/>
               </a:rPr>
               <a:t>Large-Scale Optical Neural Networks Based on </a:t>
             </a:r>
             <a:r>
-              <a:rPr lang="en-US" altLang="zh-CN" sz="2000" dirty="0" err="1">
+              <a:rPr lang="en-US" altLang="zh-CN" sz="2400" dirty="0" err="1">
                 <a:latin typeface="Times New Roman" panose="02020603050405020304" pitchFamily="18" charset="0"/>
                 <a:cs typeface="Times New Roman" panose="02020603050405020304" pitchFamily="18" charset="0"/>
               </a:rPr>
               <a:t>Photoelecric</a:t>
             </a:r>
             <a:r>
-              <a:rPr lang="en-US" altLang="zh-CN" sz="2000" dirty="0">
+              <a:rPr lang="en-US" altLang="zh-CN" sz="2400" dirty="0">
                 <a:latin typeface="Times New Roman" panose="02020603050405020304" pitchFamily="18" charset="0"/>
                 <a:cs typeface="Times New Roman" panose="02020603050405020304" pitchFamily="18" charset="0"/>
               </a:rPr>
@@ -1942,7 +2388,7 @@
           </a:p>
           <a:p>
             <a:r>
-              <a:rPr lang="en-US" altLang="zh-CN" sz="2000" dirty="0">
+              <a:rPr lang="en-US" altLang="zh-CN" sz="2400" dirty="0">
                 <a:latin typeface="Times New Roman" panose="02020603050405020304" pitchFamily="18" charset="0"/>
                 <a:cs typeface="Times New Roman" panose="02020603050405020304" pitchFamily="18" charset="0"/>
               </a:rPr>
@@ -1951,7 +2397,7 @@
           </a:p>
           <a:p>
             <a:r>
-              <a:rPr lang="en-US" altLang="zh-CN" sz="2000" dirty="0">
+              <a:rPr lang="en-US" altLang="zh-CN" sz="2400" dirty="0">
                 <a:latin typeface="Times New Roman" panose="02020603050405020304" pitchFamily="18" charset="0"/>
                 <a:cs typeface="Times New Roman" panose="02020603050405020304" pitchFamily="18" charset="0"/>
               </a:rPr>
@@ -1960,21 +2406,21 @@
           </a:p>
           <a:p>
             <a:r>
-              <a:rPr lang="en-US" altLang="zh-CN" sz="2000" dirty="0">
+              <a:rPr lang="en-US" altLang="zh-CN" sz="2400" dirty="0">
                 <a:latin typeface="Times New Roman" panose="02020603050405020304" pitchFamily="18" charset="0"/>
                 <a:cs typeface="Times New Roman" panose="02020603050405020304" pitchFamily="18" charset="0"/>
               </a:rPr>
               <a:t>Variational Quantum </a:t>
             </a:r>
             <a:r>
-              <a:rPr lang="en-US" altLang="zh-CN" sz="2000" dirty="0" err="1">
+              <a:rPr lang="en-US" altLang="zh-CN" sz="2400" dirty="0" err="1">
                 <a:latin typeface="Times New Roman" panose="02020603050405020304" pitchFamily="18" charset="0"/>
                 <a:cs typeface="Times New Roman" panose="02020603050405020304" pitchFamily="18" charset="0"/>
               </a:rPr>
               <a:t>Unsampling</a:t>
             </a:r>
             <a:r>
-              <a:rPr lang="en-US" altLang="zh-CN" sz="2000" dirty="0">
+              <a:rPr lang="en-US" altLang="zh-CN" sz="2400" dirty="0">
                 <a:latin typeface="Times New Roman" panose="02020603050405020304" pitchFamily="18" charset="0"/>
                 <a:cs typeface="Times New Roman" panose="02020603050405020304" pitchFamily="18" charset="0"/>
               </a:rPr>
@@ -1983,7 +2429,7 @@
           </a:p>
           <a:p>
             <a:r>
-              <a:rPr lang="en-US" altLang="zh-CN" sz="2000" dirty="0">
+              <a:rPr lang="en-US" altLang="zh-CN" sz="2400" dirty="0">
                 <a:latin typeface="Times New Roman" panose="02020603050405020304" pitchFamily="18" charset="0"/>
                 <a:cs typeface="Times New Roman" panose="02020603050405020304" pitchFamily="18" charset="0"/>
               </a:rPr>
@@ -1991,20 +2437,20 @@
             </a:r>
           </a:p>
           <a:p>
-            <a:endParaRPr lang="en-US" altLang="zh-CN" sz="2000" dirty="0">
+            <a:endParaRPr lang="en-US" altLang="zh-CN" sz="2400" dirty="0">
               <a:latin typeface="Times New Roman" panose="02020603050405020304" pitchFamily="18" charset="0"/>
               <a:cs typeface="Times New Roman" panose="02020603050405020304" pitchFamily="18" charset="0"/>
             </a:endParaRPr>
           </a:p>
           <a:p>
             <a:r>
-              <a:rPr lang="en-US" altLang="zh-CN" sz="2000" dirty="0">
+              <a:rPr lang="en-US" altLang="zh-CN" sz="2400" dirty="0">
                 <a:latin typeface="Times New Roman" panose="02020603050405020304" pitchFamily="18" charset="0"/>
                 <a:cs typeface="Times New Roman" panose="02020603050405020304" pitchFamily="18" charset="0"/>
               </a:rPr>
               <a:t>Research Laboratory of Electronics, MIT</a:t>
             </a:r>
-            <a:endParaRPr lang="zh-CN" altLang="en-US" sz="2000" dirty="0">
+            <a:endParaRPr lang="zh-CN" altLang="en-US" sz="2400" dirty="0">
               <a:latin typeface="Times New Roman" panose="02020603050405020304" pitchFamily="18" charset="0"/>
               <a:cs typeface="Times New Roman" panose="02020603050405020304" pitchFamily="18" charset="0"/>
             </a:endParaRPr>
@@ -2094,70 +2540,112 @@
           <a:lstStyle/>
           <a:p>
             <a:r>
-              <a:rPr lang="en-US" altLang="zh-CN" sz="2000" dirty="0"/>
+              <a:rPr lang="en-US" altLang="zh-CN" sz="2400" dirty="0">
+                <a:latin typeface="Times New Roman" panose="02020603050405020304" pitchFamily="18" charset="0"/>
+                <a:cs typeface="Times New Roman" panose="02020603050405020304" pitchFamily="18" charset="0"/>
+              </a:rPr>
               <a:t>Large-Scale Optical Neural Networks Based on </a:t>
             </a:r>
             <a:r>
-              <a:rPr lang="en-US" altLang="zh-CN" sz="2000" dirty="0" err="1"/>
+              <a:rPr lang="en-US" altLang="zh-CN" sz="2400" dirty="0" err="1">
+                <a:latin typeface="Times New Roman" panose="02020603050405020304" pitchFamily="18" charset="0"/>
+                <a:cs typeface="Times New Roman" panose="02020603050405020304" pitchFamily="18" charset="0"/>
+              </a:rPr>
               <a:t>Photoelecric</a:t>
             </a:r>
             <a:r>
-              <a:rPr lang="en-US" altLang="zh-CN" sz="2000" dirty="0"/>
+              <a:rPr lang="en-US" altLang="zh-CN" sz="2400" dirty="0">
+                <a:latin typeface="Times New Roman" panose="02020603050405020304" pitchFamily="18" charset="0"/>
+                <a:cs typeface="Times New Roman" panose="02020603050405020304" pitchFamily="18" charset="0"/>
+              </a:rPr>
               <a:t> Multiplication</a:t>
             </a:r>
           </a:p>
           <a:p>
             <a:r>
-              <a:rPr lang="en-US" altLang="zh-CN" sz="2000" dirty="0"/>
+              <a:rPr lang="en-US" altLang="zh-CN" sz="2400" dirty="0">
+                <a:latin typeface="Times New Roman" panose="02020603050405020304" pitchFamily="18" charset="0"/>
+                <a:cs typeface="Times New Roman" panose="02020603050405020304" pitchFamily="18" charset="0"/>
+              </a:rPr>
               <a:t>*Gated orthogonal recurrent units: On learning to forget</a:t>
             </a:r>
           </a:p>
           <a:p>
             <a:r>
-              <a:rPr lang="en-US" altLang="zh-CN" sz="2000" dirty="0"/>
+              <a:rPr lang="en-US" altLang="zh-CN" sz="2400" dirty="0">
+                <a:latin typeface="Times New Roman" panose="02020603050405020304" pitchFamily="18" charset="0"/>
+                <a:cs typeface="Times New Roman" panose="02020603050405020304" pitchFamily="18" charset="0"/>
+              </a:rPr>
               <a:t>Deep learning with coherent nanophotonic circuits</a:t>
             </a:r>
           </a:p>
           <a:p>
-            <a:endParaRPr lang="en-US" altLang="zh-CN" sz="2000" dirty="0"/>
-          </a:p>
-          <a:p>
-            <a:r>
-              <a:rPr lang="en-US" altLang="zh-CN" sz="2000" dirty="0" err="1"/>
+            <a:endParaRPr lang="en-US" altLang="zh-CN" sz="2400" dirty="0">
+              <a:latin typeface="Times New Roman" panose="02020603050405020304" pitchFamily="18" charset="0"/>
+              <a:cs typeface="Times New Roman" panose="02020603050405020304" pitchFamily="18" charset="0"/>
+            </a:endParaRPr>
+          </a:p>
+          <a:p>
+            <a:r>
+              <a:rPr lang="en-US" altLang="zh-CN" sz="2400" dirty="0" err="1">
+                <a:latin typeface="Times New Roman" panose="02020603050405020304" pitchFamily="18" charset="0"/>
+                <a:cs typeface="Times New Roman" panose="02020603050405020304" pitchFamily="18" charset="0"/>
+              </a:rPr>
               <a:t>Mitgrating</a:t>
             </a:r>
             <a:r>
-              <a:rPr lang="en-US" altLang="zh-CN" sz="2000" dirty="0"/>
+              <a:rPr lang="en-US" altLang="zh-CN" sz="2400" dirty="0">
+                <a:latin typeface="Times New Roman" panose="02020603050405020304" pitchFamily="18" charset="0"/>
+                <a:cs typeface="Times New Roman" panose="02020603050405020304" pitchFamily="18" charset="0"/>
+              </a:rPr>
               <a:t> Knowledge between Physical Scenarios Based on Artificial Neural Networks, ACS Photonics, 2019</a:t>
             </a:r>
           </a:p>
           <a:p>
             <a:r>
-              <a:rPr lang="en-US" altLang="zh-CN" sz="2000" dirty="0"/>
+              <a:rPr lang="en-US" altLang="zh-CN" sz="2400" dirty="0">
+                <a:latin typeface="Times New Roman" panose="02020603050405020304" pitchFamily="18" charset="0"/>
+                <a:cs typeface="Times New Roman" panose="02020603050405020304" pitchFamily="18" charset="0"/>
+              </a:rPr>
               <a:t>On-Chip Optical Convolutional Neural Networks</a:t>
             </a:r>
           </a:p>
           <a:p>
             <a:r>
-              <a:rPr lang="en-US" altLang="zh-CN" sz="2000" dirty="0" err="1"/>
+              <a:rPr lang="en-US" altLang="zh-CN" sz="2400" dirty="0" err="1">
+                <a:latin typeface="Times New Roman" panose="02020603050405020304" pitchFamily="18" charset="0"/>
+                <a:cs typeface="Times New Roman" panose="02020603050405020304" pitchFamily="18" charset="0"/>
+              </a:rPr>
               <a:t>WaveletNet</a:t>
             </a:r>
             <a:r>
-              <a:rPr lang="en-US" altLang="zh-CN" sz="2000" dirty="0"/>
+              <a:rPr lang="en-US" altLang="zh-CN" sz="2400" dirty="0">
+                <a:latin typeface="Times New Roman" panose="02020603050405020304" pitchFamily="18" charset="0"/>
+                <a:cs typeface="Times New Roman" panose="02020603050405020304" pitchFamily="18" charset="0"/>
+              </a:rPr>
               <a:t>, Logarithmic Scale Efficient Convolutional Neural Networks for Edge Devices,  </a:t>
             </a:r>
             <a:r>
-              <a:rPr lang="en-US" altLang="zh-CN" sz="2000" dirty="0" err="1"/>
+              <a:rPr lang="en-US" altLang="zh-CN" sz="2400" dirty="0" err="1">
+                <a:latin typeface="Times New Roman" panose="02020603050405020304" pitchFamily="18" charset="0"/>
+                <a:cs typeface="Times New Roman" panose="02020603050405020304" pitchFamily="18" charset="0"/>
+              </a:rPr>
               <a:t>arXiv</a:t>
             </a:r>
             <a:r>
-              <a:rPr lang="en-US" altLang="zh-CN" sz="2000" dirty="0"/>
+              <a:rPr lang="en-US" altLang="zh-CN" sz="2400" dirty="0">
+                <a:latin typeface="Times New Roman" panose="02020603050405020304" pitchFamily="18" charset="0"/>
+                <a:cs typeface="Times New Roman" panose="02020603050405020304" pitchFamily="18" charset="0"/>
+              </a:rPr>
               <a:t>, 2018</a:t>
             </a:r>
           </a:p>
           <a:p>
             <a:r>
-              <a:rPr lang="en-US" altLang="zh-CN" sz="2000" dirty="0"/>
+              <a:rPr lang="en-US" altLang="zh-CN" sz="2400" dirty="0">
+                <a:latin typeface="Times New Roman" panose="02020603050405020304" pitchFamily="18" charset="0"/>
+                <a:cs typeface="Times New Roman" panose="02020603050405020304" pitchFamily="18" charset="0"/>
+              </a:rPr>
               <a:t>Department of Physics, MIT</a:t>
             </a:r>
           </a:p>
@@ -2165,7 +2653,10 @@
             <a:pPr marL="0" indent="0">
               <a:buNone/>
             </a:pPr>
-            <a:endParaRPr lang="en-US" altLang="zh-CN" sz="2000" dirty="0"/>
+            <a:endParaRPr lang="en-US" altLang="zh-CN" sz="2400" dirty="0">
+              <a:latin typeface="Times New Roman" panose="02020603050405020304" pitchFamily="18" charset="0"/>
+              <a:cs typeface="Times New Roman" panose="02020603050405020304" pitchFamily="18" charset="0"/>
+            </a:endParaRPr>
           </a:p>
         </p:txBody>
       </p:sp>
@@ -2254,101 +2745,161 @@
           <a:lstStyle/>
           <a:p>
             <a:r>
-              <a:rPr lang="zh-CN" altLang="en-US" dirty="0"/>
+              <a:rPr lang="zh-CN" altLang="en-US" dirty="0">
+                <a:latin typeface="Times New Roman" panose="02020603050405020304" pitchFamily="18" charset="0"/>
+                <a:cs typeface="Times New Roman" panose="02020603050405020304" pitchFamily="18" charset="0"/>
+              </a:rPr>
               <a:t>特点</a:t>
             </a:r>
-            <a:endParaRPr lang="en-US" altLang="zh-CN" dirty="0"/>
+            <a:endParaRPr lang="en-US" altLang="zh-CN" dirty="0">
+              <a:latin typeface="Times New Roman" panose="02020603050405020304" pitchFamily="18" charset="0"/>
+              <a:cs typeface="Times New Roman" panose="02020603050405020304" pitchFamily="18" charset="0"/>
+            </a:endParaRPr>
           </a:p>
           <a:p>
             <a:pPr lvl="1"/>
             <a:r>
-              <a:rPr lang="en-US" altLang="zh-CN" dirty="0"/>
+              <a:rPr lang="en-US" altLang="zh-CN" dirty="0">
+                <a:latin typeface="Times New Roman" panose="02020603050405020304" pitchFamily="18" charset="0"/>
+                <a:cs typeface="Times New Roman" panose="02020603050405020304" pitchFamily="18" charset="0"/>
+              </a:rPr>
               <a:t>reduce E/MAC (the energy per multiply and </a:t>
             </a:r>
             <a:r>
-              <a:rPr lang="en-US" altLang="zh-CN" dirty="0" err="1"/>
+              <a:rPr lang="en-US" altLang="zh-CN" dirty="0" err="1">
+                <a:latin typeface="Times New Roman" panose="02020603050405020304" pitchFamily="18" charset="0"/>
+                <a:cs typeface="Times New Roman" panose="02020603050405020304" pitchFamily="18" charset="0"/>
+              </a:rPr>
               <a:t>accUmulate</a:t>
             </a:r>
             <a:r>
-              <a:rPr lang="en-US" altLang="zh-CN" dirty="0"/>
+              <a:rPr lang="en-US" altLang="zh-CN" dirty="0">
+                <a:latin typeface="Times New Roman" panose="02020603050405020304" pitchFamily="18" charset="0"/>
+                <a:cs typeface="Times New Roman" panose="02020603050405020304" pitchFamily="18" charset="0"/>
+              </a:rPr>
               <a:t>) from 20 </a:t>
             </a:r>
             <a:r>
-              <a:rPr lang="en-US" altLang="zh-CN" dirty="0" err="1"/>
+              <a:rPr lang="en-US" altLang="zh-CN" dirty="0" err="1">
+                <a:latin typeface="Times New Roman" panose="02020603050405020304" pitchFamily="18" charset="0"/>
+                <a:cs typeface="Times New Roman" panose="02020603050405020304" pitchFamily="18" charset="0"/>
+              </a:rPr>
               <a:t>pJ</a:t>
             </a:r>
             <a:r>
-              <a:rPr lang="en-US" altLang="zh-CN" dirty="0"/>
+              <a:rPr lang="en-US" altLang="zh-CN" dirty="0">
+                <a:latin typeface="Times New Roman" panose="02020603050405020304" pitchFamily="18" charset="0"/>
+                <a:cs typeface="Times New Roman" panose="02020603050405020304" pitchFamily="18" charset="0"/>
+              </a:rPr>
               <a:t>/MAC(ASICs, GPUs) to around 1 </a:t>
             </a:r>
             <a:r>
-              <a:rPr lang="en-US" altLang="zh-CN" dirty="0" err="1"/>
+              <a:rPr lang="en-US" altLang="zh-CN" dirty="0" err="1">
+                <a:latin typeface="Times New Roman" panose="02020603050405020304" pitchFamily="18" charset="0"/>
+                <a:cs typeface="Times New Roman" panose="02020603050405020304" pitchFamily="18" charset="0"/>
+              </a:rPr>
               <a:t>pJ</a:t>
             </a:r>
             <a:r>
-              <a:rPr lang="en-US" altLang="zh-CN" dirty="0"/>
+              <a:rPr lang="en-US" altLang="zh-CN" dirty="0">
+                <a:latin typeface="Times New Roman" panose="02020603050405020304" pitchFamily="18" charset="0"/>
+                <a:cs typeface="Times New Roman" panose="02020603050405020304" pitchFamily="18" charset="0"/>
+              </a:rPr>
               <a:t>/MAC.</a:t>
             </a:r>
           </a:p>
           <a:p>
             <a:pPr lvl="1"/>
             <a:r>
-              <a:rPr lang="en-US" altLang="zh-CN" dirty="0"/>
+              <a:rPr lang="en-US" altLang="zh-CN" dirty="0">
+                <a:latin typeface="Times New Roman" panose="02020603050405020304" pitchFamily="18" charset="0"/>
+                <a:cs typeface="Times New Roman" panose="02020603050405020304" pitchFamily="18" charset="0"/>
+              </a:rPr>
               <a:t>1 </a:t>
             </a:r>
             <a:r>
-              <a:rPr lang="en-US" altLang="zh-CN" dirty="0" err="1"/>
+              <a:rPr lang="en-US" altLang="zh-CN" dirty="0" err="1">
+                <a:latin typeface="Times New Roman" panose="02020603050405020304" pitchFamily="18" charset="0"/>
+                <a:cs typeface="Times New Roman" panose="02020603050405020304" pitchFamily="18" charset="0"/>
+              </a:rPr>
               <a:t>fJ</a:t>
             </a:r>
             <a:r>
-              <a:rPr lang="en-US" altLang="zh-CN" dirty="0"/>
+              <a:rPr lang="en-US" altLang="zh-CN" dirty="0">
+                <a:latin typeface="Times New Roman" panose="02020603050405020304" pitchFamily="18" charset="0"/>
+                <a:cs typeface="Times New Roman" panose="02020603050405020304" pitchFamily="18" charset="0"/>
+              </a:rPr>
               <a:t>/MAC for modulator, rise above 1 </a:t>
             </a:r>
             <a:r>
-              <a:rPr lang="en-US" altLang="zh-CN" dirty="0" err="1"/>
+              <a:rPr lang="en-US" altLang="zh-CN" dirty="0" err="1">
+                <a:latin typeface="Times New Roman" panose="02020603050405020304" pitchFamily="18" charset="0"/>
+                <a:cs typeface="Times New Roman" panose="02020603050405020304" pitchFamily="18" charset="0"/>
+              </a:rPr>
               <a:t>pJ</a:t>
             </a:r>
             <a:r>
-              <a:rPr lang="en-US" altLang="zh-CN" dirty="0"/>
+              <a:rPr lang="en-US" altLang="zh-CN" dirty="0">
+                <a:latin typeface="Times New Roman" panose="02020603050405020304" pitchFamily="18" charset="0"/>
+                <a:cs typeface="Times New Roman" panose="02020603050405020304" pitchFamily="18" charset="0"/>
+              </a:rPr>
               <a:t>/MAC once the driver electronics and memory access are included</a:t>
             </a:r>
           </a:p>
           <a:p>
             <a:pPr lvl="1"/>
             <a:r>
-              <a:rPr lang="en-US" altLang="zh-CN" dirty="0"/>
+              <a:rPr lang="en-US" altLang="zh-CN" dirty="0">
+                <a:latin typeface="Times New Roman" panose="02020603050405020304" pitchFamily="18" charset="0"/>
+                <a:cs typeface="Times New Roman" panose="02020603050405020304" pitchFamily="18" charset="0"/>
+              </a:rPr>
               <a:t>naturally adapted to free space optics</a:t>
             </a:r>
           </a:p>
           <a:p>
             <a:r>
-              <a:rPr lang="en-US" altLang="zh-CN" dirty="0"/>
+              <a:rPr lang="en-US" altLang="zh-CN" dirty="0">
+                <a:latin typeface="Times New Roman" panose="02020603050405020304" pitchFamily="18" charset="0"/>
+                <a:cs typeface="Times New Roman" panose="02020603050405020304" pitchFamily="18" charset="0"/>
+              </a:rPr>
               <a:t>fundamental limits:</a:t>
             </a:r>
           </a:p>
           <a:p>
             <a:pPr lvl="1"/>
             <a:r>
-              <a:rPr lang="en-US" altLang="zh-CN" dirty="0"/>
+              <a:rPr lang="en-US" altLang="zh-CN" dirty="0">
+                <a:latin typeface="Times New Roman" panose="02020603050405020304" pitchFamily="18" charset="0"/>
+                <a:cs typeface="Times New Roman" panose="02020603050405020304" pitchFamily="18" charset="0"/>
+              </a:rPr>
               <a:t>detector shot noise presents a standard quantum limit</a:t>
             </a:r>
           </a:p>
           <a:p>
             <a:pPr lvl="1"/>
             <a:r>
-              <a:rPr lang="en-US" altLang="zh-CN" sz="1600" dirty="0"/>
+              <a:rPr lang="en-US" altLang="zh-CN" sz="1600" dirty="0">
+                <a:latin typeface="Times New Roman" panose="02020603050405020304" pitchFamily="18" charset="0"/>
+                <a:cs typeface="Times New Roman" panose="02020603050405020304" pitchFamily="18" charset="0"/>
+              </a:rPr>
               <a:t>C. M. Caves, Quantum-Mechanical Noise in an Interferometer, Phys. Rev. D 23. 1693 (1981)</a:t>
             </a:r>
           </a:p>
           <a:p>
             <a:r>
-              <a:rPr lang="en-US" altLang="zh-CN" dirty="0"/>
+              <a:rPr lang="en-US" altLang="zh-CN" dirty="0">
+                <a:latin typeface="Times New Roman" panose="02020603050405020304" pitchFamily="18" charset="0"/>
+                <a:cs typeface="Times New Roman" panose="02020603050405020304" pitchFamily="18" charset="0"/>
+              </a:rPr>
               <a:t>pretraining weights on a GPU</a:t>
             </a:r>
           </a:p>
           <a:p>
             <a:r>
-              <a:rPr lang="en-US" altLang="zh-CN" dirty="0"/>
+              <a:rPr lang="en-US" altLang="zh-CN" dirty="0">
+                <a:latin typeface="Times New Roman" panose="02020603050405020304" pitchFamily="18" charset="0"/>
+                <a:cs typeface="Times New Roman" panose="02020603050405020304" pitchFamily="18" charset="0"/>
+              </a:rPr>
               <a:t>computing Neural-network performance using Monte Carlo simulations</a:t>
             </a:r>
           </a:p>
@@ -2559,7 +3110,7 @@
         <p:spPr>
           <a:xfrm>
             <a:off x="6796586" y="736979"/>
-            <a:ext cx="5240740" cy="3115725"/>
+            <a:ext cx="5240740" cy="2866426"/>
           </a:xfrm>
           <a:prstGeom prst="rect">
             <a:avLst/>
@@ -2584,14 +3135,16 @@
             </a:pPr>
             <a:r>
               <a:rPr lang="zh-CN" altLang="en-US" dirty="0">
-                <a:latin typeface="微软雅黑" panose="020B0503020204020204" pitchFamily="34" charset="-122"/>
+                <a:latin typeface="Times New Roman" panose="02020603050405020304" pitchFamily="18" charset="0"/>
                 <a:ea typeface="微软雅黑" panose="020B0503020204020204" pitchFamily="34" charset="-122"/>
+                <a:cs typeface="Times New Roman" panose="02020603050405020304" pitchFamily="18" charset="0"/>
               </a:rPr>
               <a:t>乘积值正比于探测器收到的电荷值</a:t>
             </a:r>
             <a:endParaRPr lang="en-US" altLang="zh-CN" dirty="0">
-              <a:latin typeface="微软雅黑" panose="020B0503020204020204" pitchFamily="34" charset="-122"/>
+              <a:latin typeface="Times New Roman" panose="02020603050405020304" pitchFamily="18" charset="0"/>
               <a:ea typeface="微软雅黑" panose="020B0503020204020204" pitchFamily="34" charset="-122"/>
+              <a:cs typeface="Times New Roman" panose="02020603050405020304" pitchFamily="18" charset="0"/>
             </a:endParaRPr>
           </a:p>
           <a:p>
@@ -2606,8 +3159,9 @@
               <a:buChar char="•"/>
             </a:pPr>
             <a:endParaRPr lang="en-US" altLang="zh-CN" dirty="0">
-              <a:latin typeface="微软雅黑" panose="020B0503020204020204" pitchFamily="34" charset="-122"/>
+              <a:latin typeface="Times New Roman" panose="02020603050405020304" pitchFamily="18" charset="0"/>
               <a:ea typeface="微软雅黑" panose="020B0503020204020204" pitchFamily="34" charset="-122"/>
+              <a:cs typeface="Times New Roman" panose="02020603050405020304" pitchFamily="18" charset="0"/>
             </a:endParaRPr>
           </a:p>
           <a:p>
@@ -2622,8 +3176,9 @@
               <a:buChar char="•"/>
             </a:pPr>
             <a:endParaRPr lang="en-US" altLang="zh-CN" dirty="0">
-              <a:latin typeface="微软雅黑" panose="020B0503020204020204" pitchFamily="34" charset="-122"/>
+              <a:latin typeface="Times New Roman" panose="02020603050405020304" pitchFamily="18" charset="0"/>
               <a:ea typeface="微软雅黑" panose="020B0503020204020204" pitchFamily="34" charset="-122"/>
+              <a:cs typeface="Times New Roman" panose="02020603050405020304" pitchFamily="18" charset="0"/>
             </a:endParaRPr>
           </a:p>
           <a:p>
@@ -2639,14 +3194,16 @@
             </a:pPr>
             <a:r>
               <a:rPr lang="zh-CN" altLang="en-US" dirty="0">
-                <a:latin typeface="微软雅黑" panose="020B0503020204020204" pitchFamily="34" charset="-122"/>
+                <a:latin typeface="Times New Roman" panose="02020603050405020304" pitchFamily="18" charset="0"/>
                 <a:ea typeface="微软雅黑" panose="020B0503020204020204" pitchFamily="34" charset="-122"/>
+                <a:cs typeface="Times New Roman" panose="02020603050405020304" pitchFamily="18" charset="0"/>
               </a:rPr>
               <a:t>并行运算</a:t>
             </a:r>
             <a:endParaRPr lang="en-US" altLang="zh-CN" dirty="0">
-              <a:latin typeface="微软雅黑" panose="020B0503020204020204" pitchFamily="34" charset="-122"/>
+              <a:latin typeface="Times New Roman" panose="02020603050405020304" pitchFamily="18" charset="0"/>
               <a:ea typeface="微软雅黑" panose="020B0503020204020204" pitchFamily="34" charset="-122"/>
+              <a:cs typeface="Times New Roman" panose="02020603050405020304" pitchFamily="18" charset="0"/>
             </a:endParaRPr>
           </a:p>
           <a:p>
@@ -2662,64 +3219,73 @@
             </a:pPr>
             <a:r>
               <a:rPr lang="en-US" altLang="zh-CN" dirty="0">
-                <a:latin typeface="微软雅黑" panose="020B0503020204020204" pitchFamily="34" charset="-122"/>
+                <a:latin typeface="Times New Roman" panose="02020603050405020304" pitchFamily="18" charset="0"/>
                 <a:ea typeface="微软雅黑" panose="020B0503020204020204" pitchFamily="34" charset="-122"/>
+                <a:cs typeface="Times New Roman" panose="02020603050405020304" pitchFamily="18" charset="0"/>
               </a:rPr>
               <a:t>running a batch of instances, X = [</a:t>
             </a:r>
             <a:r>
               <a:rPr lang="en-US" altLang="zh-CN" dirty="0" err="1">
-                <a:latin typeface="微软雅黑" panose="020B0503020204020204" pitchFamily="34" charset="-122"/>
+                <a:latin typeface="Times New Roman" panose="02020603050405020304" pitchFamily="18" charset="0"/>
                 <a:ea typeface="微软雅黑" panose="020B0503020204020204" pitchFamily="34" charset="-122"/>
+                <a:cs typeface="Times New Roman" panose="02020603050405020304" pitchFamily="18" charset="0"/>
               </a:rPr>
               <a:t>x1</a:t>
             </a:r>
             <a:r>
               <a:rPr lang="en-US" altLang="zh-CN" dirty="0">
-                <a:latin typeface="微软雅黑" panose="020B0503020204020204" pitchFamily="34" charset="-122"/>
+                <a:latin typeface="Times New Roman" panose="02020603050405020304" pitchFamily="18" charset="0"/>
                 <a:ea typeface="微软雅黑" panose="020B0503020204020204" pitchFamily="34" charset="-122"/>
+                <a:cs typeface="Times New Roman" panose="02020603050405020304" pitchFamily="18" charset="0"/>
               </a:rPr>
               <a:t>…</a:t>
             </a:r>
             <a:r>
               <a:rPr lang="en-US" altLang="zh-CN" dirty="0" err="1">
-                <a:latin typeface="微软雅黑" panose="020B0503020204020204" pitchFamily="34" charset="-122"/>
+                <a:latin typeface="Times New Roman" panose="02020603050405020304" pitchFamily="18" charset="0"/>
                 <a:ea typeface="微软雅黑" panose="020B0503020204020204" pitchFamily="34" charset="-122"/>
+                <a:cs typeface="Times New Roman" panose="02020603050405020304" pitchFamily="18" charset="0"/>
               </a:rPr>
               <a:t>xB</a:t>
             </a:r>
             <a:r>
               <a:rPr lang="en-US" altLang="zh-CN" dirty="0">
-                <a:latin typeface="微软雅黑" panose="020B0503020204020204" pitchFamily="34" charset="-122"/>
+                <a:latin typeface="Times New Roman" panose="02020603050405020304" pitchFamily="18" charset="0"/>
                 <a:ea typeface="微软雅黑" panose="020B0503020204020204" pitchFamily="34" charset="-122"/>
+                <a:cs typeface="Times New Roman" panose="02020603050405020304" pitchFamily="18" charset="0"/>
               </a:rPr>
               <a:t>], the output Y = [</a:t>
             </a:r>
             <a:r>
               <a:rPr lang="en-US" altLang="zh-CN" dirty="0" err="1">
-                <a:latin typeface="微软雅黑" panose="020B0503020204020204" pitchFamily="34" charset="-122"/>
+                <a:latin typeface="Times New Roman" panose="02020603050405020304" pitchFamily="18" charset="0"/>
                 <a:ea typeface="微软雅黑" panose="020B0503020204020204" pitchFamily="34" charset="-122"/>
+                <a:cs typeface="Times New Roman" panose="02020603050405020304" pitchFamily="18" charset="0"/>
               </a:rPr>
               <a:t>y1</a:t>
             </a:r>
             <a:r>
               <a:rPr lang="en-US" altLang="zh-CN" dirty="0">
-                <a:latin typeface="微软雅黑" panose="020B0503020204020204" pitchFamily="34" charset="-122"/>
+                <a:latin typeface="Times New Roman" panose="02020603050405020304" pitchFamily="18" charset="0"/>
                 <a:ea typeface="微软雅黑" panose="020B0503020204020204" pitchFamily="34" charset="-122"/>
+                <a:cs typeface="Times New Roman" panose="02020603050405020304" pitchFamily="18" charset="0"/>
               </a:rPr>
               <a:t>…</a:t>
             </a:r>
             <a:r>
               <a:rPr lang="en-US" altLang="zh-CN" dirty="0" err="1">
-                <a:latin typeface="微软雅黑" panose="020B0503020204020204" pitchFamily="34" charset="-122"/>
+                <a:latin typeface="Times New Roman" panose="02020603050405020304" pitchFamily="18" charset="0"/>
                 <a:ea typeface="微软雅黑" panose="020B0503020204020204" pitchFamily="34" charset="-122"/>
+                <a:cs typeface="Times New Roman" panose="02020603050405020304" pitchFamily="18" charset="0"/>
               </a:rPr>
               <a:t>yB</a:t>
             </a:r>
             <a:r>
               <a:rPr lang="en-US" altLang="zh-CN" dirty="0">
-                <a:latin typeface="微软雅黑" panose="020B0503020204020204" pitchFamily="34" charset="-122"/>
+                <a:latin typeface="Times New Roman" panose="02020603050405020304" pitchFamily="18" charset="0"/>
                 <a:ea typeface="微软雅黑" panose="020B0503020204020204" pitchFamily="34" charset="-122"/>
+                <a:cs typeface="Times New Roman" panose="02020603050405020304" pitchFamily="18" charset="0"/>
               </a:rPr>
               <a:t>] can be computed through the matrix-matrix product Y = AX</a:t>
             </a:r>

--- a/20190918 - 光芯片深度学习调研.pptx
+++ b/20190918 - 光芯片深度学习调研.pptx
@@ -12,11 +12,23 @@
     <p:sldId id="260" r:id="rId6"/>
     <p:sldId id="261" r:id="rId7"/>
     <p:sldId id="262" r:id="rId8"/>
-    <p:sldId id="263" r:id="rId9"/>
-    <p:sldId id="266" r:id="rId10"/>
-    <p:sldId id="264" r:id="rId11"/>
-    <p:sldId id="267" r:id="rId12"/>
-    <p:sldId id="268" r:id="rId13"/>
+    <p:sldId id="274" r:id="rId9"/>
+    <p:sldId id="275" r:id="rId10"/>
+    <p:sldId id="276" r:id="rId11"/>
+    <p:sldId id="277" r:id="rId12"/>
+    <p:sldId id="278" r:id="rId13"/>
+    <p:sldId id="279" r:id="rId14"/>
+    <p:sldId id="280" r:id="rId15"/>
+    <p:sldId id="263" r:id="rId16"/>
+    <p:sldId id="266" r:id="rId17"/>
+    <p:sldId id="264" r:id="rId18"/>
+    <p:sldId id="267" r:id="rId19"/>
+    <p:sldId id="268" r:id="rId20"/>
+    <p:sldId id="269" r:id="rId21"/>
+    <p:sldId id="270" r:id="rId22"/>
+    <p:sldId id="271" r:id="rId23"/>
+    <p:sldId id="272" r:id="rId24"/>
+    <p:sldId id="273" r:id="rId25"/>
   </p:sldIdLst>
   <p:sldSz cx="12192000" cy="6858000"/>
   <p:notesSz cx="6858000" cy="9144000"/>
@@ -1113,6 +1125,2037 @@
       </p:grpSpPr>
       <p:sp>
         <p:nvSpPr>
+          <p:cNvPr id="2" name="内容占位符 1">
+            <a:extLst>
+              <a:ext uri="{FF2B5EF4-FFF2-40B4-BE49-F238E27FC236}">
+                <a16:creationId xmlns:a16="http://schemas.microsoft.com/office/drawing/2014/main" id="{AB7973F7-FBE8-46AE-A3C9-B6CD5F3DCB2C}"/>
+              </a:ext>
+            </a:extLst>
+          </p:cNvPr>
+          <p:cNvSpPr>
+            <a:spLocks noGrp="1"/>
+          </p:cNvSpPr>
+          <p:nvPr>
+            <p:ph idx="1"/>
+          </p:nvPr>
+        </p:nvSpPr>
+        <p:spPr>
+          <a:xfrm>
+            <a:off x="5727940" y="1348276"/>
+            <a:ext cx="5625860" cy="5144494"/>
+          </a:xfrm>
+        </p:spPr>
+        <p:txBody>
+          <a:bodyPr>
+            <a:normAutofit lnSpcReduction="10000"/>
+          </a:bodyPr>
+          <a:lstStyle/>
+          <a:p>
+            <a:pPr marL="457200" indent="-457200">
+              <a:buAutoNum type="arabicPeriod"/>
+            </a:pPr>
+            <a:r>
+              <a:rPr lang="en-US" altLang="zh-CN" sz="2400" dirty="0">
+                <a:latin typeface="Times New Roman" panose="02020603050405020304" pitchFamily="18" charset="0"/>
+                <a:cs typeface="Times New Roman" panose="02020603050405020304" pitchFamily="18" charset="0"/>
+              </a:rPr>
+              <a:t>Send in the original field amplitude and measure and store the intensities at each phase shifter.</a:t>
+            </a:r>
+          </a:p>
+          <a:p>
+            <a:pPr marL="457200" indent="-457200">
+              <a:buAutoNum type="arabicPeriod"/>
+            </a:pPr>
+            <a:r>
+              <a:rPr lang="en-US" altLang="zh-CN" sz="2400" dirty="0">
+                <a:latin typeface="Times New Roman" panose="02020603050405020304" pitchFamily="18" charset="0"/>
+                <a:cs typeface="Times New Roman" panose="02020603050405020304" pitchFamily="18" charset="0"/>
+              </a:rPr>
+              <a:t>Send delta into the output ports and measure and store the intensities at each phase shifter.</a:t>
+            </a:r>
+          </a:p>
+          <a:p>
+            <a:pPr marL="457200" indent="-457200">
+              <a:buAutoNum type="arabicPeriod"/>
+            </a:pPr>
+            <a:r>
+              <a:rPr lang="en-US" altLang="zh-CN" sz="2400" dirty="0">
+                <a:latin typeface="Times New Roman" panose="02020603050405020304" pitchFamily="18" charset="0"/>
+                <a:cs typeface="Times New Roman" panose="02020603050405020304" pitchFamily="18" charset="0"/>
+              </a:rPr>
+              <a:t>Compute the time-reversed adjoint input field amplitudes.</a:t>
+            </a:r>
+          </a:p>
+          <a:p>
+            <a:pPr marL="457200" indent="-457200">
+              <a:buAutoNum type="arabicPeriod"/>
+            </a:pPr>
+            <a:r>
+              <a:rPr lang="en-US" altLang="zh-CN" sz="2400" dirty="0">
+                <a:latin typeface="Times New Roman" panose="02020603050405020304" pitchFamily="18" charset="0"/>
+                <a:cs typeface="Times New Roman" panose="02020603050405020304" pitchFamily="18" charset="0"/>
+              </a:rPr>
+              <a:t>Interfere the original and the time-reversed adjoint fields in the device, measuring again the resulting intensities at each shifter.</a:t>
+            </a:r>
+          </a:p>
+          <a:p>
+            <a:pPr marL="457200" indent="-457200">
+              <a:buAutoNum type="arabicPeriod"/>
+            </a:pPr>
+            <a:r>
+              <a:rPr lang="en-US" altLang="zh-CN" sz="2400" dirty="0">
+                <a:latin typeface="Times New Roman" panose="02020603050405020304" pitchFamily="18" charset="0"/>
+                <a:cs typeface="Times New Roman" panose="02020603050405020304" pitchFamily="18" charset="0"/>
+              </a:rPr>
+              <a:t>Subtract the constant intensity terms from steps 1 and 2 and multiply by k square to recover the gradient. </a:t>
+            </a:r>
+            <a:endParaRPr lang="zh-CN" altLang="en-US" sz="2400" dirty="0">
+              <a:latin typeface="Times New Roman" panose="02020603050405020304" pitchFamily="18" charset="0"/>
+              <a:cs typeface="Times New Roman" panose="02020603050405020304" pitchFamily="18" charset="0"/>
+            </a:endParaRPr>
+          </a:p>
+        </p:txBody>
+      </p:sp>
+      <p:sp>
+        <p:nvSpPr>
+          <p:cNvPr id="3" name="标题 2">
+            <a:extLst>
+              <a:ext uri="{FF2B5EF4-FFF2-40B4-BE49-F238E27FC236}">
+                <a16:creationId xmlns:a16="http://schemas.microsoft.com/office/drawing/2014/main" id="{5D8AF83B-53F8-4974-AE38-5B43F6814ED2}"/>
+              </a:ext>
+            </a:extLst>
+          </p:cNvPr>
+          <p:cNvSpPr>
+            <a:spLocks noGrp="1"/>
+          </p:cNvSpPr>
+          <p:nvPr>
+            <p:ph type="title"/>
+          </p:nvPr>
+        </p:nvSpPr>
+        <p:spPr/>
+        <p:txBody>
+          <a:bodyPr/>
+          <a:lstStyle/>
+          <a:p>
+            <a:r>
+              <a:rPr lang="zh-CN" altLang="en-US" dirty="0"/>
+              <a:t>步骤</a:t>
+            </a:r>
+          </a:p>
+        </p:txBody>
+      </p:sp>
+      <p:pic>
+        <p:nvPicPr>
+          <p:cNvPr id="4" name="图片 3">
+            <a:extLst>
+              <a:ext uri="{FF2B5EF4-FFF2-40B4-BE49-F238E27FC236}">
+                <a16:creationId xmlns:a16="http://schemas.microsoft.com/office/drawing/2014/main" id="{E36E2D26-B3E0-4F8C-A0E6-FADA501BC3B0}"/>
+              </a:ext>
+            </a:extLst>
+          </p:cNvPr>
+          <p:cNvPicPr>
+            <a:picLocks noChangeAspect="1"/>
+          </p:cNvPicPr>
+          <p:nvPr/>
+        </p:nvPicPr>
+        <p:blipFill>
+          <a:blip r:embed="rId2"/>
+          <a:stretch>
+            <a:fillRect/>
+          </a:stretch>
+        </p:blipFill>
+        <p:spPr>
+          <a:xfrm>
+            <a:off x="1258269" y="1510748"/>
+            <a:ext cx="3395505" cy="4683018"/>
+          </a:xfrm>
+          <a:prstGeom prst="rect">
+            <a:avLst/>
+          </a:prstGeom>
+        </p:spPr>
+      </p:pic>
+      <p:sp>
+        <p:nvSpPr>
+          <p:cNvPr id="7" name="文本框 6">
+            <a:extLst>
+              <a:ext uri="{FF2B5EF4-FFF2-40B4-BE49-F238E27FC236}">
+                <a16:creationId xmlns:a16="http://schemas.microsoft.com/office/drawing/2014/main" id="{CDBCC8E1-CB48-4B72-A804-9A589B348EA3}"/>
+              </a:ext>
+            </a:extLst>
+          </p:cNvPr>
+          <p:cNvSpPr txBox="1"/>
+          <p:nvPr/>
+        </p:nvSpPr>
+        <p:spPr>
+          <a:xfrm>
+            <a:off x="537633" y="6361965"/>
+            <a:ext cx="11116734" cy="261610"/>
+          </a:xfrm>
+          <a:prstGeom prst="rect">
+            <a:avLst/>
+          </a:prstGeom>
+          <a:noFill/>
+        </p:spPr>
+        <p:txBody>
+          <a:bodyPr wrap="square" rtlCol="0">
+            <a:spAutoFit/>
+          </a:bodyPr>
+          <a:lstStyle/>
+          <a:p>
+            <a:r>
+              <a:rPr lang="en-US" altLang="zh-CN" sz="1100" dirty="0" err="1">
+                <a:latin typeface="微软雅黑" panose="020B0503020204020204" pitchFamily="34" charset="-122"/>
+                <a:ea typeface="微软雅黑" panose="020B0503020204020204" pitchFamily="34" charset="-122"/>
+              </a:rPr>
+              <a:t>Shanhui</a:t>
+            </a:r>
+            <a:r>
+              <a:rPr lang="en-US" altLang="zh-CN" sz="1100" dirty="0">
+                <a:latin typeface="微软雅黑" panose="020B0503020204020204" pitchFamily="34" charset="-122"/>
+                <a:ea typeface="微软雅黑" panose="020B0503020204020204" pitchFamily="34" charset="-122"/>
+              </a:rPr>
+              <a:t> Fan et al., “Training of photonic neural networks through in situ backpropagation and gradient measurement”, Frontiers in Optics/ Laser Science, 2018.</a:t>
+            </a:r>
+            <a:endParaRPr lang="zh-CN" altLang="en-US" sz="1100" dirty="0">
+              <a:latin typeface="微软雅黑" panose="020B0503020204020204" pitchFamily="34" charset="-122"/>
+              <a:ea typeface="微软雅黑" panose="020B0503020204020204" pitchFamily="34" charset="-122"/>
+            </a:endParaRPr>
+          </a:p>
+        </p:txBody>
+      </p:sp>
+    </p:spTree>
+    <p:extLst>
+      <p:ext uri="{BB962C8B-B14F-4D97-AF65-F5344CB8AC3E}">
+        <p14:creationId xmlns:p14="http://schemas.microsoft.com/office/powerpoint/2010/main" val="2719784782"/>
+      </p:ext>
+    </p:extLst>
+  </p:cSld>
+  <p:clrMapOvr>
+    <a:masterClrMapping/>
+  </p:clrMapOvr>
+</p:sld>
+</file>
+
+<file path=ppt/slides/slide11.xml><?xml version="1.0" encoding="utf-8"?>
+<p:sld xmlns:a="http://schemas.openxmlformats.org/drawingml/2006/main" xmlns:r="http://schemas.openxmlformats.org/officeDocument/2006/relationships" xmlns:p="http://schemas.openxmlformats.org/presentationml/2006/main">
+  <p:cSld>
+    <p:spTree>
+      <p:nvGrpSpPr>
+        <p:cNvPr id="1" name=""/>
+        <p:cNvGrpSpPr/>
+        <p:nvPr/>
+      </p:nvGrpSpPr>
+      <p:grpSpPr>
+        <a:xfrm>
+          <a:off x="0" y="0"/>
+          <a:ext cx="0" cy="0"/>
+          <a:chOff x="0" y="0"/>
+          <a:chExt cx="0" cy="0"/>
+        </a:xfrm>
+      </p:grpSpPr>
+      <p:sp>
+        <p:nvSpPr>
+          <p:cNvPr id="2" name="内容占位符 1">
+            <a:extLst>
+              <a:ext uri="{FF2B5EF4-FFF2-40B4-BE49-F238E27FC236}">
+                <a16:creationId xmlns:a16="http://schemas.microsoft.com/office/drawing/2014/main" id="{96401D0D-6B6C-434D-AF85-25855792BCD5}"/>
+              </a:ext>
+            </a:extLst>
+          </p:cNvPr>
+          <p:cNvSpPr>
+            <a:spLocks noGrp="1"/>
+          </p:cNvSpPr>
+          <p:nvPr>
+            <p:ph idx="1"/>
+          </p:nvPr>
+        </p:nvSpPr>
+        <p:spPr/>
+        <p:txBody>
+          <a:bodyPr/>
+          <a:lstStyle/>
+          <a:p>
+            <a:pPr marL="514350" indent="-514350">
+              <a:buAutoNum type="arabicPeriod"/>
+            </a:pPr>
+            <a:r>
+              <a:rPr lang="en-US" altLang="zh-CN" dirty="0">
+                <a:latin typeface="Times New Roman" panose="02020603050405020304" pitchFamily="18" charset="0"/>
+                <a:cs typeface="Times New Roman" panose="02020603050405020304" pitchFamily="18" charset="0"/>
+              </a:rPr>
+              <a:t>Assuming linear, lossless, reciprocal, feed-forward propagation inside the </a:t>
+            </a:r>
+            <a:r>
+              <a:rPr lang="en-US" altLang="zh-CN" dirty="0" err="1">
+                <a:latin typeface="Times New Roman" panose="02020603050405020304" pitchFamily="18" charset="0"/>
+                <a:cs typeface="Times New Roman" panose="02020603050405020304" pitchFamily="18" charset="0"/>
+              </a:rPr>
+              <a:t>OIU</a:t>
+            </a:r>
+            <a:r>
+              <a:rPr lang="en-US" altLang="zh-CN" dirty="0">
+                <a:latin typeface="Times New Roman" panose="02020603050405020304" pitchFamily="18" charset="0"/>
+                <a:cs typeface="Times New Roman" panose="02020603050405020304" pitchFamily="18" charset="0"/>
+              </a:rPr>
+              <a:t>.</a:t>
+            </a:r>
+          </a:p>
+          <a:p>
+            <a:pPr marL="514350" indent="-514350">
+              <a:buAutoNum type="arabicPeriod"/>
+            </a:pPr>
+            <a:r>
+              <a:rPr lang="en-US" altLang="zh-CN" dirty="0">
+                <a:latin typeface="Times New Roman" panose="02020603050405020304" pitchFamily="18" charset="0"/>
+                <a:cs typeface="Times New Roman" panose="02020603050405020304" pitchFamily="18" charset="0"/>
+              </a:rPr>
+              <a:t>Mode-dependent loss limits the ability to accurately reconstruct the time-reversed adjoint field.</a:t>
+            </a:r>
+          </a:p>
+          <a:p>
+            <a:pPr marL="514350" indent="-514350">
+              <a:buFont typeface="Arial" panose="020B0604020202020204" pitchFamily="34" charset="0"/>
+              <a:buAutoNum type="arabicPeriod"/>
+            </a:pPr>
+            <a:r>
+              <a:rPr lang="en-US" altLang="zh-CN" dirty="0">
+                <a:latin typeface="Times New Roman" panose="02020603050405020304" pitchFamily="18" charset="0"/>
+                <a:cs typeface="Times New Roman" panose="02020603050405020304" pitchFamily="18" charset="0"/>
+              </a:rPr>
+              <a:t>40% of the light is lost due to back-scattering and radiation losses for 3 * 3 operation. (shown below)</a:t>
+            </a:r>
+          </a:p>
+        </p:txBody>
+      </p:sp>
+      <p:sp>
+        <p:nvSpPr>
+          <p:cNvPr id="3" name="标题 2">
+            <a:extLst>
+              <a:ext uri="{FF2B5EF4-FFF2-40B4-BE49-F238E27FC236}">
+                <a16:creationId xmlns:a16="http://schemas.microsoft.com/office/drawing/2014/main" id="{52D259F2-04A8-432A-83CE-0BA61CBFA6BB}"/>
+              </a:ext>
+            </a:extLst>
+          </p:cNvPr>
+          <p:cNvSpPr>
+            <a:spLocks noGrp="1"/>
+          </p:cNvSpPr>
+          <p:nvPr>
+            <p:ph type="title"/>
+          </p:nvPr>
+        </p:nvSpPr>
+        <p:spPr/>
+        <p:txBody>
+          <a:bodyPr/>
+          <a:lstStyle/>
+          <a:p>
+            <a:r>
+              <a:rPr lang="en-US" altLang="zh-CN" dirty="0"/>
+              <a:t>Restriction</a:t>
+            </a:r>
+            <a:endParaRPr lang="zh-CN" altLang="en-US" dirty="0"/>
+          </a:p>
+        </p:txBody>
+      </p:sp>
+      <p:pic>
+        <p:nvPicPr>
+          <p:cNvPr id="4" name="图片 3">
+            <a:extLst>
+              <a:ext uri="{FF2B5EF4-FFF2-40B4-BE49-F238E27FC236}">
+                <a16:creationId xmlns:a16="http://schemas.microsoft.com/office/drawing/2014/main" id="{EBDD6999-C94B-47FB-BD2E-077EFAE18A57}"/>
+              </a:ext>
+            </a:extLst>
+          </p:cNvPr>
+          <p:cNvPicPr>
+            <a:picLocks noChangeAspect="1"/>
+          </p:cNvPicPr>
+          <p:nvPr/>
+        </p:nvPicPr>
+        <p:blipFill>
+          <a:blip r:embed="rId2"/>
+          <a:stretch>
+            <a:fillRect/>
+          </a:stretch>
+        </p:blipFill>
+        <p:spPr>
+          <a:xfrm>
+            <a:off x="1439792" y="4082995"/>
+            <a:ext cx="5633868" cy="1897655"/>
+          </a:xfrm>
+          <a:prstGeom prst="rect">
+            <a:avLst/>
+          </a:prstGeom>
+        </p:spPr>
+      </p:pic>
+      <p:sp>
+        <p:nvSpPr>
+          <p:cNvPr id="5" name="文本框 4">
+            <a:extLst>
+              <a:ext uri="{FF2B5EF4-FFF2-40B4-BE49-F238E27FC236}">
+                <a16:creationId xmlns:a16="http://schemas.microsoft.com/office/drawing/2014/main" id="{BAA5B594-66B7-4138-8CDA-336031BB1325}"/>
+              </a:ext>
+            </a:extLst>
+          </p:cNvPr>
+          <p:cNvSpPr txBox="1"/>
+          <p:nvPr/>
+        </p:nvSpPr>
+        <p:spPr>
+          <a:xfrm>
+            <a:off x="7652868" y="5147197"/>
+            <a:ext cx="4302524" cy="400110"/>
+          </a:xfrm>
+          <a:prstGeom prst="rect">
+            <a:avLst/>
+          </a:prstGeom>
+          <a:noFill/>
+        </p:spPr>
+        <p:txBody>
+          <a:bodyPr wrap="square" rtlCol="0">
+            <a:spAutoFit/>
+          </a:bodyPr>
+          <a:lstStyle/>
+          <a:p>
+            <a:r>
+              <a:rPr lang="en-US" altLang="zh-CN" sz="1000" dirty="0" err="1">
+                <a:latin typeface="微软雅黑" panose="020B0503020204020204" pitchFamily="34" charset="-122"/>
+                <a:ea typeface="微软雅黑" panose="020B0503020204020204" pitchFamily="34" charset="-122"/>
+              </a:rPr>
+              <a:t>Shanhui</a:t>
+            </a:r>
+            <a:r>
+              <a:rPr lang="en-US" altLang="zh-CN" sz="1000" dirty="0">
+                <a:latin typeface="微软雅黑" panose="020B0503020204020204" pitchFamily="34" charset="-122"/>
+                <a:ea typeface="微软雅黑" panose="020B0503020204020204" pitchFamily="34" charset="-122"/>
+              </a:rPr>
+              <a:t> Fan et al., “In-situ Backpropagation in Photonic Neural Networks”, Frontiers in Optics/ Laser Science, 2018.</a:t>
+            </a:r>
+            <a:endParaRPr lang="zh-CN" altLang="en-US" sz="1000" dirty="0">
+              <a:latin typeface="微软雅黑" panose="020B0503020204020204" pitchFamily="34" charset="-122"/>
+              <a:ea typeface="微软雅黑" panose="020B0503020204020204" pitchFamily="34" charset="-122"/>
+            </a:endParaRPr>
+          </a:p>
+        </p:txBody>
+      </p:sp>
+    </p:spTree>
+    <p:extLst>
+      <p:ext uri="{BB962C8B-B14F-4D97-AF65-F5344CB8AC3E}">
+        <p14:creationId xmlns:p14="http://schemas.microsoft.com/office/powerpoint/2010/main" val="1854545203"/>
+      </p:ext>
+    </p:extLst>
+  </p:cSld>
+  <p:clrMapOvr>
+    <a:masterClrMapping/>
+  </p:clrMapOvr>
+</p:sld>
+</file>
+
+<file path=ppt/slides/slide12.xml><?xml version="1.0" encoding="utf-8"?>
+<p:sld xmlns:a="http://schemas.openxmlformats.org/drawingml/2006/main" xmlns:r="http://schemas.openxmlformats.org/officeDocument/2006/relationships" xmlns:p="http://schemas.openxmlformats.org/presentationml/2006/main">
+  <p:cSld>
+    <p:spTree>
+      <p:nvGrpSpPr>
+        <p:cNvPr id="1" name=""/>
+        <p:cNvGrpSpPr/>
+        <p:nvPr/>
+      </p:nvGrpSpPr>
+      <p:grpSpPr>
+        <a:xfrm>
+          <a:off x="0" y="0"/>
+          <a:ext cx="0" cy="0"/>
+          <a:chOff x="0" y="0"/>
+          <a:chExt cx="0" cy="0"/>
+        </a:xfrm>
+      </p:grpSpPr>
+      <p:sp>
+        <p:nvSpPr>
+          <p:cNvPr id="2" name="内容占位符 1">
+            <a:extLst>
+              <a:ext uri="{FF2B5EF4-FFF2-40B4-BE49-F238E27FC236}">
+                <a16:creationId xmlns:a16="http://schemas.microsoft.com/office/drawing/2014/main" id="{33FFD9F5-87AD-4FE8-B4D3-A0232C7CA129}"/>
+              </a:ext>
+            </a:extLst>
+          </p:cNvPr>
+          <p:cNvSpPr>
+            <a:spLocks noGrp="1"/>
+          </p:cNvSpPr>
+          <p:nvPr>
+            <p:ph idx="1"/>
+          </p:nvPr>
+        </p:nvSpPr>
+        <p:spPr/>
+        <p:txBody>
+          <a:bodyPr/>
+          <a:lstStyle/>
+          <a:p>
+            <a:endParaRPr lang="zh-CN" altLang="en-US" dirty="0"/>
+          </a:p>
+        </p:txBody>
+      </p:sp>
+      <p:sp>
+        <p:nvSpPr>
+          <p:cNvPr id="3" name="标题 2">
+            <a:extLst>
+              <a:ext uri="{FF2B5EF4-FFF2-40B4-BE49-F238E27FC236}">
+                <a16:creationId xmlns:a16="http://schemas.microsoft.com/office/drawing/2014/main" id="{39A2AFA2-FBD0-4182-99FE-0864CC4BA2FC}"/>
+              </a:ext>
+            </a:extLst>
+          </p:cNvPr>
+          <p:cNvSpPr>
+            <a:spLocks noGrp="1"/>
+          </p:cNvSpPr>
+          <p:nvPr>
+            <p:ph type="title"/>
+          </p:nvPr>
+        </p:nvSpPr>
+        <p:spPr/>
+        <p:txBody>
+          <a:bodyPr/>
+          <a:lstStyle/>
+          <a:p>
+            <a:r>
+              <a:rPr lang="en-US" altLang="zh-CN" dirty="0"/>
+              <a:t>Results</a:t>
+            </a:r>
+            <a:endParaRPr lang="zh-CN" altLang="en-US" dirty="0"/>
+          </a:p>
+        </p:txBody>
+      </p:sp>
+      <p:pic>
+        <p:nvPicPr>
+          <p:cNvPr id="5" name="图片 4">
+            <a:extLst>
+              <a:ext uri="{FF2B5EF4-FFF2-40B4-BE49-F238E27FC236}">
+                <a16:creationId xmlns:a16="http://schemas.microsoft.com/office/drawing/2014/main" id="{582F743E-CCA2-486A-9B01-0D237583C815}"/>
+              </a:ext>
+            </a:extLst>
+          </p:cNvPr>
+          <p:cNvPicPr>
+            <a:picLocks noChangeAspect="1"/>
+          </p:cNvPicPr>
+          <p:nvPr/>
+        </p:nvPicPr>
+        <p:blipFill>
+          <a:blip r:embed="rId2"/>
+          <a:stretch>
+            <a:fillRect/>
+          </a:stretch>
+        </p:blipFill>
+        <p:spPr>
+          <a:xfrm>
+            <a:off x="838200" y="1510748"/>
+            <a:ext cx="8248650" cy="3810000"/>
+          </a:xfrm>
+          <a:prstGeom prst="rect">
+            <a:avLst/>
+          </a:prstGeom>
+        </p:spPr>
+      </p:pic>
+      <p:sp>
+        <p:nvSpPr>
+          <p:cNvPr id="6" name="文本框 5">
+            <a:extLst>
+              <a:ext uri="{FF2B5EF4-FFF2-40B4-BE49-F238E27FC236}">
+                <a16:creationId xmlns:a16="http://schemas.microsoft.com/office/drawing/2014/main" id="{9D98CEB8-4011-4103-BE04-D2C10A5365C5}"/>
+              </a:ext>
+            </a:extLst>
+          </p:cNvPr>
+          <p:cNvSpPr txBox="1"/>
+          <p:nvPr/>
+        </p:nvSpPr>
+        <p:spPr>
+          <a:xfrm>
+            <a:off x="9454369" y="3581400"/>
+            <a:ext cx="1899431" cy="369332"/>
+          </a:xfrm>
+          <a:prstGeom prst="rect">
+            <a:avLst/>
+          </a:prstGeom>
+          <a:noFill/>
+        </p:spPr>
+        <p:txBody>
+          <a:bodyPr wrap="none" rtlCol="0">
+            <a:spAutoFit/>
+          </a:bodyPr>
+          <a:lstStyle/>
+          <a:p>
+            <a:pPr algn="l">
+              <a:lnSpc>
+                <a:spcPct val="90000"/>
+              </a:lnSpc>
+              <a:spcBef>
+                <a:spcPts val="1000"/>
+              </a:spcBef>
+            </a:pPr>
+            <a:r>
+              <a:rPr lang="en-US" altLang="zh-CN" sz="2000" dirty="0">
+                <a:latin typeface="微软雅黑" panose="020B0503020204020204" pitchFamily="34" charset="-122"/>
+                <a:ea typeface="微软雅黑" panose="020B0503020204020204" pitchFamily="34" charset="-122"/>
+              </a:rPr>
+              <a:t>91% precision</a:t>
+            </a:r>
+            <a:endParaRPr lang="zh-CN" altLang="en-US" sz="2000" dirty="0">
+              <a:latin typeface="微软雅黑" panose="020B0503020204020204" pitchFamily="34" charset="-122"/>
+              <a:ea typeface="微软雅黑" panose="020B0503020204020204" pitchFamily="34" charset="-122"/>
+            </a:endParaRPr>
+          </a:p>
+        </p:txBody>
+      </p:sp>
+      <p:sp>
+        <p:nvSpPr>
+          <p:cNvPr id="8" name="文本框 7">
+            <a:extLst>
+              <a:ext uri="{FF2B5EF4-FFF2-40B4-BE49-F238E27FC236}">
+                <a16:creationId xmlns:a16="http://schemas.microsoft.com/office/drawing/2014/main" id="{BA0FEC60-91DD-4EF3-AC1F-4F13FB9FCFC5}"/>
+              </a:ext>
+            </a:extLst>
+          </p:cNvPr>
+          <p:cNvSpPr txBox="1"/>
+          <p:nvPr/>
+        </p:nvSpPr>
+        <p:spPr>
+          <a:xfrm>
+            <a:off x="3268133" y="5519530"/>
+            <a:ext cx="4416425" cy="400110"/>
+          </a:xfrm>
+          <a:prstGeom prst="rect">
+            <a:avLst/>
+          </a:prstGeom>
+          <a:noFill/>
+        </p:spPr>
+        <p:txBody>
+          <a:bodyPr wrap="square" rtlCol="0">
+            <a:spAutoFit/>
+          </a:bodyPr>
+          <a:lstStyle/>
+          <a:p>
+            <a:r>
+              <a:rPr lang="en-US" altLang="zh-CN" sz="1000" dirty="0" err="1">
+                <a:latin typeface="微软雅黑" panose="020B0503020204020204" pitchFamily="34" charset="-122"/>
+                <a:ea typeface="微软雅黑" panose="020B0503020204020204" pitchFamily="34" charset="-122"/>
+              </a:rPr>
+              <a:t>Shanhui</a:t>
+            </a:r>
+            <a:r>
+              <a:rPr lang="en-US" altLang="zh-CN" sz="1000" dirty="0">
+                <a:latin typeface="微软雅黑" panose="020B0503020204020204" pitchFamily="34" charset="-122"/>
+                <a:ea typeface="微软雅黑" panose="020B0503020204020204" pitchFamily="34" charset="-122"/>
+              </a:rPr>
+              <a:t> Fan et al., “In-situ Backpropagation in Photonic Neural Networks”, Frontiers in Optics/ Laser Science, 2018.</a:t>
+            </a:r>
+            <a:endParaRPr lang="zh-CN" altLang="en-US" sz="1000" dirty="0">
+              <a:latin typeface="微软雅黑" panose="020B0503020204020204" pitchFamily="34" charset="-122"/>
+              <a:ea typeface="微软雅黑" panose="020B0503020204020204" pitchFamily="34" charset="-122"/>
+            </a:endParaRPr>
+          </a:p>
+        </p:txBody>
+      </p:sp>
+    </p:spTree>
+    <p:extLst>
+      <p:ext uri="{BB962C8B-B14F-4D97-AF65-F5344CB8AC3E}">
+        <p14:creationId xmlns:p14="http://schemas.microsoft.com/office/powerpoint/2010/main" val="3607707527"/>
+      </p:ext>
+    </p:extLst>
+  </p:cSld>
+  <p:clrMapOvr>
+    <a:masterClrMapping/>
+  </p:clrMapOvr>
+</p:sld>
+</file>
+
+<file path=ppt/slides/slide13.xml><?xml version="1.0" encoding="utf-8"?>
+<p:sld xmlns:a="http://schemas.openxmlformats.org/drawingml/2006/main" xmlns:r="http://schemas.openxmlformats.org/officeDocument/2006/relationships" xmlns:p="http://schemas.openxmlformats.org/presentationml/2006/main">
+  <p:cSld>
+    <p:spTree>
+      <p:nvGrpSpPr>
+        <p:cNvPr id="1" name=""/>
+        <p:cNvGrpSpPr/>
+        <p:nvPr/>
+      </p:nvGrpSpPr>
+      <p:grpSpPr>
+        <a:xfrm>
+          <a:off x="0" y="0"/>
+          <a:ext cx="0" cy="0"/>
+          <a:chOff x="0" y="0"/>
+          <a:chExt cx="0" cy="0"/>
+        </a:xfrm>
+      </p:grpSpPr>
+      <mc:AlternateContent xmlns:mc="http://schemas.openxmlformats.org/markup-compatibility/2006" xmlns:a14="http://schemas.microsoft.com/office/drawing/2010/main">
+        <mc:Choice Requires="a14">
+          <p:sp>
+            <p:nvSpPr>
+              <p:cNvPr id="2" name="内容占位符 1">
+                <a:extLst>
+                  <a:ext uri="{FF2B5EF4-FFF2-40B4-BE49-F238E27FC236}">
+                    <a16:creationId xmlns:a16="http://schemas.microsoft.com/office/drawing/2014/main" id="{3976F79D-4458-40F9-8D24-FB221BC6561B}"/>
+                  </a:ext>
+                </a:extLst>
+              </p:cNvPr>
+              <p:cNvSpPr>
+                <a:spLocks noGrp="1"/>
+              </p:cNvSpPr>
+              <p:nvPr>
+                <p:ph idx="1"/>
+              </p:nvPr>
+            </p:nvSpPr>
+            <p:spPr>
+              <a:xfrm>
+                <a:off x="838200" y="1407230"/>
+                <a:ext cx="10515600" cy="5144494"/>
+              </a:xfrm>
+            </p:spPr>
+            <p:txBody>
+              <a:bodyPr/>
+              <a:lstStyle/>
+              <a:p>
+                <a:r>
+                  <a:rPr lang="en-US" altLang="zh-CN" dirty="0">
+                    <a:latin typeface="Times New Roman" panose="02020603050405020304" pitchFamily="18" charset="0"/>
+                    <a:cs typeface="Times New Roman" panose="02020603050405020304" pitchFamily="18" charset="0"/>
+                  </a:rPr>
+                  <a:t>N input to N output problem up into 2 x 2 mode transformers – Mach-Zehnder interferometers(</a:t>
+                </a:r>
+                <a:r>
+                  <a:rPr lang="en-US" altLang="zh-CN" dirty="0" err="1">
+                    <a:latin typeface="Times New Roman" panose="02020603050405020304" pitchFamily="18" charset="0"/>
+                    <a:cs typeface="Times New Roman" panose="02020603050405020304" pitchFamily="18" charset="0"/>
+                  </a:rPr>
+                  <a:t>MZI</a:t>
+                </a:r>
+                <a:r>
+                  <a:rPr lang="en-US" altLang="zh-CN" dirty="0">
+                    <a:latin typeface="Times New Roman" panose="02020603050405020304" pitchFamily="18" charset="0"/>
+                    <a:cs typeface="Times New Roman" panose="02020603050405020304" pitchFamily="18" charset="0"/>
+                  </a:rPr>
+                  <a:t>).</a:t>
+                </a:r>
+              </a:p>
+              <a:p>
+                <a14:m>
+                  <m:oMath xmlns:m="http://schemas.openxmlformats.org/officeDocument/2006/math">
+                    <m:sSub>
+                      <m:sSubPr>
+                        <m:ctrlPr>
+                          <a:rPr lang="en-US" altLang="zh-CN" i="1" smtClean="0">
+                            <a:latin typeface="Cambria Math" panose="02040503050406030204" pitchFamily="18" charset="0"/>
+                          </a:rPr>
+                        </m:ctrlPr>
+                      </m:sSubPr>
+                      <m:e>
+                        <m:r>
+                          <m:rPr>
+                            <m:sty m:val="p"/>
+                          </m:rPr>
+                          <a:rPr lang="el-GR" altLang="zh-CN" i="1" smtClean="0">
+                            <a:latin typeface="Cambria Math" panose="02040503050406030204" pitchFamily="18" charset="0"/>
+                            <a:ea typeface="Cambria Math" panose="02040503050406030204" pitchFamily="18" charset="0"/>
+                          </a:rPr>
+                          <m:t>Σ</m:t>
+                        </m:r>
+                      </m:e>
+                      <m:sub>
+                        <m:r>
+                          <a:rPr lang="en-US" altLang="zh-CN" b="0" i="1" smtClean="0">
+                            <a:latin typeface="Cambria Math" panose="02040503050406030204" pitchFamily="18" charset="0"/>
+                          </a:rPr>
+                          <m:t>𝑛</m:t>
+                        </m:r>
+                      </m:sub>
+                    </m:sSub>
+                    <m:r>
+                      <a:rPr lang="en-US" altLang="zh-CN" b="0" i="1" smtClean="0">
+                        <a:latin typeface="Cambria Math" panose="02040503050406030204" pitchFamily="18" charset="0"/>
+                      </a:rPr>
+                      <m:t>=</m:t>
+                    </m:r>
+                    <m:r>
+                      <a:rPr lang="en-US" altLang="zh-CN" b="0" i="1" smtClean="0">
+                        <a:latin typeface="Cambria Math" panose="02040503050406030204" pitchFamily="18" charset="0"/>
+                      </a:rPr>
+                      <m:t>𝑁</m:t>
+                    </m:r>
+                    <m:r>
+                      <a:rPr lang="en-US" altLang="zh-CN" b="0" i="1" smtClean="0">
+                        <a:latin typeface="Cambria Math" panose="02040503050406030204" pitchFamily="18" charset="0"/>
+                      </a:rPr>
+                      <m:t>(</m:t>
+                    </m:r>
+                    <m:r>
+                      <a:rPr lang="en-US" altLang="zh-CN" b="0" i="1" smtClean="0">
+                        <a:latin typeface="Cambria Math" panose="02040503050406030204" pitchFamily="18" charset="0"/>
+                      </a:rPr>
+                      <m:t>𝑁</m:t>
+                    </m:r>
+                    <m:r>
+                      <a:rPr lang="en-US" altLang="zh-CN" b="0" i="1" smtClean="0">
+                        <a:latin typeface="Cambria Math" panose="02040503050406030204" pitchFamily="18" charset="0"/>
+                      </a:rPr>
+                      <m:t>−1)/2</m:t>
+                    </m:r>
+                  </m:oMath>
+                </a14:m>
+                <a:r>
+                  <a:rPr lang="en-US" altLang="zh-CN" dirty="0">
+                    <a:latin typeface="Times New Roman" panose="02020603050405020304" pitchFamily="18" charset="0"/>
+                    <a:cs typeface="Times New Roman" panose="02020603050405020304" pitchFamily="18" charset="0"/>
+                  </a:rPr>
+                  <a:t> </a:t>
+                </a:r>
+                <a:r>
+                  <a:rPr lang="en-US" altLang="zh-CN" dirty="0" err="1">
+                    <a:latin typeface="Times New Roman" panose="02020603050405020304" pitchFamily="18" charset="0"/>
+                    <a:cs typeface="Times New Roman" panose="02020603050405020304" pitchFamily="18" charset="0"/>
+                  </a:rPr>
+                  <a:t>MZI</a:t>
+                </a:r>
+                <a:r>
+                  <a:rPr lang="en-US" altLang="zh-CN" dirty="0">
+                    <a:latin typeface="Times New Roman" panose="02020603050405020304" pitchFamily="18" charset="0"/>
+                    <a:cs typeface="Times New Roman" panose="02020603050405020304" pitchFamily="18" charset="0"/>
+                  </a:rPr>
+                  <a:t> needed. For instance, n=6, </a:t>
+                </a:r>
+                <a14:m>
+                  <m:oMath xmlns:m="http://schemas.openxmlformats.org/officeDocument/2006/math">
+                    <m:sSub>
+                      <m:sSubPr>
+                        <m:ctrlPr>
+                          <a:rPr lang="en-US" altLang="zh-CN" i="1">
+                            <a:latin typeface="Cambria Math" panose="02040503050406030204" pitchFamily="18" charset="0"/>
+                          </a:rPr>
+                        </m:ctrlPr>
+                      </m:sSubPr>
+                      <m:e>
+                        <m:r>
+                          <m:rPr>
+                            <m:sty m:val="p"/>
+                          </m:rPr>
+                          <a:rPr lang="el-GR" altLang="zh-CN" i="1">
+                            <a:latin typeface="Cambria Math" panose="02040503050406030204" pitchFamily="18" charset="0"/>
+                            <a:ea typeface="Cambria Math" panose="02040503050406030204" pitchFamily="18" charset="0"/>
+                          </a:rPr>
+                          <m:t>Σ</m:t>
+                        </m:r>
+                      </m:e>
+                      <m:sub>
+                        <m:r>
+                          <a:rPr lang="en-US" altLang="zh-CN" i="1">
+                            <a:latin typeface="Cambria Math" panose="02040503050406030204" pitchFamily="18" charset="0"/>
+                          </a:rPr>
+                          <m:t>𝑛</m:t>
+                        </m:r>
+                      </m:sub>
+                    </m:sSub>
+                    <m:r>
+                      <a:rPr lang="en-US" altLang="zh-CN" b="0" i="1" smtClean="0">
+                        <a:latin typeface="Cambria Math" panose="02040503050406030204" pitchFamily="18" charset="0"/>
+                      </a:rPr>
+                      <m:t>=15</m:t>
+                    </m:r>
+                  </m:oMath>
+                </a14:m>
+                <a:r>
+                  <a:rPr lang="en-US" altLang="zh-CN" dirty="0">
+                    <a:latin typeface="Times New Roman" panose="02020603050405020304" pitchFamily="18" charset="0"/>
+                    <a:cs typeface="Times New Roman" panose="02020603050405020304" pitchFamily="18" charset="0"/>
+                  </a:rPr>
+                  <a:t>.</a:t>
+                </a:r>
+              </a:p>
+              <a:p>
+                <a:endParaRPr lang="en-US" altLang="zh-CN" dirty="0">
+                  <a:latin typeface="Times New Roman" panose="02020603050405020304" pitchFamily="18" charset="0"/>
+                  <a:cs typeface="Times New Roman" panose="02020603050405020304" pitchFamily="18" charset="0"/>
+                </a:endParaRPr>
+              </a:p>
+              <a:p>
+                <a:endParaRPr lang="en-US" altLang="zh-CN" dirty="0">
+                  <a:latin typeface="Times New Roman" panose="02020603050405020304" pitchFamily="18" charset="0"/>
+                  <a:cs typeface="Times New Roman" panose="02020603050405020304" pitchFamily="18" charset="0"/>
+                </a:endParaRPr>
+              </a:p>
+              <a:p>
+                <a:endParaRPr lang="en-US" altLang="zh-CN" dirty="0">
+                  <a:latin typeface="Times New Roman" panose="02020603050405020304" pitchFamily="18" charset="0"/>
+                  <a:cs typeface="Times New Roman" panose="02020603050405020304" pitchFamily="18" charset="0"/>
+                </a:endParaRPr>
+              </a:p>
+              <a:p>
+                <a:endParaRPr lang="en-US" altLang="zh-CN" dirty="0">
+                  <a:latin typeface="Times New Roman" panose="02020603050405020304" pitchFamily="18" charset="0"/>
+                  <a:cs typeface="Times New Roman" panose="02020603050405020304" pitchFamily="18" charset="0"/>
+                </a:endParaRPr>
+              </a:p>
+              <a:p>
+                <a:r>
+                  <a:rPr lang="en-US" altLang="zh-CN" dirty="0">
+                    <a:latin typeface="Times New Roman" panose="02020603050405020304" pitchFamily="18" charset="0"/>
+                    <a:cs typeface="Times New Roman" panose="02020603050405020304" pitchFamily="18" charset="0"/>
+                  </a:rPr>
+                  <a:t>The </a:t>
+                </a:r>
+                <a:r>
+                  <a:rPr lang="en-US" altLang="zh-CN" dirty="0" err="1">
+                    <a:latin typeface="Times New Roman" panose="02020603050405020304" pitchFamily="18" charset="0"/>
+                    <a:cs typeface="Times New Roman" panose="02020603050405020304" pitchFamily="18" charset="0"/>
+                  </a:rPr>
+                  <a:t>SOI</a:t>
+                </a:r>
+                <a:r>
+                  <a:rPr lang="en-US" altLang="zh-CN" dirty="0">
+                    <a:latin typeface="Times New Roman" panose="02020603050405020304" pitchFamily="18" charset="0"/>
+                    <a:cs typeface="Times New Roman" panose="02020603050405020304" pitchFamily="18" charset="0"/>
+                  </a:rPr>
+                  <a:t> platform offers high index contrast of 3.4:1.5.</a:t>
+                </a:r>
+                <a:r>
+                  <a:rPr lang="zh-CN" altLang="en-US" dirty="0">
+                    <a:latin typeface="Times New Roman" panose="02020603050405020304" pitchFamily="18" charset="0"/>
+                    <a:cs typeface="Times New Roman" panose="02020603050405020304" pitchFamily="18" charset="0"/>
+                  </a:rPr>
+                  <a:t> </a:t>
+                </a:r>
+                <a:endParaRPr lang="en-US" altLang="zh-CN" dirty="0">
+                  <a:latin typeface="Times New Roman" panose="02020603050405020304" pitchFamily="18" charset="0"/>
+                  <a:cs typeface="Times New Roman" panose="02020603050405020304" pitchFamily="18" charset="0"/>
+                </a:endParaRPr>
+              </a:p>
+              <a:p>
+                <a:r>
+                  <a:rPr lang="en-US" altLang="zh-CN" dirty="0">
+                    <a:latin typeface="Times New Roman" panose="02020603050405020304" pitchFamily="18" charset="0"/>
+                    <a:cs typeface="Times New Roman" panose="02020603050405020304" pitchFamily="18" charset="0"/>
+                  </a:rPr>
+                  <a:t>Largest </a:t>
+                </a:r>
+                <a:r>
+                  <a:rPr lang="en-US" altLang="zh-CN" dirty="0" err="1">
+                    <a:latin typeface="Times New Roman" panose="02020603050405020304" pitchFamily="18" charset="0"/>
+                    <a:cs typeface="Times New Roman" panose="02020603050405020304" pitchFamily="18" charset="0"/>
+                  </a:rPr>
+                  <a:t>PNPs</a:t>
+                </a:r>
+                <a:r>
+                  <a:rPr lang="en-US" altLang="zh-CN" dirty="0">
+                    <a:latin typeface="Times New Roman" panose="02020603050405020304" pitchFamily="18" charset="0"/>
+                    <a:cs typeface="Times New Roman" panose="02020603050405020304" pitchFamily="18" charset="0"/>
+                  </a:rPr>
+                  <a:t> – 88 </a:t>
+                </a:r>
+                <a:r>
+                  <a:rPr lang="en-US" altLang="zh-CN" dirty="0" err="1">
+                    <a:latin typeface="Times New Roman" panose="02020603050405020304" pitchFamily="18" charset="0"/>
+                    <a:cs typeface="Times New Roman" panose="02020603050405020304" pitchFamily="18" charset="0"/>
+                  </a:rPr>
+                  <a:t>MZIs</a:t>
+                </a:r>
+                <a:r>
+                  <a:rPr lang="en-US" altLang="zh-CN" dirty="0">
+                    <a:latin typeface="Times New Roman" panose="02020603050405020304" pitchFamily="18" charset="0"/>
+                    <a:cs typeface="Times New Roman" panose="02020603050405020304" pitchFamily="18" charset="0"/>
+                  </a:rPr>
+                  <a:t> connecting 26 optical modes(4.9 mm x 2.4 mm)</a:t>
+                </a:r>
+              </a:p>
+            </p:txBody>
+          </p:sp>
+        </mc:Choice>
+        <mc:Fallback xmlns="">
+          <p:sp>
+            <p:nvSpPr>
+              <p:cNvPr id="2" name="内容占位符 1">
+                <a:extLst>
+                  <a:ext uri="{FF2B5EF4-FFF2-40B4-BE49-F238E27FC236}">
+                    <a16:creationId xmlns:a16="http://schemas.microsoft.com/office/drawing/2014/main" id="{3976F79D-4458-40F9-8D24-FB221BC6561B}"/>
+                  </a:ext>
+                </a:extLst>
+              </p:cNvPr>
+              <p:cNvSpPr>
+                <a:spLocks noGrp="1" noRot="1" noChangeAspect="1" noMove="1" noResize="1" noEditPoints="1" noAdjustHandles="1" noChangeArrowheads="1" noChangeShapeType="1" noTextEdit="1"/>
+              </p:cNvSpPr>
+              <p:nvPr>
+                <p:ph idx="1"/>
+              </p:nvPr>
+            </p:nvSpPr>
+            <p:spPr>
+              <a:xfrm>
+                <a:off x="838200" y="1407230"/>
+                <a:ext cx="10515600" cy="5144494"/>
+              </a:xfrm>
+              <a:blipFill>
+                <a:blip r:embed="rId2"/>
+                <a:stretch>
+                  <a:fillRect l="-1043" t="-2133" r="-58"/>
+                </a:stretch>
+              </a:blipFill>
+            </p:spPr>
+            <p:txBody>
+              <a:bodyPr/>
+              <a:lstStyle/>
+              <a:p>
+                <a:r>
+                  <a:rPr lang="zh-CN" altLang="en-US">
+                    <a:noFill/>
+                  </a:rPr>
+                  <a:t> </a:t>
+                </a:r>
+              </a:p>
+            </p:txBody>
+          </p:sp>
+        </mc:Fallback>
+      </mc:AlternateContent>
+      <p:sp>
+        <p:nvSpPr>
+          <p:cNvPr id="3" name="标题 2">
+            <a:extLst>
+              <a:ext uri="{FF2B5EF4-FFF2-40B4-BE49-F238E27FC236}">
+                <a16:creationId xmlns:a16="http://schemas.microsoft.com/office/drawing/2014/main" id="{00C88E8E-FF2F-48E0-BA42-316F54C28F17}"/>
+              </a:ext>
+            </a:extLst>
+          </p:cNvPr>
+          <p:cNvSpPr>
+            <a:spLocks noGrp="1"/>
+          </p:cNvSpPr>
+          <p:nvPr>
+            <p:ph type="title"/>
+          </p:nvPr>
+        </p:nvSpPr>
+        <p:spPr/>
+        <p:txBody>
+          <a:bodyPr>
+            <a:noAutofit/>
+          </a:bodyPr>
+          <a:lstStyle/>
+          <a:p>
+            <a:r>
+              <a:rPr lang="en-US" altLang="zh-CN" sz="3200" dirty="0"/>
+              <a:t>Linear programmable nanophotonic processors</a:t>
+            </a:r>
+            <a:endParaRPr lang="zh-CN" altLang="en-US" sz="3200" dirty="0"/>
+          </a:p>
+        </p:txBody>
+      </p:sp>
+      <p:sp>
+        <p:nvSpPr>
+          <p:cNvPr id="4" name="文本框 3">
+            <a:extLst>
+              <a:ext uri="{FF2B5EF4-FFF2-40B4-BE49-F238E27FC236}">
+                <a16:creationId xmlns:a16="http://schemas.microsoft.com/office/drawing/2014/main" id="{6CF26257-0D65-4BD0-841E-711DBD8360EC}"/>
+              </a:ext>
+            </a:extLst>
+          </p:cNvPr>
+          <p:cNvSpPr txBox="1"/>
+          <p:nvPr/>
+        </p:nvSpPr>
+        <p:spPr>
+          <a:xfrm>
+            <a:off x="5973792" y="1097988"/>
+            <a:ext cx="6218208" cy="261610"/>
+          </a:xfrm>
+          <a:prstGeom prst="rect">
+            <a:avLst/>
+          </a:prstGeom>
+          <a:noFill/>
+        </p:spPr>
+        <p:txBody>
+          <a:bodyPr wrap="square" rtlCol="0">
+            <a:spAutoFit/>
+          </a:bodyPr>
+          <a:lstStyle/>
+          <a:p>
+            <a:r>
+              <a:rPr lang="en-US" altLang="zh-CN" sz="1100" dirty="0">
+                <a:latin typeface="微软雅黑" panose="020B0503020204020204" pitchFamily="34" charset="-122"/>
+                <a:ea typeface="微软雅黑" panose="020B0503020204020204" pitchFamily="34" charset="-122"/>
+              </a:rPr>
+              <a:t>(Nicholas C. let al., “Linear programmable nanophotonic processors”, Optica, 2018.)</a:t>
+            </a:r>
+            <a:endParaRPr lang="zh-CN" altLang="en-US" sz="1100" dirty="0">
+              <a:latin typeface="微软雅黑" panose="020B0503020204020204" pitchFamily="34" charset="-122"/>
+              <a:ea typeface="微软雅黑" panose="020B0503020204020204" pitchFamily="34" charset="-122"/>
+            </a:endParaRPr>
+          </a:p>
+        </p:txBody>
+      </p:sp>
+      <p:pic>
+        <p:nvPicPr>
+          <p:cNvPr id="5" name="图片 4">
+            <a:extLst>
+              <a:ext uri="{FF2B5EF4-FFF2-40B4-BE49-F238E27FC236}">
+                <a16:creationId xmlns:a16="http://schemas.microsoft.com/office/drawing/2014/main" id="{90C1E923-FD05-4174-AE83-69506A58A3E8}"/>
+              </a:ext>
+            </a:extLst>
+          </p:cNvPr>
+          <p:cNvPicPr>
+            <a:picLocks noChangeAspect="1"/>
+          </p:cNvPicPr>
+          <p:nvPr/>
+        </p:nvPicPr>
+        <p:blipFill>
+          <a:blip r:embed="rId3"/>
+          <a:stretch>
+            <a:fillRect/>
+          </a:stretch>
+        </p:blipFill>
+        <p:spPr>
+          <a:xfrm>
+            <a:off x="1501447" y="2850350"/>
+            <a:ext cx="5060380" cy="1888922"/>
+          </a:xfrm>
+          <a:prstGeom prst="rect">
+            <a:avLst/>
+          </a:prstGeom>
+        </p:spPr>
+      </p:pic>
+      <p:sp>
+        <p:nvSpPr>
+          <p:cNvPr id="6" name="文本框 5">
+            <a:extLst>
+              <a:ext uri="{FF2B5EF4-FFF2-40B4-BE49-F238E27FC236}">
+                <a16:creationId xmlns:a16="http://schemas.microsoft.com/office/drawing/2014/main" id="{9952C311-1CB3-4024-B1C0-C2D54AE3A1A3}"/>
+              </a:ext>
+            </a:extLst>
+          </p:cNvPr>
+          <p:cNvSpPr txBox="1"/>
+          <p:nvPr/>
+        </p:nvSpPr>
+        <p:spPr>
+          <a:xfrm>
+            <a:off x="7336803" y="3794811"/>
+            <a:ext cx="4016997" cy="369332"/>
+          </a:xfrm>
+          <a:prstGeom prst="rect">
+            <a:avLst/>
+          </a:prstGeom>
+          <a:noFill/>
+        </p:spPr>
+        <p:txBody>
+          <a:bodyPr wrap="none" rtlCol="0">
+            <a:spAutoFit/>
+          </a:bodyPr>
+          <a:lstStyle/>
+          <a:p>
+            <a:pPr algn="l">
+              <a:lnSpc>
+                <a:spcPct val="90000"/>
+              </a:lnSpc>
+              <a:spcBef>
+                <a:spcPts val="1000"/>
+              </a:spcBef>
+            </a:pPr>
+            <a:r>
+              <a:rPr lang="en-US" altLang="zh-CN" sz="2000" dirty="0">
+                <a:latin typeface="微软雅黑" panose="020B0503020204020204" pitchFamily="34" charset="-122"/>
+                <a:ea typeface="微软雅黑" panose="020B0503020204020204" pitchFamily="34" charset="-122"/>
+              </a:rPr>
+              <a:t>(a) </a:t>
+            </a:r>
+            <a:r>
+              <a:rPr lang="en-US" altLang="zh-CN" sz="2000" dirty="0" err="1">
+                <a:latin typeface="微软雅黑" panose="020B0503020204020204" pitchFamily="34" charset="-122"/>
+                <a:ea typeface="微软雅黑" panose="020B0503020204020204" pitchFamily="34" charset="-122"/>
+              </a:rPr>
+              <a:t>reck</a:t>
+            </a:r>
+            <a:r>
+              <a:rPr lang="en-US" altLang="zh-CN" sz="2000" dirty="0">
+                <a:latin typeface="微软雅黑" panose="020B0503020204020204" pitchFamily="34" charset="-122"/>
+                <a:ea typeface="微软雅黑" panose="020B0503020204020204" pitchFamily="34" charset="-122"/>
+              </a:rPr>
+              <a:t>(1994) (b)clement(2016)</a:t>
+            </a:r>
+            <a:endParaRPr lang="zh-CN" altLang="en-US" sz="2000" dirty="0">
+              <a:latin typeface="微软雅黑" panose="020B0503020204020204" pitchFamily="34" charset="-122"/>
+              <a:ea typeface="微软雅黑" panose="020B0503020204020204" pitchFamily="34" charset="-122"/>
+            </a:endParaRPr>
+          </a:p>
+        </p:txBody>
+      </p:sp>
+    </p:spTree>
+    <p:extLst>
+      <p:ext uri="{BB962C8B-B14F-4D97-AF65-F5344CB8AC3E}">
+        <p14:creationId xmlns:p14="http://schemas.microsoft.com/office/powerpoint/2010/main" val="419058758"/>
+      </p:ext>
+    </p:extLst>
+  </p:cSld>
+  <p:clrMapOvr>
+    <a:masterClrMapping/>
+  </p:clrMapOvr>
+</p:sld>
+</file>
+
+<file path=ppt/slides/slide14.xml><?xml version="1.0" encoding="utf-8"?>
+<p:sld xmlns:a="http://schemas.openxmlformats.org/drawingml/2006/main" xmlns:r="http://schemas.openxmlformats.org/officeDocument/2006/relationships" xmlns:p="http://schemas.openxmlformats.org/presentationml/2006/main">
+  <p:cSld>
+    <p:spTree>
+      <p:nvGrpSpPr>
+        <p:cNvPr id="1" name=""/>
+        <p:cNvGrpSpPr/>
+        <p:nvPr/>
+      </p:nvGrpSpPr>
+      <p:grpSpPr>
+        <a:xfrm>
+          <a:off x="0" y="0"/>
+          <a:ext cx="0" cy="0"/>
+          <a:chOff x="0" y="0"/>
+          <a:chExt cx="0" cy="0"/>
+        </a:xfrm>
+      </p:grpSpPr>
+      <p:pic>
+        <p:nvPicPr>
+          <p:cNvPr id="4" name="图片 3">
+            <a:extLst>
+              <a:ext uri="{FF2B5EF4-FFF2-40B4-BE49-F238E27FC236}">
+                <a16:creationId xmlns:a16="http://schemas.microsoft.com/office/drawing/2014/main" id="{47DDB2CE-2D5D-4E26-BF19-04FAA9798200}"/>
+              </a:ext>
+            </a:extLst>
+          </p:cNvPr>
+          <p:cNvPicPr>
+            <a:picLocks noChangeAspect="1"/>
+          </p:cNvPicPr>
+          <p:nvPr/>
+        </p:nvPicPr>
+        <p:blipFill>
+          <a:blip r:embed="rId2"/>
+          <a:stretch>
+            <a:fillRect/>
+          </a:stretch>
+        </p:blipFill>
+        <p:spPr>
+          <a:xfrm>
+            <a:off x="203887" y="364310"/>
+            <a:ext cx="6553200" cy="3067050"/>
+          </a:xfrm>
+          <a:prstGeom prst="rect">
+            <a:avLst/>
+          </a:prstGeom>
+        </p:spPr>
+      </p:pic>
+      <p:pic>
+        <p:nvPicPr>
+          <p:cNvPr id="5" name="图片 4">
+            <a:extLst>
+              <a:ext uri="{FF2B5EF4-FFF2-40B4-BE49-F238E27FC236}">
+                <a16:creationId xmlns:a16="http://schemas.microsoft.com/office/drawing/2014/main" id="{8CBB4577-98F8-4BC9-83F0-B057A1A2E779}"/>
+              </a:ext>
+            </a:extLst>
+          </p:cNvPr>
+          <p:cNvPicPr>
+            <a:picLocks noChangeAspect="1"/>
+          </p:cNvPicPr>
+          <p:nvPr/>
+        </p:nvPicPr>
+        <p:blipFill>
+          <a:blip r:embed="rId3"/>
+          <a:stretch>
+            <a:fillRect/>
+          </a:stretch>
+        </p:blipFill>
+        <p:spPr>
+          <a:xfrm>
+            <a:off x="838200" y="3429000"/>
+            <a:ext cx="10035644" cy="2298017"/>
+          </a:xfrm>
+          <a:prstGeom prst="rect">
+            <a:avLst/>
+          </a:prstGeom>
+        </p:spPr>
+      </p:pic>
+      <p:sp>
+        <p:nvSpPr>
+          <p:cNvPr id="6" name="矩形 5">
+            <a:extLst>
+              <a:ext uri="{FF2B5EF4-FFF2-40B4-BE49-F238E27FC236}">
+                <a16:creationId xmlns:a16="http://schemas.microsoft.com/office/drawing/2014/main" id="{0F357500-A33E-45F0-ACDB-3C5B18974BE9}"/>
+              </a:ext>
+            </a:extLst>
+          </p:cNvPr>
+          <p:cNvSpPr/>
+          <p:nvPr/>
+        </p:nvSpPr>
+        <p:spPr>
+          <a:xfrm>
+            <a:off x="1763876" y="5727017"/>
+            <a:ext cx="8184292" cy="307777"/>
+          </a:xfrm>
+          <a:prstGeom prst="rect">
+            <a:avLst/>
+          </a:prstGeom>
+        </p:spPr>
+        <p:txBody>
+          <a:bodyPr wrap="square">
+            <a:spAutoFit/>
+          </a:bodyPr>
+          <a:lstStyle/>
+          <a:p>
+            <a:r>
+              <a:rPr lang="en-US" altLang="zh-CN" sz="1400" dirty="0">
+                <a:latin typeface="Microsoft YaHei UI" panose="020B0503020204020204" pitchFamily="34" charset="-122"/>
+                <a:ea typeface="Microsoft YaHei UI" panose="020B0503020204020204" pitchFamily="34" charset="-122"/>
+              </a:rPr>
+              <a:t>Processor composed of 88 </a:t>
+            </a:r>
+            <a:r>
+              <a:rPr lang="en-US" altLang="zh-CN" sz="1400" dirty="0" err="1">
+                <a:latin typeface="Microsoft YaHei UI" panose="020B0503020204020204" pitchFamily="34" charset="-122"/>
+                <a:ea typeface="Microsoft YaHei UI" panose="020B0503020204020204" pitchFamily="34" charset="-122"/>
+              </a:rPr>
+              <a:t>MZIs</a:t>
+            </a:r>
+            <a:r>
+              <a:rPr lang="en-US" altLang="zh-CN" sz="1400" dirty="0">
+                <a:latin typeface="Microsoft YaHei UI" panose="020B0503020204020204" pitchFamily="34" charset="-122"/>
+                <a:ea typeface="Microsoft YaHei UI" panose="020B0503020204020204" pitchFamily="34" charset="-122"/>
+              </a:rPr>
+              <a:t>, 26 input modes, 26 output modes and 176 phase shifters</a:t>
+            </a:r>
+          </a:p>
+        </p:txBody>
+      </p:sp>
+      <p:sp>
+        <p:nvSpPr>
+          <p:cNvPr id="7" name="文本框 6">
+            <a:extLst>
+              <a:ext uri="{FF2B5EF4-FFF2-40B4-BE49-F238E27FC236}">
+                <a16:creationId xmlns:a16="http://schemas.microsoft.com/office/drawing/2014/main" id="{3C4642DA-5358-4570-8861-444BA0D58885}"/>
+              </a:ext>
+            </a:extLst>
+          </p:cNvPr>
+          <p:cNvSpPr txBox="1"/>
+          <p:nvPr/>
+        </p:nvSpPr>
+        <p:spPr>
+          <a:xfrm>
+            <a:off x="2378831" y="6034794"/>
+            <a:ext cx="6218208" cy="261610"/>
+          </a:xfrm>
+          <a:prstGeom prst="rect">
+            <a:avLst/>
+          </a:prstGeom>
+          <a:noFill/>
+        </p:spPr>
+        <p:txBody>
+          <a:bodyPr wrap="square" rtlCol="0">
+            <a:spAutoFit/>
+          </a:bodyPr>
+          <a:lstStyle/>
+          <a:p>
+            <a:r>
+              <a:rPr lang="en-US" altLang="zh-CN" sz="1100" dirty="0">
+                <a:latin typeface="微软雅黑" panose="020B0503020204020204" pitchFamily="34" charset="-122"/>
+                <a:ea typeface="微软雅黑" panose="020B0503020204020204" pitchFamily="34" charset="-122"/>
+              </a:rPr>
+              <a:t>(Nicholas C. let al., “Linear programmable nanophotonic processors”, Optica, 2018.)</a:t>
+            </a:r>
+            <a:endParaRPr lang="zh-CN" altLang="en-US" sz="1100" dirty="0">
+              <a:latin typeface="微软雅黑" panose="020B0503020204020204" pitchFamily="34" charset="-122"/>
+              <a:ea typeface="微软雅黑" panose="020B0503020204020204" pitchFamily="34" charset="-122"/>
+            </a:endParaRPr>
+          </a:p>
+        </p:txBody>
+      </p:sp>
+      <p:pic>
+        <p:nvPicPr>
+          <p:cNvPr id="9" name="图片 8">
+            <a:extLst>
+              <a:ext uri="{FF2B5EF4-FFF2-40B4-BE49-F238E27FC236}">
+                <a16:creationId xmlns:a16="http://schemas.microsoft.com/office/drawing/2014/main" id="{0795E96B-1ACF-4274-8683-116E94B6FC7D}"/>
+              </a:ext>
+            </a:extLst>
+          </p:cNvPr>
+          <p:cNvPicPr>
+            <a:picLocks noChangeAspect="1"/>
+          </p:cNvPicPr>
+          <p:nvPr/>
+        </p:nvPicPr>
+        <p:blipFill>
+          <a:blip r:embed="rId4"/>
+          <a:stretch>
+            <a:fillRect/>
+          </a:stretch>
+        </p:blipFill>
+        <p:spPr>
+          <a:xfrm>
+            <a:off x="6757087" y="715555"/>
+            <a:ext cx="4981575" cy="2362200"/>
+          </a:xfrm>
+          <a:prstGeom prst="rect">
+            <a:avLst/>
+          </a:prstGeom>
+        </p:spPr>
+      </p:pic>
+    </p:spTree>
+    <p:extLst>
+      <p:ext uri="{BB962C8B-B14F-4D97-AF65-F5344CB8AC3E}">
+        <p14:creationId xmlns:p14="http://schemas.microsoft.com/office/powerpoint/2010/main" val="2009165058"/>
+      </p:ext>
+    </p:extLst>
+  </p:cSld>
+  <p:clrMapOvr>
+    <a:masterClrMapping/>
+  </p:clrMapOvr>
+</p:sld>
+</file>
+
+<file path=ppt/slides/slide15.xml><?xml version="1.0" encoding="utf-8"?>
+<p:sld xmlns:a="http://schemas.openxmlformats.org/drawingml/2006/main" xmlns:r="http://schemas.openxmlformats.org/officeDocument/2006/relationships" xmlns:p="http://schemas.openxmlformats.org/presentationml/2006/main">
+  <p:cSld>
+    <p:spTree>
+      <p:nvGrpSpPr>
+        <p:cNvPr id="1" name=""/>
+        <p:cNvGrpSpPr/>
+        <p:nvPr/>
+      </p:nvGrpSpPr>
+      <p:grpSpPr>
+        <a:xfrm>
+          <a:off x="0" y="0"/>
+          <a:ext cx="0" cy="0"/>
+          <a:chOff x="0" y="0"/>
+          <a:chExt cx="0" cy="0"/>
+        </a:xfrm>
+      </p:grpSpPr>
+      <p:sp>
+        <p:nvSpPr>
+          <p:cNvPr id="2" name="内容占位符 1">
+            <a:extLst>
+              <a:ext uri="{FF2B5EF4-FFF2-40B4-BE49-F238E27FC236}">
+                <a16:creationId xmlns:a16="http://schemas.microsoft.com/office/drawing/2014/main" id="{E2F38258-C2FF-4EE9-B147-D09D6DD0E0A5}"/>
+              </a:ext>
+            </a:extLst>
+          </p:cNvPr>
+          <p:cNvSpPr>
+            <a:spLocks noGrp="1"/>
+          </p:cNvSpPr>
+          <p:nvPr>
+            <p:ph idx="1"/>
+          </p:nvPr>
+        </p:nvSpPr>
+        <p:spPr/>
+        <p:txBody>
+          <a:bodyPr/>
+          <a:lstStyle/>
+          <a:p>
+            <a:r>
+              <a:rPr lang="zh-CN" altLang="en-US" dirty="0">
+                <a:latin typeface="Times New Roman" panose="02020603050405020304" pitchFamily="18" charset="0"/>
+                <a:cs typeface="Times New Roman" panose="02020603050405020304" pitchFamily="18" charset="0"/>
+              </a:rPr>
+              <a:t>特点</a:t>
+            </a:r>
+            <a:endParaRPr lang="en-US" altLang="zh-CN" dirty="0">
+              <a:latin typeface="Times New Roman" panose="02020603050405020304" pitchFamily="18" charset="0"/>
+              <a:cs typeface="Times New Roman" panose="02020603050405020304" pitchFamily="18" charset="0"/>
+            </a:endParaRPr>
+          </a:p>
+          <a:p>
+            <a:pPr lvl="1"/>
+            <a:r>
+              <a:rPr lang="en-US" altLang="zh-CN" dirty="0">
+                <a:latin typeface="Times New Roman" panose="02020603050405020304" pitchFamily="18" charset="0"/>
+                <a:cs typeface="Times New Roman" panose="02020603050405020304" pitchFamily="18" charset="0"/>
+              </a:rPr>
+              <a:t>reduce E/MAC (the energy per multiply and </a:t>
+            </a:r>
+            <a:r>
+              <a:rPr lang="en-US" altLang="zh-CN" dirty="0" err="1">
+                <a:latin typeface="Times New Roman" panose="02020603050405020304" pitchFamily="18" charset="0"/>
+                <a:cs typeface="Times New Roman" panose="02020603050405020304" pitchFamily="18" charset="0"/>
+              </a:rPr>
+              <a:t>accUmulate</a:t>
+            </a:r>
+            <a:r>
+              <a:rPr lang="en-US" altLang="zh-CN" dirty="0">
+                <a:latin typeface="Times New Roman" panose="02020603050405020304" pitchFamily="18" charset="0"/>
+                <a:cs typeface="Times New Roman" panose="02020603050405020304" pitchFamily="18" charset="0"/>
+              </a:rPr>
+              <a:t>) from 20 </a:t>
+            </a:r>
+            <a:r>
+              <a:rPr lang="en-US" altLang="zh-CN" dirty="0" err="1">
+                <a:latin typeface="Times New Roman" panose="02020603050405020304" pitchFamily="18" charset="0"/>
+                <a:cs typeface="Times New Roman" panose="02020603050405020304" pitchFamily="18" charset="0"/>
+              </a:rPr>
+              <a:t>pJ</a:t>
+            </a:r>
+            <a:r>
+              <a:rPr lang="en-US" altLang="zh-CN" dirty="0">
+                <a:latin typeface="Times New Roman" panose="02020603050405020304" pitchFamily="18" charset="0"/>
+                <a:cs typeface="Times New Roman" panose="02020603050405020304" pitchFamily="18" charset="0"/>
+              </a:rPr>
+              <a:t>/MAC(ASICs, GPUs) to around 1 </a:t>
+            </a:r>
+            <a:r>
+              <a:rPr lang="en-US" altLang="zh-CN" dirty="0" err="1">
+                <a:latin typeface="Times New Roman" panose="02020603050405020304" pitchFamily="18" charset="0"/>
+                <a:cs typeface="Times New Roman" panose="02020603050405020304" pitchFamily="18" charset="0"/>
+              </a:rPr>
+              <a:t>pJ</a:t>
+            </a:r>
+            <a:r>
+              <a:rPr lang="en-US" altLang="zh-CN" dirty="0">
+                <a:latin typeface="Times New Roman" panose="02020603050405020304" pitchFamily="18" charset="0"/>
+                <a:cs typeface="Times New Roman" panose="02020603050405020304" pitchFamily="18" charset="0"/>
+              </a:rPr>
+              <a:t>/MAC.</a:t>
+            </a:r>
+          </a:p>
+          <a:p>
+            <a:pPr lvl="1"/>
+            <a:r>
+              <a:rPr lang="en-US" altLang="zh-CN" dirty="0">
+                <a:latin typeface="Times New Roman" panose="02020603050405020304" pitchFamily="18" charset="0"/>
+                <a:cs typeface="Times New Roman" panose="02020603050405020304" pitchFamily="18" charset="0"/>
+              </a:rPr>
+              <a:t>1 </a:t>
+            </a:r>
+            <a:r>
+              <a:rPr lang="en-US" altLang="zh-CN" dirty="0" err="1">
+                <a:latin typeface="Times New Roman" panose="02020603050405020304" pitchFamily="18" charset="0"/>
+                <a:cs typeface="Times New Roman" panose="02020603050405020304" pitchFamily="18" charset="0"/>
+              </a:rPr>
+              <a:t>fJ</a:t>
+            </a:r>
+            <a:r>
+              <a:rPr lang="en-US" altLang="zh-CN" dirty="0">
+                <a:latin typeface="Times New Roman" panose="02020603050405020304" pitchFamily="18" charset="0"/>
+                <a:cs typeface="Times New Roman" panose="02020603050405020304" pitchFamily="18" charset="0"/>
+              </a:rPr>
+              <a:t>/MAC for modulator, rise above 1 </a:t>
+            </a:r>
+            <a:r>
+              <a:rPr lang="en-US" altLang="zh-CN" dirty="0" err="1">
+                <a:latin typeface="Times New Roman" panose="02020603050405020304" pitchFamily="18" charset="0"/>
+                <a:cs typeface="Times New Roman" panose="02020603050405020304" pitchFamily="18" charset="0"/>
+              </a:rPr>
+              <a:t>pJ</a:t>
+            </a:r>
+            <a:r>
+              <a:rPr lang="en-US" altLang="zh-CN" dirty="0">
+                <a:latin typeface="Times New Roman" panose="02020603050405020304" pitchFamily="18" charset="0"/>
+                <a:cs typeface="Times New Roman" panose="02020603050405020304" pitchFamily="18" charset="0"/>
+              </a:rPr>
+              <a:t>/MAC once the driver electronics and memory access are included</a:t>
+            </a:r>
+          </a:p>
+          <a:p>
+            <a:pPr lvl="1"/>
+            <a:r>
+              <a:rPr lang="en-US" altLang="zh-CN" dirty="0">
+                <a:latin typeface="Times New Roman" panose="02020603050405020304" pitchFamily="18" charset="0"/>
+                <a:cs typeface="Times New Roman" panose="02020603050405020304" pitchFamily="18" charset="0"/>
+              </a:rPr>
+              <a:t>naturally adapted to free space optics</a:t>
+            </a:r>
+          </a:p>
+          <a:p>
+            <a:r>
+              <a:rPr lang="en-US" altLang="zh-CN" dirty="0">
+                <a:latin typeface="Times New Roman" panose="02020603050405020304" pitchFamily="18" charset="0"/>
+                <a:cs typeface="Times New Roman" panose="02020603050405020304" pitchFamily="18" charset="0"/>
+              </a:rPr>
+              <a:t>fundamental limits:</a:t>
+            </a:r>
+          </a:p>
+          <a:p>
+            <a:pPr lvl="1"/>
+            <a:r>
+              <a:rPr lang="en-US" altLang="zh-CN" dirty="0">
+                <a:latin typeface="Times New Roman" panose="02020603050405020304" pitchFamily="18" charset="0"/>
+                <a:cs typeface="Times New Roman" panose="02020603050405020304" pitchFamily="18" charset="0"/>
+              </a:rPr>
+              <a:t>detector shot noise presents a standard quantum limit</a:t>
+            </a:r>
+          </a:p>
+          <a:p>
+            <a:pPr lvl="1"/>
+            <a:r>
+              <a:rPr lang="en-US" altLang="zh-CN" sz="1600" dirty="0">
+                <a:latin typeface="Times New Roman" panose="02020603050405020304" pitchFamily="18" charset="0"/>
+                <a:cs typeface="Times New Roman" panose="02020603050405020304" pitchFamily="18" charset="0"/>
+              </a:rPr>
+              <a:t>C. M. Caves, Quantum-Mechanical Noise in an Interferometer, Phys. Rev. D 23. 1693 (1981)</a:t>
+            </a:r>
+          </a:p>
+          <a:p>
+            <a:r>
+              <a:rPr lang="en-US" altLang="zh-CN" dirty="0">
+                <a:latin typeface="Times New Roman" panose="02020603050405020304" pitchFamily="18" charset="0"/>
+                <a:cs typeface="Times New Roman" panose="02020603050405020304" pitchFamily="18" charset="0"/>
+              </a:rPr>
+              <a:t>pretraining weights on a GPU</a:t>
+            </a:r>
+          </a:p>
+          <a:p>
+            <a:r>
+              <a:rPr lang="en-US" altLang="zh-CN" dirty="0">
+                <a:latin typeface="Times New Roman" panose="02020603050405020304" pitchFamily="18" charset="0"/>
+                <a:cs typeface="Times New Roman" panose="02020603050405020304" pitchFamily="18" charset="0"/>
+              </a:rPr>
+              <a:t>computing Neural-network performance using Monte Carlo simulations</a:t>
+            </a:r>
+          </a:p>
+        </p:txBody>
+      </p:sp>
+      <p:sp>
+        <p:nvSpPr>
+          <p:cNvPr id="3" name="标题 2">
+            <a:extLst>
+              <a:ext uri="{FF2B5EF4-FFF2-40B4-BE49-F238E27FC236}">
+                <a16:creationId xmlns:a16="http://schemas.microsoft.com/office/drawing/2014/main" id="{FEBF1208-A7ED-48DC-AAFC-277380708BBE}"/>
+              </a:ext>
+            </a:extLst>
+          </p:cNvPr>
+          <p:cNvSpPr>
+            <a:spLocks noGrp="1"/>
+          </p:cNvSpPr>
+          <p:nvPr>
+            <p:ph type="title"/>
+          </p:nvPr>
+        </p:nvSpPr>
+        <p:spPr/>
+        <p:txBody>
+          <a:bodyPr>
+            <a:noAutofit/>
+          </a:bodyPr>
+          <a:lstStyle/>
+          <a:p>
+            <a:r>
+              <a:rPr lang="en-US" altLang="zh-CN" sz="2800" dirty="0"/>
+              <a:t>Large-Scale Optical Neural Networks Based on Photoelectric Multiplication</a:t>
+            </a:r>
+            <a:endParaRPr lang="zh-CN" altLang="en-US" sz="2800" dirty="0"/>
+          </a:p>
+        </p:txBody>
+      </p:sp>
+    </p:spTree>
+    <p:extLst>
+      <p:ext uri="{BB962C8B-B14F-4D97-AF65-F5344CB8AC3E}">
+        <p14:creationId xmlns:p14="http://schemas.microsoft.com/office/powerpoint/2010/main" val="4214204154"/>
+      </p:ext>
+    </p:extLst>
+  </p:cSld>
+  <p:clrMapOvr>
+    <a:masterClrMapping/>
+  </p:clrMapOvr>
+</p:sld>
+</file>
+
+<file path=ppt/slides/slide16.xml><?xml version="1.0" encoding="utf-8"?>
+<p:sld xmlns:a="http://schemas.openxmlformats.org/drawingml/2006/main" xmlns:r="http://schemas.openxmlformats.org/officeDocument/2006/relationships" xmlns:p="http://schemas.openxmlformats.org/presentationml/2006/main">
+  <p:cSld>
+    <p:spTree>
+      <p:nvGrpSpPr>
+        <p:cNvPr id="1" name=""/>
+        <p:cNvGrpSpPr/>
+        <p:nvPr/>
+      </p:nvGrpSpPr>
+      <p:grpSpPr>
+        <a:xfrm>
+          <a:off x="0" y="0"/>
+          <a:ext cx="0" cy="0"/>
+          <a:chOff x="0" y="0"/>
+          <a:chExt cx="0" cy="0"/>
+        </a:xfrm>
+      </p:grpSpPr>
+      <p:pic>
+        <p:nvPicPr>
+          <p:cNvPr id="4" name="内容占位符 3">
+            <a:extLst>
+              <a:ext uri="{FF2B5EF4-FFF2-40B4-BE49-F238E27FC236}">
+                <a16:creationId xmlns:a16="http://schemas.microsoft.com/office/drawing/2014/main" id="{4D403EC5-E397-482B-BC7D-ECEE8A719266}"/>
+              </a:ext>
+            </a:extLst>
+          </p:cNvPr>
+          <p:cNvPicPr>
+            <a:picLocks noGrp="1" noChangeAspect="1"/>
+          </p:cNvPicPr>
+          <p:nvPr>
+            <p:ph idx="1"/>
+          </p:nvPr>
+        </p:nvPicPr>
+        <p:blipFill>
+          <a:blip r:embed="rId2"/>
+          <a:stretch>
+            <a:fillRect/>
+          </a:stretch>
+        </p:blipFill>
+        <p:spPr>
+          <a:xfrm>
+            <a:off x="391046" y="3959048"/>
+            <a:ext cx="3670300" cy="2240814"/>
+          </a:xfrm>
+          <a:prstGeom prst="rect">
+            <a:avLst/>
+          </a:prstGeom>
+        </p:spPr>
+      </p:pic>
+      <p:pic>
+        <p:nvPicPr>
+          <p:cNvPr id="3" name="图片 2">
+            <a:extLst>
+              <a:ext uri="{FF2B5EF4-FFF2-40B4-BE49-F238E27FC236}">
+                <a16:creationId xmlns:a16="http://schemas.microsoft.com/office/drawing/2014/main" id="{4F5F5F2E-4D61-4FEF-9640-332312AAE6D1}"/>
+              </a:ext>
+            </a:extLst>
+          </p:cNvPr>
+          <p:cNvPicPr>
+            <a:picLocks noChangeAspect="1"/>
+          </p:cNvPicPr>
+          <p:nvPr/>
+        </p:nvPicPr>
+        <p:blipFill>
+          <a:blip r:embed="rId3"/>
+          <a:stretch>
+            <a:fillRect/>
+          </a:stretch>
+        </p:blipFill>
+        <p:spPr>
+          <a:xfrm>
+            <a:off x="391046" y="532838"/>
+            <a:ext cx="6295345" cy="2886136"/>
+          </a:xfrm>
+          <a:prstGeom prst="rect">
+            <a:avLst/>
+          </a:prstGeom>
+        </p:spPr>
+      </p:pic>
+      <p:sp>
+        <p:nvSpPr>
+          <p:cNvPr id="5" name="文本框 4">
+            <a:extLst>
+              <a:ext uri="{FF2B5EF4-FFF2-40B4-BE49-F238E27FC236}">
+                <a16:creationId xmlns:a16="http://schemas.microsoft.com/office/drawing/2014/main" id="{5BDBB4EA-B47A-4B98-A60A-07C2398CAABA}"/>
+              </a:ext>
+            </a:extLst>
+          </p:cNvPr>
+          <p:cNvSpPr txBox="1"/>
+          <p:nvPr/>
+        </p:nvSpPr>
+        <p:spPr>
+          <a:xfrm>
+            <a:off x="4885898" y="4719869"/>
+            <a:ext cx="1800493" cy="719171"/>
+          </a:xfrm>
+          <a:prstGeom prst="rect">
+            <a:avLst/>
+          </a:prstGeom>
+          <a:noFill/>
+        </p:spPr>
+        <p:txBody>
+          <a:bodyPr wrap="none" rtlCol="0">
+            <a:spAutoFit/>
+          </a:bodyPr>
+          <a:lstStyle/>
+          <a:p>
+            <a:pPr algn="l">
+              <a:lnSpc>
+                <a:spcPct val="90000"/>
+              </a:lnSpc>
+              <a:spcBef>
+                <a:spcPts val="1000"/>
+              </a:spcBef>
+            </a:pPr>
+            <a:r>
+              <a:rPr lang="zh-CN" altLang="en-US" dirty="0">
+                <a:latin typeface="微软雅黑" panose="020B0503020204020204" pitchFamily="34" charset="-122"/>
+                <a:ea typeface="微软雅黑" panose="020B0503020204020204" pitchFamily="34" charset="-122"/>
+              </a:rPr>
+              <a:t>上图：计算过程</a:t>
+            </a:r>
+            <a:endParaRPr lang="en-US" altLang="zh-CN" dirty="0">
+              <a:latin typeface="微软雅黑" panose="020B0503020204020204" pitchFamily="34" charset="-122"/>
+              <a:ea typeface="微软雅黑" panose="020B0503020204020204" pitchFamily="34" charset="-122"/>
+            </a:endParaRPr>
+          </a:p>
+          <a:p>
+            <a:pPr algn="l">
+              <a:lnSpc>
+                <a:spcPct val="90000"/>
+              </a:lnSpc>
+              <a:spcBef>
+                <a:spcPts val="1000"/>
+              </a:spcBef>
+            </a:pPr>
+            <a:r>
+              <a:rPr lang="zh-CN" altLang="en-US" dirty="0">
+                <a:latin typeface="微软雅黑" panose="020B0503020204020204" pitchFamily="34" charset="-122"/>
+                <a:ea typeface="微软雅黑" panose="020B0503020204020204" pitchFamily="34" charset="-122"/>
+              </a:rPr>
+              <a:t>左图：并行计算</a:t>
+            </a:r>
+          </a:p>
+        </p:txBody>
+      </p:sp>
+      <p:sp>
+        <p:nvSpPr>
+          <p:cNvPr id="6" name="文本框 5">
+            <a:extLst>
+              <a:ext uri="{FF2B5EF4-FFF2-40B4-BE49-F238E27FC236}">
+                <a16:creationId xmlns:a16="http://schemas.microsoft.com/office/drawing/2014/main" id="{F47E848F-8C1D-4872-8B50-96706EA1FFA7}"/>
+              </a:ext>
+            </a:extLst>
+          </p:cNvPr>
+          <p:cNvSpPr txBox="1"/>
+          <p:nvPr/>
+        </p:nvSpPr>
+        <p:spPr>
+          <a:xfrm>
+            <a:off x="6796586" y="736979"/>
+            <a:ext cx="5240740" cy="2866426"/>
+          </a:xfrm>
+          <a:prstGeom prst="rect">
+            <a:avLst/>
+          </a:prstGeom>
+          <a:noFill/>
+        </p:spPr>
+        <p:txBody>
+          <a:bodyPr wrap="square" rtlCol="0">
+            <a:spAutoFit/>
+          </a:bodyPr>
+          <a:lstStyle/>
+          <a:p>
+            <a:pPr marL="457200" indent="-457200" algn="l">
+              <a:lnSpc>
+                <a:spcPct val="90000"/>
+              </a:lnSpc>
+              <a:spcBef>
+                <a:spcPts val="1000"/>
+              </a:spcBef>
+              <a:buFont typeface="Arial" panose="020B0604020202020204" pitchFamily="34" charset="0"/>
+              <a:buChar char="•"/>
+            </a:pPr>
+            <a:r>
+              <a:rPr lang="zh-CN" altLang="en-US" dirty="0">
+                <a:latin typeface="Times New Roman" panose="02020603050405020304" pitchFamily="18" charset="0"/>
+                <a:ea typeface="微软雅黑" panose="020B0503020204020204" pitchFamily="34" charset="-122"/>
+                <a:cs typeface="Times New Roman" panose="02020603050405020304" pitchFamily="18" charset="0"/>
+              </a:rPr>
+              <a:t>乘积值正比于探测器收到的电荷值</a:t>
+            </a:r>
+            <a:endParaRPr lang="en-US" altLang="zh-CN" dirty="0">
+              <a:latin typeface="Times New Roman" panose="02020603050405020304" pitchFamily="18" charset="0"/>
+              <a:ea typeface="微软雅黑" panose="020B0503020204020204" pitchFamily="34" charset="-122"/>
+              <a:cs typeface="Times New Roman" panose="02020603050405020304" pitchFamily="18" charset="0"/>
+            </a:endParaRPr>
+          </a:p>
+          <a:p>
+            <a:pPr marL="457200" indent="-457200" algn="l">
+              <a:lnSpc>
+                <a:spcPct val="90000"/>
+              </a:lnSpc>
+              <a:spcBef>
+                <a:spcPts val="1000"/>
+              </a:spcBef>
+              <a:buFont typeface="Arial" panose="020B0604020202020204" pitchFamily="34" charset="0"/>
+              <a:buChar char="•"/>
+            </a:pPr>
+            <a:endParaRPr lang="en-US" altLang="zh-CN" dirty="0">
+              <a:latin typeface="Times New Roman" panose="02020603050405020304" pitchFamily="18" charset="0"/>
+              <a:ea typeface="微软雅黑" panose="020B0503020204020204" pitchFamily="34" charset="-122"/>
+              <a:cs typeface="Times New Roman" panose="02020603050405020304" pitchFamily="18" charset="0"/>
+            </a:endParaRPr>
+          </a:p>
+          <a:p>
+            <a:pPr marL="457200" indent="-457200" algn="l">
+              <a:lnSpc>
+                <a:spcPct val="90000"/>
+              </a:lnSpc>
+              <a:spcBef>
+                <a:spcPts val="1000"/>
+              </a:spcBef>
+              <a:buFont typeface="Arial" panose="020B0604020202020204" pitchFamily="34" charset="0"/>
+              <a:buChar char="•"/>
+            </a:pPr>
+            <a:endParaRPr lang="en-US" altLang="zh-CN" dirty="0">
+              <a:latin typeface="Times New Roman" panose="02020603050405020304" pitchFamily="18" charset="0"/>
+              <a:ea typeface="微软雅黑" panose="020B0503020204020204" pitchFamily="34" charset="-122"/>
+              <a:cs typeface="Times New Roman" panose="02020603050405020304" pitchFamily="18" charset="0"/>
+            </a:endParaRPr>
+          </a:p>
+          <a:p>
+            <a:pPr marL="457200" indent="-457200" algn="l">
+              <a:lnSpc>
+                <a:spcPct val="90000"/>
+              </a:lnSpc>
+              <a:spcBef>
+                <a:spcPts val="1000"/>
+              </a:spcBef>
+              <a:buFont typeface="Arial" panose="020B0604020202020204" pitchFamily="34" charset="0"/>
+              <a:buChar char="•"/>
+            </a:pPr>
+            <a:r>
+              <a:rPr lang="zh-CN" altLang="en-US" dirty="0">
+                <a:latin typeface="Times New Roman" panose="02020603050405020304" pitchFamily="18" charset="0"/>
+                <a:ea typeface="微软雅黑" panose="020B0503020204020204" pitchFamily="34" charset="-122"/>
+                <a:cs typeface="Times New Roman" panose="02020603050405020304" pitchFamily="18" charset="0"/>
+              </a:rPr>
+              <a:t>并行运算</a:t>
+            </a:r>
+            <a:endParaRPr lang="en-US" altLang="zh-CN" dirty="0">
+              <a:latin typeface="Times New Roman" panose="02020603050405020304" pitchFamily="18" charset="0"/>
+              <a:ea typeface="微软雅黑" panose="020B0503020204020204" pitchFamily="34" charset="-122"/>
+              <a:cs typeface="Times New Roman" panose="02020603050405020304" pitchFamily="18" charset="0"/>
+            </a:endParaRPr>
+          </a:p>
+          <a:p>
+            <a:pPr marL="914400" lvl="1" indent="-457200">
+              <a:lnSpc>
+                <a:spcPct val="90000"/>
+              </a:lnSpc>
+              <a:spcBef>
+                <a:spcPts val="1000"/>
+              </a:spcBef>
+              <a:buFont typeface="Arial" panose="020B0604020202020204" pitchFamily="34" charset="0"/>
+              <a:buChar char="•"/>
+            </a:pPr>
+            <a:r>
+              <a:rPr lang="en-US" altLang="zh-CN" dirty="0">
+                <a:latin typeface="Times New Roman" panose="02020603050405020304" pitchFamily="18" charset="0"/>
+                <a:ea typeface="微软雅黑" panose="020B0503020204020204" pitchFamily="34" charset="-122"/>
+                <a:cs typeface="Times New Roman" panose="02020603050405020304" pitchFamily="18" charset="0"/>
+              </a:rPr>
+              <a:t>running a batch of instances, X = [</a:t>
+            </a:r>
+            <a:r>
+              <a:rPr lang="en-US" altLang="zh-CN" dirty="0" err="1">
+                <a:latin typeface="Times New Roman" panose="02020603050405020304" pitchFamily="18" charset="0"/>
+                <a:ea typeface="微软雅黑" panose="020B0503020204020204" pitchFamily="34" charset="-122"/>
+                <a:cs typeface="Times New Roman" panose="02020603050405020304" pitchFamily="18" charset="0"/>
+              </a:rPr>
+              <a:t>x1</a:t>
+            </a:r>
+            <a:r>
+              <a:rPr lang="en-US" altLang="zh-CN" dirty="0">
+                <a:latin typeface="Times New Roman" panose="02020603050405020304" pitchFamily="18" charset="0"/>
+                <a:ea typeface="微软雅黑" panose="020B0503020204020204" pitchFamily="34" charset="-122"/>
+                <a:cs typeface="Times New Roman" panose="02020603050405020304" pitchFamily="18" charset="0"/>
+              </a:rPr>
+              <a:t>…</a:t>
+            </a:r>
+            <a:r>
+              <a:rPr lang="en-US" altLang="zh-CN" dirty="0" err="1">
+                <a:latin typeface="Times New Roman" panose="02020603050405020304" pitchFamily="18" charset="0"/>
+                <a:ea typeface="微软雅黑" panose="020B0503020204020204" pitchFamily="34" charset="-122"/>
+                <a:cs typeface="Times New Roman" panose="02020603050405020304" pitchFamily="18" charset="0"/>
+              </a:rPr>
+              <a:t>xB</a:t>
+            </a:r>
+            <a:r>
+              <a:rPr lang="en-US" altLang="zh-CN" dirty="0">
+                <a:latin typeface="Times New Roman" panose="02020603050405020304" pitchFamily="18" charset="0"/>
+                <a:ea typeface="微软雅黑" panose="020B0503020204020204" pitchFamily="34" charset="-122"/>
+                <a:cs typeface="Times New Roman" panose="02020603050405020304" pitchFamily="18" charset="0"/>
+              </a:rPr>
+              <a:t>], the output Y = [</a:t>
+            </a:r>
+            <a:r>
+              <a:rPr lang="en-US" altLang="zh-CN" dirty="0" err="1">
+                <a:latin typeface="Times New Roman" panose="02020603050405020304" pitchFamily="18" charset="0"/>
+                <a:ea typeface="微软雅黑" panose="020B0503020204020204" pitchFamily="34" charset="-122"/>
+                <a:cs typeface="Times New Roman" panose="02020603050405020304" pitchFamily="18" charset="0"/>
+              </a:rPr>
+              <a:t>y1</a:t>
+            </a:r>
+            <a:r>
+              <a:rPr lang="en-US" altLang="zh-CN" dirty="0">
+                <a:latin typeface="Times New Roman" panose="02020603050405020304" pitchFamily="18" charset="0"/>
+                <a:ea typeface="微软雅黑" panose="020B0503020204020204" pitchFamily="34" charset="-122"/>
+                <a:cs typeface="Times New Roman" panose="02020603050405020304" pitchFamily="18" charset="0"/>
+              </a:rPr>
+              <a:t>…</a:t>
+            </a:r>
+            <a:r>
+              <a:rPr lang="en-US" altLang="zh-CN" dirty="0" err="1">
+                <a:latin typeface="Times New Roman" panose="02020603050405020304" pitchFamily="18" charset="0"/>
+                <a:ea typeface="微软雅黑" panose="020B0503020204020204" pitchFamily="34" charset="-122"/>
+                <a:cs typeface="Times New Roman" panose="02020603050405020304" pitchFamily="18" charset="0"/>
+              </a:rPr>
+              <a:t>yB</a:t>
+            </a:r>
+            <a:r>
+              <a:rPr lang="en-US" altLang="zh-CN" dirty="0">
+                <a:latin typeface="Times New Roman" panose="02020603050405020304" pitchFamily="18" charset="0"/>
+                <a:ea typeface="微软雅黑" panose="020B0503020204020204" pitchFamily="34" charset="-122"/>
+                <a:cs typeface="Times New Roman" panose="02020603050405020304" pitchFamily="18" charset="0"/>
+              </a:rPr>
+              <a:t>] can be computed through the matrix-matrix product Y = AX</a:t>
+            </a:r>
+          </a:p>
+          <a:p>
+            <a:pPr algn="l">
+              <a:lnSpc>
+                <a:spcPct val="90000"/>
+              </a:lnSpc>
+              <a:spcBef>
+                <a:spcPts val="1000"/>
+              </a:spcBef>
+            </a:pPr>
+            <a:endParaRPr lang="zh-CN" altLang="en-US" sz="2800" dirty="0">
+              <a:latin typeface="微软雅黑" panose="020B0503020204020204" pitchFamily="34" charset="-122"/>
+              <a:ea typeface="微软雅黑" panose="020B0503020204020204" pitchFamily="34" charset="-122"/>
+            </a:endParaRPr>
+          </a:p>
+        </p:txBody>
+      </p:sp>
+      <p:pic>
+        <p:nvPicPr>
+          <p:cNvPr id="7" name="图片 6">
+            <a:extLst>
+              <a:ext uri="{FF2B5EF4-FFF2-40B4-BE49-F238E27FC236}">
+                <a16:creationId xmlns:a16="http://schemas.microsoft.com/office/drawing/2014/main" id="{209763F8-DA4D-406B-AD0E-0546B0800C63}"/>
+              </a:ext>
+            </a:extLst>
+          </p:cNvPr>
+          <p:cNvPicPr>
+            <a:picLocks noChangeAspect="1"/>
+          </p:cNvPicPr>
+          <p:nvPr/>
+        </p:nvPicPr>
+        <p:blipFill>
+          <a:blip r:embed="rId4"/>
+          <a:stretch>
+            <a:fillRect/>
+          </a:stretch>
+        </p:blipFill>
+        <p:spPr>
+          <a:xfrm>
+            <a:off x="7962095" y="1165814"/>
+            <a:ext cx="3838859" cy="591073"/>
+          </a:xfrm>
+          <a:prstGeom prst="rect">
+            <a:avLst/>
+          </a:prstGeom>
+        </p:spPr>
+      </p:pic>
+    </p:spTree>
+    <p:extLst>
+      <p:ext uri="{BB962C8B-B14F-4D97-AF65-F5344CB8AC3E}">
+        <p14:creationId xmlns:p14="http://schemas.microsoft.com/office/powerpoint/2010/main" val="623524247"/>
+      </p:ext>
+    </p:extLst>
+  </p:cSld>
+  <p:clrMapOvr>
+    <a:masterClrMapping/>
+  </p:clrMapOvr>
+</p:sld>
+</file>
+
+<file path=ppt/slides/slide17.xml><?xml version="1.0" encoding="utf-8"?>
+<p:sld xmlns:a="http://schemas.openxmlformats.org/drawingml/2006/main" xmlns:r="http://schemas.openxmlformats.org/officeDocument/2006/relationships" xmlns:p="http://schemas.openxmlformats.org/presentationml/2006/main">
+  <p:cSld>
+    <p:spTree>
+      <p:nvGrpSpPr>
+        <p:cNvPr id="1" name=""/>
+        <p:cNvGrpSpPr/>
+        <p:nvPr/>
+      </p:nvGrpSpPr>
+      <p:grpSpPr>
+        <a:xfrm>
+          <a:off x="0" y="0"/>
+          <a:ext cx="0" cy="0"/>
+          <a:chOff x="0" y="0"/>
+          <a:chExt cx="0" cy="0"/>
+        </a:xfrm>
+      </p:grpSpPr>
+      <p:sp>
+        <p:nvSpPr>
           <p:cNvPr id="3" name="标题 2">
             <a:extLst>
               <a:ext uri="{FF2B5EF4-FFF2-40B4-BE49-F238E27FC236}">
@@ -1213,7 +3256,7 @@
 </p:sld>
 </file>
 
-<file path=ppt/slides/slide11.xml><?xml version="1.0" encoding="utf-8"?>
+<file path=ppt/slides/slide18.xml><?xml version="1.0" encoding="utf-8"?>
 <p:sld xmlns:a="http://schemas.openxmlformats.org/drawingml/2006/main" xmlns:r="http://schemas.openxmlformats.org/officeDocument/2006/relationships" xmlns:p="http://schemas.openxmlformats.org/presentationml/2006/main">
   <p:cSld>
     <p:spTree>
@@ -1450,7 +3493,7 @@
 </p:sld>
 </file>
 
-<file path=ppt/slides/slide12.xml><?xml version="1.0" encoding="utf-8"?>
+<file path=ppt/slides/slide19.xml><?xml version="1.0" encoding="utf-8"?>
 <p:sld xmlns:a="http://schemas.openxmlformats.org/drawingml/2006/main" xmlns:r="http://schemas.openxmlformats.org/officeDocument/2006/relationships" xmlns:p="http://schemas.openxmlformats.org/presentationml/2006/main">
   <p:cSld>
     <p:spTree>
@@ -1834,6 +3877,1146 @@
 </p:sld>
 </file>
 
+<file path=ppt/slides/slide20.xml><?xml version="1.0" encoding="utf-8"?>
+<p:sld xmlns:a="http://schemas.openxmlformats.org/drawingml/2006/main" xmlns:r="http://schemas.openxmlformats.org/officeDocument/2006/relationships" xmlns:p="http://schemas.openxmlformats.org/presentationml/2006/main">
+  <p:cSld>
+    <p:spTree>
+      <p:nvGrpSpPr>
+        <p:cNvPr id="1" name=""/>
+        <p:cNvGrpSpPr/>
+        <p:nvPr/>
+      </p:nvGrpSpPr>
+      <p:grpSpPr>
+        <a:xfrm>
+          <a:off x="0" y="0"/>
+          <a:ext cx="0" cy="0"/>
+          <a:chOff x="0" y="0"/>
+          <a:chExt cx="0" cy="0"/>
+        </a:xfrm>
+      </p:grpSpPr>
+      <mc:AlternateContent xmlns:mc="http://schemas.openxmlformats.org/markup-compatibility/2006">
+        <mc:Choice xmlns:a14="http://schemas.microsoft.com/office/drawing/2010/main" Requires="a14">
+          <p:sp>
+            <p:nvSpPr>
+              <p:cNvPr id="2" name="内容占位符 1">
+                <a:extLst>
+                  <a:ext uri="{FF2B5EF4-FFF2-40B4-BE49-F238E27FC236}">
+                    <a16:creationId xmlns:a16="http://schemas.microsoft.com/office/drawing/2014/main" id="{A4AD2948-5E7B-4C22-8A9F-B0AD1771C523}"/>
+                  </a:ext>
+                </a:extLst>
+              </p:cNvPr>
+              <p:cNvSpPr>
+                <a:spLocks noGrp="1"/>
+              </p:cNvSpPr>
+              <p:nvPr>
+                <p:ph idx="1"/>
+              </p:nvPr>
+            </p:nvSpPr>
+            <p:spPr/>
+            <p:txBody>
+              <a:bodyPr/>
+              <a:lstStyle/>
+              <a:p>
+                <a:r>
+                  <a:rPr lang="en-US" altLang="zh-CN" dirty="0">
+                    <a:latin typeface="Times New Roman" panose="02020603050405020304" pitchFamily="18" charset="0"/>
+                    <a:cs typeface="Times New Roman" panose="02020603050405020304" pitchFamily="18" charset="0"/>
+                  </a:rPr>
+                  <a:t>Implementing </a:t>
+                </a:r>
+                <a:r>
+                  <a:rPr lang="en-US" altLang="zh-CN" dirty="0" err="1">
+                    <a:latin typeface="Times New Roman" panose="02020603050405020304" pitchFamily="18" charset="0"/>
+                    <a:cs typeface="Times New Roman" panose="02020603050405020304" pitchFamily="18" charset="0"/>
+                  </a:rPr>
+                  <a:t>VQU</a:t>
+                </a:r>
+                <a:r>
+                  <a:rPr lang="en-US" altLang="zh-CN" dirty="0">
+                    <a:latin typeface="Times New Roman" panose="02020603050405020304" pitchFamily="18" charset="0"/>
+                    <a:cs typeface="Times New Roman" panose="02020603050405020304" pitchFamily="18" charset="0"/>
+                  </a:rPr>
+                  <a:t> protocol for verification and inference of near-term quantum circuits outputs</a:t>
+                </a:r>
+              </a:p>
+              <a:p>
+                <a:r>
+                  <a:rPr lang="en-US" altLang="zh-CN" dirty="0">
+                    <a:latin typeface="Times New Roman" panose="02020603050405020304" pitchFamily="18" charset="0"/>
+                    <a:cs typeface="Times New Roman" panose="02020603050405020304" pitchFamily="18" charset="0"/>
+                  </a:rPr>
+                  <a:t>performs optimization on </a:t>
+                </a:r>
+                <a14:m>
+                  <m:oMath xmlns:m="http://schemas.openxmlformats.org/officeDocument/2006/math">
+                    <m:r>
+                      <a:rPr lang="en-US" altLang="zh-CN" b="0" i="1" smtClean="0">
+                        <a:latin typeface="Cambria Math" panose="02040503050406030204" pitchFamily="18" charset="0"/>
+                        <a:cs typeface="Times New Roman" panose="02020603050405020304" pitchFamily="18" charset="0"/>
+                      </a:rPr>
+                      <m:t>|</m:t>
+                    </m:r>
+                    <m:d>
+                      <m:dPr>
+                        <m:begChr m:val=""/>
+                        <m:endChr m:val="⟩"/>
+                        <m:ctrlPr>
+                          <a:rPr lang="en-US" altLang="zh-CN" i="1" dirty="0" smtClean="0">
+                            <a:latin typeface="Cambria Math" panose="02040503050406030204" pitchFamily="18" charset="0"/>
+                            <a:ea typeface="Cambria Math" panose="02040503050406030204" pitchFamily="18" charset="0"/>
+                            <a:cs typeface="Times New Roman" panose="02020603050405020304" pitchFamily="18" charset="0"/>
+                          </a:rPr>
+                        </m:ctrlPr>
+                      </m:dPr>
+                      <m:e>
+                        <m:sSub>
+                          <m:sSubPr>
+                            <m:ctrlPr>
+                              <a:rPr lang="en-US" altLang="zh-CN" i="1">
+                                <a:latin typeface="Cambria Math" panose="02040503050406030204" pitchFamily="18" charset="0"/>
+                                <a:cs typeface="Times New Roman" panose="02020603050405020304" pitchFamily="18" charset="0"/>
+                              </a:rPr>
+                            </m:ctrlPr>
+                          </m:sSubPr>
+                          <m:e>
+                            <m:r>
+                              <m:rPr>
+                                <m:nor/>
+                              </m:rPr>
+                              <a:rPr lang="en-US" altLang="zh-CN" dirty="0">
+                                <a:latin typeface="Times New Roman" panose="02020603050405020304" pitchFamily="18" charset="0"/>
+                                <a:cs typeface="Times New Roman" panose="02020603050405020304" pitchFamily="18" charset="0"/>
+                              </a:rPr>
+                              <m:t>ψ</m:t>
+                            </m:r>
+                          </m:e>
+                          <m:sub>
+                            <m:r>
+                              <a:rPr lang="en-US" altLang="zh-CN" i="1">
+                                <a:latin typeface="Cambria Math" panose="02040503050406030204" pitchFamily="18" charset="0"/>
+                                <a:cs typeface="Times New Roman" panose="02020603050405020304" pitchFamily="18" charset="0"/>
+                              </a:rPr>
+                              <m:t>𝑜𝑢𝑡</m:t>
+                            </m:r>
+                          </m:sub>
+                        </m:sSub>
+                      </m:e>
+                    </m:d>
+                  </m:oMath>
+                </a14:m>
+                <a:r>
+                  <a:rPr lang="en-US" altLang="zh-CN" dirty="0">
+                    <a:latin typeface="Times New Roman" panose="02020603050405020304" pitchFamily="18" charset="0"/>
+                    <a:cs typeface="Times New Roman" panose="02020603050405020304" pitchFamily="18" charset="0"/>
+                  </a:rPr>
+                  <a:t>using a sequence of auxiliary quantum circuits </a:t>
+                </a:r>
+                <a14:m>
+                  <m:oMath xmlns:m="http://schemas.openxmlformats.org/officeDocument/2006/math">
+                    <m:acc>
+                      <m:accPr>
+                        <m:chr m:val="̂"/>
+                        <m:ctrlPr>
+                          <a:rPr lang="en-US" altLang="zh-CN" i="1" smtClean="0">
+                            <a:latin typeface="Cambria Math" panose="02040503050406030204" pitchFamily="18" charset="0"/>
+                            <a:cs typeface="Times New Roman" panose="02020603050405020304" pitchFamily="18" charset="0"/>
+                          </a:rPr>
+                        </m:ctrlPr>
+                      </m:accPr>
+                      <m:e>
+                        <m:r>
+                          <m:rPr>
+                            <m:sty m:val="p"/>
+                          </m:rPr>
+                          <a:rPr lang="en-US" altLang="zh-CN" i="1">
+                            <a:latin typeface="Cambria Math" panose="02040503050406030204" pitchFamily="18" charset="0"/>
+                            <a:cs typeface="Times New Roman" panose="02020603050405020304" pitchFamily="18" charset="0"/>
+                          </a:rPr>
+                          <m:t>V</m:t>
+                        </m:r>
+                      </m:e>
+                    </m:acc>
+                    <m:r>
+                      <a:rPr lang="en-US" altLang="zh-CN" b="0" i="1" smtClean="0">
+                        <a:latin typeface="Cambria Math" panose="02040503050406030204" pitchFamily="18" charset="0"/>
+                        <a:cs typeface="Times New Roman" panose="02020603050405020304" pitchFamily="18" charset="0"/>
+                      </a:rPr>
+                      <m:t>(</m:t>
+                    </m:r>
+                    <m:acc>
+                      <m:accPr>
+                        <m:chr m:val="⃗"/>
+                        <m:ctrlPr>
+                          <a:rPr lang="en-US" altLang="zh-CN" b="0" i="1" smtClean="0">
+                            <a:latin typeface="Cambria Math" panose="02040503050406030204" pitchFamily="18" charset="0"/>
+                            <a:cs typeface="Times New Roman" panose="02020603050405020304" pitchFamily="18" charset="0"/>
+                          </a:rPr>
+                        </m:ctrlPr>
+                      </m:accPr>
+                      <m:e>
+                        <m:r>
+                          <a:rPr lang="en-US" altLang="zh-CN" b="0" i="1" smtClean="0">
+                            <a:latin typeface="Cambria Math" panose="02040503050406030204" pitchFamily="18" charset="0"/>
+                            <a:ea typeface="Cambria Math" panose="02040503050406030204" pitchFamily="18" charset="0"/>
+                            <a:cs typeface="Times New Roman" panose="02020603050405020304" pitchFamily="18" charset="0"/>
+                          </a:rPr>
+                          <m:t>∅</m:t>
+                        </m:r>
+                      </m:e>
+                    </m:acc>
+                    <m:r>
+                      <a:rPr lang="en-US" altLang="zh-CN" b="0" i="1" smtClean="0">
+                        <a:latin typeface="Cambria Math" panose="02040503050406030204" pitchFamily="18" charset="0"/>
+                        <a:cs typeface="Times New Roman" panose="02020603050405020304" pitchFamily="18" charset="0"/>
+                      </a:rPr>
+                      <m:t>)</m:t>
+                    </m:r>
+                  </m:oMath>
+                </a14:m>
+                <a:r>
+                  <a:rPr lang="en-US" altLang="zh-CN" dirty="0">
+                    <a:latin typeface="Times New Roman" panose="02020603050405020304" pitchFamily="18" charset="0"/>
+                    <a:cs typeface="Times New Roman" panose="02020603050405020304" pitchFamily="18" charset="0"/>
+                  </a:rPr>
+                  <a:t> to find the time reversed condition</a:t>
+                </a:r>
+                <a14:m>
+                  <m:oMath xmlns:m="http://schemas.openxmlformats.org/officeDocument/2006/math">
+                    <m:acc>
+                      <m:accPr>
+                        <m:chr m:val="̂"/>
+                        <m:ctrlPr>
+                          <a:rPr lang="en-US" altLang="zh-CN" i="1">
+                            <a:latin typeface="Cambria Math" panose="02040503050406030204" pitchFamily="18" charset="0"/>
+                            <a:cs typeface="Times New Roman" panose="02020603050405020304" pitchFamily="18" charset="0"/>
+                          </a:rPr>
+                        </m:ctrlPr>
+                      </m:accPr>
+                      <m:e>
+                        <m:r>
+                          <m:rPr>
+                            <m:sty m:val="p"/>
+                          </m:rPr>
+                          <a:rPr lang="en-US" altLang="zh-CN" i="1">
+                            <a:latin typeface="Cambria Math" panose="02040503050406030204" pitchFamily="18" charset="0"/>
+                            <a:cs typeface="Times New Roman" panose="02020603050405020304" pitchFamily="18" charset="0"/>
+                          </a:rPr>
+                          <m:t>V</m:t>
+                        </m:r>
+                      </m:e>
+                    </m:acc>
+                    <m:d>
+                      <m:dPr>
+                        <m:ctrlPr>
+                          <a:rPr lang="en-US" altLang="zh-CN" i="1">
+                            <a:latin typeface="Cambria Math" panose="02040503050406030204" pitchFamily="18" charset="0"/>
+                            <a:cs typeface="Times New Roman" panose="02020603050405020304" pitchFamily="18" charset="0"/>
+                          </a:rPr>
+                        </m:ctrlPr>
+                      </m:dPr>
+                      <m:e>
+                        <m:acc>
+                          <m:accPr>
+                            <m:chr m:val="⃗"/>
+                            <m:ctrlPr>
+                              <a:rPr lang="en-US" altLang="zh-CN" i="1">
+                                <a:latin typeface="Cambria Math" panose="02040503050406030204" pitchFamily="18" charset="0"/>
+                                <a:cs typeface="Times New Roman" panose="02020603050405020304" pitchFamily="18" charset="0"/>
+                              </a:rPr>
+                            </m:ctrlPr>
+                          </m:accPr>
+                          <m:e>
+                            <m:r>
+                              <a:rPr lang="en-US" altLang="zh-CN" i="1">
+                                <a:latin typeface="Cambria Math" panose="02040503050406030204" pitchFamily="18" charset="0"/>
+                                <a:ea typeface="Cambria Math" panose="02040503050406030204" pitchFamily="18" charset="0"/>
+                                <a:cs typeface="Times New Roman" panose="02020603050405020304" pitchFamily="18" charset="0"/>
+                              </a:rPr>
+                              <m:t>∅</m:t>
+                            </m:r>
+                          </m:e>
+                        </m:acc>
+                      </m:e>
+                    </m:d>
+                    <m:r>
+                      <a:rPr lang="en-US" altLang="zh-CN" b="0" i="1" smtClean="0">
+                        <a:latin typeface="Cambria Math" panose="02040503050406030204" pitchFamily="18" charset="0"/>
+                        <a:cs typeface="Times New Roman" panose="02020603050405020304" pitchFamily="18" charset="0"/>
+                      </a:rPr>
+                      <m:t>=</m:t>
+                    </m:r>
+                    <m:sSup>
+                      <m:sSupPr>
+                        <m:ctrlPr>
+                          <a:rPr lang="en-US" altLang="zh-CN" b="0" i="1" smtClean="0">
+                            <a:latin typeface="Cambria Math" panose="02040503050406030204" pitchFamily="18" charset="0"/>
+                            <a:cs typeface="Times New Roman" panose="02020603050405020304" pitchFamily="18" charset="0"/>
+                          </a:rPr>
+                        </m:ctrlPr>
+                      </m:sSupPr>
+                      <m:e>
+                        <m:r>
+                          <a:rPr lang="en-US" altLang="zh-CN" b="0" i="1" smtClean="0">
+                            <a:latin typeface="Cambria Math" panose="02040503050406030204" pitchFamily="18" charset="0"/>
+                            <a:cs typeface="Times New Roman" panose="02020603050405020304" pitchFamily="18" charset="0"/>
+                          </a:rPr>
+                          <m:t>𝑈</m:t>
+                        </m:r>
+                      </m:e>
+                      <m:sup>
+                        <m:r>
+                          <m:rPr>
+                            <m:nor/>
+                          </m:rPr>
+                          <a:rPr lang="en-US" altLang="zh-CN" dirty="0">
+                            <a:latin typeface="Times New Roman" panose="02020603050405020304" pitchFamily="18" charset="0"/>
+                            <a:cs typeface="Times New Roman" panose="02020603050405020304" pitchFamily="18" charset="0"/>
+                          </a:rPr>
+                          <m:t>†</m:t>
+                        </m:r>
+                      </m:sup>
+                    </m:sSup>
+                    <m:r>
+                      <a:rPr lang="en-US" altLang="zh-CN" b="0" i="0" smtClean="0">
+                        <a:latin typeface="Cambria Math" panose="02040503050406030204" pitchFamily="18" charset="0"/>
+                        <a:cs typeface="Times New Roman" panose="02020603050405020304" pitchFamily="18" charset="0"/>
+                      </a:rPr>
+                      <m:t> </m:t>
+                    </m:r>
+                  </m:oMath>
+                </a14:m>
+                <a:r>
+                  <a:rPr lang="en-US" altLang="zh-CN" dirty="0">
+                    <a:latin typeface="Times New Roman" panose="02020603050405020304" pitchFamily="18" charset="0"/>
+                    <a:cs typeface="Times New Roman" panose="02020603050405020304" pitchFamily="18" charset="0"/>
+                  </a:rPr>
+                  <a:t>for a known input state</a:t>
+                </a:r>
+              </a:p>
+              <a:p>
+                <a:endParaRPr lang="zh-CN" altLang="en-US" dirty="0">
+                  <a:latin typeface="Times New Roman" panose="02020603050405020304" pitchFamily="18" charset="0"/>
+                  <a:cs typeface="Times New Roman" panose="02020603050405020304" pitchFamily="18" charset="0"/>
+                </a:endParaRPr>
+              </a:p>
+            </p:txBody>
+          </p:sp>
+        </mc:Choice>
+        <mc:Fallback>
+          <p:sp>
+            <p:nvSpPr>
+              <p:cNvPr id="2" name="内容占位符 1">
+                <a:extLst>
+                  <a:ext uri="{FF2B5EF4-FFF2-40B4-BE49-F238E27FC236}">
+                    <a16:creationId xmlns:a16="http://schemas.microsoft.com/office/drawing/2014/main" id="{A4AD2948-5E7B-4C22-8A9F-B0AD1771C523}"/>
+                  </a:ext>
+                </a:extLst>
+              </p:cNvPr>
+              <p:cNvSpPr>
+                <a:spLocks noGrp="1" noRot="1" noChangeAspect="1" noMove="1" noResize="1" noEditPoints="1" noAdjustHandles="1" noChangeArrowheads="1" noChangeShapeType="1" noTextEdit="1"/>
+              </p:cNvSpPr>
+              <p:nvPr>
+                <p:ph idx="1"/>
+              </p:nvPr>
+            </p:nvSpPr>
+            <p:spPr>
+              <a:blipFill>
+                <a:blip r:embed="rId2"/>
+                <a:stretch>
+                  <a:fillRect l="-1043" t="-2133"/>
+                </a:stretch>
+              </a:blipFill>
+            </p:spPr>
+            <p:txBody>
+              <a:bodyPr/>
+              <a:lstStyle/>
+              <a:p>
+                <a:r>
+                  <a:rPr lang="zh-CN" altLang="en-US">
+                    <a:noFill/>
+                  </a:rPr>
+                  <a:t> </a:t>
+                </a:r>
+              </a:p>
+            </p:txBody>
+          </p:sp>
+        </mc:Fallback>
+      </mc:AlternateContent>
+      <p:sp>
+        <p:nvSpPr>
+          <p:cNvPr id="3" name="标题 2">
+            <a:extLst>
+              <a:ext uri="{FF2B5EF4-FFF2-40B4-BE49-F238E27FC236}">
+                <a16:creationId xmlns:a16="http://schemas.microsoft.com/office/drawing/2014/main" id="{26F54762-2495-44AA-8752-870AB6706F33}"/>
+              </a:ext>
+            </a:extLst>
+          </p:cNvPr>
+          <p:cNvSpPr>
+            <a:spLocks noGrp="1"/>
+          </p:cNvSpPr>
+          <p:nvPr>
+            <p:ph type="title"/>
+          </p:nvPr>
+        </p:nvSpPr>
+        <p:spPr/>
+        <p:txBody>
+          <a:bodyPr>
+            <a:noAutofit/>
+          </a:bodyPr>
+          <a:lstStyle/>
+          <a:p>
+            <a:r>
+              <a:rPr lang="en-US" altLang="zh-CN" sz="3200" dirty="0"/>
+              <a:t>Variational Quantum </a:t>
+            </a:r>
+            <a:r>
+              <a:rPr lang="en-US" altLang="zh-CN" sz="3200" dirty="0" err="1"/>
+              <a:t>Unsampling</a:t>
+            </a:r>
+            <a:r>
+              <a:rPr lang="en-US" altLang="zh-CN" sz="3200" dirty="0"/>
+              <a:t> on a Programmable Nanophotonic Processor</a:t>
+            </a:r>
+            <a:endParaRPr lang="zh-CN" altLang="en-US" sz="3200" dirty="0"/>
+          </a:p>
+        </p:txBody>
+      </p:sp>
+      <p:pic>
+        <p:nvPicPr>
+          <p:cNvPr id="4" name="图片 3">
+            <a:extLst>
+              <a:ext uri="{FF2B5EF4-FFF2-40B4-BE49-F238E27FC236}">
+                <a16:creationId xmlns:a16="http://schemas.microsoft.com/office/drawing/2014/main" id="{AC27CAD7-814E-4778-9DDE-1A451914D798}"/>
+              </a:ext>
+            </a:extLst>
+          </p:cNvPr>
+          <p:cNvPicPr>
+            <a:picLocks noChangeAspect="1"/>
+          </p:cNvPicPr>
+          <p:nvPr/>
+        </p:nvPicPr>
+        <p:blipFill>
+          <a:blip r:embed="rId3"/>
+          <a:stretch>
+            <a:fillRect/>
+          </a:stretch>
+        </p:blipFill>
+        <p:spPr>
+          <a:xfrm>
+            <a:off x="5789417" y="3707767"/>
+            <a:ext cx="4733007" cy="2785107"/>
+          </a:xfrm>
+          <a:prstGeom prst="rect">
+            <a:avLst/>
+          </a:prstGeom>
+        </p:spPr>
+      </p:pic>
+      <p:sp>
+        <p:nvSpPr>
+          <p:cNvPr id="5" name="矩形 4">
+            <a:extLst>
+              <a:ext uri="{FF2B5EF4-FFF2-40B4-BE49-F238E27FC236}">
+                <a16:creationId xmlns:a16="http://schemas.microsoft.com/office/drawing/2014/main" id="{19B066D0-F941-4489-B34C-7E4BA4F71AC0}"/>
+              </a:ext>
+            </a:extLst>
+          </p:cNvPr>
+          <p:cNvSpPr/>
+          <p:nvPr/>
+        </p:nvSpPr>
+        <p:spPr>
+          <a:xfrm>
+            <a:off x="2345709" y="6569352"/>
+            <a:ext cx="7500582" cy="253916"/>
+          </a:xfrm>
+          <a:prstGeom prst="rect">
+            <a:avLst/>
+          </a:prstGeom>
+        </p:spPr>
+        <p:txBody>
+          <a:bodyPr wrap="square">
+            <a:spAutoFit/>
+          </a:bodyPr>
+          <a:lstStyle/>
+          <a:p>
+            <a:r>
+              <a:rPr lang="en-US" altLang="zh-CN" sz="1050" dirty="0">
+                <a:latin typeface="微软雅黑" panose="020B0503020204020204" pitchFamily="34" charset="-122"/>
+                <a:ea typeface="微软雅黑" panose="020B0503020204020204" pitchFamily="34" charset="-122"/>
+              </a:rPr>
+              <a:t>Jacques Carolan et al., Variational Quantum </a:t>
+            </a:r>
+            <a:r>
+              <a:rPr lang="en-US" altLang="zh-CN" sz="1050" dirty="0" err="1">
+                <a:latin typeface="微软雅黑" panose="020B0503020204020204" pitchFamily="34" charset="-122"/>
+                <a:ea typeface="微软雅黑" panose="020B0503020204020204" pitchFamily="34" charset="-122"/>
+              </a:rPr>
+              <a:t>Unsampling</a:t>
+            </a:r>
+            <a:r>
+              <a:rPr lang="en-US" altLang="zh-CN" sz="1050" dirty="0">
+                <a:latin typeface="微软雅黑" panose="020B0503020204020204" pitchFamily="34" charset="-122"/>
+                <a:ea typeface="微软雅黑" panose="020B0503020204020204" pitchFamily="34" charset="-122"/>
+              </a:rPr>
+              <a:t> on a Programmable Nanophotonic Processor, CLEO 2019</a:t>
+            </a:r>
+            <a:endParaRPr lang="zh-CN" altLang="en-US" sz="1050" dirty="0">
+              <a:latin typeface="微软雅黑" panose="020B0503020204020204" pitchFamily="34" charset="-122"/>
+              <a:ea typeface="微软雅黑" panose="020B0503020204020204" pitchFamily="34" charset="-122"/>
+            </a:endParaRPr>
+          </a:p>
+        </p:txBody>
+      </p:sp>
+    </p:spTree>
+    <p:extLst>
+      <p:ext uri="{BB962C8B-B14F-4D97-AF65-F5344CB8AC3E}">
+        <p14:creationId xmlns:p14="http://schemas.microsoft.com/office/powerpoint/2010/main" val="1747562606"/>
+      </p:ext>
+    </p:extLst>
+  </p:cSld>
+  <p:clrMapOvr>
+    <a:masterClrMapping/>
+  </p:clrMapOvr>
+</p:sld>
+</file>
+
+<file path=ppt/slides/slide21.xml><?xml version="1.0" encoding="utf-8"?>
+<p:sld xmlns:a="http://schemas.openxmlformats.org/drawingml/2006/main" xmlns:r="http://schemas.openxmlformats.org/officeDocument/2006/relationships" xmlns:p="http://schemas.openxmlformats.org/presentationml/2006/main">
+  <p:cSld>
+    <p:spTree>
+      <p:nvGrpSpPr>
+        <p:cNvPr id="1" name=""/>
+        <p:cNvGrpSpPr/>
+        <p:nvPr/>
+      </p:nvGrpSpPr>
+      <p:grpSpPr>
+        <a:xfrm>
+          <a:off x="0" y="0"/>
+          <a:ext cx="0" cy="0"/>
+          <a:chOff x="0" y="0"/>
+          <a:chExt cx="0" cy="0"/>
+        </a:xfrm>
+      </p:grpSpPr>
+      <p:sp>
+        <p:nvSpPr>
+          <p:cNvPr id="3" name="标题 2">
+            <a:extLst>
+              <a:ext uri="{FF2B5EF4-FFF2-40B4-BE49-F238E27FC236}">
+                <a16:creationId xmlns:a16="http://schemas.microsoft.com/office/drawing/2014/main" id="{C53A317E-D7C4-433C-BE8D-81F88A7390C2}"/>
+              </a:ext>
+            </a:extLst>
+          </p:cNvPr>
+          <p:cNvSpPr>
+            <a:spLocks noGrp="1"/>
+          </p:cNvSpPr>
+          <p:nvPr>
+            <p:ph type="title"/>
+          </p:nvPr>
+        </p:nvSpPr>
+        <p:spPr/>
+        <p:txBody>
+          <a:bodyPr>
+            <a:noAutofit/>
+          </a:bodyPr>
+          <a:lstStyle/>
+          <a:p>
+            <a:r>
+              <a:rPr lang="en-US" altLang="zh-CN" sz="3200" dirty="0"/>
+              <a:t>On-Chip Optical Convolutional Neural Networks</a:t>
+            </a:r>
+            <a:endParaRPr lang="zh-CN" altLang="en-US" sz="3200" dirty="0"/>
+          </a:p>
+        </p:txBody>
+      </p:sp>
+      <p:sp>
+        <p:nvSpPr>
+          <p:cNvPr id="7" name="内容占位符 6">
+            <a:extLst>
+              <a:ext uri="{FF2B5EF4-FFF2-40B4-BE49-F238E27FC236}">
+                <a16:creationId xmlns:a16="http://schemas.microsoft.com/office/drawing/2014/main" id="{06C6F7D6-8350-4698-9355-D4F287902E5E}"/>
+              </a:ext>
+            </a:extLst>
+          </p:cNvPr>
+          <p:cNvSpPr>
+            <a:spLocks noGrp="1"/>
+          </p:cNvSpPr>
+          <p:nvPr>
+            <p:ph idx="1"/>
+          </p:nvPr>
+        </p:nvSpPr>
+        <p:spPr>
+          <a:xfrm>
+            <a:off x="838200" y="1510748"/>
+            <a:ext cx="8276771" cy="5144494"/>
+          </a:xfrm>
+        </p:spPr>
+        <p:txBody>
+          <a:bodyPr/>
+          <a:lstStyle/>
+          <a:p>
+            <a:r>
+              <a:rPr lang="en-US" altLang="zh-CN" dirty="0">
+                <a:latin typeface="Times New Roman" panose="02020603050405020304" pitchFamily="18" charset="0"/>
+                <a:cs typeface="Times New Roman" panose="02020603050405020304" pitchFamily="18" charset="0"/>
+              </a:rPr>
+              <a:t>Convolutional Neural Networks (CNN): convolving input images with filter-kernels for object recognition and classification purposes</a:t>
+            </a:r>
+          </a:p>
+          <a:p>
+            <a:r>
+              <a:rPr lang="en-US" altLang="zh-CN" dirty="0">
+                <a:latin typeface="Times New Roman" panose="02020603050405020304" pitchFamily="18" charset="0"/>
+                <a:cs typeface="Times New Roman" panose="02020603050405020304" pitchFamily="18" charset="0"/>
+              </a:rPr>
+              <a:t>input image </a:t>
+            </a:r>
+            <a:r>
+              <a:rPr lang="en-US" altLang="zh-CN" dirty="0">
+                <a:latin typeface="Times New Roman" panose="02020603050405020304" pitchFamily="18" charset="0"/>
+                <a:cs typeface="Times New Roman" panose="02020603050405020304" pitchFamily="18" charset="0"/>
+                <a:sym typeface="Wingdings" panose="05000000000000000000" pitchFamily="2" charset="2"/>
+              </a:rPr>
+              <a:t> convolution and pooling layers  mapping output to classification targets</a:t>
+            </a:r>
+            <a:endParaRPr lang="zh-CN" altLang="en-US" dirty="0">
+              <a:latin typeface="Times New Roman" panose="02020603050405020304" pitchFamily="18" charset="0"/>
+              <a:cs typeface="Times New Roman" panose="02020603050405020304" pitchFamily="18" charset="0"/>
+            </a:endParaRPr>
+          </a:p>
+        </p:txBody>
+      </p:sp>
+      <p:pic>
+        <p:nvPicPr>
+          <p:cNvPr id="10" name="图片 9">
+            <a:extLst>
+              <a:ext uri="{FF2B5EF4-FFF2-40B4-BE49-F238E27FC236}">
+                <a16:creationId xmlns:a16="http://schemas.microsoft.com/office/drawing/2014/main" id="{1F80F86E-8394-4C02-A4F0-235070134B6C}"/>
+              </a:ext>
+            </a:extLst>
+          </p:cNvPr>
+          <p:cNvPicPr>
+            <a:picLocks noChangeAspect="1"/>
+          </p:cNvPicPr>
+          <p:nvPr/>
+        </p:nvPicPr>
+        <p:blipFill>
+          <a:blip r:embed="rId2"/>
+          <a:stretch>
+            <a:fillRect/>
+          </a:stretch>
+        </p:blipFill>
+        <p:spPr>
+          <a:xfrm rot="5400000">
+            <a:off x="8182429" y="2615648"/>
+            <a:ext cx="4305300" cy="2095500"/>
+          </a:xfrm>
+          <a:prstGeom prst="rect">
+            <a:avLst/>
+          </a:prstGeom>
+        </p:spPr>
+      </p:pic>
+      <p:sp>
+        <p:nvSpPr>
+          <p:cNvPr id="11" name="矩形 10">
+            <a:extLst>
+              <a:ext uri="{FF2B5EF4-FFF2-40B4-BE49-F238E27FC236}">
+                <a16:creationId xmlns:a16="http://schemas.microsoft.com/office/drawing/2014/main" id="{27682AEF-2213-4723-9E07-566A6F59670D}"/>
+              </a:ext>
+            </a:extLst>
+          </p:cNvPr>
+          <p:cNvSpPr/>
+          <p:nvPr/>
+        </p:nvSpPr>
+        <p:spPr>
+          <a:xfrm>
+            <a:off x="2753418" y="6516742"/>
+            <a:ext cx="6685163" cy="276999"/>
+          </a:xfrm>
+          <a:prstGeom prst="rect">
+            <a:avLst/>
+          </a:prstGeom>
+        </p:spPr>
+        <p:txBody>
+          <a:bodyPr wrap="none">
+            <a:spAutoFit/>
+          </a:bodyPr>
+          <a:lstStyle/>
+          <a:p>
+            <a:r>
+              <a:rPr lang="en-US" altLang="zh-CN" sz="1200" dirty="0" err="1">
+                <a:latin typeface="微软雅黑" panose="020B0503020204020204" pitchFamily="34" charset="-122"/>
+                <a:ea typeface="微软雅黑" panose="020B0503020204020204" pitchFamily="34" charset="-122"/>
+              </a:rPr>
+              <a:t>Hengameh</a:t>
+            </a:r>
+            <a:r>
+              <a:rPr lang="en-US" altLang="zh-CN" sz="1200" dirty="0">
+                <a:latin typeface="微软雅黑" panose="020B0503020204020204" pitchFamily="34" charset="-122"/>
+                <a:ea typeface="微软雅黑" panose="020B0503020204020204" pitchFamily="34" charset="-122"/>
+              </a:rPr>
+              <a:t> </a:t>
+            </a:r>
+            <a:r>
+              <a:rPr lang="en-US" altLang="zh-CN" sz="1200" dirty="0" err="1">
+                <a:latin typeface="微软雅黑" panose="020B0503020204020204" pitchFamily="34" charset="-122"/>
+                <a:ea typeface="微软雅黑" panose="020B0503020204020204" pitchFamily="34" charset="-122"/>
+              </a:rPr>
+              <a:t>Bagherian</a:t>
+            </a:r>
+            <a:r>
+              <a:rPr lang="en-US" altLang="zh-CN" sz="1200" dirty="0">
+                <a:latin typeface="微软雅黑" panose="020B0503020204020204" pitchFamily="34" charset="-122"/>
+                <a:ea typeface="微软雅黑" panose="020B0503020204020204" pitchFamily="34" charset="-122"/>
+              </a:rPr>
+              <a:t> et al., On-Chip Optical Convolutional Neural Networks, </a:t>
+            </a:r>
+            <a:r>
+              <a:rPr lang="en-US" altLang="zh-CN" sz="1200" dirty="0" err="1">
+                <a:latin typeface="微软雅黑" panose="020B0503020204020204" pitchFamily="34" charset="-122"/>
+                <a:ea typeface="微软雅黑" panose="020B0503020204020204" pitchFamily="34" charset="-122"/>
+              </a:rPr>
+              <a:t>arXiv</a:t>
+            </a:r>
+            <a:r>
+              <a:rPr lang="en-US" altLang="zh-CN" sz="1200" dirty="0">
+                <a:latin typeface="微软雅黑" panose="020B0503020204020204" pitchFamily="34" charset="-122"/>
+                <a:ea typeface="微软雅黑" panose="020B0503020204020204" pitchFamily="34" charset="-122"/>
+              </a:rPr>
+              <a:t>, 2018</a:t>
+            </a:r>
+            <a:endParaRPr lang="zh-CN" altLang="en-US" sz="1200" dirty="0">
+              <a:latin typeface="微软雅黑" panose="020B0503020204020204" pitchFamily="34" charset="-122"/>
+              <a:ea typeface="微软雅黑" panose="020B0503020204020204" pitchFamily="34" charset="-122"/>
+            </a:endParaRPr>
+          </a:p>
+        </p:txBody>
+      </p:sp>
+    </p:spTree>
+    <p:extLst>
+      <p:ext uri="{BB962C8B-B14F-4D97-AF65-F5344CB8AC3E}">
+        <p14:creationId xmlns:p14="http://schemas.microsoft.com/office/powerpoint/2010/main" val="4099522362"/>
+      </p:ext>
+    </p:extLst>
+  </p:cSld>
+  <p:clrMapOvr>
+    <a:masterClrMapping/>
+  </p:clrMapOvr>
+</p:sld>
+</file>
+
+<file path=ppt/slides/slide22.xml><?xml version="1.0" encoding="utf-8"?>
+<p:sld xmlns:a="http://schemas.openxmlformats.org/drawingml/2006/main" xmlns:r="http://schemas.openxmlformats.org/officeDocument/2006/relationships" xmlns:p="http://schemas.openxmlformats.org/presentationml/2006/main">
+  <p:cSld>
+    <p:spTree>
+      <p:nvGrpSpPr>
+        <p:cNvPr id="1" name=""/>
+        <p:cNvGrpSpPr/>
+        <p:nvPr/>
+      </p:nvGrpSpPr>
+      <p:grpSpPr>
+        <a:xfrm>
+          <a:off x="0" y="0"/>
+          <a:ext cx="0" cy="0"/>
+          <a:chOff x="0" y="0"/>
+          <a:chExt cx="0" cy="0"/>
+        </a:xfrm>
+      </p:grpSpPr>
+      <p:pic>
+        <p:nvPicPr>
+          <p:cNvPr id="3" name="内容占位符 2">
+            <a:extLst>
+              <a:ext uri="{FF2B5EF4-FFF2-40B4-BE49-F238E27FC236}">
+                <a16:creationId xmlns:a16="http://schemas.microsoft.com/office/drawing/2014/main" id="{B39C9D31-5985-4C19-B9B3-0E2577E2EDC0}"/>
+              </a:ext>
+            </a:extLst>
+          </p:cNvPr>
+          <p:cNvPicPr>
+            <a:picLocks noGrp="1" noChangeAspect="1"/>
+          </p:cNvPicPr>
+          <p:nvPr>
+            <p:ph idx="1"/>
+          </p:nvPr>
+        </p:nvPicPr>
+        <p:blipFill>
+          <a:blip r:embed="rId2"/>
+          <a:stretch>
+            <a:fillRect/>
+          </a:stretch>
+        </p:blipFill>
+        <p:spPr>
+          <a:xfrm>
+            <a:off x="1643062" y="690562"/>
+            <a:ext cx="8905875" cy="5638800"/>
+          </a:xfrm>
+          <a:prstGeom prst="rect">
+            <a:avLst/>
+          </a:prstGeom>
+        </p:spPr>
+      </p:pic>
+      <p:sp>
+        <p:nvSpPr>
+          <p:cNvPr id="4" name="矩形 3">
+            <a:extLst>
+              <a:ext uri="{FF2B5EF4-FFF2-40B4-BE49-F238E27FC236}">
+                <a16:creationId xmlns:a16="http://schemas.microsoft.com/office/drawing/2014/main" id="{44206AA3-E1A8-4E60-8DDB-E7B2BCEA2141}"/>
+              </a:ext>
+            </a:extLst>
+          </p:cNvPr>
+          <p:cNvSpPr/>
+          <p:nvPr/>
+        </p:nvSpPr>
+        <p:spPr>
+          <a:xfrm>
+            <a:off x="2753418" y="6516742"/>
+            <a:ext cx="6685163" cy="276999"/>
+          </a:xfrm>
+          <a:prstGeom prst="rect">
+            <a:avLst/>
+          </a:prstGeom>
+        </p:spPr>
+        <p:txBody>
+          <a:bodyPr wrap="none">
+            <a:spAutoFit/>
+          </a:bodyPr>
+          <a:lstStyle/>
+          <a:p>
+            <a:r>
+              <a:rPr lang="en-US" altLang="zh-CN" sz="1200" dirty="0" err="1">
+                <a:latin typeface="微软雅黑" panose="020B0503020204020204" pitchFamily="34" charset="-122"/>
+                <a:ea typeface="微软雅黑" panose="020B0503020204020204" pitchFamily="34" charset="-122"/>
+              </a:rPr>
+              <a:t>Hengameh</a:t>
+            </a:r>
+            <a:r>
+              <a:rPr lang="en-US" altLang="zh-CN" sz="1200" dirty="0">
+                <a:latin typeface="微软雅黑" panose="020B0503020204020204" pitchFamily="34" charset="-122"/>
+                <a:ea typeface="微软雅黑" panose="020B0503020204020204" pitchFamily="34" charset="-122"/>
+              </a:rPr>
+              <a:t> </a:t>
+            </a:r>
+            <a:r>
+              <a:rPr lang="en-US" altLang="zh-CN" sz="1200" dirty="0" err="1">
+                <a:latin typeface="微软雅黑" panose="020B0503020204020204" pitchFamily="34" charset="-122"/>
+                <a:ea typeface="微软雅黑" panose="020B0503020204020204" pitchFamily="34" charset="-122"/>
+              </a:rPr>
+              <a:t>Bagherian</a:t>
+            </a:r>
+            <a:r>
+              <a:rPr lang="en-US" altLang="zh-CN" sz="1200" dirty="0">
+                <a:latin typeface="微软雅黑" panose="020B0503020204020204" pitchFamily="34" charset="-122"/>
+                <a:ea typeface="微软雅黑" panose="020B0503020204020204" pitchFamily="34" charset="-122"/>
+              </a:rPr>
+              <a:t> et al., On-Chip Optical Convolutional Neural Networks, </a:t>
+            </a:r>
+            <a:r>
+              <a:rPr lang="en-US" altLang="zh-CN" sz="1200" dirty="0" err="1">
+                <a:latin typeface="微软雅黑" panose="020B0503020204020204" pitchFamily="34" charset="-122"/>
+                <a:ea typeface="微软雅黑" panose="020B0503020204020204" pitchFamily="34" charset="-122"/>
+              </a:rPr>
+              <a:t>arXiv</a:t>
+            </a:r>
+            <a:r>
+              <a:rPr lang="en-US" altLang="zh-CN" sz="1200" dirty="0">
+                <a:latin typeface="微软雅黑" panose="020B0503020204020204" pitchFamily="34" charset="-122"/>
+                <a:ea typeface="微软雅黑" panose="020B0503020204020204" pitchFamily="34" charset="-122"/>
+              </a:rPr>
+              <a:t>, 2018</a:t>
+            </a:r>
+            <a:endParaRPr lang="zh-CN" altLang="en-US" sz="1200" dirty="0">
+              <a:latin typeface="微软雅黑" panose="020B0503020204020204" pitchFamily="34" charset="-122"/>
+              <a:ea typeface="微软雅黑" panose="020B0503020204020204" pitchFamily="34" charset="-122"/>
+            </a:endParaRPr>
+          </a:p>
+        </p:txBody>
+      </p:sp>
+    </p:spTree>
+    <p:extLst>
+      <p:ext uri="{BB962C8B-B14F-4D97-AF65-F5344CB8AC3E}">
+        <p14:creationId xmlns:p14="http://schemas.microsoft.com/office/powerpoint/2010/main" val="3842675886"/>
+      </p:ext>
+    </p:extLst>
+  </p:cSld>
+  <p:clrMapOvr>
+    <a:masterClrMapping/>
+  </p:clrMapOvr>
+</p:sld>
+</file>
+
+<file path=ppt/slides/slide23.xml><?xml version="1.0" encoding="utf-8"?>
+<p:sld xmlns:a="http://schemas.openxmlformats.org/drawingml/2006/main" xmlns:r="http://schemas.openxmlformats.org/officeDocument/2006/relationships" xmlns:p="http://schemas.openxmlformats.org/presentationml/2006/main">
+  <p:cSld>
+    <p:spTree>
+      <p:nvGrpSpPr>
+        <p:cNvPr id="1" name=""/>
+        <p:cNvGrpSpPr/>
+        <p:nvPr/>
+      </p:nvGrpSpPr>
+      <p:grpSpPr>
+        <a:xfrm>
+          <a:off x="0" y="0"/>
+          <a:ext cx="0" cy="0"/>
+          <a:chOff x="0" y="0"/>
+          <a:chExt cx="0" cy="0"/>
+        </a:xfrm>
+      </p:grpSpPr>
+      <p:pic>
+        <p:nvPicPr>
+          <p:cNvPr id="3" name="内容占位符 2">
+            <a:extLst>
+              <a:ext uri="{FF2B5EF4-FFF2-40B4-BE49-F238E27FC236}">
+                <a16:creationId xmlns:a16="http://schemas.microsoft.com/office/drawing/2014/main" id="{6B14B6DD-6FFB-4392-99B4-3F248408F016}"/>
+              </a:ext>
+            </a:extLst>
+          </p:cNvPr>
+          <p:cNvPicPr>
+            <a:picLocks noGrp="1" noChangeAspect="1"/>
+          </p:cNvPicPr>
+          <p:nvPr>
+            <p:ph idx="1"/>
+          </p:nvPr>
+        </p:nvPicPr>
+        <p:blipFill>
+          <a:blip r:embed="rId2"/>
+          <a:stretch>
+            <a:fillRect/>
+          </a:stretch>
+        </p:blipFill>
+        <p:spPr>
+          <a:xfrm>
+            <a:off x="2282507" y="365125"/>
+            <a:ext cx="7626985" cy="6289675"/>
+          </a:xfrm>
+          <a:prstGeom prst="rect">
+            <a:avLst/>
+          </a:prstGeom>
+        </p:spPr>
+      </p:pic>
+      <p:sp>
+        <p:nvSpPr>
+          <p:cNvPr id="4" name="矩形 3">
+            <a:extLst>
+              <a:ext uri="{FF2B5EF4-FFF2-40B4-BE49-F238E27FC236}">
+                <a16:creationId xmlns:a16="http://schemas.microsoft.com/office/drawing/2014/main" id="{C420896E-8583-4F65-9B0A-01AA71BA896D}"/>
+              </a:ext>
+            </a:extLst>
+          </p:cNvPr>
+          <p:cNvSpPr/>
+          <p:nvPr/>
+        </p:nvSpPr>
+        <p:spPr>
+          <a:xfrm>
+            <a:off x="2753418" y="6516742"/>
+            <a:ext cx="6685163" cy="276999"/>
+          </a:xfrm>
+          <a:prstGeom prst="rect">
+            <a:avLst/>
+          </a:prstGeom>
+        </p:spPr>
+        <p:txBody>
+          <a:bodyPr wrap="none">
+            <a:spAutoFit/>
+          </a:bodyPr>
+          <a:lstStyle/>
+          <a:p>
+            <a:r>
+              <a:rPr lang="en-US" altLang="zh-CN" sz="1200" dirty="0" err="1">
+                <a:latin typeface="微软雅黑" panose="020B0503020204020204" pitchFamily="34" charset="-122"/>
+                <a:ea typeface="微软雅黑" panose="020B0503020204020204" pitchFamily="34" charset="-122"/>
+              </a:rPr>
+              <a:t>Hengameh</a:t>
+            </a:r>
+            <a:r>
+              <a:rPr lang="en-US" altLang="zh-CN" sz="1200" dirty="0">
+                <a:latin typeface="微软雅黑" panose="020B0503020204020204" pitchFamily="34" charset="-122"/>
+                <a:ea typeface="微软雅黑" panose="020B0503020204020204" pitchFamily="34" charset="-122"/>
+              </a:rPr>
+              <a:t> </a:t>
+            </a:r>
+            <a:r>
+              <a:rPr lang="en-US" altLang="zh-CN" sz="1200" dirty="0" err="1">
+                <a:latin typeface="微软雅黑" panose="020B0503020204020204" pitchFamily="34" charset="-122"/>
+                <a:ea typeface="微软雅黑" panose="020B0503020204020204" pitchFamily="34" charset="-122"/>
+              </a:rPr>
+              <a:t>Bagherian</a:t>
+            </a:r>
+            <a:r>
+              <a:rPr lang="en-US" altLang="zh-CN" sz="1200" dirty="0">
+                <a:latin typeface="微软雅黑" panose="020B0503020204020204" pitchFamily="34" charset="-122"/>
+                <a:ea typeface="微软雅黑" panose="020B0503020204020204" pitchFamily="34" charset="-122"/>
+              </a:rPr>
+              <a:t> et al., On-Chip Optical Convolutional Neural Networks, </a:t>
+            </a:r>
+            <a:r>
+              <a:rPr lang="en-US" altLang="zh-CN" sz="1200" dirty="0" err="1">
+                <a:latin typeface="微软雅黑" panose="020B0503020204020204" pitchFamily="34" charset="-122"/>
+                <a:ea typeface="微软雅黑" panose="020B0503020204020204" pitchFamily="34" charset="-122"/>
+              </a:rPr>
+              <a:t>arXiv</a:t>
+            </a:r>
+            <a:r>
+              <a:rPr lang="en-US" altLang="zh-CN" sz="1200" dirty="0">
+                <a:latin typeface="微软雅黑" panose="020B0503020204020204" pitchFamily="34" charset="-122"/>
+                <a:ea typeface="微软雅黑" panose="020B0503020204020204" pitchFamily="34" charset="-122"/>
+              </a:rPr>
+              <a:t>, 2018</a:t>
+            </a:r>
+            <a:endParaRPr lang="zh-CN" altLang="en-US" sz="1200" dirty="0">
+              <a:latin typeface="微软雅黑" panose="020B0503020204020204" pitchFamily="34" charset="-122"/>
+              <a:ea typeface="微软雅黑" panose="020B0503020204020204" pitchFamily="34" charset="-122"/>
+            </a:endParaRPr>
+          </a:p>
+        </p:txBody>
+      </p:sp>
+    </p:spTree>
+    <p:extLst>
+      <p:ext uri="{BB962C8B-B14F-4D97-AF65-F5344CB8AC3E}">
+        <p14:creationId xmlns:p14="http://schemas.microsoft.com/office/powerpoint/2010/main" val="710399102"/>
+      </p:ext>
+    </p:extLst>
+  </p:cSld>
+  <p:clrMapOvr>
+    <a:masterClrMapping/>
+  </p:clrMapOvr>
+</p:sld>
+</file>
+
+<file path=ppt/slides/slide24.xml><?xml version="1.0" encoding="utf-8"?>
+<p:sld xmlns:a="http://schemas.openxmlformats.org/drawingml/2006/main" xmlns:r="http://schemas.openxmlformats.org/officeDocument/2006/relationships" xmlns:p="http://schemas.openxmlformats.org/presentationml/2006/main">
+  <p:cSld>
+    <p:spTree>
+      <p:nvGrpSpPr>
+        <p:cNvPr id="1" name=""/>
+        <p:cNvGrpSpPr/>
+        <p:nvPr/>
+      </p:nvGrpSpPr>
+      <p:grpSpPr>
+        <a:xfrm>
+          <a:off x="0" y="0"/>
+          <a:ext cx="0" cy="0"/>
+          <a:chOff x="0" y="0"/>
+          <a:chExt cx="0" cy="0"/>
+        </a:xfrm>
+      </p:grpSpPr>
+      <p:pic>
+        <p:nvPicPr>
+          <p:cNvPr id="3" name="内容占位符 2">
+            <a:extLst>
+              <a:ext uri="{FF2B5EF4-FFF2-40B4-BE49-F238E27FC236}">
+                <a16:creationId xmlns:a16="http://schemas.microsoft.com/office/drawing/2014/main" id="{05DA62B0-EE43-4A6A-87A6-A2D612ADCD2F}"/>
+              </a:ext>
+            </a:extLst>
+          </p:cNvPr>
+          <p:cNvPicPr>
+            <a:picLocks noGrp="1" noChangeAspect="1"/>
+          </p:cNvPicPr>
+          <p:nvPr>
+            <p:ph idx="1"/>
+          </p:nvPr>
+        </p:nvPicPr>
+        <p:blipFill>
+          <a:blip r:embed="rId2"/>
+          <a:stretch>
+            <a:fillRect/>
+          </a:stretch>
+        </p:blipFill>
+        <p:spPr>
+          <a:xfrm>
+            <a:off x="1662112" y="1190625"/>
+            <a:ext cx="8867775" cy="4476750"/>
+          </a:xfrm>
+          <a:prstGeom prst="rect">
+            <a:avLst/>
+          </a:prstGeom>
+        </p:spPr>
+      </p:pic>
+      <p:sp>
+        <p:nvSpPr>
+          <p:cNvPr id="4" name="矩形 3">
+            <a:extLst>
+              <a:ext uri="{FF2B5EF4-FFF2-40B4-BE49-F238E27FC236}">
+                <a16:creationId xmlns:a16="http://schemas.microsoft.com/office/drawing/2014/main" id="{70D36A1A-D3C0-4CC6-869C-DCBAC5ADCC0E}"/>
+              </a:ext>
+            </a:extLst>
+          </p:cNvPr>
+          <p:cNvSpPr/>
+          <p:nvPr/>
+        </p:nvSpPr>
+        <p:spPr>
+          <a:xfrm>
+            <a:off x="2753418" y="6516742"/>
+            <a:ext cx="6685163" cy="276999"/>
+          </a:xfrm>
+          <a:prstGeom prst="rect">
+            <a:avLst/>
+          </a:prstGeom>
+        </p:spPr>
+        <p:txBody>
+          <a:bodyPr wrap="none">
+            <a:spAutoFit/>
+          </a:bodyPr>
+          <a:lstStyle/>
+          <a:p>
+            <a:r>
+              <a:rPr lang="en-US" altLang="zh-CN" sz="1200" dirty="0" err="1">
+                <a:latin typeface="微软雅黑" panose="020B0503020204020204" pitchFamily="34" charset="-122"/>
+                <a:ea typeface="微软雅黑" panose="020B0503020204020204" pitchFamily="34" charset="-122"/>
+              </a:rPr>
+              <a:t>Hengameh</a:t>
+            </a:r>
+            <a:r>
+              <a:rPr lang="en-US" altLang="zh-CN" sz="1200" dirty="0">
+                <a:latin typeface="微软雅黑" panose="020B0503020204020204" pitchFamily="34" charset="-122"/>
+                <a:ea typeface="微软雅黑" panose="020B0503020204020204" pitchFamily="34" charset="-122"/>
+              </a:rPr>
+              <a:t> </a:t>
+            </a:r>
+            <a:r>
+              <a:rPr lang="en-US" altLang="zh-CN" sz="1200" dirty="0" err="1">
+                <a:latin typeface="微软雅黑" panose="020B0503020204020204" pitchFamily="34" charset="-122"/>
+                <a:ea typeface="微软雅黑" panose="020B0503020204020204" pitchFamily="34" charset="-122"/>
+              </a:rPr>
+              <a:t>Bagherian</a:t>
+            </a:r>
+            <a:r>
+              <a:rPr lang="en-US" altLang="zh-CN" sz="1200" dirty="0">
+                <a:latin typeface="微软雅黑" panose="020B0503020204020204" pitchFamily="34" charset="-122"/>
+                <a:ea typeface="微软雅黑" panose="020B0503020204020204" pitchFamily="34" charset="-122"/>
+              </a:rPr>
+              <a:t> et al., On-Chip Optical Convolutional Neural Networks, </a:t>
+            </a:r>
+            <a:r>
+              <a:rPr lang="en-US" altLang="zh-CN" sz="1200" dirty="0" err="1">
+                <a:latin typeface="微软雅黑" panose="020B0503020204020204" pitchFamily="34" charset="-122"/>
+                <a:ea typeface="微软雅黑" panose="020B0503020204020204" pitchFamily="34" charset="-122"/>
+              </a:rPr>
+              <a:t>arXiv</a:t>
+            </a:r>
+            <a:r>
+              <a:rPr lang="en-US" altLang="zh-CN" sz="1200" dirty="0">
+                <a:latin typeface="微软雅黑" panose="020B0503020204020204" pitchFamily="34" charset="-122"/>
+                <a:ea typeface="微软雅黑" panose="020B0503020204020204" pitchFamily="34" charset="-122"/>
+              </a:rPr>
+              <a:t>, 2018</a:t>
+            </a:r>
+            <a:endParaRPr lang="zh-CN" altLang="en-US" sz="1200" dirty="0">
+              <a:latin typeface="微软雅黑" panose="020B0503020204020204" pitchFamily="34" charset="-122"/>
+              <a:ea typeface="微软雅黑" panose="020B0503020204020204" pitchFamily="34" charset="-122"/>
+            </a:endParaRPr>
+          </a:p>
+        </p:txBody>
+      </p:sp>
+    </p:spTree>
+    <p:extLst>
+      <p:ext uri="{BB962C8B-B14F-4D97-AF65-F5344CB8AC3E}">
+        <p14:creationId xmlns:p14="http://schemas.microsoft.com/office/powerpoint/2010/main" val="1466270181"/>
+      </p:ext>
+    </p:extLst>
+  </p:cSld>
+  <p:clrMapOvr>
+    <a:masterClrMapping/>
+  </p:clrMapOvr>
+</p:sld>
+</file>
+
 <file path=ppt/slides/slide3.xml><?xml version="1.0" encoding="utf-8"?>
 <p:sld xmlns:a="http://schemas.openxmlformats.org/drawingml/2006/main" xmlns:r="http://schemas.openxmlformats.org/officeDocument/2006/relationships" xmlns:p="http://schemas.openxmlformats.org/presentationml/2006/main">
   <p:cSld>
@@ -2728,7 +5911,7 @@
           <p:cNvPr id="2" name="内容占位符 1">
             <a:extLst>
               <a:ext uri="{FF2B5EF4-FFF2-40B4-BE49-F238E27FC236}">
-                <a16:creationId xmlns:a16="http://schemas.microsoft.com/office/drawing/2014/main" id="{E2F38258-C2FF-4EE9-B147-D09D6DD0E0A5}"/>
+                <a16:creationId xmlns:a16="http://schemas.microsoft.com/office/drawing/2014/main" id="{6D4EE4BC-A0FC-4612-AE3D-CA0D9FBC2AAD}"/>
               </a:ext>
             </a:extLst>
           </p:cNvPr>
@@ -2739,169 +5922,62 @@
             <p:ph idx="1"/>
           </p:nvPr>
         </p:nvSpPr>
-        <p:spPr/>
+        <p:spPr>
+          <a:xfrm>
+            <a:off x="6504316" y="1643078"/>
+            <a:ext cx="4849483" cy="5012163"/>
+          </a:xfrm>
+        </p:spPr>
         <p:txBody>
           <a:bodyPr/>
           <a:lstStyle/>
           <a:p>
-            <a:r>
-              <a:rPr lang="zh-CN" altLang="en-US" dirty="0">
-                <a:latin typeface="Times New Roman" panose="02020603050405020304" pitchFamily="18" charset="0"/>
-                <a:cs typeface="Times New Roman" panose="02020603050405020304" pitchFamily="18" charset="0"/>
-              </a:rPr>
-              <a:t>特点</a:t>
-            </a:r>
-            <a:endParaRPr lang="en-US" altLang="zh-CN" dirty="0">
-              <a:latin typeface="Times New Roman" panose="02020603050405020304" pitchFamily="18" charset="0"/>
-              <a:cs typeface="Times New Roman" panose="02020603050405020304" pitchFamily="18" charset="0"/>
-            </a:endParaRPr>
-          </a:p>
-          <a:p>
-            <a:pPr lvl="1"/>
-            <a:r>
-              <a:rPr lang="en-US" altLang="zh-CN" dirty="0">
-                <a:latin typeface="Times New Roman" panose="02020603050405020304" pitchFamily="18" charset="0"/>
-                <a:cs typeface="Times New Roman" panose="02020603050405020304" pitchFamily="18" charset="0"/>
-              </a:rPr>
-              <a:t>reduce E/MAC (the energy per multiply and </a:t>
-            </a:r>
-            <a:r>
-              <a:rPr lang="en-US" altLang="zh-CN" dirty="0" err="1">
-                <a:latin typeface="Times New Roman" panose="02020603050405020304" pitchFamily="18" charset="0"/>
-                <a:cs typeface="Times New Roman" panose="02020603050405020304" pitchFamily="18" charset="0"/>
-              </a:rPr>
-              <a:t>accUmulate</a:t>
-            </a:r>
-            <a:r>
-              <a:rPr lang="en-US" altLang="zh-CN" dirty="0">
-                <a:latin typeface="Times New Roman" panose="02020603050405020304" pitchFamily="18" charset="0"/>
-                <a:cs typeface="Times New Roman" panose="02020603050405020304" pitchFamily="18" charset="0"/>
-              </a:rPr>
-              <a:t>) from 20 </a:t>
-            </a:r>
-            <a:r>
-              <a:rPr lang="en-US" altLang="zh-CN" dirty="0" err="1">
-                <a:latin typeface="Times New Roman" panose="02020603050405020304" pitchFamily="18" charset="0"/>
-                <a:cs typeface="Times New Roman" panose="02020603050405020304" pitchFamily="18" charset="0"/>
-              </a:rPr>
-              <a:t>pJ</a:t>
-            </a:r>
-            <a:r>
-              <a:rPr lang="en-US" altLang="zh-CN" dirty="0">
-                <a:latin typeface="Times New Roman" panose="02020603050405020304" pitchFamily="18" charset="0"/>
-                <a:cs typeface="Times New Roman" panose="02020603050405020304" pitchFamily="18" charset="0"/>
-              </a:rPr>
-              <a:t>/MAC(ASICs, GPUs) to around 1 </a:t>
-            </a:r>
-            <a:r>
-              <a:rPr lang="en-US" altLang="zh-CN" dirty="0" err="1">
-                <a:latin typeface="Times New Roman" panose="02020603050405020304" pitchFamily="18" charset="0"/>
-                <a:cs typeface="Times New Roman" panose="02020603050405020304" pitchFamily="18" charset="0"/>
-              </a:rPr>
-              <a:t>pJ</a:t>
-            </a:r>
-            <a:r>
-              <a:rPr lang="en-US" altLang="zh-CN" dirty="0">
-                <a:latin typeface="Times New Roman" panose="02020603050405020304" pitchFamily="18" charset="0"/>
-                <a:cs typeface="Times New Roman" panose="02020603050405020304" pitchFamily="18" charset="0"/>
-              </a:rPr>
-              <a:t>/MAC.</a:t>
-            </a:r>
-          </a:p>
-          <a:p>
-            <a:pPr lvl="1"/>
-            <a:r>
-              <a:rPr lang="en-US" altLang="zh-CN" dirty="0">
-                <a:latin typeface="Times New Roman" panose="02020603050405020304" pitchFamily="18" charset="0"/>
-                <a:cs typeface="Times New Roman" panose="02020603050405020304" pitchFamily="18" charset="0"/>
-              </a:rPr>
-              <a:t>1 </a:t>
-            </a:r>
-            <a:r>
-              <a:rPr lang="en-US" altLang="zh-CN" dirty="0" err="1">
-                <a:latin typeface="Times New Roman" panose="02020603050405020304" pitchFamily="18" charset="0"/>
-                <a:cs typeface="Times New Roman" panose="02020603050405020304" pitchFamily="18" charset="0"/>
-              </a:rPr>
-              <a:t>fJ</a:t>
-            </a:r>
-            <a:r>
-              <a:rPr lang="en-US" altLang="zh-CN" dirty="0">
-                <a:latin typeface="Times New Roman" panose="02020603050405020304" pitchFamily="18" charset="0"/>
-                <a:cs typeface="Times New Roman" panose="02020603050405020304" pitchFamily="18" charset="0"/>
-              </a:rPr>
-              <a:t>/MAC for modulator, rise above 1 </a:t>
-            </a:r>
-            <a:r>
-              <a:rPr lang="en-US" altLang="zh-CN" dirty="0" err="1">
-                <a:latin typeface="Times New Roman" panose="02020603050405020304" pitchFamily="18" charset="0"/>
-                <a:cs typeface="Times New Roman" panose="02020603050405020304" pitchFamily="18" charset="0"/>
-              </a:rPr>
-              <a:t>pJ</a:t>
-            </a:r>
-            <a:r>
-              <a:rPr lang="en-US" altLang="zh-CN" dirty="0">
-                <a:latin typeface="Times New Roman" panose="02020603050405020304" pitchFamily="18" charset="0"/>
-                <a:cs typeface="Times New Roman" panose="02020603050405020304" pitchFamily="18" charset="0"/>
-              </a:rPr>
-              <a:t>/MAC once the driver electronics and memory access are included</a:t>
-            </a:r>
-          </a:p>
-          <a:p>
-            <a:pPr lvl="1"/>
-            <a:r>
-              <a:rPr lang="en-US" altLang="zh-CN" dirty="0">
-                <a:latin typeface="Times New Roman" panose="02020603050405020304" pitchFamily="18" charset="0"/>
-                <a:cs typeface="Times New Roman" panose="02020603050405020304" pitchFamily="18" charset="0"/>
-              </a:rPr>
-              <a:t>naturally adapted to free space optics</a:t>
-            </a:r>
-          </a:p>
-          <a:p>
-            <a:r>
-              <a:rPr lang="en-US" altLang="zh-CN" dirty="0">
-                <a:latin typeface="Times New Roman" panose="02020603050405020304" pitchFamily="18" charset="0"/>
-                <a:cs typeface="Times New Roman" panose="02020603050405020304" pitchFamily="18" charset="0"/>
-              </a:rPr>
-              <a:t>fundamental limits:</a:t>
-            </a:r>
-          </a:p>
-          <a:p>
-            <a:pPr lvl="1"/>
-            <a:r>
-              <a:rPr lang="en-US" altLang="zh-CN" dirty="0">
-                <a:latin typeface="Times New Roman" panose="02020603050405020304" pitchFamily="18" charset="0"/>
-                <a:cs typeface="Times New Roman" panose="02020603050405020304" pitchFamily="18" charset="0"/>
-              </a:rPr>
-              <a:t>detector shot noise presents a standard quantum limit</a:t>
-            </a:r>
-          </a:p>
-          <a:p>
-            <a:pPr lvl="1"/>
-            <a:r>
-              <a:rPr lang="en-US" altLang="zh-CN" sz="1600" dirty="0">
-                <a:latin typeface="Times New Roman" panose="02020603050405020304" pitchFamily="18" charset="0"/>
-                <a:cs typeface="Times New Roman" panose="02020603050405020304" pitchFamily="18" charset="0"/>
-              </a:rPr>
-              <a:t>C. M. Caves, Quantum-Mechanical Noise in an Interferometer, Phys. Rev. D 23. 1693 (1981)</a:t>
-            </a:r>
-          </a:p>
-          <a:p>
-            <a:r>
-              <a:rPr lang="en-US" altLang="zh-CN" dirty="0">
-                <a:latin typeface="Times New Roman" panose="02020603050405020304" pitchFamily="18" charset="0"/>
-                <a:cs typeface="Times New Roman" panose="02020603050405020304" pitchFamily="18" charset="0"/>
-              </a:rPr>
-              <a:t>pretraining weights on a GPU</a:t>
-            </a:r>
-          </a:p>
-          <a:p>
-            <a:r>
-              <a:rPr lang="en-US" altLang="zh-CN" dirty="0">
-                <a:latin typeface="Times New Roman" panose="02020603050405020304" pitchFamily="18" charset="0"/>
-                <a:cs typeface="Times New Roman" panose="02020603050405020304" pitchFamily="18" charset="0"/>
-              </a:rPr>
-              <a:t>computing Neural-network performance using Monte Carlo simulations</a:t>
-            </a:r>
+            <a:pPr marL="0" indent="0">
+              <a:buNone/>
+            </a:pPr>
+            <a:endParaRPr lang="en-US" altLang="zh-CN" sz="2000" dirty="0"/>
+          </a:p>
+          <a:p>
+            <a:r>
+              <a:rPr lang="en-US" altLang="zh-CN" sz="2400" dirty="0">
+                <a:latin typeface="Times New Roman" panose="02020603050405020304" pitchFamily="18" charset="0"/>
+                <a:cs typeface="Times New Roman" panose="02020603050405020304" pitchFamily="18" charset="0"/>
+              </a:rPr>
+              <a:t>in situ intensity measurements.</a:t>
+            </a:r>
+          </a:p>
+          <a:p>
+            <a:r>
+              <a:rPr lang="en-US" altLang="zh-CN" sz="2400" dirty="0">
+                <a:latin typeface="Times New Roman" panose="02020603050405020304" pitchFamily="18" charset="0"/>
+                <a:cs typeface="Times New Roman" panose="02020603050405020304" pitchFamily="18" charset="0"/>
+              </a:rPr>
+              <a:t>requiring an integrated intensity detection scheme</a:t>
+            </a:r>
+          </a:p>
+          <a:p>
+            <a:r>
+              <a:rPr lang="en-US" altLang="zh-CN" sz="2400" dirty="0">
+                <a:latin typeface="Times New Roman" panose="02020603050405020304" pitchFamily="18" charset="0"/>
+                <a:cs typeface="Times New Roman" panose="02020603050405020304" pitchFamily="18" charset="0"/>
+              </a:rPr>
+              <a:t>physically implementing adjoint variable method</a:t>
+            </a:r>
+          </a:p>
+          <a:p>
+            <a:r>
+              <a:rPr lang="en-US" altLang="zh-CN" sz="2400" dirty="0">
+                <a:latin typeface="Times New Roman" panose="02020603050405020304" pitchFamily="18" charset="0"/>
+                <a:cs typeface="Times New Roman" panose="02020603050405020304" pitchFamily="18" charset="0"/>
+              </a:rPr>
+              <a:t>improved version of </a:t>
+            </a:r>
+          </a:p>
+          <a:p>
+            <a:endParaRPr lang="en-US" altLang="zh-CN" sz="2000" dirty="0"/>
+          </a:p>
+          <a:p>
+            <a:endParaRPr lang="zh-CN" altLang="en-US" dirty="0"/>
           </a:p>
         </p:txBody>
       </p:sp>
@@ -2910,7 +5986,7 @@
           <p:cNvPr id="3" name="标题 2">
             <a:extLst>
               <a:ext uri="{FF2B5EF4-FFF2-40B4-BE49-F238E27FC236}">
-                <a16:creationId xmlns:a16="http://schemas.microsoft.com/office/drawing/2014/main" id="{FEBF1208-A7ED-48DC-AAFC-277380708BBE}"/>
+                <a16:creationId xmlns:a16="http://schemas.microsoft.com/office/drawing/2014/main" id="{5E6EABF3-1128-4569-B8CD-544093170FC3}"/>
               </a:ext>
             </a:extLst>
           </p:cNvPr>
@@ -2929,17 +6005,245 @@
           <a:lstStyle/>
           <a:p>
             <a:r>
-              <a:rPr lang="en-US" altLang="zh-CN" sz="2800" dirty="0"/>
-              <a:t>Large-Scale Optical Neural Networks Based on Photoelectric Multiplication</a:t>
-            </a:r>
-            <a:endParaRPr lang="zh-CN" altLang="en-US" sz="2800" dirty="0"/>
+              <a:rPr lang="en-US" altLang="zh-CN" sz="3200" dirty="0"/>
+              <a:t>In situ backpropagation and gradient measurement</a:t>
+            </a:r>
+            <a:endParaRPr lang="zh-CN" altLang="en-US" sz="3200" dirty="0"/>
           </a:p>
         </p:txBody>
       </p:sp>
+      <p:sp>
+        <p:nvSpPr>
+          <p:cNvPr id="5" name="文本框 4">
+            <a:extLst>
+              <a:ext uri="{FF2B5EF4-FFF2-40B4-BE49-F238E27FC236}">
+                <a16:creationId xmlns:a16="http://schemas.microsoft.com/office/drawing/2014/main" id="{5A189C09-8C4A-49FF-A148-ECCA8597AB09}"/>
+              </a:ext>
+            </a:extLst>
+          </p:cNvPr>
+          <p:cNvSpPr txBox="1"/>
+          <p:nvPr/>
+        </p:nvSpPr>
+        <p:spPr>
+          <a:xfrm>
+            <a:off x="237067" y="5323323"/>
+            <a:ext cx="5809103" cy="523220"/>
+          </a:xfrm>
+          <a:prstGeom prst="rect">
+            <a:avLst/>
+          </a:prstGeom>
+          <a:noFill/>
+        </p:spPr>
+        <p:txBody>
+          <a:bodyPr wrap="square" rtlCol="0">
+            <a:spAutoFit/>
+          </a:bodyPr>
+          <a:lstStyle/>
+          <a:p>
+            <a:pPr marL="342900" indent="-342900">
+              <a:buAutoNum type="alphaLcParenBoth"/>
+            </a:pPr>
+            <a:r>
+              <a:rPr lang="en-US" altLang="zh-CN" sz="1400" dirty="0">
+                <a:latin typeface="微软雅黑" panose="020B0503020204020204" pitchFamily="34" charset="-122"/>
+                <a:ea typeface="微软雅黑" panose="020B0503020204020204" pitchFamily="34" charset="-122"/>
+              </a:rPr>
+              <a:t>Schematic of the ANN architecture.</a:t>
+            </a:r>
+          </a:p>
+          <a:p>
+            <a:pPr marL="342900" indent="-342900">
+              <a:buAutoNum type="alphaLcParenBoth"/>
+            </a:pPr>
+            <a:r>
+              <a:rPr lang="en-US" altLang="zh-CN" sz="1400" dirty="0">
+                <a:latin typeface="微软雅黑" panose="020B0503020204020204" pitchFamily="34" charset="-122"/>
+                <a:ea typeface="微软雅黑" panose="020B0503020204020204" pitchFamily="34" charset="-122"/>
+              </a:rPr>
+              <a:t>Illustration of operation and gradient computation in an ANN. </a:t>
+            </a:r>
+          </a:p>
+        </p:txBody>
+      </p:sp>
+      <p:sp>
+        <p:nvSpPr>
+          <p:cNvPr id="6" name="文本框 5">
+            <a:extLst>
+              <a:ext uri="{FF2B5EF4-FFF2-40B4-BE49-F238E27FC236}">
+                <a16:creationId xmlns:a16="http://schemas.microsoft.com/office/drawing/2014/main" id="{EB5C02BF-A34A-4783-A402-ACC3E530FEE2}"/>
+              </a:ext>
+            </a:extLst>
+          </p:cNvPr>
+          <p:cNvSpPr txBox="1"/>
+          <p:nvPr/>
+        </p:nvSpPr>
+        <p:spPr>
+          <a:xfrm>
+            <a:off x="537633" y="6361965"/>
+            <a:ext cx="11116734" cy="261610"/>
+          </a:xfrm>
+          <a:prstGeom prst="rect">
+            <a:avLst/>
+          </a:prstGeom>
+          <a:noFill/>
+        </p:spPr>
+        <p:txBody>
+          <a:bodyPr wrap="square" rtlCol="0">
+            <a:spAutoFit/>
+          </a:bodyPr>
+          <a:lstStyle/>
+          <a:p>
+            <a:r>
+              <a:rPr lang="en-US" altLang="zh-CN" sz="1100" dirty="0" err="1">
+                <a:latin typeface="微软雅黑" panose="020B0503020204020204" pitchFamily="34" charset="-122"/>
+                <a:ea typeface="微软雅黑" panose="020B0503020204020204" pitchFamily="34" charset="-122"/>
+              </a:rPr>
+              <a:t>Shanhui</a:t>
+            </a:r>
+            <a:r>
+              <a:rPr lang="en-US" altLang="zh-CN" sz="1100" dirty="0">
+                <a:latin typeface="微软雅黑" panose="020B0503020204020204" pitchFamily="34" charset="-122"/>
+                <a:ea typeface="微软雅黑" panose="020B0503020204020204" pitchFamily="34" charset="-122"/>
+              </a:rPr>
+              <a:t> Fan et al., “Training of photonic neural networks through in situ backpropagation and gradient measurement”, Frontiers in Optics/ Laser Science, 2018.</a:t>
+            </a:r>
+            <a:endParaRPr lang="zh-CN" altLang="en-US" sz="1100" dirty="0">
+              <a:latin typeface="微软雅黑" panose="020B0503020204020204" pitchFamily="34" charset="-122"/>
+              <a:ea typeface="微软雅黑" panose="020B0503020204020204" pitchFamily="34" charset="-122"/>
+            </a:endParaRPr>
+          </a:p>
+        </p:txBody>
+      </p:sp>
+      <p:sp>
+        <p:nvSpPr>
+          <p:cNvPr id="8" name="矩形 7">
+            <a:extLst>
+              <a:ext uri="{FF2B5EF4-FFF2-40B4-BE49-F238E27FC236}">
+                <a16:creationId xmlns:a16="http://schemas.microsoft.com/office/drawing/2014/main" id="{92C861B7-10BF-4BCA-8C95-106EAC7F877B}"/>
+              </a:ext>
+            </a:extLst>
+          </p:cNvPr>
+          <p:cNvSpPr/>
+          <p:nvPr/>
+        </p:nvSpPr>
+        <p:spPr>
+          <a:xfrm>
+            <a:off x="6654600" y="4477041"/>
+            <a:ext cx="4849483" cy="400110"/>
+          </a:xfrm>
+          <a:prstGeom prst="rect">
+            <a:avLst/>
+          </a:prstGeom>
+        </p:spPr>
+        <p:txBody>
+          <a:bodyPr wrap="square">
+            <a:spAutoFit/>
+          </a:bodyPr>
+          <a:lstStyle/>
+          <a:p>
+            <a:r>
+              <a:rPr lang="en-US" altLang="zh-CN" sz="1000" dirty="0">
+                <a:latin typeface="微软雅黑" panose="020B0503020204020204" pitchFamily="34" charset="-122"/>
+                <a:ea typeface="微软雅黑" panose="020B0503020204020204" pitchFamily="34" charset="-122"/>
+              </a:rPr>
+              <a:t>Shen </a:t>
+            </a:r>
+            <a:r>
+              <a:rPr lang="en-US" altLang="zh-CN" sz="1000" dirty="0" err="1">
+                <a:latin typeface="微软雅黑" panose="020B0503020204020204" pitchFamily="34" charset="-122"/>
+                <a:ea typeface="微软雅黑" panose="020B0503020204020204" pitchFamily="34" charset="-122"/>
+              </a:rPr>
+              <a:t>Yichen</a:t>
+            </a:r>
+            <a:r>
+              <a:rPr lang="en-US" altLang="zh-CN" sz="1000" dirty="0">
+                <a:latin typeface="微软雅黑" panose="020B0503020204020204" pitchFamily="34" charset="-122"/>
+                <a:ea typeface="微软雅黑" panose="020B0503020204020204" pitchFamily="34" charset="-122"/>
+              </a:rPr>
+              <a:t> </a:t>
+            </a:r>
+            <a:r>
+              <a:rPr lang="en-US" altLang="zh-CN" sz="1000" dirty="0" err="1">
+                <a:latin typeface="微软雅黑" panose="020B0503020204020204" pitchFamily="34" charset="-122"/>
+                <a:ea typeface="微软雅黑" panose="020B0503020204020204" pitchFamily="34" charset="-122"/>
+              </a:rPr>
+              <a:t>etal</a:t>
+            </a:r>
+            <a:r>
+              <a:rPr lang="en-US" altLang="zh-CN" sz="1000" dirty="0">
+                <a:latin typeface="微软雅黑" panose="020B0503020204020204" pitchFamily="34" charset="-122"/>
+                <a:ea typeface="微软雅黑" panose="020B0503020204020204" pitchFamily="34" charset="-122"/>
+              </a:rPr>
+              <a:t>., Deep learning with coherent nanophotonic circuits, Nature Photonics, 2017</a:t>
+            </a:r>
+            <a:endParaRPr lang="zh-CN" altLang="en-US" sz="1000" dirty="0"/>
+          </a:p>
+        </p:txBody>
+      </p:sp>
+      <p:pic>
+        <p:nvPicPr>
+          <p:cNvPr id="9" name="图片 8">
+            <a:extLst>
+              <a:ext uri="{FF2B5EF4-FFF2-40B4-BE49-F238E27FC236}">
+                <a16:creationId xmlns:a16="http://schemas.microsoft.com/office/drawing/2014/main" id="{C2B88AB8-9E87-42EB-A1BF-3A8C8D0A7877}"/>
+              </a:ext>
+            </a:extLst>
+          </p:cNvPr>
+          <p:cNvPicPr>
+            <a:picLocks noChangeAspect="1"/>
+          </p:cNvPicPr>
+          <p:nvPr/>
+        </p:nvPicPr>
+        <p:blipFill>
+          <a:blip r:embed="rId2"/>
+          <a:stretch>
+            <a:fillRect/>
+          </a:stretch>
+        </p:blipFill>
+        <p:spPr>
+          <a:xfrm>
+            <a:off x="237067" y="1643079"/>
+            <a:ext cx="5636417" cy="3034017"/>
+          </a:xfrm>
+          <a:prstGeom prst="rect">
+            <a:avLst/>
+          </a:prstGeom>
+        </p:spPr>
+      </p:pic>
+      <p:pic>
+        <p:nvPicPr>
+          <p:cNvPr id="4" name="图片 3">
+            <a:extLst>
+              <a:ext uri="{FF2B5EF4-FFF2-40B4-BE49-F238E27FC236}">
+                <a16:creationId xmlns:a16="http://schemas.microsoft.com/office/drawing/2014/main" id="{0303660D-F071-4131-886D-36BFC4879BF9}"/>
+              </a:ext>
+            </a:extLst>
+          </p:cNvPr>
+          <p:cNvPicPr>
+            <a:picLocks noChangeAspect="1"/>
+          </p:cNvPicPr>
+          <p:nvPr/>
+        </p:nvPicPr>
+        <p:blipFill>
+          <a:blip r:embed="rId3"/>
+          <a:stretch>
+            <a:fillRect/>
+          </a:stretch>
+        </p:blipFill>
+        <p:spPr>
+          <a:xfrm>
+            <a:off x="7510463" y="4796183"/>
+            <a:ext cx="2976306" cy="1192780"/>
+          </a:xfrm>
+          <a:prstGeom prst="rect">
+            <a:avLst/>
+          </a:prstGeom>
+        </p:spPr>
+      </p:pic>
     </p:spTree>
     <p:extLst>
       <p:ext uri="{BB962C8B-B14F-4D97-AF65-F5344CB8AC3E}">
-        <p14:creationId xmlns:p14="http://schemas.microsoft.com/office/powerpoint/2010/main" val="4214204154"/>
+        <p14:creationId xmlns:p14="http://schemas.microsoft.com/office/powerpoint/2010/main" val="463904663"/>
       </p:ext>
     </p:extLst>
   </p:cSld>
@@ -2966,380 +6270,143 @@
           <a:chExt cx="0" cy="0"/>
         </a:xfrm>
       </p:grpSpPr>
-      <p:pic>
-        <p:nvPicPr>
-          <p:cNvPr id="4" name="内容占位符 3">
-            <a:extLst>
-              <a:ext uri="{FF2B5EF4-FFF2-40B4-BE49-F238E27FC236}">
-                <a16:creationId xmlns:a16="http://schemas.microsoft.com/office/drawing/2014/main" id="{4D403EC5-E397-482B-BC7D-ECEE8A719266}"/>
-              </a:ext>
-            </a:extLst>
-          </p:cNvPr>
-          <p:cNvPicPr>
-            <a:picLocks noGrp="1" noChangeAspect="1"/>
-          </p:cNvPicPr>
+      <p:sp>
+        <p:nvSpPr>
+          <p:cNvPr id="2" name="内容占位符 1">
+            <a:extLst>
+              <a:ext uri="{FF2B5EF4-FFF2-40B4-BE49-F238E27FC236}">
+                <a16:creationId xmlns:a16="http://schemas.microsoft.com/office/drawing/2014/main" id="{2FBB9091-6293-406C-A1A4-529C5D671284}"/>
+              </a:ext>
+            </a:extLst>
+          </p:cNvPr>
+          <p:cNvSpPr>
+            <a:spLocks noGrp="1"/>
+          </p:cNvSpPr>
           <p:nvPr>
             <p:ph idx="1"/>
           </p:nvPr>
-        </p:nvPicPr>
-        <p:blipFill>
-          <a:blip r:embed="rId2"/>
-          <a:stretch>
-            <a:fillRect/>
-          </a:stretch>
-        </p:blipFill>
-        <p:spPr>
-          <a:xfrm>
-            <a:off x="391046" y="3959048"/>
-            <a:ext cx="3670300" cy="2240814"/>
-          </a:xfrm>
-          <a:prstGeom prst="rect">
-            <a:avLst/>
-          </a:prstGeom>
-        </p:spPr>
-      </p:pic>
-      <p:pic>
-        <p:nvPicPr>
-          <p:cNvPr id="3" name="图片 2">
-            <a:extLst>
-              <a:ext uri="{FF2B5EF4-FFF2-40B4-BE49-F238E27FC236}">
-                <a16:creationId xmlns:a16="http://schemas.microsoft.com/office/drawing/2014/main" id="{4F5F5F2E-4D61-4FEF-9640-332312AAE6D1}"/>
-              </a:ext>
-            </a:extLst>
-          </p:cNvPr>
-          <p:cNvPicPr>
-            <a:picLocks noChangeAspect="1"/>
-          </p:cNvPicPr>
-          <p:nvPr/>
-        </p:nvPicPr>
-        <p:blipFill>
-          <a:blip r:embed="rId3"/>
-          <a:stretch>
-            <a:fillRect/>
-          </a:stretch>
-        </p:blipFill>
-        <p:spPr>
-          <a:xfrm>
-            <a:off x="391046" y="532838"/>
-            <a:ext cx="6295345" cy="2886136"/>
-          </a:xfrm>
-          <a:prstGeom prst="rect">
-            <a:avLst/>
-          </a:prstGeom>
-        </p:spPr>
-      </p:pic>
-      <p:sp>
-        <p:nvSpPr>
-          <p:cNvPr id="5" name="文本框 4">
-            <a:extLst>
-              <a:ext uri="{FF2B5EF4-FFF2-40B4-BE49-F238E27FC236}">
-                <a16:creationId xmlns:a16="http://schemas.microsoft.com/office/drawing/2014/main" id="{5BDBB4EA-B47A-4B98-A60A-07C2398CAABA}"/>
-              </a:ext>
-            </a:extLst>
-          </p:cNvPr>
-          <p:cNvSpPr txBox="1"/>
-          <p:nvPr/>
         </p:nvSpPr>
-        <p:spPr>
-          <a:xfrm>
-            <a:off x="4885898" y="4719869"/>
-            <a:ext cx="1800493" cy="719171"/>
-          </a:xfrm>
-          <a:prstGeom prst="rect">
-            <a:avLst/>
-          </a:prstGeom>
-          <a:noFill/>
-        </p:spPr>
+        <p:spPr/>
         <p:txBody>
-          <a:bodyPr wrap="none" rtlCol="0">
-            <a:spAutoFit/>
-          </a:bodyPr>
+          <a:bodyPr/>
           <a:lstStyle/>
           <a:p>
-            <a:pPr algn="l">
-              <a:lnSpc>
-                <a:spcPct val="90000"/>
-              </a:lnSpc>
-              <a:spcBef>
-                <a:spcPts val="1000"/>
-              </a:spcBef>
-            </a:pPr>
+            <a:r>
+              <a:rPr lang="en-US" altLang="zh-CN" dirty="0">
+                <a:latin typeface="Times New Roman" panose="02020603050405020304" pitchFamily="18" charset="0"/>
+                <a:cs typeface="Times New Roman" panose="02020603050405020304" pitchFamily="18" charset="0"/>
+              </a:rPr>
+              <a:t>ANN</a:t>
+            </a:r>
             <a:r>
               <a:rPr lang="zh-CN" altLang="en-US" dirty="0">
-                <a:latin typeface="微软雅黑" panose="020B0503020204020204" pitchFamily="34" charset="-122"/>
-                <a:ea typeface="微软雅黑" panose="020B0503020204020204" pitchFamily="34" charset="-122"/>
-              </a:rPr>
-              <a:t>上图：计算过程</a:t>
+                <a:latin typeface="Times New Roman" panose="02020603050405020304" pitchFamily="18" charset="0"/>
+                <a:cs typeface="Times New Roman" panose="02020603050405020304" pitchFamily="18" charset="0"/>
+              </a:rPr>
+              <a:t>的实现</a:t>
             </a:r>
             <a:endParaRPr lang="en-US" altLang="zh-CN" dirty="0">
-              <a:latin typeface="微软雅黑" panose="020B0503020204020204" pitchFamily="34" charset="-122"/>
-              <a:ea typeface="微软雅黑" panose="020B0503020204020204" pitchFamily="34" charset="-122"/>
+              <a:latin typeface="Times New Roman" panose="02020603050405020304" pitchFamily="18" charset="0"/>
+              <a:cs typeface="Times New Roman" panose="02020603050405020304" pitchFamily="18" charset="0"/>
             </a:endParaRPr>
           </a:p>
           <a:p>
-            <a:pPr algn="l">
-              <a:lnSpc>
-                <a:spcPct val="90000"/>
-              </a:lnSpc>
-              <a:spcBef>
-                <a:spcPts val="1000"/>
-              </a:spcBef>
-            </a:pPr>
-            <a:r>
-              <a:rPr lang="zh-CN" altLang="en-US" dirty="0">
-                <a:latin typeface="微软雅黑" panose="020B0503020204020204" pitchFamily="34" charset="-122"/>
-                <a:ea typeface="微软雅黑" panose="020B0503020204020204" pitchFamily="34" charset="-122"/>
-              </a:rPr>
-              <a:t>左图：并行计算</a:t>
-            </a:r>
+            <a:pPr lvl="1"/>
+            <a:r>
+              <a:rPr lang="en-US" altLang="zh-CN" dirty="0">
+                <a:latin typeface="Times New Roman" panose="02020603050405020304" pitchFamily="18" charset="0"/>
+                <a:cs typeface="Times New Roman" panose="02020603050405020304" pitchFamily="18" charset="0"/>
+              </a:rPr>
+              <a:t>input vector ---&gt; output vector via matrices</a:t>
+            </a:r>
+          </a:p>
+          <a:p>
+            <a:pPr lvl="1"/>
+            <a:r>
+              <a:rPr lang="en-US" altLang="zh-CN" dirty="0">
+                <a:latin typeface="Times New Roman" panose="02020603050405020304" pitchFamily="18" charset="0"/>
+                <a:cs typeface="Times New Roman" panose="02020603050405020304" pitchFamily="18" charset="0"/>
+              </a:rPr>
+              <a:t>tuning matrix elements (weights) for minimized cost function</a:t>
+            </a:r>
+          </a:p>
+          <a:p>
+            <a:pPr lvl="1"/>
+            <a:r>
+              <a:rPr lang="en-US" altLang="zh-CN" dirty="0">
+                <a:latin typeface="Times New Roman" panose="02020603050405020304" pitchFamily="18" charset="0"/>
+                <a:cs typeface="Times New Roman" panose="02020603050405020304" pitchFamily="18" charset="0"/>
+              </a:rPr>
+              <a:t>tuning is implemented by “backpropagation algorithm”</a:t>
+            </a:r>
+          </a:p>
+          <a:p>
+            <a:pPr lvl="1"/>
+            <a:r>
+              <a:rPr lang="en-US" altLang="zh-CN" dirty="0">
+                <a:latin typeface="Times New Roman" panose="02020603050405020304" pitchFamily="18" charset="0"/>
+                <a:cs typeface="Times New Roman" panose="02020603050405020304" pitchFamily="18" charset="0"/>
+              </a:rPr>
+              <a:t>utilizing the chain rule from the output layer to the input layer</a:t>
+            </a:r>
+          </a:p>
+          <a:p>
+            <a:pPr lvl="1"/>
+            <a:endParaRPr lang="en-US" altLang="zh-CN" dirty="0">
+              <a:latin typeface="Times New Roman" panose="02020603050405020304" pitchFamily="18" charset="0"/>
+              <a:cs typeface="Times New Roman" panose="02020603050405020304" pitchFamily="18" charset="0"/>
+            </a:endParaRPr>
+          </a:p>
+          <a:p>
+            <a:r>
+              <a:rPr lang="zh-CN" altLang="en-US" dirty="0"/>
+              <a:t>对原文献的评价：</a:t>
+            </a:r>
+            <a:endParaRPr lang="en-US" altLang="zh-CN" dirty="0"/>
+          </a:p>
+          <a:p>
+            <a:pPr lvl="1"/>
+            <a:r>
+              <a:rPr lang="en-US" altLang="zh-CN" dirty="0">
+                <a:latin typeface="Times New Roman" panose="02020603050405020304" pitchFamily="18" charset="0"/>
+                <a:cs typeface="Times New Roman" panose="02020603050405020304" pitchFamily="18" charset="0"/>
+              </a:rPr>
+              <a:t>the training of the phase-shifter settings for this system was performed using a model implemented on a standard computer, which does not take into account experimental errors, and furthermore loses all the potential advantages in time and energy of the photonic implementation.</a:t>
+            </a:r>
+          </a:p>
+          <a:p>
+            <a:pPr lvl="1"/>
+            <a:endParaRPr lang="en-US" altLang="zh-CN" dirty="0">
+              <a:latin typeface="Times New Roman" panose="02020603050405020304" pitchFamily="18" charset="0"/>
+              <a:cs typeface="Times New Roman" panose="02020603050405020304" pitchFamily="18" charset="0"/>
+            </a:endParaRPr>
+          </a:p>
+          <a:p>
+            <a:r>
+              <a:rPr lang="zh-CN" altLang="en-US" dirty="0"/>
+              <a:t>改进：</a:t>
+            </a:r>
+            <a:endParaRPr lang="en-US" altLang="zh-CN" dirty="0"/>
+          </a:p>
+          <a:p>
+            <a:pPr lvl="1"/>
+            <a:r>
+              <a:rPr lang="en-US" altLang="zh-CN" dirty="0">
+                <a:latin typeface="Times New Roman" panose="02020603050405020304" pitchFamily="18" charset="0"/>
+                <a:cs typeface="Times New Roman" panose="02020603050405020304" pitchFamily="18" charset="0"/>
+              </a:rPr>
+              <a:t>The only additional component that is required is a means to measure the light intensity in the vicinity of each of the tunable phase shifters.</a:t>
+            </a:r>
+          </a:p>
+          <a:p>
+            <a:endParaRPr lang="zh-CN" altLang="en-US" dirty="0"/>
           </a:p>
         </p:txBody>
       </p:sp>
-      <p:sp>
-        <p:nvSpPr>
-          <p:cNvPr id="6" name="文本框 5">
-            <a:extLst>
-              <a:ext uri="{FF2B5EF4-FFF2-40B4-BE49-F238E27FC236}">
-                <a16:creationId xmlns:a16="http://schemas.microsoft.com/office/drawing/2014/main" id="{F47E848F-8C1D-4872-8B50-96706EA1FFA7}"/>
-              </a:ext>
-            </a:extLst>
-          </p:cNvPr>
-          <p:cNvSpPr txBox="1"/>
-          <p:nvPr/>
-        </p:nvSpPr>
-        <p:spPr>
-          <a:xfrm>
-            <a:off x="6796586" y="736979"/>
-            <a:ext cx="5240740" cy="2866426"/>
-          </a:xfrm>
-          <a:prstGeom prst="rect">
-            <a:avLst/>
-          </a:prstGeom>
-          <a:noFill/>
-        </p:spPr>
-        <p:txBody>
-          <a:bodyPr wrap="square" rtlCol="0">
-            <a:spAutoFit/>
-          </a:bodyPr>
-          <a:lstStyle/>
-          <a:p>
-            <a:pPr marL="457200" indent="-457200" algn="l">
-              <a:lnSpc>
-                <a:spcPct val="90000"/>
-              </a:lnSpc>
-              <a:spcBef>
-                <a:spcPts val="1000"/>
-              </a:spcBef>
-              <a:buFont typeface="Arial" panose="020B0604020202020204" pitchFamily="34" charset="0"/>
-              <a:buChar char="•"/>
-            </a:pPr>
-            <a:r>
-              <a:rPr lang="zh-CN" altLang="en-US" dirty="0">
-                <a:latin typeface="Times New Roman" panose="02020603050405020304" pitchFamily="18" charset="0"/>
-                <a:ea typeface="微软雅黑" panose="020B0503020204020204" pitchFamily="34" charset="-122"/>
-                <a:cs typeface="Times New Roman" panose="02020603050405020304" pitchFamily="18" charset="0"/>
-              </a:rPr>
-              <a:t>乘积值正比于探测器收到的电荷值</a:t>
-            </a:r>
-            <a:endParaRPr lang="en-US" altLang="zh-CN" dirty="0">
-              <a:latin typeface="Times New Roman" panose="02020603050405020304" pitchFamily="18" charset="0"/>
-              <a:ea typeface="微软雅黑" panose="020B0503020204020204" pitchFamily="34" charset="-122"/>
-              <a:cs typeface="Times New Roman" panose="02020603050405020304" pitchFamily="18" charset="0"/>
-            </a:endParaRPr>
-          </a:p>
-          <a:p>
-            <a:pPr marL="457200" indent="-457200" algn="l">
-              <a:lnSpc>
-                <a:spcPct val="90000"/>
-              </a:lnSpc>
-              <a:spcBef>
-                <a:spcPts val="1000"/>
-              </a:spcBef>
-              <a:buFont typeface="Arial" panose="020B0604020202020204" pitchFamily="34" charset="0"/>
-              <a:buChar char="•"/>
-            </a:pPr>
-            <a:endParaRPr lang="en-US" altLang="zh-CN" dirty="0">
-              <a:latin typeface="Times New Roman" panose="02020603050405020304" pitchFamily="18" charset="0"/>
-              <a:ea typeface="微软雅黑" panose="020B0503020204020204" pitchFamily="34" charset="-122"/>
-              <a:cs typeface="Times New Roman" panose="02020603050405020304" pitchFamily="18" charset="0"/>
-            </a:endParaRPr>
-          </a:p>
-          <a:p>
-            <a:pPr marL="457200" indent="-457200" algn="l">
-              <a:lnSpc>
-                <a:spcPct val="90000"/>
-              </a:lnSpc>
-              <a:spcBef>
-                <a:spcPts val="1000"/>
-              </a:spcBef>
-              <a:buFont typeface="Arial" panose="020B0604020202020204" pitchFamily="34" charset="0"/>
-              <a:buChar char="•"/>
-            </a:pPr>
-            <a:endParaRPr lang="en-US" altLang="zh-CN" dirty="0">
-              <a:latin typeface="Times New Roman" panose="02020603050405020304" pitchFamily="18" charset="0"/>
-              <a:ea typeface="微软雅黑" panose="020B0503020204020204" pitchFamily="34" charset="-122"/>
-              <a:cs typeface="Times New Roman" panose="02020603050405020304" pitchFamily="18" charset="0"/>
-            </a:endParaRPr>
-          </a:p>
-          <a:p>
-            <a:pPr marL="457200" indent="-457200" algn="l">
-              <a:lnSpc>
-                <a:spcPct val="90000"/>
-              </a:lnSpc>
-              <a:spcBef>
-                <a:spcPts val="1000"/>
-              </a:spcBef>
-              <a:buFont typeface="Arial" panose="020B0604020202020204" pitchFamily="34" charset="0"/>
-              <a:buChar char="•"/>
-            </a:pPr>
-            <a:r>
-              <a:rPr lang="zh-CN" altLang="en-US" dirty="0">
-                <a:latin typeface="Times New Roman" panose="02020603050405020304" pitchFamily="18" charset="0"/>
-                <a:ea typeface="微软雅黑" panose="020B0503020204020204" pitchFamily="34" charset="-122"/>
-                <a:cs typeface="Times New Roman" panose="02020603050405020304" pitchFamily="18" charset="0"/>
-              </a:rPr>
-              <a:t>并行运算</a:t>
-            </a:r>
-            <a:endParaRPr lang="en-US" altLang="zh-CN" dirty="0">
-              <a:latin typeface="Times New Roman" panose="02020603050405020304" pitchFamily="18" charset="0"/>
-              <a:ea typeface="微软雅黑" panose="020B0503020204020204" pitchFamily="34" charset="-122"/>
-              <a:cs typeface="Times New Roman" panose="02020603050405020304" pitchFamily="18" charset="0"/>
-            </a:endParaRPr>
-          </a:p>
-          <a:p>
-            <a:pPr marL="914400" lvl="1" indent="-457200">
-              <a:lnSpc>
-                <a:spcPct val="90000"/>
-              </a:lnSpc>
-              <a:spcBef>
-                <a:spcPts val="1000"/>
-              </a:spcBef>
-              <a:buFont typeface="Arial" panose="020B0604020202020204" pitchFamily="34" charset="0"/>
-              <a:buChar char="•"/>
-            </a:pPr>
-            <a:r>
-              <a:rPr lang="en-US" altLang="zh-CN" dirty="0">
-                <a:latin typeface="Times New Roman" panose="02020603050405020304" pitchFamily="18" charset="0"/>
-                <a:ea typeface="微软雅黑" panose="020B0503020204020204" pitchFamily="34" charset="-122"/>
-                <a:cs typeface="Times New Roman" panose="02020603050405020304" pitchFamily="18" charset="0"/>
-              </a:rPr>
-              <a:t>running a batch of instances, X = [</a:t>
-            </a:r>
-            <a:r>
-              <a:rPr lang="en-US" altLang="zh-CN" dirty="0" err="1">
-                <a:latin typeface="Times New Roman" panose="02020603050405020304" pitchFamily="18" charset="0"/>
-                <a:ea typeface="微软雅黑" panose="020B0503020204020204" pitchFamily="34" charset="-122"/>
-                <a:cs typeface="Times New Roman" panose="02020603050405020304" pitchFamily="18" charset="0"/>
-              </a:rPr>
-              <a:t>x1</a:t>
-            </a:r>
-            <a:r>
-              <a:rPr lang="en-US" altLang="zh-CN" dirty="0">
-                <a:latin typeface="Times New Roman" panose="02020603050405020304" pitchFamily="18" charset="0"/>
-                <a:ea typeface="微软雅黑" panose="020B0503020204020204" pitchFamily="34" charset="-122"/>
-                <a:cs typeface="Times New Roman" panose="02020603050405020304" pitchFamily="18" charset="0"/>
-              </a:rPr>
-              <a:t>…</a:t>
-            </a:r>
-            <a:r>
-              <a:rPr lang="en-US" altLang="zh-CN" dirty="0" err="1">
-                <a:latin typeface="Times New Roman" panose="02020603050405020304" pitchFamily="18" charset="0"/>
-                <a:ea typeface="微软雅黑" panose="020B0503020204020204" pitchFamily="34" charset="-122"/>
-                <a:cs typeface="Times New Roman" panose="02020603050405020304" pitchFamily="18" charset="0"/>
-              </a:rPr>
-              <a:t>xB</a:t>
-            </a:r>
-            <a:r>
-              <a:rPr lang="en-US" altLang="zh-CN" dirty="0">
-                <a:latin typeface="Times New Roman" panose="02020603050405020304" pitchFamily="18" charset="0"/>
-                <a:ea typeface="微软雅黑" panose="020B0503020204020204" pitchFamily="34" charset="-122"/>
-                <a:cs typeface="Times New Roman" panose="02020603050405020304" pitchFamily="18" charset="0"/>
-              </a:rPr>
-              <a:t>], the output Y = [</a:t>
-            </a:r>
-            <a:r>
-              <a:rPr lang="en-US" altLang="zh-CN" dirty="0" err="1">
-                <a:latin typeface="Times New Roman" panose="02020603050405020304" pitchFamily="18" charset="0"/>
-                <a:ea typeface="微软雅黑" panose="020B0503020204020204" pitchFamily="34" charset="-122"/>
-                <a:cs typeface="Times New Roman" panose="02020603050405020304" pitchFamily="18" charset="0"/>
-              </a:rPr>
-              <a:t>y1</a:t>
-            </a:r>
-            <a:r>
-              <a:rPr lang="en-US" altLang="zh-CN" dirty="0">
-                <a:latin typeface="Times New Roman" panose="02020603050405020304" pitchFamily="18" charset="0"/>
-                <a:ea typeface="微软雅黑" panose="020B0503020204020204" pitchFamily="34" charset="-122"/>
-                <a:cs typeface="Times New Roman" panose="02020603050405020304" pitchFamily="18" charset="0"/>
-              </a:rPr>
-              <a:t>…</a:t>
-            </a:r>
-            <a:r>
-              <a:rPr lang="en-US" altLang="zh-CN" dirty="0" err="1">
-                <a:latin typeface="Times New Roman" panose="02020603050405020304" pitchFamily="18" charset="0"/>
-                <a:ea typeface="微软雅黑" panose="020B0503020204020204" pitchFamily="34" charset="-122"/>
-                <a:cs typeface="Times New Roman" panose="02020603050405020304" pitchFamily="18" charset="0"/>
-              </a:rPr>
-              <a:t>yB</a:t>
-            </a:r>
-            <a:r>
-              <a:rPr lang="en-US" altLang="zh-CN" dirty="0">
-                <a:latin typeface="Times New Roman" panose="02020603050405020304" pitchFamily="18" charset="0"/>
-                <a:ea typeface="微软雅黑" panose="020B0503020204020204" pitchFamily="34" charset="-122"/>
-                <a:cs typeface="Times New Roman" panose="02020603050405020304" pitchFamily="18" charset="0"/>
-              </a:rPr>
-              <a:t>] can be computed through the matrix-matrix product Y = AX</a:t>
-            </a:r>
-          </a:p>
-          <a:p>
-            <a:pPr algn="l">
-              <a:lnSpc>
-                <a:spcPct val="90000"/>
-              </a:lnSpc>
-              <a:spcBef>
-                <a:spcPts val="1000"/>
-              </a:spcBef>
-            </a:pPr>
-            <a:endParaRPr lang="zh-CN" altLang="en-US" sz="2800" dirty="0">
-              <a:latin typeface="微软雅黑" panose="020B0503020204020204" pitchFamily="34" charset="-122"/>
-              <a:ea typeface="微软雅黑" panose="020B0503020204020204" pitchFamily="34" charset="-122"/>
-            </a:endParaRPr>
-          </a:p>
-        </p:txBody>
-      </p:sp>
-      <p:pic>
-        <p:nvPicPr>
-          <p:cNvPr id="7" name="图片 6">
-            <a:extLst>
-              <a:ext uri="{FF2B5EF4-FFF2-40B4-BE49-F238E27FC236}">
-                <a16:creationId xmlns:a16="http://schemas.microsoft.com/office/drawing/2014/main" id="{209763F8-DA4D-406B-AD0E-0546B0800C63}"/>
-              </a:ext>
-            </a:extLst>
-          </p:cNvPr>
-          <p:cNvPicPr>
-            <a:picLocks noChangeAspect="1"/>
-          </p:cNvPicPr>
-          <p:nvPr/>
-        </p:nvPicPr>
-        <p:blipFill>
-          <a:blip r:embed="rId4"/>
-          <a:stretch>
-            <a:fillRect/>
-          </a:stretch>
-        </p:blipFill>
-        <p:spPr>
-          <a:xfrm>
-            <a:off x="7962095" y="1165814"/>
-            <a:ext cx="3838859" cy="591073"/>
-          </a:xfrm>
-          <a:prstGeom prst="rect">
-            <a:avLst/>
-          </a:prstGeom>
-        </p:spPr>
-      </p:pic>
     </p:spTree>
     <p:extLst>
       <p:ext uri="{BB962C8B-B14F-4D97-AF65-F5344CB8AC3E}">
-        <p14:creationId xmlns:p14="http://schemas.microsoft.com/office/powerpoint/2010/main" val="623524247"/>
+        <p14:creationId xmlns:p14="http://schemas.microsoft.com/office/powerpoint/2010/main" val="3591045109"/>
       </p:ext>
     </p:extLst>
   </p:cSld>

--- a/20190918 - 光芯片深度学习调研.pptx
+++ b/20190918 - 光芯片深度学习调研.pptx
@@ -16,19 +16,18 @@
     <p:sldId id="275" r:id="rId10"/>
     <p:sldId id="276" r:id="rId11"/>
     <p:sldId id="277" r:id="rId12"/>
-    <p:sldId id="278" r:id="rId13"/>
-    <p:sldId id="279" r:id="rId14"/>
-    <p:sldId id="280" r:id="rId15"/>
-    <p:sldId id="263" r:id="rId16"/>
-    <p:sldId id="266" r:id="rId17"/>
-    <p:sldId id="264" r:id="rId18"/>
-    <p:sldId id="267" r:id="rId19"/>
-    <p:sldId id="268" r:id="rId20"/>
-    <p:sldId id="269" r:id="rId21"/>
-    <p:sldId id="270" r:id="rId22"/>
-    <p:sldId id="271" r:id="rId23"/>
-    <p:sldId id="272" r:id="rId24"/>
-    <p:sldId id="273" r:id="rId25"/>
+    <p:sldId id="279" r:id="rId13"/>
+    <p:sldId id="280" r:id="rId14"/>
+    <p:sldId id="263" r:id="rId15"/>
+    <p:sldId id="266" r:id="rId16"/>
+    <p:sldId id="264" r:id="rId17"/>
+    <p:sldId id="270" r:id="rId18"/>
+    <p:sldId id="271" r:id="rId19"/>
+    <p:sldId id="272" r:id="rId20"/>
+    <p:sldId id="273" r:id="rId21"/>
+    <p:sldId id="267" r:id="rId22"/>
+    <p:sldId id="268" r:id="rId23"/>
+    <p:sldId id="269" r:id="rId24"/>
   </p:sldIdLst>
   <p:sldSz cx="12192000" cy="6858000"/>
   <p:notesSz cx="6858000" cy="9144000"/>
@@ -129,7 +128,18 @@
   </p:defaultTextStyle>
   <p:extLst>
     <p:ext uri="{EFAFB233-063F-42B5-8137-9DF3F51BA10A}">
-      <p15:sldGuideLst xmlns:p15="http://schemas.microsoft.com/office/powerpoint/2012/main"/>
+      <p15:sldGuideLst xmlns:p15="http://schemas.microsoft.com/office/powerpoint/2012/main">
+        <p15:guide id="1" orient="horz" pos="2160" userDrawn="1">
+          <p15:clr>
+            <a:srgbClr val="A4A3A4"/>
+          </p15:clr>
+        </p15:guide>
+        <p15:guide id="2" pos="3840" userDrawn="1">
+          <p15:clr>
+            <a:srgbClr val="A4A3A4"/>
+          </p15:clr>
+        </p15:guide>
+      </p15:sldGuideLst>
     </p:ext>
   </p:extLst>
 </p:presentation>
@@ -1064,7 +1074,17 @@
           <a:bodyPr/>
           <a:lstStyle/>
           <a:p>
-            <a:endParaRPr lang="zh-CN" altLang="en-US"/>
+            <a:r>
+              <a:rPr lang="zh-CN" altLang="en-US" dirty="0"/>
+              <a:t>调研：</a:t>
+            </a:r>
+            <a:br>
+              <a:rPr lang="en-US" altLang="zh-CN" dirty="0"/>
+            </a:br>
+            <a:r>
+              <a:rPr lang="zh-CN" altLang="en-US" dirty="0"/>
+              <a:t>硅光芯片深度学习</a:t>
+            </a:r>
           </a:p>
         </p:txBody>
       </p:sp>
@@ -1089,7 +1109,11 @@
           <a:bodyPr/>
           <a:lstStyle/>
           <a:p>
-            <a:endParaRPr lang="zh-CN" altLang="en-US"/>
+            <a:r>
+              <a:rPr lang="en-US" altLang="zh-CN" dirty="0"/>
+              <a:t>2019.09.17</a:t>
+            </a:r>
+            <a:endParaRPr lang="zh-CN" altLang="en-US" dirty="0"/>
           </a:p>
         </p:txBody>
       </p:sp>
@@ -1142,12 +1166,12 @@
         <p:spPr>
           <a:xfrm>
             <a:off x="5727940" y="1348276"/>
-            <a:ext cx="5625860" cy="5144494"/>
+            <a:ext cx="5625860" cy="3504461"/>
           </a:xfrm>
         </p:spPr>
         <p:txBody>
           <a:bodyPr>
-            <a:normAutofit lnSpcReduction="10000"/>
+            <a:normAutofit/>
           </a:bodyPr>
           <a:lstStyle/>
           <a:p>
@@ -1155,7 +1179,7 @@
               <a:buAutoNum type="arabicPeriod"/>
             </a:pPr>
             <a:r>
-              <a:rPr lang="en-US" altLang="zh-CN" sz="2400" dirty="0">
+              <a:rPr lang="en-US" altLang="zh-CN" sz="1800" dirty="0">
                 <a:latin typeface="Times New Roman" panose="02020603050405020304" pitchFamily="18" charset="0"/>
                 <a:cs typeface="Times New Roman" panose="02020603050405020304" pitchFamily="18" charset="0"/>
               </a:rPr>
@@ -1167,7 +1191,7 @@
               <a:buAutoNum type="arabicPeriod"/>
             </a:pPr>
             <a:r>
-              <a:rPr lang="en-US" altLang="zh-CN" sz="2400" dirty="0">
+              <a:rPr lang="en-US" altLang="zh-CN" sz="1800" dirty="0">
                 <a:latin typeface="Times New Roman" panose="02020603050405020304" pitchFamily="18" charset="0"/>
                 <a:cs typeface="Times New Roman" panose="02020603050405020304" pitchFamily="18" charset="0"/>
               </a:rPr>
@@ -1179,7 +1203,7 @@
               <a:buAutoNum type="arabicPeriod"/>
             </a:pPr>
             <a:r>
-              <a:rPr lang="en-US" altLang="zh-CN" sz="2400" dirty="0">
+              <a:rPr lang="en-US" altLang="zh-CN" sz="1800" dirty="0">
                 <a:latin typeface="Times New Roman" panose="02020603050405020304" pitchFamily="18" charset="0"/>
                 <a:cs typeface="Times New Roman" panose="02020603050405020304" pitchFamily="18" charset="0"/>
               </a:rPr>
@@ -1191,7 +1215,7 @@
               <a:buAutoNum type="arabicPeriod"/>
             </a:pPr>
             <a:r>
-              <a:rPr lang="en-US" altLang="zh-CN" sz="2400" dirty="0">
+              <a:rPr lang="en-US" altLang="zh-CN" sz="1800" dirty="0">
                 <a:latin typeface="Times New Roman" panose="02020603050405020304" pitchFamily="18" charset="0"/>
                 <a:cs typeface="Times New Roman" panose="02020603050405020304" pitchFamily="18" charset="0"/>
               </a:rPr>
@@ -1203,13 +1227,13 @@
               <a:buAutoNum type="arabicPeriod"/>
             </a:pPr>
             <a:r>
-              <a:rPr lang="en-US" altLang="zh-CN" sz="2400" dirty="0">
+              <a:rPr lang="en-US" altLang="zh-CN" sz="1800" dirty="0">
                 <a:latin typeface="Times New Roman" panose="02020603050405020304" pitchFamily="18" charset="0"/>
                 <a:cs typeface="Times New Roman" panose="02020603050405020304" pitchFamily="18" charset="0"/>
               </a:rPr>
               <a:t>Subtract the constant intensity terms from steps 1 and 2 and multiply by k square to recover the gradient. </a:t>
             </a:r>
-            <a:endParaRPr lang="zh-CN" altLang="en-US" sz="2400" dirty="0">
+            <a:endParaRPr lang="zh-CN" altLang="en-US" sz="1800" dirty="0">
               <a:latin typeface="Times New Roman" panose="02020603050405020304" pitchFamily="18" charset="0"/>
               <a:cs typeface="Times New Roman" panose="02020603050405020304" pitchFamily="18" charset="0"/>
             </a:endParaRPr>
@@ -1323,6 +1347,36 @@
           </a:p>
         </p:txBody>
       </p:sp>
+      <p:pic>
+        <p:nvPicPr>
+          <p:cNvPr id="5" name="图片 4">
+            <a:extLst>
+              <a:ext uri="{FF2B5EF4-FFF2-40B4-BE49-F238E27FC236}">
+                <a16:creationId xmlns:a16="http://schemas.microsoft.com/office/drawing/2014/main" id="{0CD870E3-9CD8-45C2-A75B-97D380E888C8}"/>
+              </a:ext>
+            </a:extLst>
+          </p:cNvPr>
+          <p:cNvPicPr>
+            <a:picLocks noChangeAspect="1"/>
+          </p:cNvPicPr>
+          <p:nvPr/>
+        </p:nvPicPr>
+        <p:blipFill>
+          <a:blip r:embed="rId3"/>
+          <a:stretch>
+            <a:fillRect/>
+          </a:stretch>
+        </p:blipFill>
+        <p:spPr>
+          <a:xfrm>
+            <a:off x="6322185" y="4803872"/>
+            <a:ext cx="4437369" cy="1304747"/>
+          </a:xfrm>
+          <a:prstGeom prst="rect">
+            <a:avLst/>
+          </a:prstGeom>
+        </p:spPr>
+      </p:pic>
     </p:spTree>
     <p:extLst>
       <p:ext uri="{BB962C8B-B14F-4D97-AF65-F5344CB8AC3E}">
@@ -1369,30 +1423,37 @@
             <p:ph idx="1"/>
           </p:nvPr>
         </p:nvSpPr>
-        <p:spPr/>
+        <p:spPr>
+          <a:xfrm>
+            <a:off x="838200" y="1510748"/>
+            <a:ext cx="10515600" cy="1918252"/>
+          </a:xfrm>
+        </p:spPr>
         <p:txBody>
-          <a:bodyPr/>
+          <a:bodyPr>
+            <a:normAutofit lnSpcReduction="10000"/>
+          </a:bodyPr>
           <a:lstStyle/>
           <a:p>
             <a:pPr marL="514350" indent="-514350">
               <a:buAutoNum type="arabicPeriod"/>
             </a:pPr>
             <a:r>
-              <a:rPr lang="en-US" altLang="zh-CN" dirty="0">
+              <a:rPr lang="en-US" altLang="zh-CN" sz="2400" dirty="0">
                 <a:latin typeface="Times New Roman" panose="02020603050405020304" pitchFamily="18" charset="0"/>
                 <a:cs typeface="Times New Roman" panose="02020603050405020304" pitchFamily="18" charset="0"/>
               </a:rPr>
               <a:t>Assuming linear, lossless, reciprocal, feed-forward propagation inside the </a:t>
             </a:r>
             <a:r>
-              <a:rPr lang="en-US" altLang="zh-CN" dirty="0" err="1">
+              <a:rPr lang="en-US" altLang="zh-CN" sz="2400" dirty="0" err="1">
                 <a:latin typeface="Times New Roman" panose="02020603050405020304" pitchFamily="18" charset="0"/>
                 <a:cs typeface="Times New Roman" panose="02020603050405020304" pitchFamily="18" charset="0"/>
               </a:rPr>
               <a:t>OIU</a:t>
             </a:r>
             <a:r>
-              <a:rPr lang="en-US" altLang="zh-CN" dirty="0">
+              <a:rPr lang="en-US" altLang="zh-CN" sz="2400" dirty="0">
                 <a:latin typeface="Times New Roman" panose="02020603050405020304" pitchFamily="18" charset="0"/>
                 <a:cs typeface="Times New Roman" panose="02020603050405020304" pitchFamily="18" charset="0"/>
               </a:rPr>
@@ -1404,7 +1465,7 @@
               <a:buAutoNum type="arabicPeriod"/>
             </a:pPr>
             <a:r>
-              <a:rPr lang="en-US" altLang="zh-CN" dirty="0">
+              <a:rPr lang="en-US" altLang="zh-CN" sz="2400" dirty="0">
                 <a:latin typeface="Times New Roman" panose="02020603050405020304" pitchFamily="18" charset="0"/>
                 <a:cs typeface="Times New Roman" panose="02020603050405020304" pitchFamily="18" charset="0"/>
               </a:rPr>
@@ -1417,7 +1478,7 @@
               <a:buAutoNum type="arabicPeriod"/>
             </a:pPr>
             <a:r>
-              <a:rPr lang="en-US" altLang="zh-CN" dirty="0">
+              <a:rPr lang="en-US" altLang="zh-CN" sz="2400" dirty="0">
                 <a:latin typeface="Times New Roman" panose="02020603050405020304" pitchFamily="18" charset="0"/>
                 <a:cs typeface="Times New Roman" panose="02020603050405020304" pitchFamily="18" charset="0"/>
               </a:rPr>
@@ -1449,7 +1510,7 @@
           <a:p>
             <a:r>
               <a:rPr lang="en-US" altLang="zh-CN" dirty="0"/>
-              <a:t>Restriction</a:t>
+              <a:t>Restriction and Result</a:t>
             </a:r>
             <a:endParaRPr lang="zh-CN" altLang="en-US" dirty="0"/>
           </a:p>
@@ -1457,10 +1518,10 @@
       </p:sp>
       <p:pic>
         <p:nvPicPr>
-          <p:cNvPr id="4" name="图片 3">
-            <a:extLst>
-              <a:ext uri="{FF2B5EF4-FFF2-40B4-BE49-F238E27FC236}">
-                <a16:creationId xmlns:a16="http://schemas.microsoft.com/office/drawing/2014/main" id="{EBDD6999-C94B-47FB-BD2E-077EFAE18A57}"/>
+          <p:cNvPr id="6" name="图片 5">
+            <a:extLst>
+              <a:ext uri="{FF2B5EF4-FFF2-40B4-BE49-F238E27FC236}">
+                <a16:creationId xmlns:a16="http://schemas.microsoft.com/office/drawing/2014/main" id="{595B8D8E-0130-47CE-B977-310C124079BF}"/>
               </a:ext>
             </a:extLst>
           </p:cNvPr>
@@ -1477,8 +1538,8 @@
         </p:blipFill>
         <p:spPr>
           <a:xfrm>
-            <a:off x="1439792" y="4082995"/>
-            <a:ext cx="5633868" cy="1897655"/>
+            <a:off x="838200" y="3429000"/>
+            <a:ext cx="6691788" cy="3090895"/>
           </a:xfrm>
           <a:prstGeom prst="rect">
             <a:avLst/>
@@ -1487,10 +1548,10 @@
       </p:pic>
       <p:sp>
         <p:nvSpPr>
-          <p:cNvPr id="5" name="文本框 4">
-            <a:extLst>
-              <a:ext uri="{FF2B5EF4-FFF2-40B4-BE49-F238E27FC236}">
-                <a16:creationId xmlns:a16="http://schemas.microsoft.com/office/drawing/2014/main" id="{BAA5B594-66B7-4138-8CDA-336031BB1325}"/>
+          <p:cNvPr id="7" name="文本框 6">
+            <a:extLst>
+              <a:ext uri="{FF2B5EF4-FFF2-40B4-BE49-F238E27FC236}">
+                <a16:creationId xmlns:a16="http://schemas.microsoft.com/office/drawing/2014/main" id="{BE4DE028-BF12-4956-B0B9-E467DBE64C97}"/>
               </a:ext>
             </a:extLst>
           </p:cNvPr>
@@ -1499,8 +1560,8 @@
         </p:nvSpPr>
         <p:spPr>
           <a:xfrm>
-            <a:off x="7652868" y="5147197"/>
-            <a:ext cx="4302524" cy="400110"/>
+            <a:off x="7623565" y="6092764"/>
+            <a:ext cx="4416425" cy="400110"/>
           </a:xfrm>
           <a:prstGeom prst="rect">
             <a:avLst/>
@@ -1564,37 +1625,344 @@
           <a:chExt cx="0" cy="0"/>
         </a:xfrm>
       </p:grpSpPr>
-      <p:sp>
-        <p:nvSpPr>
-          <p:cNvPr id="2" name="内容占位符 1">
-            <a:extLst>
-              <a:ext uri="{FF2B5EF4-FFF2-40B4-BE49-F238E27FC236}">
-                <a16:creationId xmlns:a16="http://schemas.microsoft.com/office/drawing/2014/main" id="{33FFD9F5-87AD-4FE8-B4D3-A0232C7CA129}"/>
-              </a:ext>
-            </a:extLst>
-          </p:cNvPr>
-          <p:cNvSpPr>
-            <a:spLocks noGrp="1"/>
-          </p:cNvSpPr>
-          <p:nvPr>
-            <p:ph idx="1"/>
-          </p:nvPr>
-        </p:nvSpPr>
-        <p:spPr/>
-        <p:txBody>
-          <a:bodyPr/>
-          <a:lstStyle/>
-          <a:p>
-            <a:endParaRPr lang="zh-CN" altLang="en-US" dirty="0"/>
-          </a:p>
-        </p:txBody>
-      </p:sp>
+      <mc:AlternateContent xmlns:mc="http://schemas.openxmlformats.org/markup-compatibility/2006">
+        <mc:Choice xmlns:a14="http://schemas.microsoft.com/office/drawing/2010/main" Requires="a14">
+          <p:sp>
+            <p:nvSpPr>
+              <p:cNvPr id="2" name="内容占位符 1">
+                <a:extLst>
+                  <a:ext uri="{FF2B5EF4-FFF2-40B4-BE49-F238E27FC236}">
+                    <a16:creationId xmlns:a16="http://schemas.microsoft.com/office/drawing/2014/main" id="{3976F79D-4458-40F9-8D24-FB221BC6561B}"/>
+                  </a:ext>
+                </a:extLst>
+              </p:cNvPr>
+              <p:cNvSpPr>
+                <a:spLocks noGrp="1"/>
+              </p:cNvSpPr>
+              <p:nvPr>
+                <p:ph idx="1"/>
+              </p:nvPr>
+            </p:nvSpPr>
+            <p:spPr>
+              <a:xfrm>
+                <a:off x="838200" y="1700462"/>
+                <a:ext cx="10515600" cy="4851261"/>
+              </a:xfrm>
+            </p:spPr>
+            <p:txBody>
+              <a:bodyPr>
+                <a:normAutofit/>
+              </a:bodyPr>
+              <a:lstStyle/>
+              <a:p>
+                <a:r>
+                  <a:rPr lang="en-US" altLang="zh-CN" sz="2400" dirty="0">
+                    <a:latin typeface="Times New Roman" panose="02020603050405020304" pitchFamily="18" charset="0"/>
+                    <a:cs typeface="Times New Roman" panose="02020603050405020304" pitchFamily="18" charset="0"/>
+                  </a:rPr>
+                  <a:t>N input to N output problem up into 2 x 2 mode transformers – Mach-Zehnder interferometers(</a:t>
+                </a:r>
+                <a:r>
+                  <a:rPr lang="en-US" altLang="zh-CN" sz="2400" dirty="0" err="1">
+                    <a:latin typeface="Times New Roman" panose="02020603050405020304" pitchFamily="18" charset="0"/>
+                    <a:cs typeface="Times New Roman" panose="02020603050405020304" pitchFamily="18" charset="0"/>
+                  </a:rPr>
+                  <a:t>MZI</a:t>
+                </a:r>
+                <a:r>
+                  <a:rPr lang="en-US" altLang="zh-CN" sz="2400" dirty="0">
+                    <a:latin typeface="Times New Roman" panose="02020603050405020304" pitchFamily="18" charset="0"/>
+                    <a:cs typeface="Times New Roman" panose="02020603050405020304" pitchFamily="18" charset="0"/>
+                  </a:rPr>
+                  <a:t>).</a:t>
+                </a:r>
+              </a:p>
+              <a:p>
+                <a14:m>
+                  <m:oMath xmlns:m="http://schemas.openxmlformats.org/officeDocument/2006/math">
+                    <m:sSub>
+                      <m:sSubPr>
+                        <m:ctrlPr>
+                          <a:rPr lang="en-US" altLang="zh-CN" sz="2400" i="1" smtClean="0">
+                            <a:latin typeface="Cambria Math" panose="02040503050406030204" pitchFamily="18" charset="0"/>
+                          </a:rPr>
+                        </m:ctrlPr>
+                      </m:sSubPr>
+                      <m:e>
+                        <m:r>
+                          <m:rPr>
+                            <m:sty m:val="p"/>
+                          </m:rPr>
+                          <a:rPr lang="el-GR" altLang="zh-CN" sz="2400" i="1" smtClean="0">
+                            <a:latin typeface="Cambria Math" panose="02040503050406030204" pitchFamily="18" charset="0"/>
+                            <a:ea typeface="Cambria Math" panose="02040503050406030204" pitchFamily="18" charset="0"/>
+                          </a:rPr>
+                          <m:t>Σ</m:t>
+                        </m:r>
+                      </m:e>
+                      <m:sub>
+                        <m:r>
+                          <a:rPr lang="en-US" altLang="zh-CN" sz="2400" b="0" i="1" smtClean="0">
+                            <a:latin typeface="Cambria Math" panose="02040503050406030204" pitchFamily="18" charset="0"/>
+                          </a:rPr>
+                          <m:t>𝑛</m:t>
+                        </m:r>
+                      </m:sub>
+                    </m:sSub>
+                    <m:r>
+                      <a:rPr lang="en-US" altLang="zh-CN" sz="2400" b="0" i="1" smtClean="0">
+                        <a:latin typeface="Cambria Math" panose="02040503050406030204" pitchFamily="18" charset="0"/>
+                      </a:rPr>
+                      <m:t>=</m:t>
+                    </m:r>
+                    <m:r>
+                      <a:rPr lang="en-US" altLang="zh-CN" sz="2400" b="0" i="1" smtClean="0">
+                        <a:latin typeface="Cambria Math" panose="02040503050406030204" pitchFamily="18" charset="0"/>
+                      </a:rPr>
+                      <m:t>𝑁</m:t>
+                    </m:r>
+                    <m:r>
+                      <a:rPr lang="en-US" altLang="zh-CN" sz="2400" b="0" i="1" smtClean="0">
+                        <a:latin typeface="Cambria Math" panose="02040503050406030204" pitchFamily="18" charset="0"/>
+                      </a:rPr>
+                      <m:t>(</m:t>
+                    </m:r>
+                    <m:r>
+                      <a:rPr lang="en-US" altLang="zh-CN" sz="2400" b="0" i="1" smtClean="0">
+                        <a:latin typeface="Cambria Math" panose="02040503050406030204" pitchFamily="18" charset="0"/>
+                      </a:rPr>
+                      <m:t>𝑁</m:t>
+                    </m:r>
+                    <m:r>
+                      <a:rPr lang="en-US" altLang="zh-CN" sz="2400" b="0" i="1" smtClean="0">
+                        <a:latin typeface="Cambria Math" panose="02040503050406030204" pitchFamily="18" charset="0"/>
+                      </a:rPr>
+                      <m:t>−1)/2</m:t>
+                    </m:r>
+                  </m:oMath>
+                </a14:m>
+                <a:r>
+                  <a:rPr lang="en-US" altLang="zh-CN" sz="2400" dirty="0">
+                    <a:latin typeface="Times New Roman" panose="02020603050405020304" pitchFamily="18" charset="0"/>
+                    <a:cs typeface="Times New Roman" panose="02020603050405020304" pitchFamily="18" charset="0"/>
+                  </a:rPr>
+                  <a:t> </a:t>
+                </a:r>
+                <a:r>
+                  <a:rPr lang="en-US" altLang="zh-CN" sz="2400" dirty="0" err="1">
+                    <a:latin typeface="Times New Roman" panose="02020603050405020304" pitchFamily="18" charset="0"/>
+                    <a:cs typeface="Times New Roman" panose="02020603050405020304" pitchFamily="18" charset="0"/>
+                  </a:rPr>
+                  <a:t>MZI</a:t>
+                </a:r>
+                <a:r>
+                  <a:rPr lang="en-US" altLang="zh-CN" sz="2400" dirty="0">
+                    <a:latin typeface="Times New Roman" panose="02020603050405020304" pitchFamily="18" charset="0"/>
+                    <a:cs typeface="Times New Roman" panose="02020603050405020304" pitchFamily="18" charset="0"/>
+                  </a:rPr>
+                  <a:t> needed. For instance, n=6, </a:t>
+                </a:r>
+                <a14:m>
+                  <m:oMath xmlns:m="http://schemas.openxmlformats.org/officeDocument/2006/math">
+                    <m:sSub>
+                      <m:sSubPr>
+                        <m:ctrlPr>
+                          <a:rPr lang="en-US" altLang="zh-CN" sz="2400" i="1">
+                            <a:latin typeface="Cambria Math" panose="02040503050406030204" pitchFamily="18" charset="0"/>
+                          </a:rPr>
+                        </m:ctrlPr>
+                      </m:sSubPr>
+                      <m:e>
+                        <m:r>
+                          <m:rPr>
+                            <m:sty m:val="p"/>
+                          </m:rPr>
+                          <a:rPr lang="el-GR" altLang="zh-CN" sz="2400" i="1">
+                            <a:latin typeface="Cambria Math" panose="02040503050406030204" pitchFamily="18" charset="0"/>
+                            <a:ea typeface="Cambria Math" panose="02040503050406030204" pitchFamily="18" charset="0"/>
+                          </a:rPr>
+                          <m:t>Σ</m:t>
+                        </m:r>
+                      </m:e>
+                      <m:sub>
+                        <m:r>
+                          <a:rPr lang="en-US" altLang="zh-CN" sz="2400" i="1">
+                            <a:latin typeface="Cambria Math" panose="02040503050406030204" pitchFamily="18" charset="0"/>
+                          </a:rPr>
+                          <m:t>𝑛</m:t>
+                        </m:r>
+                      </m:sub>
+                    </m:sSub>
+                    <m:r>
+                      <a:rPr lang="en-US" altLang="zh-CN" sz="2400" b="0" i="1" smtClean="0">
+                        <a:latin typeface="Cambria Math" panose="02040503050406030204" pitchFamily="18" charset="0"/>
+                      </a:rPr>
+                      <m:t>=15</m:t>
+                    </m:r>
+                  </m:oMath>
+                </a14:m>
+                <a:r>
+                  <a:rPr lang="en-US" altLang="zh-CN" sz="2400" dirty="0">
+                    <a:latin typeface="Times New Roman" panose="02020603050405020304" pitchFamily="18" charset="0"/>
+                    <a:cs typeface="Times New Roman" panose="02020603050405020304" pitchFamily="18" charset="0"/>
+                  </a:rPr>
+                  <a:t>.</a:t>
+                </a:r>
+              </a:p>
+              <a:p>
+                <a:endParaRPr lang="en-US" altLang="zh-CN" sz="2400" dirty="0">
+                  <a:latin typeface="Times New Roman" panose="02020603050405020304" pitchFamily="18" charset="0"/>
+                  <a:cs typeface="Times New Roman" panose="02020603050405020304" pitchFamily="18" charset="0"/>
+                </a:endParaRPr>
+              </a:p>
+              <a:p>
+                <a:endParaRPr lang="en-US" altLang="zh-CN" sz="2400" dirty="0">
+                  <a:latin typeface="Times New Roman" panose="02020603050405020304" pitchFamily="18" charset="0"/>
+                  <a:cs typeface="Times New Roman" panose="02020603050405020304" pitchFamily="18" charset="0"/>
+                </a:endParaRPr>
+              </a:p>
+              <a:p>
+                <a:endParaRPr lang="en-US" altLang="zh-CN" sz="2400" dirty="0">
+                  <a:latin typeface="Times New Roman" panose="02020603050405020304" pitchFamily="18" charset="0"/>
+                  <a:cs typeface="Times New Roman" panose="02020603050405020304" pitchFamily="18" charset="0"/>
+                </a:endParaRPr>
+              </a:p>
+              <a:p>
+                <a:endParaRPr lang="en-US" altLang="zh-CN" sz="2400" dirty="0">
+                  <a:latin typeface="Times New Roman" panose="02020603050405020304" pitchFamily="18" charset="0"/>
+                  <a:cs typeface="Times New Roman" panose="02020603050405020304" pitchFamily="18" charset="0"/>
+                </a:endParaRPr>
+              </a:p>
+              <a:p>
+                <a:endParaRPr lang="en-US" altLang="zh-CN" sz="2400" dirty="0">
+                  <a:latin typeface="Times New Roman" panose="02020603050405020304" pitchFamily="18" charset="0"/>
+                  <a:cs typeface="Times New Roman" panose="02020603050405020304" pitchFamily="18" charset="0"/>
+                </a:endParaRPr>
+              </a:p>
+              <a:p>
+                <a:r>
+                  <a:rPr lang="en-US" altLang="zh-CN" sz="2400" dirty="0">
+                    <a:latin typeface="Times New Roman" panose="02020603050405020304" pitchFamily="18" charset="0"/>
+                    <a:cs typeface="Times New Roman" panose="02020603050405020304" pitchFamily="18" charset="0"/>
+                  </a:rPr>
+                  <a:t>The </a:t>
+                </a:r>
+                <a:r>
+                  <a:rPr lang="en-US" altLang="zh-CN" sz="2400" dirty="0" err="1">
+                    <a:latin typeface="Times New Roman" panose="02020603050405020304" pitchFamily="18" charset="0"/>
+                    <a:cs typeface="Times New Roman" panose="02020603050405020304" pitchFamily="18" charset="0"/>
+                  </a:rPr>
+                  <a:t>SOI</a:t>
+                </a:r>
+                <a:r>
+                  <a:rPr lang="en-US" altLang="zh-CN" sz="2400" dirty="0">
+                    <a:latin typeface="Times New Roman" panose="02020603050405020304" pitchFamily="18" charset="0"/>
+                    <a:cs typeface="Times New Roman" panose="02020603050405020304" pitchFamily="18" charset="0"/>
+                  </a:rPr>
+                  <a:t> platform offers high index contrast of 3.4:1.5.</a:t>
+                </a:r>
+                <a:r>
+                  <a:rPr lang="zh-CN" altLang="en-US" sz="2400" dirty="0">
+                    <a:latin typeface="Times New Roman" panose="02020603050405020304" pitchFamily="18" charset="0"/>
+                    <a:cs typeface="Times New Roman" panose="02020603050405020304" pitchFamily="18" charset="0"/>
+                  </a:rPr>
+                  <a:t> </a:t>
+                </a:r>
+                <a:endParaRPr lang="en-US" altLang="zh-CN" sz="2400" dirty="0">
+                  <a:latin typeface="Times New Roman" panose="02020603050405020304" pitchFamily="18" charset="0"/>
+                  <a:cs typeface="Times New Roman" panose="02020603050405020304" pitchFamily="18" charset="0"/>
+                </a:endParaRPr>
+              </a:p>
+              <a:p>
+                <a:r>
+                  <a:rPr lang="en-US" altLang="zh-CN" sz="2400" dirty="0">
+                    <a:latin typeface="Times New Roman" panose="02020603050405020304" pitchFamily="18" charset="0"/>
+                    <a:cs typeface="Times New Roman" panose="02020603050405020304" pitchFamily="18" charset="0"/>
+                  </a:rPr>
+                  <a:t>Largest </a:t>
+                </a:r>
+                <a:r>
+                  <a:rPr lang="en-US" altLang="zh-CN" sz="2400" dirty="0" err="1">
+                    <a:latin typeface="Times New Roman" panose="02020603050405020304" pitchFamily="18" charset="0"/>
+                    <a:cs typeface="Times New Roman" panose="02020603050405020304" pitchFamily="18" charset="0"/>
+                  </a:rPr>
+                  <a:t>PNPs</a:t>
+                </a:r>
+                <a:r>
+                  <a:rPr lang="en-US" altLang="zh-CN" sz="2400" dirty="0">
+                    <a:latin typeface="Times New Roman" panose="02020603050405020304" pitchFamily="18" charset="0"/>
+                    <a:cs typeface="Times New Roman" panose="02020603050405020304" pitchFamily="18" charset="0"/>
+                  </a:rPr>
+                  <a:t> – 88 </a:t>
+                </a:r>
+                <a:r>
+                  <a:rPr lang="en-US" altLang="zh-CN" sz="2400" dirty="0" err="1">
+                    <a:latin typeface="Times New Roman" panose="02020603050405020304" pitchFamily="18" charset="0"/>
+                    <a:cs typeface="Times New Roman" panose="02020603050405020304" pitchFamily="18" charset="0"/>
+                  </a:rPr>
+                  <a:t>MZIs</a:t>
+                </a:r>
+                <a:r>
+                  <a:rPr lang="en-US" altLang="zh-CN" sz="2400" dirty="0">
+                    <a:latin typeface="Times New Roman" panose="02020603050405020304" pitchFamily="18" charset="0"/>
+                    <a:cs typeface="Times New Roman" panose="02020603050405020304" pitchFamily="18" charset="0"/>
+                  </a:rPr>
+                  <a:t> connecting 26 optical modes(4.9 mm x 2.4 mm)</a:t>
+                </a:r>
+              </a:p>
+            </p:txBody>
+          </p:sp>
+        </mc:Choice>
+        <mc:Fallback>
+          <p:sp>
+            <p:nvSpPr>
+              <p:cNvPr id="2" name="内容占位符 1">
+                <a:extLst>
+                  <a:ext uri="{FF2B5EF4-FFF2-40B4-BE49-F238E27FC236}">
+                    <a16:creationId xmlns:a16="http://schemas.microsoft.com/office/drawing/2014/main" id="{3976F79D-4458-40F9-8D24-FB221BC6561B}"/>
+                  </a:ext>
+                </a:extLst>
+              </p:cNvPr>
+              <p:cNvSpPr>
+                <a:spLocks noGrp="1" noRot="1" noChangeAspect="1" noMove="1" noResize="1" noEditPoints="1" noAdjustHandles="1" noChangeArrowheads="1" noChangeShapeType="1" noTextEdit="1"/>
+              </p:cNvSpPr>
+              <p:nvPr>
+                <p:ph idx="1"/>
+              </p:nvPr>
+            </p:nvSpPr>
+            <p:spPr>
+              <a:xfrm>
+                <a:off x="838200" y="1700462"/>
+                <a:ext cx="10515600" cy="4851261"/>
+              </a:xfrm>
+              <a:blipFill>
+                <a:blip r:embed="rId2"/>
+                <a:stretch>
+                  <a:fillRect l="-812" t="-1759"/>
+                </a:stretch>
+              </a:blipFill>
+            </p:spPr>
+            <p:txBody>
+              <a:bodyPr/>
+              <a:lstStyle/>
+              <a:p>
+                <a:r>
+                  <a:rPr lang="zh-CN" altLang="en-US">
+                    <a:noFill/>
+                  </a:rPr>
+                  <a:t> </a:t>
+                </a:r>
+              </a:p>
+            </p:txBody>
+          </p:sp>
+        </mc:Fallback>
+      </mc:AlternateContent>
       <p:sp>
         <p:nvSpPr>
           <p:cNvPr id="3" name="标题 2">
             <a:extLst>
               <a:ext uri="{FF2B5EF4-FFF2-40B4-BE49-F238E27FC236}">
-                <a16:creationId xmlns:a16="http://schemas.microsoft.com/office/drawing/2014/main" id="{39A2AFA2-FBD0-4182-99FE-0864CC4BA2FC}"/>
+                <a16:creationId xmlns:a16="http://schemas.microsoft.com/office/drawing/2014/main" id="{00C88E8E-FF2F-48E0-BA42-316F54C28F17}"/>
               </a:ext>
             </a:extLst>
           </p:cNvPr>
@@ -1607,14 +1975,58 @@
         </p:nvSpPr>
         <p:spPr/>
         <p:txBody>
-          <a:bodyPr/>
+          <a:bodyPr>
+            <a:noAutofit/>
+          </a:bodyPr>
           <a:lstStyle/>
           <a:p>
             <a:r>
-              <a:rPr lang="en-US" altLang="zh-CN" dirty="0"/>
-              <a:t>Results</a:t>
-            </a:r>
-            <a:endParaRPr lang="zh-CN" altLang="en-US" dirty="0"/>
+              <a:rPr lang="en-US" altLang="zh-CN" sz="3200" dirty="0"/>
+              <a:t>Linear programmable nanophotonic processors</a:t>
+            </a:r>
+            <a:endParaRPr lang="zh-CN" altLang="en-US" sz="3200" dirty="0"/>
+          </a:p>
+        </p:txBody>
+      </p:sp>
+      <p:sp>
+        <p:nvSpPr>
+          <p:cNvPr id="4" name="文本框 3">
+            <a:extLst>
+              <a:ext uri="{FF2B5EF4-FFF2-40B4-BE49-F238E27FC236}">
+                <a16:creationId xmlns:a16="http://schemas.microsoft.com/office/drawing/2014/main" id="{6CF26257-0D65-4BD0-841E-711DBD8360EC}"/>
+              </a:ext>
+            </a:extLst>
+          </p:cNvPr>
+          <p:cNvSpPr txBox="1"/>
+          <p:nvPr/>
+        </p:nvSpPr>
+        <p:spPr>
+          <a:xfrm>
+            <a:off x="5973792" y="1097988"/>
+            <a:ext cx="6218208" cy="261610"/>
+          </a:xfrm>
+          <a:prstGeom prst="rect">
+            <a:avLst/>
+          </a:prstGeom>
+          <a:noFill/>
+        </p:spPr>
+        <p:txBody>
+          <a:bodyPr wrap="square" rtlCol="0">
+            <a:spAutoFit/>
+          </a:bodyPr>
+          <a:lstStyle/>
+          <a:p>
+            <a:r>
+              <a:rPr lang="en-US" altLang="zh-CN" sz="1100" dirty="0">
+                <a:latin typeface="微软雅黑" panose="020B0503020204020204" pitchFamily="34" charset="-122"/>
+                <a:ea typeface="微软雅黑" panose="020B0503020204020204" pitchFamily="34" charset="-122"/>
+              </a:rPr>
+              <a:t>(Nicholas C. let al., “Linear programmable nanophotonic processors”, Optica, 2018.)</a:t>
+            </a:r>
+            <a:endParaRPr lang="zh-CN" altLang="en-US" sz="1100" dirty="0">
+              <a:latin typeface="微软雅黑" panose="020B0503020204020204" pitchFamily="34" charset="-122"/>
+              <a:ea typeface="微软雅黑" panose="020B0503020204020204" pitchFamily="34" charset="-122"/>
+            </a:endParaRPr>
           </a:p>
         </p:txBody>
       </p:sp>
@@ -1623,7 +2035,7 @@
           <p:cNvPr id="5" name="图片 4">
             <a:extLst>
               <a:ext uri="{FF2B5EF4-FFF2-40B4-BE49-F238E27FC236}">
-                <a16:creationId xmlns:a16="http://schemas.microsoft.com/office/drawing/2014/main" id="{582F743E-CCA2-486A-9B01-0D237583C815}"/>
+                <a16:creationId xmlns:a16="http://schemas.microsoft.com/office/drawing/2014/main" id="{90C1E923-FD05-4174-AE83-69506A58A3E8}"/>
               </a:ext>
             </a:extLst>
           </p:cNvPr>
@@ -1633,15 +2045,15 @@
           <p:nvPr/>
         </p:nvPicPr>
         <p:blipFill>
-          <a:blip r:embed="rId2"/>
+          <a:blip r:embed="rId3"/>
           <a:stretch>
             <a:fillRect/>
           </a:stretch>
         </p:blipFill>
         <p:spPr>
           <a:xfrm>
-            <a:off x="838200" y="1510748"/>
-            <a:ext cx="8248650" cy="3810000"/>
+            <a:off x="1445299" y="3058898"/>
+            <a:ext cx="5060380" cy="1888922"/>
           </a:xfrm>
           <a:prstGeom prst="rect">
             <a:avLst/>
@@ -1653,7 +2065,7 @@
           <p:cNvPr id="6" name="文本框 5">
             <a:extLst>
               <a:ext uri="{FF2B5EF4-FFF2-40B4-BE49-F238E27FC236}">
-                <a16:creationId xmlns:a16="http://schemas.microsoft.com/office/drawing/2014/main" id="{9D98CEB8-4011-4103-BE04-D2C10A5365C5}"/>
+                <a16:creationId xmlns:a16="http://schemas.microsoft.com/office/drawing/2014/main" id="{9952C311-1CB3-4024-B1C0-C2D54AE3A1A3}"/>
               </a:ext>
             </a:extLst>
           </p:cNvPr>
@@ -1662,8 +2074,8 @@
         </p:nvSpPr>
         <p:spPr>
           <a:xfrm>
-            <a:off x="9454369" y="3581400"/>
-            <a:ext cx="1899431" cy="369332"/>
+            <a:off x="6909210" y="4452537"/>
+            <a:ext cx="3510898" cy="369332"/>
           </a:xfrm>
           <a:prstGeom prst="rect">
             <a:avLst/>
@@ -1686,63 +2098,32 @@
             </a:pPr>
             <a:r>
               <a:rPr lang="en-US" altLang="zh-CN" sz="2000" dirty="0">
-                <a:latin typeface="微软雅黑" panose="020B0503020204020204" pitchFamily="34" charset="-122"/>
-                <a:ea typeface="微软雅黑" panose="020B0503020204020204" pitchFamily="34" charset="-122"/>
-              </a:rPr>
-              <a:t>91% precision</a:t>
+                <a:latin typeface="Times New Roman" panose="02020603050405020304" pitchFamily="18" charset="0"/>
+                <a:ea typeface="微软雅黑" panose="020B0503020204020204" pitchFamily="34" charset="-122"/>
+                <a:cs typeface="Times New Roman" panose="02020603050405020304" pitchFamily="18" charset="0"/>
+              </a:rPr>
+              <a:t>(a) </a:t>
+            </a:r>
+            <a:r>
+              <a:rPr lang="en-US" altLang="zh-CN" sz="2000" dirty="0" err="1">
+                <a:latin typeface="Times New Roman" panose="02020603050405020304" pitchFamily="18" charset="0"/>
+                <a:ea typeface="微软雅黑" panose="020B0503020204020204" pitchFamily="34" charset="-122"/>
+                <a:cs typeface="Times New Roman" panose="02020603050405020304" pitchFamily="18" charset="0"/>
+              </a:rPr>
+              <a:t>reck</a:t>
+            </a:r>
+            <a:r>
+              <a:rPr lang="en-US" altLang="zh-CN" sz="2000" dirty="0">
+                <a:latin typeface="Times New Roman" panose="02020603050405020304" pitchFamily="18" charset="0"/>
+                <a:ea typeface="微软雅黑" panose="020B0503020204020204" pitchFamily="34" charset="-122"/>
+                <a:cs typeface="Times New Roman" panose="02020603050405020304" pitchFamily="18" charset="0"/>
+              </a:rPr>
+              <a:t>(1994) (b)clement(2016)</a:t>
             </a:r>
             <a:endParaRPr lang="zh-CN" altLang="en-US" sz="2000" dirty="0">
-              <a:latin typeface="微软雅黑" panose="020B0503020204020204" pitchFamily="34" charset="-122"/>
+              <a:latin typeface="Times New Roman" panose="02020603050405020304" pitchFamily="18" charset="0"/>
               <a:ea typeface="微软雅黑" panose="020B0503020204020204" pitchFamily="34" charset="-122"/>
-            </a:endParaRPr>
-          </a:p>
-        </p:txBody>
-      </p:sp>
-      <p:sp>
-        <p:nvSpPr>
-          <p:cNvPr id="8" name="文本框 7">
-            <a:extLst>
-              <a:ext uri="{FF2B5EF4-FFF2-40B4-BE49-F238E27FC236}">
-                <a16:creationId xmlns:a16="http://schemas.microsoft.com/office/drawing/2014/main" id="{BA0FEC60-91DD-4EF3-AC1F-4F13FB9FCFC5}"/>
-              </a:ext>
-            </a:extLst>
-          </p:cNvPr>
-          <p:cNvSpPr txBox="1"/>
-          <p:nvPr/>
-        </p:nvSpPr>
-        <p:spPr>
-          <a:xfrm>
-            <a:off x="3268133" y="5519530"/>
-            <a:ext cx="4416425" cy="400110"/>
-          </a:xfrm>
-          <a:prstGeom prst="rect">
-            <a:avLst/>
-          </a:prstGeom>
-          <a:noFill/>
-        </p:spPr>
-        <p:txBody>
-          <a:bodyPr wrap="square" rtlCol="0">
-            <a:spAutoFit/>
-          </a:bodyPr>
-          <a:lstStyle/>
-          <a:p>
-            <a:r>
-              <a:rPr lang="en-US" altLang="zh-CN" sz="1000" dirty="0" err="1">
-                <a:latin typeface="微软雅黑" panose="020B0503020204020204" pitchFamily="34" charset="-122"/>
-                <a:ea typeface="微软雅黑" panose="020B0503020204020204" pitchFamily="34" charset="-122"/>
-              </a:rPr>
-              <a:t>Shanhui</a:t>
-            </a:r>
-            <a:r>
-              <a:rPr lang="en-US" altLang="zh-CN" sz="1000" dirty="0">
-                <a:latin typeface="微软雅黑" panose="020B0503020204020204" pitchFamily="34" charset="-122"/>
-                <a:ea typeface="微软雅黑" panose="020B0503020204020204" pitchFamily="34" charset="-122"/>
-              </a:rPr>
-              <a:t> Fan et al., “In-situ Backpropagation in Photonic Neural Networks”, Frontiers in Optics/ Laser Science, 2018.</a:t>
-            </a:r>
-            <a:endParaRPr lang="zh-CN" altLang="en-US" sz="1000" dirty="0">
-              <a:latin typeface="微软雅黑" panose="020B0503020204020204" pitchFamily="34" charset="-122"/>
-              <a:ea typeface="微软雅黑" panose="020B0503020204020204" pitchFamily="34" charset="-122"/>
+              <a:cs typeface="Times New Roman" panose="02020603050405020304" pitchFamily="18" charset="0"/>
             </a:endParaRPr>
           </a:p>
         </p:txBody>
@@ -1750,7 +2131,7 @@
     </p:spTree>
     <p:extLst>
       <p:ext uri="{BB962C8B-B14F-4D97-AF65-F5344CB8AC3E}">
-        <p14:creationId xmlns:p14="http://schemas.microsoft.com/office/powerpoint/2010/main" val="3607707527"/>
+        <p14:creationId xmlns:p14="http://schemas.microsoft.com/office/powerpoint/2010/main" val="419058758"/>
       </p:ext>
     </p:extLst>
   </p:cSld>
@@ -1777,409 +2158,42 @@
           <a:chExt cx="0" cy="0"/>
         </a:xfrm>
       </p:grpSpPr>
-      <mc:AlternateContent xmlns:mc="http://schemas.openxmlformats.org/markup-compatibility/2006" xmlns:a14="http://schemas.microsoft.com/office/drawing/2010/main">
-        <mc:Choice Requires="a14">
-          <p:sp>
-            <p:nvSpPr>
-              <p:cNvPr id="2" name="内容占位符 1">
-                <a:extLst>
-                  <a:ext uri="{FF2B5EF4-FFF2-40B4-BE49-F238E27FC236}">
-                    <a16:creationId xmlns:a16="http://schemas.microsoft.com/office/drawing/2014/main" id="{3976F79D-4458-40F9-8D24-FB221BC6561B}"/>
-                  </a:ext>
-                </a:extLst>
-              </p:cNvPr>
-              <p:cNvSpPr>
-                <a:spLocks noGrp="1"/>
-              </p:cNvSpPr>
-              <p:nvPr>
-                <p:ph idx="1"/>
-              </p:nvPr>
-            </p:nvSpPr>
-            <p:spPr>
-              <a:xfrm>
-                <a:off x="838200" y="1407230"/>
-                <a:ext cx="10515600" cy="5144494"/>
-              </a:xfrm>
-            </p:spPr>
-            <p:txBody>
-              <a:bodyPr/>
-              <a:lstStyle/>
-              <a:p>
-                <a:r>
-                  <a:rPr lang="en-US" altLang="zh-CN" dirty="0">
-                    <a:latin typeface="Times New Roman" panose="02020603050405020304" pitchFamily="18" charset="0"/>
-                    <a:cs typeface="Times New Roman" panose="02020603050405020304" pitchFamily="18" charset="0"/>
-                  </a:rPr>
-                  <a:t>N input to N output problem up into 2 x 2 mode transformers – Mach-Zehnder interferometers(</a:t>
-                </a:r>
-                <a:r>
-                  <a:rPr lang="en-US" altLang="zh-CN" dirty="0" err="1">
-                    <a:latin typeface="Times New Roman" panose="02020603050405020304" pitchFamily="18" charset="0"/>
-                    <a:cs typeface="Times New Roman" panose="02020603050405020304" pitchFamily="18" charset="0"/>
-                  </a:rPr>
-                  <a:t>MZI</a:t>
-                </a:r>
-                <a:r>
-                  <a:rPr lang="en-US" altLang="zh-CN" dirty="0">
-                    <a:latin typeface="Times New Roman" panose="02020603050405020304" pitchFamily="18" charset="0"/>
-                    <a:cs typeface="Times New Roman" panose="02020603050405020304" pitchFamily="18" charset="0"/>
-                  </a:rPr>
-                  <a:t>).</a:t>
-                </a:r>
-              </a:p>
-              <a:p>
-                <a14:m>
-                  <m:oMath xmlns:m="http://schemas.openxmlformats.org/officeDocument/2006/math">
-                    <m:sSub>
-                      <m:sSubPr>
-                        <m:ctrlPr>
-                          <a:rPr lang="en-US" altLang="zh-CN" i="1" smtClean="0">
-                            <a:latin typeface="Cambria Math" panose="02040503050406030204" pitchFamily="18" charset="0"/>
-                          </a:rPr>
-                        </m:ctrlPr>
-                      </m:sSubPr>
-                      <m:e>
-                        <m:r>
-                          <m:rPr>
-                            <m:sty m:val="p"/>
-                          </m:rPr>
-                          <a:rPr lang="el-GR" altLang="zh-CN" i="1" smtClean="0">
-                            <a:latin typeface="Cambria Math" panose="02040503050406030204" pitchFamily="18" charset="0"/>
-                            <a:ea typeface="Cambria Math" panose="02040503050406030204" pitchFamily="18" charset="0"/>
-                          </a:rPr>
-                          <m:t>Σ</m:t>
-                        </m:r>
-                      </m:e>
-                      <m:sub>
-                        <m:r>
-                          <a:rPr lang="en-US" altLang="zh-CN" b="0" i="1" smtClean="0">
-                            <a:latin typeface="Cambria Math" panose="02040503050406030204" pitchFamily="18" charset="0"/>
-                          </a:rPr>
-                          <m:t>𝑛</m:t>
-                        </m:r>
-                      </m:sub>
-                    </m:sSub>
-                    <m:r>
-                      <a:rPr lang="en-US" altLang="zh-CN" b="0" i="1" smtClean="0">
-                        <a:latin typeface="Cambria Math" panose="02040503050406030204" pitchFamily="18" charset="0"/>
-                      </a:rPr>
-                      <m:t>=</m:t>
-                    </m:r>
-                    <m:r>
-                      <a:rPr lang="en-US" altLang="zh-CN" b="0" i="1" smtClean="0">
-                        <a:latin typeface="Cambria Math" panose="02040503050406030204" pitchFamily="18" charset="0"/>
-                      </a:rPr>
-                      <m:t>𝑁</m:t>
-                    </m:r>
-                    <m:r>
-                      <a:rPr lang="en-US" altLang="zh-CN" b="0" i="1" smtClean="0">
-                        <a:latin typeface="Cambria Math" panose="02040503050406030204" pitchFamily="18" charset="0"/>
-                      </a:rPr>
-                      <m:t>(</m:t>
-                    </m:r>
-                    <m:r>
-                      <a:rPr lang="en-US" altLang="zh-CN" b="0" i="1" smtClean="0">
-                        <a:latin typeface="Cambria Math" panose="02040503050406030204" pitchFamily="18" charset="0"/>
-                      </a:rPr>
-                      <m:t>𝑁</m:t>
-                    </m:r>
-                    <m:r>
-                      <a:rPr lang="en-US" altLang="zh-CN" b="0" i="1" smtClean="0">
-                        <a:latin typeface="Cambria Math" panose="02040503050406030204" pitchFamily="18" charset="0"/>
-                      </a:rPr>
-                      <m:t>−1)/2</m:t>
-                    </m:r>
-                  </m:oMath>
-                </a14:m>
-                <a:r>
-                  <a:rPr lang="en-US" altLang="zh-CN" dirty="0">
-                    <a:latin typeface="Times New Roman" panose="02020603050405020304" pitchFamily="18" charset="0"/>
-                    <a:cs typeface="Times New Roman" panose="02020603050405020304" pitchFamily="18" charset="0"/>
-                  </a:rPr>
-                  <a:t> </a:t>
-                </a:r>
-                <a:r>
-                  <a:rPr lang="en-US" altLang="zh-CN" dirty="0" err="1">
-                    <a:latin typeface="Times New Roman" panose="02020603050405020304" pitchFamily="18" charset="0"/>
-                    <a:cs typeface="Times New Roman" panose="02020603050405020304" pitchFamily="18" charset="0"/>
-                  </a:rPr>
-                  <a:t>MZI</a:t>
-                </a:r>
-                <a:r>
-                  <a:rPr lang="en-US" altLang="zh-CN" dirty="0">
-                    <a:latin typeface="Times New Roman" panose="02020603050405020304" pitchFamily="18" charset="0"/>
-                    <a:cs typeface="Times New Roman" panose="02020603050405020304" pitchFamily="18" charset="0"/>
-                  </a:rPr>
-                  <a:t> needed. For instance, n=6, </a:t>
-                </a:r>
-                <a14:m>
-                  <m:oMath xmlns:m="http://schemas.openxmlformats.org/officeDocument/2006/math">
-                    <m:sSub>
-                      <m:sSubPr>
-                        <m:ctrlPr>
-                          <a:rPr lang="en-US" altLang="zh-CN" i="1">
-                            <a:latin typeface="Cambria Math" panose="02040503050406030204" pitchFamily="18" charset="0"/>
-                          </a:rPr>
-                        </m:ctrlPr>
-                      </m:sSubPr>
-                      <m:e>
-                        <m:r>
-                          <m:rPr>
-                            <m:sty m:val="p"/>
-                          </m:rPr>
-                          <a:rPr lang="el-GR" altLang="zh-CN" i="1">
-                            <a:latin typeface="Cambria Math" panose="02040503050406030204" pitchFamily="18" charset="0"/>
-                            <a:ea typeface="Cambria Math" panose="02040503050406030204" pitchFamily="18" charset="0"/>
-                          </a:rPr>
-                          <m:t>Σ</m:t>
-                        </m:r>
-                      </m:e>
-                      <m:sub>
-                        <m:r>
-                          <a:rPr lang="en-US" altLang="zh-CN" i="1">
-                            <a:latin typeface="Cambria Math" panose="02040503050406030204" pitchFamily="18" charset="0"/>
-                          </a:rPr>
-                          <m:t>𝑛</m:t>
-                        </m:r>
-                      </m:sub>
-                    </m:sSub>
-                    <m:r>
-                      <a:rPr lang="en-US" altLang="zh-CN" b="0" i="1" smtClean="0">
-                        <a:latin typeface="Cambria Math" panose="02040503050406030204" pitchFamily="18" charset="0"/>
-                      </a:rPr>
-                      <m:t>=15</m:t>
-                    </m:r>
-                  </m:oMath>
-                </a14:m>
-                <a:r>
-                  <a:rPr lang="en-US" altLang="zh-CN" dirty="0">
-                    <a:latin typeface="Times New Roman" panose="02020603050405020304" pitchFamily="18" charset="0"/>
-                    <a:cs typeface="Times New Roman" panose="02020603050405020304" pitchFamily="18" charset="0"/>
-                  </a:rPr>
-                  <a:t>.</a:t>
-                </a:r>
-              </a:p>
-              <a:p>
-                <a:endParaRPr lang="en-US" altLang="zh-CN" dirty="0">
-                  <a:latin typeface="Times New Roman" panose="02020603050405020304" pitchFamily="18" charset="0"/>
-                  <a:cs typeface="Times New Roman" panose="02020603050405020304" pitchFamily="18" charset="0"/>
-                </a:endParaRPr>
-              </a:p>
-              <a:p>
-                <a:endParaRPr lang="en-US" altLang="zh-CN" dirty="0">
-                  <a:latin typeface="Times New Roman" panose="02020603050405020304" pitchFamily="18" charset="0"/>
-                  <a:cs typeface="Times New Roman" panose="02020603050405020304" pitchFamily="18" charset="0"/>
-                </a:endParaRPr>
-              </a:p>
-              <a:p>
-                <a:endParaRPr lang="en-US" altLang="zh-CN" dirty="0">
-                  <a:latin typeface="Times New Roman" panose="02020603050405020304" pitchFamily="18" charset="0"/>
-                  <a:cs typeface="Times New Roman" panose="02020603050405020304" pitchFamily="18" charset="0"/>
-                </a:endParaRPr>
-              </a:p>
-              <a:p>
-                <a:endParaRPr lang="en-US" altLang="zh-CN" dirty="0">
-                  <a:latin typeface="Times New Roman" panose="02020603050405020304" pitchFamily="18" charset="0"/>
-                  <a:cs typeface="Times New Roman" panose="02020603050405020304" pitchFamily="18" charset="0"/>
-                </a:endParaRPr>
-              </a:p>
-              <a:p>
-                <a:r>
-                  <a:rPr lang="en-US" altLang="zh-CN" dirty="0">
-                    <a:latin typeface="Times New Roman" panose="02020603050405020304" pitchFamily="18" charset="0"/>
-                    <a:cs typeface="Times New Roman" panose="02020603050405020304" pitchFamily="18" charset="0"/>
-                  </a:rPr>
-                  <a:t>The </a:t>
-                </a:r>
-                <a:r>
-                  <a:rPr lang="en-US" altLang="zh-CN" dirty="0" err="1">
-                    <a:latin typeface="Times New Roman" panose="02020603050405020304" pitchFamily="18" charset="0"/>
-                    <a:cs typeface="Times New Roman" panose="02020603050405020304" pitchFamily="18" charset="0"/>
-                  </a:rPr>
-                  <a:t>SOI</a:t>
-                </a:r>
-                <a:r>
-                  <a:rPr lang="en-US" altLang="zh-CN" dirty="0">
-                    <a:latin typeface="Times New Roman" panose="02020603050405020304" pitchFamily="18" charset="0"/>
-                    <a:cs typeface="Times New Roman" panose="02020603050405020304" pitchFamily="18" charset="0"/>
-                  </a:rPr>
-                  <a:t> platform offers high index contrast of 3.4:1.5.</a:t>
-                </a:r>
-                <a:r>
-                  <a:rPr lang="zh-CN" altLang="en-US" dirty="0">
-                    <a:latin typeface="Times New Roman" panose="02020603050405020304" pitchFamily="18" charset="0"/>
-                    <a:cs typeface="Times New Roman" panose="02020603050405020304" pitchFamily="18" charset="0"/>
-                  </a:rPr>
-                  <a:t> </a:t>
-                </a:r>
-                <a:endParaRPr lang="en-US" altLang="zh-CN" dirty="0">
-                  <a:latin typeface="Times New Roman" panose="02020603050405020304" pitchFamily="18" charset="0"/>
-                  <a:cs typeface="Times New Roman" panose="02020603050405020304" pitchFamily="18" charset="0"/>
-                </a:endParaRPr>
-              </a:p>
-              <a:p>
-                <a:r>
-                  <a:rPr lang="en-US" altLang="zh-CN" dirty="0">
-                    <a:latin typeface="Times New Roman" panose="02020603050405020304" pitchFamily="18" charset="0"/>
-                    <a:cs typeface="Times New Roman" panose="02020603050405020304" pitchFamily="18" charset="0"/>
-                  </a:rPr>
-                  <a:t>Largest </a:t>
-                </a:r>
-                <a:r>
-                  <a:rPr lang="en-US" altLang="zh-CN" dirty="0" err="1">
-                    <a:latin typeface="Times New Roman" panose="02020603050405020304" pitchFamily="18" charset="0"/>
-                    <a:cs typeface="Times New Roman" panose="02020603050405020304" pitchFamily="18" charset="0"/>
-                  </a:rPr>
-                  <a:t>PNPs</a:t>
-                </a:r>
-                <a:r>
-                  <a:rPr lang="en-US" altLang="zh-CN" dirty="0">
-                    <a:latin typeface="Times New Roman" panose="02020603050405020304" pitchFamily="18" charset="0"/>
-                    <a:cs typeface="Times New Roman" panose="02020603050405020304" pitchFamily="18" charset="0"/>
-                  </a:rPr>
-                  <a:t> – 88 </a:t>
-                </a:r>
-                <a:r>
-                  <a:rPr lang="en-US" altLang="zh-CN" dirty="0" err="1">
-                    <a:latin typeface="Times New Roman" panose="02020603050405020304" pitchFamily="18" charset="0"/>
-                    <a:cs typeface="Times New Roman" panose="02020603050405020304" pitchFamily="18" charset="0"/>
-                  </a:rPr>
-                  <a:t>MZIs</a:t>
-                </a:r>
-                <a:r>
-                  <a:rPr lang="en-US" altLang="zh-CN" dirty="0">
-                    <a:latin typeface="Times New Roman" panose="02020603050405020304" pitchFamily="18" charset="0"/>
-                    <a:cs typeface="Times New Roman" panose="02020603050405020304" pitchFamily="18" charset="0"/>
-                  </a:rPr>
-                  <a:t> connecting 26 optical modes(4.9 mm x 2.4 mm)</a:t>
-                </a:r>
-              </a:p>
-            </p:txBody>
-          </p:sp>
-        </mc:Choice>
-        <mc:Fallback xmlns="">
-          <p:sp>
-            <p:nvSpPr>
-              <p:cNvPr id="2" name="内容占位符 1">
-                <a:extLst>
-                  <a:ext uri="{FF2B5EF4-FFF2-40B4-BE49-F238E27FC236}">
-                    <a16:creationId xmlns:a16="http://schemas.microsoft.com/office/drawing/2014/main" id="{3976F79D-4458-40F9-8D24-FB221BC6561B}"/>
-                  </a:ext>
-                </a:extLst>
-              </p:cNvPr>
-              <p:cNvSpPr>
-                <a:spLocks noGrp="1" noRot="1" noChangeAspect="1" noMove="1" noResize="1" noEditPoints="1" noAdjustHandles="1" noChangeArrowheads="1" noChangeShapeType="1" noTextEdit="1"/>
-              </p:cNvSpPr>
-              <p:nvPr>
-                <p:ph idx="1"/>
-              </p:nvPr>
-            </p:nvSpPr>
-            <p:spPr>
-              <a:xfrm>
-                <a:off x="838200" y="1407230"/>
-                <a:ext cx="10515600" cy="5144494"/>
-              </a:xfrm>
-              <a:blipFill>
-                <a:blip r:embed="rId2"/>
-                <a:stretch>
-                  <a:fillRect l="-1043" t="-2133" r="-58"/>
-                </a:stretch>
-              </a:blipFill>
-            </p:spPr>
-            <p:txBody>
-              <a:bodyPr/>
-              <a:lstStyle/>
-              <a:p>
-                <a:r>
-                  <a:rPr lang="zh-CN" altLang="en-US">
-                    <a:noFill/>
-                  </a:rPr>
-                  <a:t> </a:t>
-                </a:r>
-              </a:p>
-            </p:txBody>
-          </p:sp>
-        </mc:Fallback>
-      </mc:AlternateContent>
-      <p:sp>
-        <p:nvSpPr>
-          <p:cNvPr id="3" name="标题 2">
-            <a:extLst>
-              <a:ext uri="{FF2B5EF4-FFF2-40B4-BE49-F238E27FC236}">
-                <a16:creationId xmlns:a16="http://schemas.microsoft.com/office/drawing/2014/main" id="{00C88E8E-FF2F-48E0-BA42-316F54C28F17}"/>
-              </a:ext>
-            </a:extLst>
-          </p:cNvPr>
-          <p:cNvSpPr>
-            <a:spLocks noGrp="1"/>
-          </p:cNvSpPr>
-          <p:nvPr>
-            <p:ph type="title"/>
-          </p:nvPr>
-        </p:nvSpPr>
-        <p:spPr/>
-        <p:txBody>
-          <a:bodyPr>
-            <a:noAutofit/>
-          </a:bodyPr>
-          <a:lstStyle/>
-          <a:p>
-            <a:r>
-              <a:rPr lang="en-US" altLang="zh-CN" sz="3200" dirty="0"/>
-              <a:t>Linear programmable nanophotonic processors</a:t>
-            </a:r>
-            <a:endParaRPr lang="zh-CN" altLang="en-US" sz="3200" dirty="0"/>
-          </a:p>
-        </p:txBody>
-      </p:sp>
-      <p:sp>
-        <p:nvSpPr>
-          <p:cNvPr id="4" name="文本框 3">
-            <a:extLst>
-              <a:ext uri="{FF2B5EF4-FFF2-40B4-BE49-F238E27FC236}">
-                <a16:creationId xmlns:a16="http://schemas.microsoft.com/office/drawing/2014/main" id="{6CF26257-0D65-4BD0-841E-711DBD8360EC}"/>
-              </a:ext>
-            </a:extLst>
-          </p:cNvPr>
-          <p:cNvSpPr txBox="1"/>
+      <p:pic>
+        <p:nvPicPr>
+          <p:cNvPr id="4" name="图片 3">
+            <a:extLst>
+              <a:ext uri="{FF2B5EF4-FFF2-40B4-BE49-F238E27FC236}">
+                <a16:creationId xmlns:a16="http://schemas.microsoft.com/office/drawing/2014/main" id="{47DDB2CE-2D5D-4E26-BF19-04FAA9798200}"/>
+              </a:ext>
+            </a:extLst>
+          </p:cNvPr>
+          <p:cNvPicPr>
+            <a:picLocks noChangeAspect="1"/>
+          </p:cNvPicPr>
           <p:nvPr/>
-        </p:nvSpPr>
+        </p:nvPicPr>
+        <p:blipFill>
+          <a:blip r:embed="rId2"/>
+          <a:stretch>
+            <a:fillRect/>
+          </a:stretch>
+        </p:blipFill>
         <p:spPr>
           <a:xfrm>
-            <a:off x="5973792" y="1097988"/>
-            <a:ext cx="6218208" cy="261610"/>
+            <a:off x="203887" y="364310"/>
+            <a:ext cx="6553200" cy="3067050"/>
           </a:xfrm>
           <a:prstGeom prst="rect">
             <a:avLst/>
           </a:prstGeom>
-          <a:noFill/>
         </p:spPr>
-        <p:txBody>
-          <a:bodyPr wrap="square" rtlCol="0">
-            <a:spAutoFit/>
-          </a:bodyPr>
-          <a:lstStyle/>
-          <a:p>
-            <a:r>
-              <a:rPr lang="en-US" altLang="zh-CN" sz="1100" dirty="0">
-                <a:latin typeface="微软雅黑" panose="020B0503020204020204" pitchFamily="34" charset="-122"/>
-                <a:ea typeface="微软雅黑" panose="020B0503020204020204" pitchFamily="34" charset="-122"/>
-              </a:rPr>
-              <a:t>(Nicholas C. let al., “Linear programmable nanophotonic processors”, Optica, 2018.)</a:t>
-            </a:r>
-            <a:endParaRPr lang="zh-CN" altLang="en-US" sz="1100" dirty="0">
-              <a:latin typeface="微软雅黑" panose="020B0503020204020204" pitchFamily="34" charset="-122"/>
-              <a:ea typeface="微软雅黑" panose="020B0503020204020204" pitchFamily="34" charset="-122"/>
-            </a:endParaRPr>
-          </a:p>
-        </p:txBody>
-      </p:sp>
+      </p:pic>
       <p:pic>
         <p:nvPicPr>
           <p:cNvPr id="5" name="图片 4">
             <a:extLst>
               <a:ext uri="{FF2B5EF4-FFF2-40B4-BE49-F238E27FC236}">
-                <a16:creationId xmlns:a16="http://schemas.microsoft.com/office/drawing/2014/main" id="{90C1E923-FD05-4174-AE83-69506A58A3E8}"/>
+                <a16:creationId xmlns:a16="http://schemas.microsoft.com/office/drawing/2014/main" id="{8CBB4577-98F8-4BC9-83F0-B057A1A2E779}"/>
               </a:ext>
             </a:extLst>
           </p:cNvPr>
@@ -2196,8 +2210,8 @@
         </p:blipFill>
         <p:spPr>
           <a:xfrm>
-            <a:off x="1501447" y="2850350"/>
-            <a:ext cx="5060380" cy="1888922"/>
+            <a:off x="838200" y="3429000"/>
+            <a:ext cx="10035644" cy="2298017"/>
           </a:xfrm>
           <a:prstGeom prst="rect">
             <a:avLst/>
@@ -2206,10 +2220,61 @@
       </p:pic>
       <p:sp>
         <p:nvSpPr>
-          <p:cNvPr id="6" name="文本框 5">
-            <a:extLst>
-              <a:ext uri="{FF2B5EF4-FFF2-40B4-BE49-F238E27FC236}">
-                <a16:creationId xmlns:a16="http://schemas.microsoft.com/office/drawing/2014/main" id="{9952C311-1CB3-4024-B1C0-C2D54AE3A1A3}"/>
+          <p:cNvPr id="6" name="矩形 5">
+            <a:extLst>
+              <a:ext uri="{FF2B5EF4-FFF2-40B4-BE49-F238E27FC236}">
+                <a16:creationId xmlns:a16="http://schemas.microsoft.com/office/drawing/2014/main" id="{0F357500-A33E-45F0-ACDB-3C5B18974BE9}"/>
+              </a:ext>
+            </a:extLst>
+          </p:cNvPr>
+          <p:cNvSpPr/>
+          <p:nvPr/>
+        </p:nvSpPr>
+        <p:spPr>
+          <a:xfrm>
+            <a:off x="1763876" y="5727017"/>
+            <a:ext cx="8184292" cy="307777"/>
+          </a:xfrm>
+          <a:prstGeom prst="rect">
+            <a:avLst/>
+          </a:prstGeom>
+        </p:spPr>
+        <p:txBody>
+          <a:bodyPr wrap="square">
+            <a:spAutoFit/>
+          </a:bodyPr>
+          <a:lstStyle/>
+          <a:p>
+            <a:r>
+              <a:rPr lang="en-US" altLang="zh-CN" sz="1400" dirty="0">
+                <a:latin typeface="Microsoft YaHei UI" panose="020B0503020204020204" pitchFamily="34" charset="-122"/>
+                <a:ea typeface="Microsoft YaHei UI" panose="020B0503020204020204" pitchFamily="34" charset="-122"/>
+              </a:rPr>
+              <a:t>Processor composed of 88 </a:t>
+            </a:r>
+            <a:r>
+              <a:rPr lang="en-US" altLang="zh-CN" sz="1400" dirty="0" err="1">
+                <a:latin typeface="Microsoft YaHei UI" panose="020B0503020204020204" pitchFamily="34" charset="-122"/>
+                <a:ea typeface="Microsoft YaHei UI" panose="020B0503020204020204" pitchFamily="34" charset="-122"/>
+              </a:rPr>
+              <a:t>MZIs</a:t>
+            </a:r>
+            <a:r>
+              <a:rPr lang="en-US" altLang="zh-CN" sz="1400" dirty="0">
+                <a:latin typeface="Microsoft YaHei UI" panose="020B0503020204020204" pitchFamily="34" charset="-122"/>
+                <a:ea typeface="Microsoft YaHei UI" panose="020B0503020204020204" pitchFamily="34" charset="-122"/>
+              </a:rPr>
+              <a:t>, 26 input modes, 26 output modes and 176 phase shifters</a:t>
+            </a:r>
+          </a:p>
+        </p:txBody>
+      </p:sp>
+      <p:sp>
+        <p:nvSpPr>
+          <p:cNvPr id="7" name="文本框 6">
+            <a:extLst>
+              <a:ext uri="{FF2B5EF4-FFF2-40B4-BE49-F238E27FC236}">
+                <a16:creationId xmlns:a16="http://schemas.microsoft.com/office/drawing/2014/main" id="{3C4642DA-5358-4570-8861-444BA0D58885}"/>
               </a:ext>
             </a:extLst>
           </p:cNvPr>
@@ -2218,8 +2283,80 @@
         </p:nvSpPr>
         <p:spPr>
           <a:xfrm>
-            <a:off x="7336803" y="3794811"/>
-            <a:ext cx="4016997" cy="369332"/>
+            <a:off x="2378831" y="6034794"/>
+            <a:ext cx="6218208" cy="261610"/>
+          </a:xfrm>
+          <a:prstGeom prst="rect">
+            <a:avLst/>
+          </a:prstGeom>
+          <a:noFill/>
+        </p:spPr>
+        <p:txBody>
+          <a:bodyPr wrap="square" rtlCol="0">
+            <a:spAutoFit/>
+          </a:bodyPr>
+          <a:lstStyle/>
+          <a:p>
+            <a:r>
+              <a:rPr lang="en-US" altLang="zh-CN" sz="1100" dirty="0">
+                <a:latin typeface="微软雅黑" panose="020B0503020204020204" pitchFamily="34" charset="-122"/>
+                <a:ea typeface="微软雅黑" panose="020B0503020204020204" pitchFamily="34" charset="-122"/>
+              </a:rPr>
+              <a:t>(Nicholas C. let al., “Linear programmable nanophotonic processors”, Optica, 2018.)</a:t>
+            </a:r>
+            <a:endParaRPr lang="zh-CN" altLang="en-US" sz="1100" dirty="0">
+              <a:latin typeface="微软雅黑" panose="020B0503020204020204" pitchFamily="34" charset="-122"/>
+              <a:ea typeface="微软雅黑" panose="020B0503020204020204" pitchFamily="34" charset="-122"/>
+            </a:endParaRPr>
+          </a:p>
+        </p:txBody>
+      </p:sp>
+      <p:pic>
+        <p:nvPicPr>
+          <p:cNvPr id="9" name="图片 8">
+            <a:extLst>
+              <a:ext uri="{FF2B5EF4-FFF2-40B4-BE49-F238E27FC236}">
+                <a16:creationId xmlns:a16="http://schemas.microsoft.com/office/drawing/2014/main" id="{0795E96B-1ACF-4274-8683-116E94B6FC7D}"/>
+              </a:ext>
+            </a:extLst>
+          </p:cNvPr>
+          <p:cNvPicPr>
+            <a:picLocks noChangeAspect="1"/>
+          </p:cNvPicPr>
+          <p:nvPr/>
+        </p:nvPicPr>
+        <p:blipFill>
+          <a:blip r:embed="rId4"/>
+          <a:stretch>
+            <a:fillRect/>
+          </a:stretch>
+        </p:blipFill>
+        <p:spPr>
+          <a:xfrm>
+            <a:off x="6821255" y="1066800"/>
+            <a:ext cx="4981575" cy="2362200"/>
+          </a:xfrm>
+          <a:prstGeom prst="rect">
+            <a:avLst/>
+          </a:prstGeom>
+        </p:spPr>
+      </p:pic>
+      <p:sp>
+        <p:nvSpPr>
+          <p:cNvPr id="2" name="文本框 1">
+            <a:extLst>
+              <a:ext uri="{FF2B5EF4-FFF2-40B4-BE49-F238E27FC236}">
+                <a16:creationId xmlns:a16="http://schemas.microsoft.com/office/drawing/2014/main" id="{53F9226D-DD2B-42C8-8B11-A3E155AF591B}"/>
+              </a:ext>
+            </a:extLst>
+          </p:cNvPr>
+          <p:cNvSpPr txBox="1"/>
+          <p:nvPr/>
+        </p:nvSpPr>
+        <p:spPr>
+          <a:xfrm>
+            <a:off x="7026441" y="518957"/>
+            <a:ext cx="902811" cy="480131"/>
           </a:xfrm>
           <a:prstGeom prst="rect">
             <a:avLst/>
@@ -2241,37 +2378,19 @@
               </a:spcBef>
             </a:pPr>
             <a:r>
-              <a:rPr lang="en-US" altLang="zh-CN" sz="2000" dirty="0">
+              <a:rPr lang="zh-CN" altLang="en-US" sz="2800" dirty="0">
                 <a:latin typeface="微软雅黑" panose="020B0503020204020204" pitchFamily="34" charset="-122"/>
                 <a:ea typeface="微软雅黑" panose="020B0503020204020204" pitchFamily="34" charset="-122"/>
               </a:rPr>
-              <a:t>(a) </a:t>
-            </a:r>
-            <a:r>
-              <a:rPr lang="en-US" altLang="zh-CN" sz="2000" dirty="0" err="1">
-                <a:latin typeface="微软雅黑" panose="020B0503020204020204" pitchFamily="34" charset="-122"/>
-                <a:ea typeface="微软雅黑" panose="020B0503020204020204" pitchFamily="34" charset="-122"/>
-              </a:rPr>
-              <a:t>reck</a:t>
-            </a:r>
-            <a:r>
-              <a:rPr lang="en-US" altLang="zh-CN" sz="2000" dirty="0">
-                <a:latin typeface="微软雅黑" panose="020B0503020204020204" pitchFamily="34" charset="-122"/>
-                <a:ea typeface="微软雅黑" panose="020B0503020204020204" pitchFamily="34" charset="-122"/>
-              </a:rPr>
-              <a:t>(1994) (b)clement(2016)</a:t>
-            </a:r>
-            <a:endParaRPr lang="zh-CN" altLang="en-US" sz="2000" dirty="0">
-              <a:latin typeface="微软雅黑" panose="020B0503020204020204" pitchFamily="34" charset="-122"/>
-              <a:ea typeface="微软雅黑" panose="020B0503020204020204" pitchFamily="34" charset="-122"/>
-            </a:endParaRPr>
+              <a:t>损耗</a:t>
+            </a:r>
           </a:p>
         </p:txBody>
       </p:sp>
     </p:spTree>
     <p:extLst>
       <p:ext uri="{BB962C8B-B14F-4D97-AF65-F5344CB8AC3E}">
-        <p14:creationId xmlns:p14="http://schemas.microsoft.com/office/powerpoint/2010/main" val="419058758"/>
+        <p14:creationId xmlns:p14="http://schemas.microsoft.com/office/powerpoint/2010/main" val="2009165058"/>
       </p:ext>
     </p:extLst>
   </p:cSld>
@@ -2298,72 +2417,248 @@
           <a:chExt cx="0" cy="0"/>
         </a:xfrm>
       </p:grpSpPr>
-      <p:pic>
-        <p:nvPicPr>
-          <p:cNvPr id="4" name="图片 3">
-            <a:extLst>
-              <a:ext uri="{FF2B5EF4-FFF2-40B4-BE49-F238E27FC236}">
-                <a16:creationId xmlns:a16="http://schemas.microsoft.com/office/drawing/2014/main" id="{47DDB2CE-2D5D-4E26-BF19-04FAA9798200}"/>
-              </a:ext>
-            </a:extLst>
-          </p:cNvPr>
-          <p:cNvPicPr>
-            <a:picLocks noChangeAspect="1"/>
-          </p:cNvPicPr>
-          <p:nvPr/>
-        </p:nvPicPr>
-        <p:blipFill>
-          <a:blip r:embed="rId2"/>
-          <a:stretch>
-            <a:fillRect/>
-          </a:stretch>
-        </p:blipFill>
-        <p:spPr>
-          <a:xfrm>
-            <a:off x="203887" y="364310"/>
-            <a:ext cx="6553200" cy="3067050"/>
-          </a:xfrm>
-          <a:prstGeom prst="rect">
-            <a:avLst/>
-          </a:prstGeom>
-        </p:spPr>
-      </p:pic>
-      <p:pic>
-        <p:nvPicPr>
-          <p:cNvPr id="5" name="图片 4">
-            <a:extLst>
-              <a:ext uri="{FF2B5EF4-FFF2-40B4-BE49-F238E27FC236}">
-                <a16:creationId xmlns:a16="http://schemas.microsoft.com/office/drawing/2014/main" id="{8CBB4577-98F8-4BC9-83F0-B057A1A2E779}"/>
-              </a:ext>
-            </a:extLst>
-          </p:cNvPr>
-          <p:cNvPicPr>
-            <a:picLocks noChangeAspect="1"/>
-          </p:cNvPicPr>
-          <p:nvPr/>
-        </p:nvPicPr>
-        <p:blipFill>
-          <a:blip r:embed="rId3"/>
-          <a:stretch>
-            <a:fillRect/>
-          </a:stretch>
-        </p:blipFill>
-        <p:spPr>
-          <a:xfrm>
-            <a:off x="838200" y="3429000"/>
-            <a:ext cx="10035644" cy="2298017"/>
-          </a:xfrm>
-          <a:prstGeom prst="rect">
-            <a:avLst/>
-          </a:prstGeom>
-        </p:spPr>
-      </p:pic>
       <p:sp>
         <p:nvSpPr>
-          <p:cNvPr id="6" name="矩形 5">
-            <a:extLst>
-              <a:ext uri="{FF2B5EF4-FFF2-40B4-BE49-F238E27FC236}">
-                <a16:creationId xmlns:a16="http://schemas.microsoft.com/office/drawing/2014/main" id="{0F357500-A33E-45F0-ACDB-3C5B18974BE9}"/>
+          <p:cNvPr id="2" name="内容占位符 1">
+            <a:extLst>
+              <a:ext uri="{FF2B5EF4-FFF2-40B4-BE49-F238E27FC236}">
+                <a16:creationId xmlns:a16="http://schemas.microsoft.com/office/drawing/2014/main" id="{E2F38258-C2FF-4EE9-B147-D09D6DD0E0A5}"/>
+              </a:ext>
+            </a:extLst>
+          </p:cNvPr>
+          <p:cNvSpPr>
+            <a:spLocks noGrp="1"/>
+          </p:cNvSpPr>
+          <p:nvPr>
+            <p:ph idx="1"/>
+          </p:nvPr>
+        </p:nvSpPr>
+        <p:spPr/>
+        <p:txBody>
+          <a:bodyPr>
+            <a:normAutofit lnSpcReduction="10000"/>
+          </a:bodyPr>
+          <a:lstStyle/>
+          <a:p>
+            <a:r>
+              <a:rPr lang="zh-CN" altLang="en-US" dirty="0">
+                <a:latin typeface="Times New Roman" panose="02020603050405020304" pitchFamily="18" charset="0"/>
+                <a:cs typeface="Times New Roman" panose="02020603050405020304" pitchFamily="18" charset="0"/>
+              </a:rPr>
+              <a:t>特点</a:t>
+            </a:r>
+            <a:endParaRPr lang="en-US" altLang="zh-CN" dirty="0">
+              <a:latin typeface="Times New Roman" panose="02020603050405020304" pitchFamily="18" charset="0"/>
+              <a:cs typeface="Times New Roman" panose="02020603050405020304" pitchFamily="18" charset="0"/>
+            </a:endParaRPr>
+          </a:p>
+          <a:p>
+            <a:pPr lvl="1"/>
+            <a:r>
+              <a:rPr lang="en-US" altLang="zh-CN" dirty="0">
+                <a:latin typeface="Times New Roman" panose="02020603050405020304" pitchFamily="18" charset="0"/>
+                <a:cs typeface="Times New Roman" panose="02020603050405020304" pitchFamily="18" charset="0"/>
+              </a:rPr>
+              <a:t>reduce E/MAC (the energy per multiply and </a:t>
+            </a:r>
+            <a:r>
+              <a:rPr lang="en-US" altLang="zh-CN" dirty="0" err="1">
+                <a:latin typeface="Times New Roman" panose="02020603050405020304" pitchFamily="18" charset="0"/>
+                <a:cs typeface="Times New Roman" panose="02020603050405020304" pitchFamily="18" charset="0"/>
+              </a:rPr>
+              <a:t>accUmulate</a:t>
+            </a:r>
+            <a:r>
+              <a:rPr lang="en-US" altLang="zh-CN" dirty="0">
+                <a:latin typeface="Times New Roman" panose="02020603050405020304" pitchFamily="18" charset="0"/>
+                <a:cs typeface="Times New Roman" panose="02020603050405020304" pitchFamily="18" charset="0"/>
+              </a:rPr>
+              <a:t>) from 20 </a:t>
+            </a:r>
+            <a:r>
+              <a:rPr lang="en-US" altLang="zh-CN" dirty="0" err="1">
+                <a:latin typeface="Times New Roman" panose="02020603050405020304" pitchFamily="18" charset="0"/>
+                <a:cs typeface="Times New Roman" panose="02020603050405020304" pitchFamily="18" charset="0"/>
+              </a:rPr>
+              <a:t>pJ</a:t>
+            </a:r>
+            <a:r>
+              <a:rPr lang="en-US" altLang="zh-CN" dirty="0">
+                <a:latin typeface="Times New Roman" panose="02020603050405020304" pitchFamily="18" charset="0"/>
+                <a:cs typeface="Times New Roman" panose="02020603050405020304" pitchFamily="18" charset="0"/>
+              </a:rPr>
+              <a:t>/MAC(ASICs, GPUs) to around 1 </a:t>
+            </a:r>
+            <a:r>
+              <a:rPr lang="en-US" altLang="zh-CN" dirty="0" err="1">
+                <a:latin typeface="Times New Roman" panose="02020603050405020304" pitchFamily="18" charset="0"/>
+                <a:cs typeface="Times New Roman" panose="02020603050405020304" pitchFamily="18" charset="0"/>
+              </a:rPr>
+              <a:t>pJ</a:t>
+            </a:r>
+            <a:r>
+              <a:rPr lang="en-US" altLang="zh-CN" dirty="0">
+                <a:latin typeface="Times New Roman" panose="02020603050405020304" pitchFamily="18" charset="0"/>
+                <a:cs typeface="Times New Roman" panose="02020603050405020304" pitchFamily="18" charset="0"/>
+              </a:rPr>
+              <a:t>/MAC.</a:t>
+            </a:r>
+          </a:p>
+          <a:p>
+            <a:pPr lvl="1"/>
+            <a:r>
+              <a:rPr lang="en-US" altLang="zh-CN" dirty="0">
+                <a:latin typeface="Times New Roman" panose="02020603050405020304" pitchFamily="18" charset="0"/>
+                <a:cs typeface="Times New Roman" panose="02020603050405020304" pitchFamily="18" charset="0"/>
+              </a:rPr>
+              <a:t>1 </a:t>
+            </a:r>
+            <a:r>
+              <a:rPr lang="en-US" altLang="zh-CN" dirty="0" err="1">
+                <a:latin typeface="Times New Roman" panose="02020603050405020304" pitchFamily="18" charset="0"/>
+                <a:cs typeface="Times New Roman" panose="02020603050405020304" pitchFamily="18" charset="0"/>
+              </a:rPr>
+              <a:t>fJ</a:t>
+            </a:r>
+            <a:r>
+              <a:rPr lang="en-US" altLang="zh-CN" dirty="0">
+                <a:latin typeface="Times New Roman" panose="02020603050405020304" pitchFamily="18" charset="0"/>
+                <a:cs typeface="Times New Roman" panose="02020603050405020304" pitchFamily="18" charset="0"/>
+              </a:rPr>
+              <a:t>/MAC for modulator, rise above 1 </a:t>
+            </a:r>
+            <a:r>
+              <a:rPr lang="en-US" altLang="zh-CN" dirty="0" err="1">
+                <a:latin typeface="Times New Roman" panose="02020603050405020304" pitchFamily="18" charset="0"/>
+                <a:cs typeface="Times New Roman" panose="02020603050405020304" pitchFamily="18" charset="0"/>
+              </a:rPr>
+              <a:t>pJ</a:t>
+            </a:r>
+            <a:r>
+              <a:rPr lang="en-US" altLang="zh-CN" dirty="0">
+                <a:latin typeface="Times New Roman" panose="02020603050405020304" pitchFamily="18" charset="0"/>
+                <a:cs typeface="Times New Roman" panose="02020603050405020304" pitchFamily="18" charset="0"/>
+              </a:rPr>
+              <a:t>/MAC once the driver electronics and memory access are included</a:t>
+            </a:r>
+          </a:p>
+          <a:p>
+            <a:pPr lvl="1"/>
+            <a:r>
+              <a:rPr lang="en-US" altLang="zh-CN" dirty="0">
+                <a:latin typeface="Times New Roman" panose="02020603050405020304" pitchFamily="18" charset="0"/>
+                <a:cs typeface="Times New Roman" panose="02020603050405020304" pitchFamily="18" charset="0"/>
+              </a:rPr>
+              <a:t>naturally adapted to free space optics</a:t>
+            </a:r>
+          </a:p>
+          <a:p>
+            <a:r>
+              <a:rPr lang="en-US" altLang="zh-CN" dirty="0">
+                <a:latin typeface="Times New Roman" panose="02020603050405020304" pitchFamily="18" charset="0"/>
+                <a:cs typeface="Times New Roman" panose="02020603050405020304" pitchFamily="18" charset="0"/>
+              </a:rPr>
+              <a:t>fundamental limits:</a:t>
+            </a:r>
+          </a:p>
+          <a:p>
+            <a:pPr lvl="1"/>
+            <a:r>
+              <a:rPr lang="en-US" altLang="zh-CN" dirty="0">
+                <a:latin typeface="Times New Roman" panose="02020603050405020304" pitchFamily="18" charset="0"/>
+                <a:cs typeface="Times New Roman" panose="02020603050405020304" pitchFamily="18" charset="0"/>
+              </a:rPr>
+              <a:t>detector shot noise presents a standard quantum limit </a:t>
+            </a:r>
+            <a:r>
+              <a:rPr lang="zh-CN" altLang="en-US" dirty="0">
+                <a:latin typeface="Times New Roman" panose="02020603050405020304" pitchFamily="18" charset="0"/>
+                <a:cs typeface="Times New Roman" panose="02020603050405020304" pitchFamily="18" charset="0"/>
+              </a:rPr>
+              <a:t>（光电探测器散粒噪声）</a:t>
+            </a:r>
+            <a:endParaRPr lang="en-US" altLang="zh-CN" dirty="0">
+              <a:latin typeface="Times New Roman" panose="02020603050405020304" pitchFamily="18" charset="0"/>
+              <a:cs typeface="Times New Roman" panose="02020603050405020304" pitchFamily="18" charset="0"/>
+            </a:endParaRPr>
+          </a:p>
+          <a:p>
+            <a:pPr lvl="1"/>
+            <a:r>
+              <a:rPr lang="en-US" altLang="zh-CN" dirty="0">
+                <a:latin typeface="Times New Roman" panose="02020603050405020304" pitchFamily="18" charset="0"/>
+                <a:cs typeface="Times New Roman" panose="02020603050405020304" pitchFamily="18" charset="0"/>
+              </a:rPr>
+              <a:t>leading to classification error</a:t>
+            </a:r>
+          </a:p>
+          <a:p>
+            <a:pPr lvl="1"/>
+            <a:r>
+              <a:rPr lang="en-US" altLang="zh-CN" sz="1600" dirty="0">
+                <a:latin typeface="Times New Roman" panose="02020603050405020304" pitchFamily="18" charset="0"/>
+                <a:cs typeface="Times New Roman" panose="02020603050405020304" pitchFamily="18" charset="0"/>
+              </a:rPr>
+              <a:t>C. M. Caves, Quantum-Mechanical Noise in an Interferometer, Phys. Rev. D 23. 1693 (1981)</a:t>
+            </a:r>
+          </a:p>
+          <a:p>
+            <a:r>
+              <a:rPr lang="en-US" altLang="zh-CN" dirty="0">
+                <a:latin typeface="Times New Roman" panose="02020603050405020304" pitchFamily="18" charset="0"/>
+                <a:cs typeface="Times New Roman" panose="02020603050405020304" pitchFamily="18" charset="0"/>
+              </a:rPr>
+              <a:t>pretraining weights on a GPU</a:t>
+            </a:r>
+          </a:p>
+          <a:p>
+            <a:r>
+              <a:rPr lang="en-US" altLang="zh-CN" dirty="0">
+                <a:latin typeface="Times New Roman" panose="02020603050405020304" pitchFamily="18" charset="0"/>
+                <a:cs typeface="Times New Roman" panose="02020603050405020304" pitchFamily="18" charset="0"/>
+              </a:rPr>
+              <a:t>computing Neural-network performance using Monte Carlo simulations</a:t>
+            </a:r>
+          </a:p>
+        </p:txBody>
+      </p:sp>
+      <p:sp>
+        <p:nvSpPr>
+          <p:cNvPr id="3" name="标题 2">
+            <a:extLst>
+              <a:ext uri="{FF2B5EF4-FFF2-40B4-BE49-F238E27FC236}">
+                <a16:creationId xmlns:a16="http://schemas.microsoft.com/office/drawing/2014/main" id="{FEBF1208-A7ED-48DC-AAFC-277380708BBE}"/>
+              </a:ext>
+            </a:extLst>
+          </p:cNvPr>
+          <p:cNvSpPr>
+            <a:spLocks noGrp="1"/>
+          </p:cNvSpPr>
+          <p:nvPr>
+            <p:ph type="title"/>
+          </p:nvPr>
+        </p:nvSpPr>
+        <p:spPr/>
+        <p:txBody>
+          <a:bodyPr>
+            <a:noAutofit/>
+          </a:bodyPr>
+          <a:lstStyle/>
+          <a:p>
+            <a:r>
+              <a:rPr lang="en-US" altLang="zh-CN" sz="2800" dirty="0"/>
+              <a:t>Large-Scale Optical Neural Networks Based on Photoelectric Multiplication</a:t>
+            </a:r>
+            <a:endParaRPr lang="zh-CN" altLang="en-US" sz="2800" dirty="0"/>
+          </a:p>
+        </p:txBody>
+      </p:sp>
+      <p:sp>
+        <p:nvSpPr>
+          <p:cNvPr id="4" name="矩形 3">
+            <a:extLst>
+              <a:ext uri="{FF2B5EF4-FFF2-40B4-BE49-F238E27FC236}">
+                <a16:creationId xmlns:a16="http://schemas.microsoft.com/office/drawing/2014/main" id="{B3D5507B-9044-4E7F-A411-315969DC287B}"/>
               </a:ext>
             </a:extLst>
           </p:cNvPr>
@@ -2372,8 +2667,8 @@
         </p:nvSpPr>
         <p:spPr>
           <a:xfrm>
-            <a:off x="1763876" y="5727017"/>
-            <a:ext cx="8184292" cy="307777"/>
+            <a:off x="1778145" y="6604084"/>
+            <a:ext cx="8635709" cy="253916"/>
           </a:xfrm>
           <a:prstGeom prst="rect">
             <a:avLst/>
@@ -2386,105 +2681,37 @@
           <a:lstStyle/>
           <a:p>
             <a:r>
-              <a:rPr lang="en-US" altLang="zh-CN" sz="1400" dirty="0">
-                <a:latin typeface="Microsoft YaHei UI" panose="020B0503020204020204" pitchFamily="34" charset="-122"/>
-                <a:ea typeface="Microsoft YaHei UI" panose="020B0503020204020204" pitchFamily="34" charset="-122"/>
-              </a:rPr>
-              <a:t>Processor composed of 88 </a:t>
-            </a:r>
-            <a:r>
-              <a:rPr lang="en-US" altLang="zh-CN" sz="1400" dirty="0" err="1">
-                <a:latin typeface="Microsoft YaHei UI" panose="020B0503020204020204" pitchFamily="34" charset="-122"/>
-                <a:ea typeface="Microsoft YaHei UI" panose="020B0503020204020204" pitchFamily="34" charset="-122"/>
-              </a:rPr>
-              <a:t>MZIs</a:t>
-            </a:r>
-            <a:r>
-              <a:rPr lang="en-US" altLang="zh-CN" sz="1400" dirty="0">
-                <a:latin typeface="Microsoft YaHei UI" panose="020B0503020204020204" pitchFamily="34" charset="-122"/>
-                <a:ea typeface="Microsoft YaHei UI" panose="020B0503020204020204" pitchFamily="34" charset="-122"/>
-              </a:rPr>
-              <a:t>, 26 input modes, 26 output modes and 176 phase shifters</a:t>
-            </a:r>
-          </a:p>
-        </p:txBody>
-      </p:sp>
-      <p:sp>
-        <p:nvSpPr>
-          <p:cNvPr id="7" name="文本框 6">
-            <a:extLst>
-              <a:ext uri="{FF2B5EF4-FFF2-40B4-BE49-F238E27FC236}">
-                <a16:creationId xmlns:a16="http://schemas.microsoft.com/office/drawing/2014/main" id="{3C4642DA-5358-4570-8861-444BA0D58885}"/>
-              </a:ext>
-            </a:extLst>
-          </p:cNvPr>
-          <p:cNvSpPr txBox="1"/>
-          <p:nvPr/>
-        </p:nvSpPr>
-        <p:spPr>
-          <a:xfrm>
-            <a:off x="2378831" y="6034794"/>
-            <a:ext cx="6218208" cy="261610"/>
-          </a:xfrm>
-          <a:prstGeom prst="rect">
-            <a:avLst/>
-          </a:prstGeom>
-          <a:noFill/>
-        </p:spPr>
-        <p:txBody>
-          <a:bodyPr wrap="square" rtlCol="0">
-            <a:spAutoFit/>
-          </a:bodyPr>
-          <a:lstStyle/>
-          <a:p>
-            <a:r>
-              <a:rPr lang="en-US" altLang="zh-CN" sz="1100" dirty="0">
+              <a:rPr lang="en-US" altLang="zh-CN" sz="1050" dirty="0">
                 <a:latin typeface="微软雅黑" panose="020B0503020204020204" pitchFamily="34" charset="-122"/>
                 <a:ea typeface="微软雅黑" panose="020B0503020204020204" pitchFamily="34" charset="-122"/>
               </a:rPr>
-              <a:t>(Nicholas C. let al., “Linear programmable nanophotonic processors”, Optica, 2018.)</a:t>
-            </a:r>
-            <a:endParaRPr lang="zh-CN" altLang="en-US" sz="1100" dirty="0">
+              <a:t>Ryan </a:t>
+            </a:r>
+            <a:r>
+              <a:rPr lang="en-US" altLang="zh-CN" sz="1050" dirty="0" err="1">
+                <a:latin typeface="微软雅黑" panose="020B0503020204020204" pitchFamily="34" charset="-122"/>
+                <a:ea typeface="微软雅黑" panose="020B0503020204020204" pitchFamily="34" charset="-122"/>
+              </a:rPr>
+              <a:t>Hamerly</a:t>
+            </a:r>
+            <a:r>
+              <a:rPr lang="en-US" altLang="zh-CN" sz="1050" dirty="0">
+                <a:latin typeface="微软雅黑" panose="020B0503020204020204" pitchFamily="34" charset="-122"/>
+                <a:ea typeface="微软雅黑" panose="020B0503020204020204" pitchFamily="34" charset="-122"/>
+              </a:rPr>
+              <a:t> et al., Large-Scale Optical Neural Networks Based on Photoelectric Multiplication, Physical Review X, 2019</a:t>
+            </a:r>
+            <a:endParaRPr lang="zh-CN" altLang="en-US" sz="1050" dirty="0">
               <a:latin typeface="微软雅黑" panose="020B0503020204020204" pitchFamily="34" charset="-122"/>
               <a:ea typeface="微软雅黑" panose="020B0503020204020204" pitchFamily="34" charset="-122"/>
             </a:endParaRPr>
           </a:p>
         </p:txBody>
       </p:sp>
-      <p:pic>
-        <p:nvPicPr>
-          <p:cNvPr id="9" name="图片 8">
-            <a:extLst>
-              <a:ext uri="{FF2B5EF4-FFF2-40B4-BE49-F238E27FC236}">
-                <a16:creationId xmlns:a16="http://schemas.microsoft.com/office/drawing/2014/main" id="{0795E96B-1ACF-4274-8683-116E94B6FC7D}"/>
-              </a:ext>
-            </a:extLst>
-          </p:cNvPr>
-          <p:cNvPicPr>
-            <a:picLocks noChangeAspect="1"/>
-          </p:cNvPicPr>
-          <p:nvPr/>
-        </p:nvPicPr>
-        <p:blipFill>
-          <a:blip r:embed="rId4"/>
-          <a:stretch>
-            <a:fillRect/>
-          </a:stretch>
-        </p:blipFill>
-        <p:spPr>
-          <a:xfrm>
-            <a:off x="6757087" y="715555"/>
-            <a:ext cx="4981575" cy="2362200"/>
-          </a:xfrm>
-          <a:prstGeom prst="rect">
-            <a:avLst/>
-          </a:prstGeom>
-        </p:spPr>
-      </p:pic>
     </p:spTree>
     <p:extLst>
       <p:ext uri="{BB962C8B-B14F-4D97-AF65-F5344CB8AC3E}">
-        <p14:creationId xmlns:p14="http://schemas.microsoft.com/office/powerpoint/2010/main" val="2009165058"/>
+        <p14:creationId xmlns:p14="http://schemas.microsoft.com/office/powerpoint/2010/main" val="4214204154"/>
       </p:ext>
     </p:extLst>
   </p:cSld>
@@ -2511,223 +2738,435 @@
           <a:chExt cx="0" cy="0"/>
         </a:xfrm>
       </p:grpSpPr>
-      <p:sp>
-        <p:nvSpPr>
-          <p:cNvPr id="2" name="内容占位符 1">
-            <a:extLst>
-              <a:ext uri="{FF2B5EF4-FFF2-40B4-BE49-F238E27FC236}">
-                <a16:creationId xmlns:a16="http://schemas.microsoft.com/office/drawing/2014/main" id="{E2F38258-C2FF-4EE9-B147-D09D6DD0E0A5}"/>
-              </a:ext>
-            </a:extLst>
-          </p:cNvPr>
-          <p:cNvSpPr>
-            <a:spLocks noGrp="1"/>
-          </p:cNvSpPr>
+      <p:pic>
+        <p:nvPicPr>
+          <p:cNvPr id="4" name="内容占位符 3">
+            <a:extLst>
+              <a:ext uri="{FF2B5EF4-FFF2-40B4-BE49-F238E27FC236}">
+                <a16:creationId xmlns:a16="http://schemas.microsoft.com/office/drawing/2014/main" id="{4D403EC5-E397-482B-BC7D-ECEE8A719266}"/>
+              </a:ext>
+            </a:extLst>
+          </p:cNvPr>
+          <p:cNvPicPr>
+            <a:picLocks noGrp="1" noChangeAspect="1"/>
+          </p:cNvPicPr>
           <p:nvPr>
             <p:ph idx="1"/>
           </p:nvPr>
+        </p:nvPicPr>
+        <p:blipFill>
+          <a:blip r:embed="rId2"/>
+          <a:stretch>
+            <a:fillRect/>
+          </a:stretch>
+        </p:blipFill>
+        <p:spPr>
+          <a:xfrm>
+            <a:off x="391046" y="3959048"/>
+            <a:ext cx="3670300" cy="2240814"/>
+          </a:xfrm>
+          <a:prstGeom prst="rect">
+            <a:avLst/>
+          </a:prstGeom>
+        </p:spPr>
+      </p:pic>
+      <p:pic>
+        <p:nvPicPr>
+          <p:cNvPr id="3" name="图片 2">
+            <a:extLst>
+              <a:ext uri="{FF2B5EF4-FFF2-40B4-BE49-F238E27FC236}">
+                <a16:creationId xmlns:a16="http://schemas.microsoft.com/office/drawing/2014/main" id="{4F5F5F2E-4D61-4FEF-9640-332312AAE6D1}"/>
+              </a:ext>
+            </a:extLst>
+          </p:cNvPr>
+          <p:cNvPicPr>
+            <a:picLocks noChangeAspect="1"/>
+          </p:cNvPicPr>
+          <p:nvPr/>
+        </p:nvPicPr>
+        <p:blipFill>
+          <a:blip r:embed="rId3"/>
+          <a:stretch>
+            <a:fillRect/>
+          </a:stretch>
+        </p:blipFill>
+        <p:spPr>
+          <a:xfrm>
+            <a:off x="391046" y="532838"/>
+            <a:ext cx="6295345" cy="2886136"/>
+          </a:xfrm>
+          <a:prstGeom prst="rect">
+            <a:avLst/>
+          </a:prstGeom>
+        </p:spPr>
+      </p:pic>
+      <p:sp>
+        <p:nvSpPr>
+          <p:cNvPr id="5" name="文本框 4">
+            <a:extLst>
+              <a:ext uri="{FF2B5EF4-FFF2-40B4-BE49-F238E27FC236}">
+                <a16:creationId xmlns:a16="http://schemas.microsoft.com/office/drawing/2014/main" id="{5BDBB4EA-B47A-4B98-A60A-07C2398CAABA}"/>
+              </a:ext>
+            </a:extLst>
+          </p:cNvPr>
+          <p:cNvSpPr txBox="1"/>
+          <p:nvPr/>
         </p:nvSpPr>
-        <p:spPr/>
+        <p:spPr>
+          <a:xfrm>
+            <a:off x="4885898" y="4719869"/>
+            <a:ext cx="1800493" cy="719171"/>
+          </a:xfrm>
+          <a:prstGeom prst="rect">
+            <a:avLst/>
+          </a:prstGeom>
+          <a:noFill/>
+        </p:spPr>
         <p:txBody>
-          <a:bodyPr/>
+          <a:bodyPr wrap="none" rtlCol="0">
+            <a:spAutoFit/>
+          </a:bodyPr>
           <a:lstStyle/>
           <a:p>
+            <a:pPr algn="l">
+              <a:lnSpc>
+                <a:spcPct val="90000"/>
+              </a:lnSpc>
+              <a:spcBef>
+                <a:spcPts val="1000"/>
+              </a:spcBef>
+            </a:pPr>
             <a:r>
               <a:rPr lang="zh-CN" altLang="en-US" dirty="0">
-                <a:latin typeface="Times New Roman" panose="02020603050405020304" pitchFamily="18" charset="0"/>
-                <a:cs typeface="Times New Roman" panose="02020603050405020304" pitchFamily="18" charset="0"/>
-              </a:rPr>
-              <a:t>特点</a:t>
+                <a:latin typeface="微软雅黑" panose="020B0503020204020204" pitchFamily="34" charset="-122"/>
+                <a:ea typeface="微软雅黑" panose="020B0503020204020204" pitchFamily="34" charset="-122"/>
+              </a:rPr>
+              <a:t>上图：计算过程</a:t>
             </a:r>
             <a:endParaRPr lang="en-US" altLang="zh-CN" dirty="0">
-              <a:latin typeface="Times New Roman" panose="02020603050405020304" pitchFamily="18" charset="0"/>
-              <a:cs typeface="Times New Roman" panose="02020603050405020304" pitchFamily="18" charset="0"/>
+              <a:latin typeface="微软雅黑" panose="020B0503020204020204" pitchFamily="34" charset="-122"/>
+              <a:ea typeface="微软雅黑" panose="020B0503020204020204" pitchFamily="34" charset="-122"/>
             </a:endParaRPr>
           </a:p>
           <a:p>
-            <a:pPr lvl="1"/>
-            <a:r>
-              <a:rPr lang="en-US" altLang="zh-CN" dirty="0">
-                <a:latin typeface="Times New Roman" panose="02020603050405020304" pitchFamily="18" charset="0"/>
-                <a:cs typeface="Times New Roman" panose="02020603050405020304" pitchFamily="18" charset="0"/>
-              </a:rPr>
-              <a:t>reduce E/MAC (the energy per multiply and </a:t>
-            </a:r>
-            <a:r>
-              <a:rPr lang="en-US" altLang="zh-CN" dirty="0" err="1">
-                <a:latin typeface="Times New Roman" panose="02020603050405020304" pitchFamily="18" charset="0"/>
-                <a:cs typeface="Times New Roman" panose="02020603050405020304" pitchFamily="18" charset="0"/>
-              </a:rPr>
-              <a:t>accUmulate</a:t>
-            </a:r>
-            <a:r>
-              <a:rPr lang="en-US" altLang="zh-CN" dirty="0">
-                <a:latin typeface="Times New Roman" panose="02020603050405020304" pitchFamily="18" charset="0"/>
-                <a:cs typeface="Times New Roman" panose="02020603050405020304" pitchFamily="18" charset="0"/>
-              </a:rPr>
-              <a:t>) from 20 </a:t>
-            </a:r>
-            <a:r>
-              <a:rPr lang="en-US" altLang="zh-CN" dirty="0" err="1">
-                <a:latin typeface="Times New Roman" panose="02020603050405020304" pitchFamily="18" charset="0"/>
-                <a:cs typeface="Times New Roman" panose="02020603050405020304" pitchFamily="18" charset="0"/>
-              </a:rPr>
-              <a:t>pJ</a:t>
-            </a:r>
-            <a:r>
-              <a:rPr lang="en-US" altLang="zh-CN" dirty="0">
-                <a:latin typeface="Times New Roman" panose="02020603050405020304" pitchFamily="18" charset="0"/>
-                <a:cs typeface="Times New Roman" panose="02020603050405020304" pitchFamily="18" charset="0"/>
-              </a:rPr>
-              <a:t>/MAC(ASICs, GPUs) to around 1 </a:t>
-            </a:r>
-            <a:r>
-              <a:rPr lang="en-US" altLang="zh-CN" dirty="0" err="1">
-                <a:latin typeface="Times New Roman" panose="02020603050405020304" pitchFamily="18" charset="0"/>
-                <a:cs typeface="Times New Roman" panose="02020603050405020304" pitchFamily="18" charset="0"/>
-              </a:rPr>
-              <a:t>pJ</a:t>
-            </a:r>
-            <a:r>
-              <a:rPr lang="en-US" altLang="zh-CN" dirty="0">
-                <a:latin typeface="Times New Roman" panose="02020603050405020304" pitchFamily="18" charset="0"/>
-                <a:cs typeface="Times New Roman" panose="02020603050405020304" pitchFamily="18" charset="0"/>
-              </a:rPr>
-              <a:t>/MAC.</a:t>
-            </a:r>
-          </a:p>
-          <a:p>
-            <a:pPr lvl="1"/>
-            <a:r>
-              <a:rPr lang="en-US" altLang="zh-CN" dirty="0">
-                <a:latin typeface="Times New Roman" panose="02020603050405020304" pitchFamily="18" charset="0"/>
-                <a:cs typeface="Times New Roman" panose="02020603050405020304" pitchFamily="18" charset="0"/>
-              </a:rPr>
-              <a:t>1 </a:t>
-            </a:r>
-            <a:r>
-              <a:rPr lang="en-US" altLang="zh-CN" dirty="0" err="1">
-                <a:latin typeface="Times New Roman" panose="02020603050405020304" pitchFamily="18" charset="0"/>
-                <a:cs typeface="Times New Roman" panose="02020603050405020304" pitchFamily="18" charset="0"/>
-              </a:rPr>
-              <a:t>fJ</a:t>
-            </a:r>
-            <a:r>
-              <a:rPr lang="en-US" altLang="zh-CN" dirty="0">
-                <a:latin typeface="Times New Roman" panose="02020603050405020304" pitchFamily="18" charset="0"/>
-                <a:cs typeface="Times New Roman" panose="02020603050405020304" pitchFamily="18" charset="0"/>
-              </a:rPr>
-              <a:t>/MAC for modulator, rise above 1 </a:t>
-            </a:r>
-            <a:r>
-              <a:rPr lang="en-US" altLang="zh-CN" dirty="0" err="1">
-                <a:latin typeface="Times New Roman" panose="02020603050405020304" pitchFamily="18" charset="0"/>
-                <a:cs typeface="Times New Roman" panose="02020603050405020304" pitchFamily="18" charset="0"/>
-              </a:rPr>
-              <a:t>pJ</a:t>
-            </a:r>
-            <a:r>
-              <a:rPr lang="en-US" altLang="zh-CN" dirty="0">
-                <a:latin typeface="Times New Roman" panose="02020603050405020304" pitchFamily="18" charset="0"/>
-                <a:cs typeface="Times New Roman" panose="02020603050405020304" pitchFamily="18" charset="0"/>
-              </a:rPr>
-              <a:t>/MAC once the driver electronics and memory access are included</a:t>
-            </a:r>
-          </a:p>
-          <a:p>
-            <a:pPr lvl="1"/>
-            <a:r>
-              <a:rPr lang="en-US" altLang="zh-CN" dirty="0">
-                <a:latin typeface="Times New Roman" panose="02020603050405020304" pitchFamily="18" charset="0"/>
-                <a:cs typeface="Times New Roman" panose="02020603050405020304" pitchFamily="18" charset="0"/>
-              </a:rPr>
-              <a:t>naturally adapted to free space optics</a:t>
-            </a:r>
-          </a:p>
-          <a:p>
-            <a:r>
-              <a:rPr lang="en-US" altLang="zh-CN" dirty="0">
-                <a:latin typeface="Times New Roman" panose="02020603050405020304" pitchFamily="18" charset="0"/>
-                <a:cs typeface="Times New Roman" panose="02020603050405020304" pitchFamily="18" charset="0"/>
-              </a:rPr>
-              <a:t>fundamental limits:</a:t>
-            </a:r>
-          </a:p>
-          <a:p>
-            <a:pPr lvl="1"/>
-            <a:r>
-              <a:rPr lang="en-US" altLang="zh-CN" dirty="0">
-                <a:latin typeface="Times New Roman" panose="02020603050405020304" pitchFamily="18" charset="0"/>
-                <a:cs typeface="Times New Roman" panose="02020603050405020304" pitchFamily="18" charset="0"/>
-              </a:rPr>
-              <a:t>detector shot noise presents a standard quantum limit</a:t>
-            </a:r>
-          </a:p>
-          <a:p>
-            <a:pPr lvl="1"/>
-            <a:r>
-              <a:rPr lang="en-US" altLang="zh-CN" sz="1600" dirty="0">
-                <a:latin typeface="Times New Roman" panose="02020603050405020304" pitchFamily="18" charset="0"/>
-                <a:cs typeface="Times New Roman" panose="02020603050405020304" pitchFamily="18" charset="0"/>
-              </a:rPr>
-              <a:t>C. M. Caves, Quantum-Mechanical Noise in an Interferometer, Phys. Rev. D 23. 1693 (1981)</a:t>
-            </a:r>
-          </a:p>
-          <a:p>
-            <a:r>
-              <a:rPr lang="en-US" altLang="zh-CN" dirty="0">
-                <a:latin typeface="Times New Roman" panose="02020603050405020304" pitchFamily="18" charset="0"/>
-                <a:cs typeface="Times New Roman" panose="02020603050405020304" pitchFamily="18" charset="0"/>
-              </a:rPr>
-              <a:t>pretraining weights on a GPU</a:t>
-            </a:r>
-          </a:p>
-          <a:p>
-            <a:r>
-              <a:rPr lang="en-US" altLang="zh-CN" dirty="0">
-                <a:latin typeface="Times New Roman" panose="02020603050405020304" pitchFamily="18" charset="0"/>
-                <a:cs typeface="Times New Roman" panose="02020603050405020304" pitchFamily="18" charset="0"/>
-              </a:rPr>
-              <a:t>computing Neural-network performance using Monte Carlo simulations</a:t>
+            <a:pPr algn="l">
+              <a:lnSpc>
+                <a:spcPct val="90000"/>
+              </a:lnSpc>
+              <a:spcBef>
+                <a:spcPts val="1000"/>
+              </a:spcBef>
+            </a:pPr>
+            <a:r>
+              <a:rPr lang="zh-CN" altLang="en-US" dirty="0">
+                <a:latin typeface="微软雅黑" panose="020B0503020204020204" pitchFamily="34" charset="-122"/>
+                <a:ea typeface="微软雅黑" panose="020B0503020204020204" pitchFamily="34" charset="-122"/>
+              </a:rPr>
+              <a:t>左图：并行计算</a:t>
             </a:r>
           </a:p>
         </p:txBody>
       </p:sp>
       <p:sp>
         <p:nvSpPr>
-          <p:cNvPr id="3" name="标题 2">
-            <a:extLst>
-              <a:ext uri="{FF2B5EF4-FFF2-40B4-BE49-F238E27FC236}">
-                <a16:creationId xmlns:a16="http://schemas.microsoft.com/office/drawing/2014/main" id="{FEBF1208-A7ED-48DC-AAFC-277380708BBE}"/>
-              </a:ext>
-            </a:extLst>
-          </p:cNvPr>
-          <p:cNvSpPr>
-            <a:spLocks noGrp="1"/>
-          </p:cNvSpPr>
-          <p:nvPr>
-            <p:ph type="title"/>
-          </p:nvPr>
+          <p:cNvPr id="6" name="文本框 5">
+            <a:extLst>
+              <a:ext uri="{FF2B5EF4-FFF2-40B4-BE49-F238E27FC236}">
+                <a16:creationId xmlns:a16="http://schemas.microsoft.com/office/drawing/2014/main" id="{F47E848F-8C1D-4872-8B50-96706EA1FFA7}"/>
+              </a:ext>
+            </a:extLst>
+          </p:cNvPr>
+          <p:cNvSpPr txBox="1"/>
+          <p:nvPr/>
         </p:nvSpPr>
-        <p:spPr/>
+        <p:spPr>
+          <a:xfrm>
+            <a:off x="6796586" y="736979"/>
+            <a:ext cx="5240740" cy="2866426"/>
+          </a:xfrm>
+          <a:prstGeom prst="rect">
+            <a:avLst/>
+          </a:prstGeom>
+          <a:noFill/>
+        </p:spPr>
         <p:txBody>
-          <a:bodyPr>
-            <a:noAutofit/>
+          <a:bodyPr wrap="square" rtlCol="0">
+            <a:spAutoFit/>
           </a:bodyPr>
           <a:lstStyle/>
           <a:p>
-            <a:r>
-              <a:rPr lang="en-US" altLang="zh-CN" sz="2800" dirty="0"/>
-              <a:t>Large-Scale Optical Neural Networks Based on Photoelectric Multiplication</a:t>
-            </a:r>
-            <a:endParaRPr lang="zh-CN" altLang="en-US" sz="2800" dirty="0"/>
+            <a:pPr marL="457200" indent="-457200" algn="l">
+              <a:lnSpc>
+                <a:spcPct val="90000"/>
+              </a:lnSpc>
+              <a:spcBef>
+                <a:spcPts val="1000"/>
+              </a:spcBef>
+              <a:buFont typeface="Arial" panose="020B0604020202020204" pitchFamily="34" charset="0"/>
+              <a:buChar char="•"/>
+            </a:pPr>
+            <a:r>
+              <a:rPr lang="zh-CN" altLang="en-US" dirty="0">
+                <a:latin typeface="Times New Roman" panose="02020603050405020304" pitchFamily="18" charset="0"/>
+                <a:ea typeface="微软雅黑" panose="020B0503020204020204" pitchFamily="34" charset="-122"/>
+                <a:cs typeface="Times New Roman" panose="02020603050405020304" pitchFamily="18" charset="0"/>
+              </a:rPr>
+              <a:t>乘积值正比于探测器收到的电荷值</a:t>
+            </a:r>
+            <a:endParaRPr lang="en-US" altLang="zh-CN" dirty="0">
+              <a:latin typeface="Times New Roman" panose="02020603050405020304" pitchFamily="18" charset="0"/>
+              <a:ea typeface="微软雅黑" panose="020B0503020204020204" pitchFamily="34" charset="-122"/>
+              <a:cs typeface="Times New Roman" panose="02020603050405020304" pitchFamily="18" charset="0"/>
+            </a:endParaRPr>
+          </a:p>
+          <a:p>
+            <a:pPr marL="457200" indent="-457200" algn="l">
+              <a:lnSpc>
+                <a:spcPct val="90000"/>
+              </a:lnSpc>
+              <a:spcBef>
+                <a:spcPts val="1000"/>
+              </a:spcBef>
+              <a:buFont typeface="Arial" panose="020B0604020202020204" pitchFamily="34" charset="0"/>
+              <a:buChar char="•"/>
+            </a:pPr>
+            <a:endParaRPr lang="en-US" altLang="zh-CN" dirty="0">
+              <a:latin typeface="Times New Roman" panose="02020603050405020304" pitchFamily="18" charset="0"/>
+              <a:ea typeface="微软雅黑" panose="020B0503020204020204" pitchFamily="34" charset="-122"/>
+              <a:cs typeface="Times New Roman" panose="02020603050405020304" pitchFamily="18" charset="0"/>
+            </a:endParaRPr>
+          </a:p>
+          <a:p>
+            <a:pPr marL="457200" indent="-457200" algn="l">
+              <a:lnSpc>
+                <a:spcPct val="90000"/>
+              </a:lnSpc>
+              <a:spcBef>
+                <a:spcPts val="1000"/>
+              </a:spcBef>
+              <a:buFont typeface="Arial" panose="020B0604020202020204" pitchFamily="34" charset="0"/>
+              <a:buChar char="•"/>
+            </a:pPr>
+            <a:endParaRPr lang="en-US" altLang="zh-CN" dirty="0">
+              <a:latin typeface="Times New Roman" panose="02020603050405020304" pitchFamily="18" charset="0"/>
+              <a:ea typeface="微软雅黑" panose="020B0503020204020204" pitchFamily="34" charset="-122"/>
+              <a:cs typeface="Times New Roman" panose="02020603050405020304" pitchFamily="18" charset="0"/>
+            </a:endParaRPr>
+          </a:p>
+          <a:p>
+            <a:pPr marL="457200" indent="-457200" algn="l">
+              <a:lnSpc>
+                <a:spcPct val="90000"/>
+              </a:lnSpc>
+              <a:spcBef>
+                <a:spcPts val="1000"/>
+              </a:spcBef>
+              <a:buFont typeface="Arial" panose="020B0604020202020204" pitchFamily="34" charset="0"/>
+              <a:buChar char="•"/>
+            </a:pPr>
+            <a:r>
+              <a:rPr lang="zh-CN" altLang="en-US" dirty="0">
+                <a:latin typeface="Times New Roman" panose="02020603050405020304" pitchFamily="18" charset="0"/>
+                <a:ea typeface="微软雅黑" panose="020B0503020204020204" pitchFamily="34" charset="-122"/>
+                <a:cs typeface="Times New Roman" panose="02020603050405020304" pitchFamily="18" charset="0"/>
+              </a:rPr>
+              <a:t>并行运算</a:t>
+            </a:r>
+            <a:endParaRPr lang="en-US" altLang="zh-CN" dirty="0">
+              <a:latin typeface="Times New Roman" panose="02020603050405020304" pitchFamily="18" charset="0"/>
+              <a:ea typeface="微软雅黑" panose="020B0503020204020204" pitchFamily="34" charset="-122"/>
+              <a:cs typeface="Times New Roman" panose="02020603050405020304" pitchFamily="18" charset="0"/>
+            </a:endParaRPr>
+          </a:p>
+          <a:p>
+            <a:pPr marL="914400" lvl="1" indent="-457200">
+              <a:lnSpc>
+                <a:spcPct val="90000"/>
+              </a:lnSpc>
+              <a:spcBef>
+                <a:spcPts val="1000"/>
+              </a:spcBef>
+              <a:buFont typeface="Arial" panose="020B0604020202020204" pitchFamily="34" charset="0"/>
+              <a:buChar char="•"/>
+            </a:pPr>
+            <a:r>
+              <a:rPr lang="en-US" altLang="zh-CN" dirty="0">
+                <a:latin typeface="Times New Roman" panose="02020603050405020304" pitchFamily="18" charset="0"/>
+                <a:ea typeface="微软雅黑" panose="020B0503020204020204" pitchFamily="34" charset="-122"/>
+                <a:cs typeface="Times New Roman" panose="02020603050405020304" pitchFamily="18" charset="0"/>
+              </a:rPr>
+              <a:t>running a batch of instances, X = [</a:t>
+            </a:r>
+            <a:r>
+              <a:rPr lang="en-US" altLang="zh-CN" dirty="0" err="1">
+                <a:latin typeface="Times New Roman" panose="02020603050405020304" pitchFamily="18" charset="0"/>
+                <a:ea typeface="微软雅黑" panose="020B0503020204020204" pitchFamily="34" charset="-122"/>
+                <a:cs typeface="Times New Roman" panose="02020603050405020304" pitchFamily="18" charset="0"/>
+              </a:rPr>
+              <a:t>x1</a:t>
+            </a:r>
+            <a:r>
+              <a:rPr lang="en-US" altLang="zh-CN" dirty="0">
+                <a:latin typeface="Times New Roman" panose="02020603050405020304" pitchFamily="18" charset="0"/>
+                <a:ea typeface="微软雅黑" panose="020B0503020204020204" pitchFamily="34" charset="-122"/>
+                <a:cs typeface="Times New Roman" panose="02020603050405020304" pitchFamily="18" charset="0"/>
+              </a:rPr>
+              <a:t>…</a:t>
+            </a:r>
+            <a:r>
+              <a:rPr lang="en-US" altLang="zh-CN" dirty="0" err="1">
+                <a:latin typeface="Times New Roman" panose="02020603050405020304" pitchFamily="18" charset="0"/>
+                <a:ea typeface="微软雅黑" panose="020B0503020204020204" pitchFamily="34" charset="-122"/>
+                <a:cs typeface="Times New Roman" panose="02020603050405020304" pitchFamily="18" charset="0"/>
+              </a:rPr>
+              <a:t>xB</a:t>
+            </a:r>
+            <a:r>
+              <a:rPr lang="en-US" altLang="zh-CN" dirty="0">
+                <a:latin typeface="Times New Roman" panose="02020603050405020304" pitchFamily="18" charset="0"/>
+                <a:ea typeface="微软雅黑" panose="020B0503020204020204" pitchFamily="34" charset="-122"/>
+                <a:cs typeface="Times New Roman" panose="02020603050405020304" pitchFamily="18" charset="0"/>
+              </a:rPr>
+              <a:t>], the output Y = [</a:t>
+            </a:r>
+            <a:r>
+              <a:rPr lang="en-US" altLang="zh-CN" dirty="0" err="1">
+                <a:latin typeface="Times New Roman" panose="02020603050405020304" pitchFamily="18" charset="0"/>
+                <a:ea typeface="微软雅黑" panose="020B0503020204020204" pitchFamily="34" charset="-122"/>
+                <a:cs typeface="Times New Roman" panose="02020603050405020304" pitchFamily="18" charset="0"/>
+              </a:rPr>
+              <a:t>y1</a:t>
+            </a:r>
+            <a:r>
+              <a:rPr lang="en-US" altLang="zh-CN" dirty="0">
+                <a:latin typeface="Times New Roman" panose="02020603050405020304" pitchFamily="18" charset="0"/>
+                <a:ea typeface="微软雅黑" panose="020B0503020204020204" pitchFamily="34" charset="-122"/>
+                <a:cs typeface="Times New Roman" panose="02020603050405020304" pitchFamily="18" charset="0"/>
+              </a:rPr>
+              <a:t>…</a:t>
+            </a:r>
+            <a:r>
+              <a:rPr lang="en-US" altLang="zh-CN" dirty="0" err="1">
+                <a:latin typeface="Times New Roman" panose="02020603050405020304" pitchFamily="18" charset="0"/>
+                <a:ea typeface="微软雅黑" panose="020B0503020204020204" pitchFamily="34" charset="-122"/>
+                <a:cs typeface="Times New Roman" panose="02020603050405020304" pitchFamily="18" charset="0"/>
+              </a:rPr>
+              <a:t>yB</a:t>
+            </a:r>
+            <a:r>
+              <a:rPr lang="en-US" altLang="zh-CN" dirty="0">
+                <a:latin typeface="Times New Roman" panose="02020603050405020304" pitchFamily="18" charset="0"/>
+                <a:ea typeface="微软雅黑" panose="020B0503020204020204" pitchFamily="34" charset="-122"/>
+                <a:cs typeface="Times New Roman" panose="02020603050405020304" pitchFamily="18" charset="0"/>
+              </a:rPr>
+              <a:t>] can be computed through the matrix-matrix product Y = AX</a:t>
+            </a:r>
+          </a:p>
+          <a:p>
+            <a:pPr algn="l">
+              <a:lnSpc>
+                <a:spcPct val="90000"/>
+              </a:lnSpc>
+              <a:spcBef>
+                <a:spcPts val="1000"/>
+              </a:spcBef>
+            </a:pPr>
+            <a:endParaRPr lang="zh-CN" altLang="en-US" sz="2800" dirty="0">
+              <a:latin typeface="微软雅黑" panose="020B0503020204020204" pitchFamily="34" charset="-122"/>
+              <a:ea typeface="微软雅黑" panose="020B0503020204020204" pitchFamily="34" charset="-122"/>
+            </a:endParaRPr>
+          </a:p>
+        </p:txBody>
+      </p:sp>
+      <p:pic>
+        <p:nvPicPr>
+          <p:cNvPr id="7" name="图片 6">
+            <a:extLst>
+              <a:ext uri="{FF2B5EF4-FFF2-40B4-BE49-F238E27FC236}">
+                <a16:creationId xmlns:a16="http://schemas.microsoft.com/office/drawing/2014/main" id="{209763F8-DA4D-406B-AD0E-0546B0800C63}"/>
+              </a:ext>
+            </a:extLst>
+          </p:cNvPr>
+          <p:cNvPicPr>
+            <a:picLocks noChangeAspect="1"/>
+          </p:cNvPicPr>
+          <p:nvPr/>
+        </p:nvPicPr>
+        <p:blipFill>
+          <a:blip r:embed="rId4"/>
+          <a:stretch>
+            <a:fillRect/>
+          </a:stretch>
+        </p:blipFill>
+        <p:spPr>
+          <a:xfrm>
+            <a:off x="7962095" y="1165814"/>
+            <a:ext cx="3838859" cy="591073"/>
+          </a:xfrm>
+          <a:prstGeom prst="rect">
+            <a:avLst/>
+          </a:prstGeom>
+        </p:spPr>
+      </p:pic>
+      <p:sp>
+        <p:nvSpPr>
+          <p:cNvPr id="2" name="矩形 1">
+            <a:extLst>
+              <a:ext uri="{FF2B5EF4-FFF2-40B4-BE49-F238E27FC236}">
+                <a16:creationId xmlns:a16="http://schemas.microsoft.com/office/drawing/2014/main" id="{5776C687-FE6D-47ED-B5DA-A9865F47CECD}"/>
+              </a:ext>
+            </a:extLst>
+          </p:cNvPr>
+          <p:cNvSpPr/>
+          <p:nvPr/>
+        </p:nvSpPr>
+        <p:spPr>
+          <a:xfrm>
+            <a:off x="1778145" y="6604084"/>
+            <a:ext cx="8635709" cy="253916"/>
+          </a:xfrm>
+          <a:prstGeom prst="rect">
+            <a:avLst/>
+          </a:prstGeom>
+        </p:spPr>
+        <p:txBody>
+          <a:bodyPr wrap="square">
+            <a:spAutoFit/>
+          </a:bodyPr>
+          <a:lstStyle/>
+          <a:p>
+            <a:r>
+              <a:rPr lang="en-US" altLang="zh-CN" sz="1050" dirty="0">
+                <a:latin typeface="微软雅黑" panose="020B0503020204020204" pitchFamily="34" charset="-122"/>
+                <a:ea typeface="微软雅黑" panose="020B0503020204020204" pitchFamily="34" charset="-122"/>
+              </a:rPr>
+              <a:t>Ryan </a:t>
+            </a:r>
+            <a:r>
+              <a:rPr lang="en-US" altLang="zh-CN" sz="1050" dirty="0" err="1">
+                <a:latin typeface="微软雅黑" panose="020B0503020204020204" pitchFamily="34" charset="-122"/>
+                <a:ea typeface="微软雅黑" panose="020B0503020204020204" pitchFamily="34" charset="-122"/>
+              </a:rPr>
+              <a:t>Hamerly</a:t>
+            </a:r>
+            <a:r>
+              <a:rPr lang="en-US" altLang="zh-CN" sz="1050" dirty="0">
+                <a:latin typeface="微软雅黑" panose="020B0503020204020204" pitchFamily="34" charset="-122"/>
+                <a:ea typeface="微软雅黑" panose="020B0503020204020204" pitchFamily="34" charset="-122"/>
+              </a:rPr>
+              <a:t> et al., Large-Scale Optical Neural Networks Based on Photoelectric Multiplication, Physical Review X, 2019</a:t>
+            </a:r>
+            <a:endParaRPr lang="zh-CN" altLang="en-US" sz="1050" dirty="0">
+              <a:latin typeface="微软雅黑" panose="020B0503020204020204" pitchFamily="34" charset="-122"/>
+              <a:ea typeface="微软雅黑" panose="020B0503020204020204" pitchFamily="34" charset="-122"/>
+            </a:endParaRPr>
           </a:p>
         </p:txBody>
       </p:sp>
     </p:spTree>
     <p:extLst>
       <p:ext uri="{BB962C8B-B14F-4D97-AF65-F5344CB8AC3E}">
-        <p14:creationId xmlns:p14="http://schemas.microsoft.com/office/powerpoint/2010/main" val="4214204154"/>
+        <p14:creationId xmlns:p14="http://schemas.microsoft.com/office/powerpoint/2010/main" val="623524247"/>
       </p:ext>
     </p:extLst>
   </p:cSld>
@@ -2754,21 +3193,48 @@
           <a:chExt cx="0" cy="0"/>
         </a:xfrm>
       </p:grpSpPr>
+      <p:sp>
+        <p:nvSpPr>
+          <p:cNvPr id="3" name="标题 2">
+            <a:extLst>
+              <a:ext uri="{FF2B5EF4-FFF2-40B4-BE49-F238E27FC236}">
+                <a16:creationId xmlns:a16="http://schemas.microsoft.com/office/drawing/2014/main" id="{0061993C-C465-46FB-9528-7419A56567FD}"/>
+              </a:ext>
+            </a:extLst>
+          </p:cNvPr>
+          <p:cNvSpPr>
+            <a:spLocks noGrp="1"/>
+          </p:cNvSpPr>
+          <p:nvPr>
+            <p:ph type="title"/>
+          </p:nvPr>
+        </p:nvSpPr>
+        <p:spPr/>
+        <p:txBody>
+          <a:bodyPr/>
+          <a:lstStyle/>
+          <a:p>
+            <a:r>
+              <a:rPr lang="en-US" altLang="zh-CN" dirty="0"/>
+              <a:t>Results</a:t>
+            </a:r>
+            <a:endParaRPr lang="zh-CN" altLang="en-US" dirty="0"/>
+          </a:p>
+        </p:txBody>
+      </p:sp>
       <p:pic>
         <p:nvPicPr>
-          <p:cNvPr id="4" name="内容占位符 3">
-            <a:extLst>
-              <a:ext uri="{FF2B5EF4-FFF2-40B4-BE49-F238E27FC236}">
-                <a16:creationId xmlns:a16="http://schemas.microsoft.com/office/drawing/2014/main" id="{4D403EC5-E397-482B-BC7D-ECEE8A719266}"/>
+          <p:cNvPr id="5" name="图片 4">
+            <a:extLst>
+              <a:ext uri="{FF2B5EF4-FFF2-40B4-BE49-F238E27FC236}">
+                <a16:creationId xmlns:a16="http://schemas.microsoft.com/office/drawing/2014/main" id="{53F52D17-6AD1-47BF-962E-A45891AEBF15}"/>
               </a:ext>
             </a:extLst>
           </p:cNvPr>
           <p:cNvPicPr>
-            <a:picLocks noGrp="1" noChangeAspect="1"/>
+            <a:picLocks noChangeAspect="1"/>
           </p:cNvPicPr>
-          <p:nvPr>
-            <p:ph idx="1"/>
-          </p:nvPr>
+          <p:nvPr/>
         </p:nvPicPr>
         <p:blipFill>
           <a:blip r:embed="rId2"/>
@@ -2778,8 +3244,8 @@
         </p:blipFill>
         <p:spPr>
           <a:xfrm>
-            <a:off x="391046" y="3959048"/>
-            <a:ext cx="3670300" cy="2240814"/>
+            <a:off x="1454316" y="1348380"/>
+            <a:ext cx="4100059" cy="5144494"/>
           </a:xfrm>
           <a:prstGeom prst="rect">
             <a:avLst/>
@@ -2788,10 +3254,10 @@
       </p:pic>
       <p:pic>
         <p:nvPicPr>
-          <p:cNvPr id="3" name="图片 2">
-            <a:extLst>
-              <a:ext uri="{FF2B5EF4-FFF2-40B4-BE49-F238E27FC236}">
-                <a16:creationId xmlns:a16="http://schemas.microsoft.com/office/drawing/2014/main" id="{4F5F5F2E-4D61-4FEF-9640-332312AAE6D1}"/>
+          <p:cNvPr id="6" name="图片 5">
+            <a:extLst>
+              <a:ext uri="{FF2B5EF4-FFF2-40B4-BE49-F238E27FC236}">
+                <a16:creationId xmlns:a16="http://schemas.microsoft.com/office/drawing/2014/main" id="{5154EA9C-A078-4502-AFA2-6D3E158B55DD}"/>
               </a:ext>
             </a:extLst>
           </p:cNvPr>
@@ -2808,8 +3274,8 @@
         </p:blipFill>
         <p:spPr>
           <a:xfrm>
-            <a:off x="391046" y="532838"/>
-            <a:ext cx="6295345" cy="2886136"/>
+            <a:off x="6637627" y="1311966"/>
+            <a:ext cx="3965547" cy="5144494"/>
           </a:xfrm>
           <a:prstGeom prst="rect">
             <a:avLst/>
@@ -2818,316 +3284,63 @@
       </p:pic>
       <p:sp>
         <p:nvSpPr>
-          <p:cNvPr id="5" name="文本框 4">
-            <a:extLst>
-              <a:ext uri="{FF2B5EF4-FFF2-40B4-BE49-F238E27FC236}">
-                <a16:creationId xmlns:a16="http://schemas.microsoft.com/office/drawing/2014/main" id="{5BDBB4EA-B47A-4B98-A60A-07C2398CAABA}"/>
-              </a:ext>
-            </a:extLst>
-          </p:cNvPr>
-          <p:cNvSpPr txBox="1"/>
+          <p:cNvPr id="7" name="矩形 6">
+            <a:extLst>
+              <a:ext uri="{FF2B5EF4-FFF2-40B4-BE49-F238E27FC236}">
+                <a16:creationId xmlns:a16="http://schemas.microsoft.com/office/drawing/2014/main" id="{1D3DECA2-02C6-45EA-B6B5-080FE37D4A80}"/>
+              </a:ext>
+            </a:extLst>
+          </p:cNvPr>
+          <p:cNvSpPr/>
           <p:nvPr/>
         </p:nvSpPr>
         <p:spPr>
           <a:xfrm>
-            <a:off x="4885898" y="4719869"/>
-            <a:ext cx="1800493" cy="719171"/>
-          </a:xfrm>
-          <a:prstGeom prst="rect">
-            <a:avLst/>
-          </a:prstGeom>
-          <a:noFill/>
-        </p:spPr>
-        <p:txBody>
-          <a:bodyPr wrap="none" rtlCol="0">
-            <a:spAutoFit/>
-          </a:bodyPr>
-          <a:lstStyle/>
-          <a:p>
-            <a:pPr algn="l">
-              <a:lnSpc>
-                <a:spcPct val="90000"/>
-              </a:lnSpc>
-              <a:spcBef>
-                <a:spcPts val="1000"/>
-              </a:spcBef>
-            </a:pPr>
-            <a:r>
-              <a:rPr lang="zh-CN" altLang="en-US" dirty="0">
-                <a:latin typeface="微软雅黑" panose="020B0503020204020204" pitchFamily="34" charset="-122"/>
-                <a:ea typeface="微软雅黑" panose="020B0503020204020204" pitchFamily="34" charset="-122"/>
-              </a:rPr>
-              <a:t>上图：计算过程</a:t>
-            </a:r>
-            <a:endParaRPr lang="en-US" altLang="zh-CN" dirty="0">
-              <a:latin typeface="微软雅黑" panose="020B0503020204020204" pitchFamily="34" charset="-122"/>
-              <a:ea typeface="微软雅黑" panose="020B0503020204020204" pitchFamily="34" charset="-122"/>
-            </a:endParaRPr>
-          </a:p>
-          <a:p>
-            <a:pPr algn="l">
-              <a:lnSpc>
-                <a:spcPct val="90000"/>
-              </a:lnSpc>
-              <a:spcBef>
-                <a:spcPts val="1000"/>
-              </a:spcBef>
-            </a:pPr>
-            <a:r>
-              <a:rPr lang="zh-CN" altLang="en-US" dirty="0">
-                <a:latin typeface="微软雅黑" panose="020B0503020204020204" pitchFamily="34" charset="-122"/>
-                <a:ea typeface="微软雅黑" panose="020B0503020204020204" pitchFamily="34" charset="-122"/>
-              </a:rPr>
-              <a:t>左图：并行计算</a:t>
-            </a:r>
-          </a:p>
-        </p:txBody>
-      </p:sp>
-      <p:sp>
-        <p:nvSpPr>
-          <p:cNvPr id="6" name="文本框 5">
-            <a:extLst>
-              <a:ext uri="{FF2B5EF4-FFF2-40B4-BE49-F238E27FC236}">
-                <a16:creationId xmlns:a16="http://schemas.microsoft.com/office/drawing/2014/main" id="{F47E848F-8C1D-4872-8B50-96706EA1FFA7}"/>
-              </a:ext>
-            </a:extLst>
-          </p:cNvPr>
-          <p:cNvSpPr txBox="1"/>
-          <p:nvPr/>
-        </p:nvSpPr>
-        <p:spPr>
-          <a:xfrm>
-            <a:off x="6796586" y="736979"/>
-            <a:ext cx="5240740" cy="2866426"/>
-          </a:xfrm>
-          <a:prstGeom prst="rect">
-            <a:avLst/>
-          </a:prstGeom>
-          <a:noFill/>
-        </p:spPr>
-        <p:txBody>
-          <a:bodyPr wrap="square" rtlCol="0">
-            <a:spAutoFit/>
-          </a:bodyPr>
-          <a:lstStyle/>
-          <a:p>
-            <a:pPr marL="457200" indent="-457200" algn="l">
-              <a:lnSpc>
-                <a:spcPct val="90000"/>
-              </a:lnSpc>
-              <a:spcBef>
-                <a:spcPts val="1000"/>
-              </a:spcBef>
-              <a:buFont typeface="Arial" panose="020B0604020202020204" pitchFamily="34" charset="0"/>
-              <a:buChar char="•"/>
-            </a:pPr>
-            <a:r>
-              <a:rPr lang="zh-CN" altLang="en-US" dirty="0">
-                <a:latin typeface="Times New Roman" panose="02020603050405020304" pitchFamily="18" charset="0"/>
-                <a:ea typeface="微软雅黑" panose="020B0503020204020204" pitchFamily="34" charset="-122"/>
-                <a:cs typeface="Times New Roman" panose="02020603050405020304" pitchFamily="18" charset="0"/>
-              </a:rPr>
-              <a:t>乘积值正比于探测器收到的电荷值</a:t>
-            </a:r>
-            <a:endParaRPr lang="en-US" altLang="zh-CN" dirty="0">
-              <a:latin typeface="Times New Roman" panose="02020603050405020304" pitchFamily="18" charset="0"/>
-              <a:ea typeface="微软雅黑" panose="020B0503020204020204" pitchFamily="34" charset="-122"/>
-              <a:cs typeface="Times New Roman" panose="02020603050405020304" pitchFamily="18" charset="0"/>
-            </a:endParaRPr>
-          </a:p>
-          <a:p>
-            <a:pPr marL="457200" indent="-457200" algn="l">
-              <a:lnSpc>
-                <a:spcPct val="90000"/>
-              </a:lnSpc>
-              <a:spcBef>
-                <a:spcPts val="1000"/>
-              </a:spcBef>
-              <a:buFont typeface="Arial" panose="020B0604020202020204" pitchFamily="34" charset="0"/>
-              <a:buChar char="•"/>
-            </a:pPr>
-            <a:endParaRPr lang="en-US" altLang="zh-CN" dirty="0">
-              <a:latin typeface="Times New Roman" panose="02020603050405020304" pitchFamily="18" charset="0"/>
-              <a:ea typeface="微软雅黑" panose="020B0503020204020204" pitchFamily="34" charset="-122"/>
-              <a:cs typeface="Times New Roman" panose="02020603050405020304" pitchFamily="18" charset="0"/>
-            </a:endParaRPr>
-          </a:p>
-          <a:p>
-            <a:pPr marL="457200" indent="-457200" algn="l">
-              <a:lnSpc>
-                <a:spcPct val="90000"/>
-              </a:lnSpc>
-              <a:spcBef>
-                <a:spcPts val="1000"/>
-              </a:spcBef>
-              <a:buFont typeface="Arial" panose="020B0604020202020204" pitchFamily="34" charset="0"/>
-              <a:buChar char="•"/>
-            </a:pPr>
-            <a:endParaRPr lang="en-US" altLang="zh-CN" dirty="0">
-              <a:latin typeface="Times New Roman" panose="02020603050405020304" pitchFamily="18" charset="0"/>
-              <a:ea typeface="微软雅黑" panose="020B0503020204020204" pitchFamily="34" charset="-122"/>
-              <a:cs typeface="Times New Roman" panose="02020603050405020304" pitchFamily="18" charset="0"/>
-            </a:endParaRPr>
-          </a:p>
-          <a:p>
-            <a:pPr marL="457200" indent="-457200" algn="l">
-              <a:lnSpc>
-                <a:spcPct val="90000"/>
-              </a:lnSpc>
-              <a:spcBef>
-                <a:spcPts val="1000"/>
-              </a:spcBef>
-              <a:buFont typeface="Arial" panose="020B0604020202020204" pitchFamily="34" charset="0"/>
-              <a:buChar char="•"/>
-            </a:pPr>
-            <a:r>
-              <a:rPr lang="zh-CN" altLang="en-US" dirty="0">
-                <a:latin typeface="Times New Roman" panose="02020603050405020304" pitchFamily="18" charset="0"/>
-                <a:ea typeface="微软雅黑" panose="020B0503020204020204" pitchFamily="34" charset="-122"/>
-                <a:cs typeface="Times New Roman" panose="02020603050405020304" pitchFamily="18" charset="0"/>
-              </a:rPr>
-              <a:t>并行运算</a:t>
-            </a:r>
-            <a:endParaRPr lang="en-US" altLang="zh-CN" dirty="0">
-              <a:latin typeface="Times New Roman" panose="02020603050405020304" pitchFamily="18" charset="0"/>
-              <a:ea typeface="微软雅黑" panose="020B0503020204020204" pitchFamily="34" charset="-122"/>
-              <a:cs typeface="Times New Roman" panose="02020603050405020304" pitchFamily="18" charset="0"/>
-            </a:endParaRPr>
-          </a:p>
-          <a:p>
-            <a:pPr marL="914400" lvl="1" indent="-457200">
-              <a:lnSpc>
-                <a:spcPct val="90000"/>
-              </a:lnSpc>
-              <a:spcBef>
-                <a:spcPts val="1000"/>
-              </a:spcBef>
-              <a:buFont typeface="Arial" panose="020B0604020202020204" pitchFamily="34" charset="0"/>
-              <a:buChar char="•"/>
-            </a:pPr>
-            <a:r>
-              <a:rPr lang="en-US" altLang="zh-CN" dirty="0">
-                <a:latin typeface="Times New Roman" panose="02020603050405020304" pitchFamily="18" charset="0"/>
-                <a:ea typeface="微软雅黑" panose="020B0503020204020204" pitchFamily="34" charset="-122"/>
-                <a:cs typeface="Times New Roman" panose="02020603050405020304" pitchFamily="18" charset="0"/>
-              </a:rPr>
-              <a:t>running a batch of instances, X = [</a:t>
-            </a:r>
-            <a:r>
-              <a:rPr lang="en-US" altLang="zh-CN" dirty="0" err="1">
-                <a:latin typeface="Times New Roman" panose="02020603050405020304" pitchFamily="18" charset="0"/>
-                <a:ea typeface="微软雅黑" panose="020B0503020204020204" pitchFamily="34" charset="-122"/>
-                <a:cs typeface="Times New Roman" panose="02020603050405020304" pitchFamily="18" charset="0"/>
-              </a:rPr>
-              <a:t>x1</a:t>
-            </a:r>
-            <a:r>
-              <a:rPr lang="en-US" altLang="zh-CN" dirty="0">
-                <a:latin typeface="Times New Roman" panose="02020603050405020304" pitchFamily="18" charset="0"/>
-                <a:ea typeface="微软雅黑" panose="020B0503020204020204" pitchFamily="34" charset="-122"/>
-                <a:cs typeface="Times New Roman" panose="02020603050405020304" pitchFamily="18" charset="0"/>
-              </a:rPr>
-              <a:t>…</a:t>
-            </a:r>
-            <a:r>
-              <a:rPr lang="en-US" altLang="zh-CN" dirty="0" err="1">
-                <a:latin typeface="Times New Roman" panose="02020603050405020304" pitchFamily="18" charset="0"/>
-                <a:ea typeface="微软雅黑" panose="020B0503020204020204" pitchFamily="34" charset="-122"/>
-                <a:cs typeface="Times New Roman" panose="02020603050405020304" pitchFamily="18" charset="0"/>
-              </a:rPr>
-              <a:t>xB</a:t>
-            </a:r>
-            <a:r>
-              <a:rPr lang="en-US" altLang="zh-CN" dirty="0">
-                <a:latin typeface="Times New Roman" panose="02020603050405020304" pitchFamily="18" charset="0"/>
-                <a:ea typeface="微软雅黑" panose="020B0503020204020204" pitchFamily="34" charset="-122"/>
-                <a:cs typeface="Times New Roman" panose="02020603050405020304" pitchFamily="18" charset="0"/>
-              </a:rPr>
-              <a:t>], the output Y = [</a:t>
-            </a:r>
-            <a:r>
-              <a:rPr lang="en-US" altLang="zh-CN" dirty="0" err="1">
-                <a:latin typeface="Times New Roman" panose="02020603050405020304" pitchFamily="18" charset="0"/>
-                <a:ea typeface="微软雅黑" panose="020B0503020204020204" pitchFamily="34" charset="-122"/>
-                <a:cs typeface="Times New Roman" panose="02020603050405020304" pitchFamily="18" charset="0"/>
-              </a:rPr>
-              <a:t>y1</a:t>
-            </a:r>
-            <a:r>
-              <a:rPr lang="en-US" altLang="zh-CN" dirty="0">
-                <a:latin typeface="Times New Roman" panose="02020603050405020304" pitchFamily="18" charset="0"/>
-                <a:ea typeface="微软雅黑" panose="020B0503020204020204" pitchFamily="34" charset="-122"/>
-                <a:cs typeface="Times New Roman" panose="02020603050405020304" pitchFamily="18" charset="0"/>
-              </a:rPr>
-              <a:t>…</a:t>
-            </a:r>
-            <a:r>
-              <a:rPr lang="en-US" altLang="zh-CN" dirty="0" err="1">
-                <a:latin typeface="Times New Roman" panose="02020603050405020304" pitchFamily="18" charset="0"/>
-                <a:ea typeface="微软雅黑" panose="020B0503020204020204" pitchFamily="34" charset="-122"/>
-                <a:cs typeface="Times New Roman" panose="02020603050405020304" pitchFamily="18" charset="0"/>
-              </a:rPr>
-              <a:t>yB</a:t>
-            </a:r>
-            <a:r>
-              <a:rPr lang="en-US" altLang="zh-CN" dirty="0">
-                <a:latin typeface="Times New Roman" panose="02020603050405020304" pitchFamily="18" charset="0"/>
-                <a:ea typeface="微软雅黑" panose="020B0503020204020204" pitchFamily="34" charset="-122"/>
-                <a:cs typeface="Times New Roman" panose="02020603050405020304" pitchFamily="18" charset="0"/>
-              </a:rPr>
-              <a:t>] can be computed through the matrix-matrix product Y = AX</a:t>
-            </a:r>
-          </a:p>
-          <a:p>
-            <a:pPr algn="l">
-              <a:lnSpc>
-                <a:spcPct val="90000"/>
-              </a:lnSpc>
-              <a:spcBef>
-                <a:spcPts val="1000"/>
-              </a:spcBef>
-            </a:pPr>
-            <a:endParaRPr lang="zh-CN" altLang="en-US" sz="2800" dirty="0">
-              <a:latin typeface="微软雅黑" panose="020B0503020204020204" pitchFamily="34" charset="-122"/>
-              <a:ea typeface="微软雅黑" panose="020B0503020204020204" pitchFamily="34" charset="-122"/>
-            </a:endParaRPr>
-          </a:p>
-        </p:txBody>
-      </p:sp>
-      <p:pic>
-        <p:nvPicPr>
-          <p:cNvPr id="7" name="图片 6">
-            <a:extLst>
-              <a:ext uri="{FF2B5EF4-FFF2-40B4-BE49-F238E27FC236}">
-                <a16:creationId xmlns:a16="http://schemas.microsoft.com/office/drawing/2014/main" id="{209763F8-DA4D-406B-AD0E-0546B0800C63}"/>
-              </a:ext>
-            </a:extLst>
-          </p:cNvPr>
-          <p:cNvPicPr>
-            <a:picLocks noChangeAspect="1"/>
-          </p:cNvPicPr>
-          <p:nvPr/>
-        </p:nvPicPr>
-        <p:blipFill>
-          <a:blip r:embed="rId4"/>
-          <a:stretch>
-            <a:fillRect/>
-          </a:stretch>
-        </p:blipFill>
-        <p:spPr>
-          <a:xfrm>
-            <a:off x="7962095" y="1165814"/>
-            <a:ext cx="3838859" cy="591073"/>
+            <a:off x="1778145" y="6604084"/>
+            <a:ext cx="8635709" cy="253916"/>
           </a:xfrm>
           <a:prstGeom prst="rect">
             <a:avLst/>
           </a:prstGeom>
         </p:spPr>
-      </p:pic>
+        <p:txBody>
+          <a:bodyPr wrap="square">
+            <a:spAutoFit/>
+          </a:bodyPr>
+          <a:lstStyle/>
+          <a:p>
+            <a:r>
+              <a:rPr lang="en-US" altLang="zh-CN" sz="1050" dirty="0">
+                <a:latin typeface="微软雅黑" panose="020B0503020204020204" pitchFamily="34" charset="-122"/>
+                <a:ea typeface="微软雅黑" panose="020B0503020204020204" pitchFamily="34" charset="-122"/>
+              </a:rPr>
+              <a:t>Ryan </a:t>
+            </a:r>
+            <a:r>
+              <a:rPr lang="en-US" altLang="zh-CN" sz="1050" dirty="0" err="1">
+                <a:latin typeface="微软雅黑" panose="020B0503020204020204" pitchFamily="34" charset="-122"/>
+                <a:ea typeface="微软雅黑" panose="020B0503020204020204" pitchFamily="34" charset="-122"/>
+              </a:rPr>
+              <a:t>Hamerly</a:t>
+            </a:r>
+            <a:r>
+              <a:rPr lang="en-US" altLang="zh-CN" sz="1050" dirty="0">
+                <a:latin typeface="微软雅黑" panose="020B0503020204020204" pitchFamily="34" charset="-122"/>
+                <a:ea typeface="微软雅黑" panose="020B0503020204020204" pitchFamily="34" charset="-122"/>
+              </a:rPr>
+              <a:t> et al., Large-Scale Optical Neural Networks Based on Photoelectric Multiplication, Physical Review X, 2019</a:t>
+            </a:r>
+            <a:endParaRPr lang="zh-CN" altLang="en-US" sz="1050" dirty="0">
+              <a:latin typeface="微软雅黑" panose="020B0503020204020204" pitchFamily="34" charset="-122"/>
+              <a:ea typeface="微软雅黑" panose="020B0503020204020204" pitchFamily="34" charset="-122"/>
+            </a:endParaRPr>
+          </a:p>
+        </p:txBody>
+      </p:sp>
     </p:spTree>
     <p:extLst>
       <p:ext uri="{BB962C8B-B14F-4D97-AF65-F5344CB8AC3E}">
-        <p14:creationId xmlns:p14="http://schemas.microsoft.com/office/powerpoint/2010/main" val="623524247"/>
+        <p14:creationId xmlns:p14="http://schemas.microsoft.com/office/powerpoint/2010/main" val="2449868782"/>
       </p:ext>
     </p:extLst>
   </p:cSld>
@@ -3159,7 +3372,7 @@
           <p:cNvPr id="3" name="标题 2">
             <a:extLst>
               <a:ext uri="{FF2B5EF4-FFF2-40B4-BE49-F238E27FC236}">
-                <a16:creationId xmlns:a16="http://schemas.microsoft.com/office/drawing/2014/main" id="{0061993C-C465-46FB-9528-7419A56567FD}"/>
+                <a16:creationId xmlns:a16="http://schemas.microsoft.com/office/drawing/2014/main" id="{C53A317E-D7C4-433C-BE8D-81F88A7390C2}"/>
               </a:ext>
             </a:extLst>
           </p:cNvPr>
@@ -3172,23 +3385,82 @@
         </p:nvSpPr>
         <p:spPr/>
         <p:txBody>
+          <a:bodyPr>
+            <a:noAutofit/>
+          </a:bodyPr>
+          <a:lstStyle/>
+          <a:p>
+            <a:r>
+              <a:rPr lang="en-US" altLang="zh-CN" sz="3200" dirty="0"/>
+              <a:t>On-Chip Optical Convolutional Neural Networks</a:t>
+            </a:r>
+            <a:endParaRPr lang="zh-CN" altLang="en-US" sz="3200" dirty="0"/>
+          </a:p>
+        </p:txBody>
+      </p:sp>
+      <p:sp>
+        <p:nvSpPr>
+          <p:cNvPr id="7" name="内容占位符 6">
+            <a:extLst>
+              <a:ext uri="{FF2B5EF4-FFF2-40B4-BE49-F238E27FC236}">
+                <a16:creationId xmlns:a16="http://schemas.microsoft.com/office/drawing/2014/main" id="{06C6F7D6-8350-4698-9355-D4F287902E5E}"/>
+              </a:ext>
+            </a:extLst>
+          </p:cNvPr>
+          <p:cNvSpPr>
+            <a:spLocks noGrp="1"/>
+          </p:cNvSpPr>
+          <p:nvPr>
+            <p:ph idx="1"/>
+          </p:nvPr>
+        </p:nvSpPr>
+        <p:spPr>
+          <a:xfrm>
+            <a:off x="838200" y="1510748"/>
+            <a:ext cx="8276771" cy="5144494"/>
+          </a:xfrm>
+        </p:spPr>
+        <p:txBody>
           <a:bodyPr/>
           <a:lstStyle/>
           <a:p>
             <a:r>
-              <a:rPr lang="en-US" altLang="zh-CN" dirty="0"/>
-              <a:t>Results</a:t>
-            </a:r>
-            <a:endParaRPr lang="zh-CN" altLang="en-US" dirty="0"/>
+              <a:rPr lang="en-US" altLang="zh-CN" dirty="0">
+                <a:latin typeface="Times New Roman" panose="02020603050405020304" pitchFamily="18" charset="0"/>
+                <a:cs typeface="Times New Roman" panose="02020603050405020304" pitchFamily="18" charset="0"/>
+              </a:rPr>
+              <a:t>Convolutional Neural Networks (CNN): convolving input images with filter-kernels for object recognition and classification purposes</a:t>
+            </a:r>
+          </a:p>
+          <a:p>
+            <a:r>
+              <a:rPr lang="en-US" altLang="zh-CN" dirty="0">
+                <a:latin typeface="Times New Roman" panose="02020603050405020304" pitchFamily="18" charset="0"/>
+                <a:cs typeface="Times New Roman" panose="02020603050405020304" pitchFamily="18" charset="0"/>
+              </a:rPr>
+              <a:t>input image </a:t>
+            </a:r>
+            <a:r>
+              <a:rPr lang="en-US" altLang="zh-CN" dirty="0">
+                <a:latin typeface="Times New Roman" panose="02020603050405020304" pitchFamily="18" charset="0"/>
+                <a:cs typeface="Times New Roman" panose="02020603050405020304" pitchFamily="18" charset="0"/>
+                <a:sym typeface="Wingdings" panose="05000000000000000000" pitchFamily="2" charset="2"/>
+              </a:rPr>
+              <a:t> convolution and pooling layers  mapping output to classification targets</a:t>
+            </a:r>
+            <a:endParaRPr lang="zh-CN" altLang="en-US" dirty="0">
+              <a:latin typeface="Times New Roman" panose="02020603050405020304" pitchFamily="18" charset="0"/>
+              <a:cs typeface="Times New Roman" panose="02020603050405020304" pitchFamily="18" charset="0"/>
+            </a:endParaRPr>
           </a:p>
         </p:txBody>
       </p:sp>
       <p:pic>
         <p:nvPicPr>
-          <p:cNvPr id="5" name="图片 4">
-            <a:extLst>
-              <a:ext uri="{FF2B5EF4-FFF2-40B4-BE49-F238E27FC236}">
-                <a16:creationId xmlns:a16="http://schemas.microsoft.com/office/drawing/2014/main" id="{53F52D17-6AD1-47BF-962E-A45891AEBF15}"/>
+          <p:cNvPr id="10" name="图片 9">
+            <a:extLst>
+              <a:ext uri="{FF2B5EF4-FFF2-40B4-BE49-F238E27FC236}">
+                <a16:creationId xmlns:a16="http://schemas.microsoft.com/office/drawing/2014/main" id="{1F80F86E-8394-4C02-A4F0-235070134B6C}"/>
               </a:ext>
             </a:extLst>
           </p:cNvPr>
@@ -3204,49 +3476,95 @@
           </a:stretch>
         </p:blipFill>
         <p:spPr>
-          <a:xfrm>
-            <a:off x="1454316" y="1606282"/>
-            <a:ext cx="4100059" cy="5144494"/>
+          <a:xfrm rot="5400000">
+            <a:off x="8182429" y="2615648"/>
+            <a:ext cx="4305300" cy="2095500"/>
           </a:xfrm>
           <a:prstGeom prst="rect">
             <a:avLst/>
           </a:prstGeom>
         </p:spPr>
       </p:pic>
-      <p:pic>
-        <p:nvPicPr>
-          <p:cNvPr id="6" name="图片 5">
-            <a:extLst>
-              <a:ext uri="{FF2B5EF4-FFF2-40B4-BE49-F238E27FC236}">
-                <a16:creationId xmlns:a16="http://schemas.microsoft.com/office/drawing/2014/main" id="{5154EA9C-A078-4502-AFA2-6D3E158B55DD}"/>
-              </a:ext>
-            </a:extLst>
-          </p:cNvPr>
-          <p:cNvPicPr>
-            <a:picLocks noChangeAspect="1"/>
-          </p:cNvPicPr>
+      <p:sp>
+        <p:nvSpPr>
+          <p:cNvPr id="11" name="矩形 10">
+            <a:extLst>
+              <a:ext uri="{FF2B5EF4-FFF2-40B4-BE49-F238E27FC236}">
+                <a16:creationId xmlns:a16="http://schemas.microsoft.com/office/drawing/2014/main" id="{27682AEF-2213-4723-9E07-566A6F59670D}"/>
+              </a:ext>
+            </a:extLst>
+          </p:cNvPr>
+          <p:cNvSpPr/>
           <p:nvPr/>
-        </p:nvPicPr>
-        <p:blipFill>
-          <a:blip r:embed="rId3"/>
-          <a:stretch>
-            <a:fillRect/>
-          </a:stretch>
-        </p:blipFill>
+        </p:nvSpPr>
         <p:spPr>
           <a:xfrm>
-            <a:off x="6637626" y="1510748"/>
-            <a:ext cx="3965547" cy="5144494"/>
+            <a:off x="3288180" y="6607803"/>
+            <a:ext cx="5615640" cy="246221"/>
           </a:xfrm>
           <a:prstGeom prst="rect">
             <a:avLst/>
           </a:prstGeom>
         </p:spPr>
-      </p:pic>
+        <p:txBody>
+          <a:bodyPr wrap="none">
+            <a:spAutoFit/>
+          </a:bodyPr>
+          <a:lstStyle/>
+          <a:p>
+            <a:r>
+              <a:rPr lang="en-US" altLang="zh-CN" sz="1000" dirty="0" err="1">
+                <a:latin typeface="微软雅黑" panose="020B0503020204020204" pitchFamily="34" charset="-122"/>
+                <a:ea typeface="微软雅黑" panose="020B0503020204020204" pitchFamily="34" charset="-122"/>
+              </a:rPr>
+              <a:t>Hengameh</a:t>
+            </a:r>
+            <a:r>
+              <a:rPr lang="en-US" altLang="zh-CN" sz="1000" dirty="0">
+                <a:latin typeface="微软雅黑" panose="020B0503020204020204" pitchFamily="34" charset="-122"/>
+                <a:ea typeface="微软雅黑" panose="020B0503020204020204" pitchFamily="34" charset="-122"/>
+              </a:rPr>
+              <a:t> </a:t>
+            </a:r>
+            <a:r>
+              <a:rPr lang="en-US" altLang="zh-CN" sz="1000" dirty="0" err="1">
+                <a:latin typeface="微软雅黑" panose="020B0503020204020204" pitchFamily="34" charset="-122"/>
+                <a:ea typeface="微软雅黑" panose="020B0503020204020204" pitchFamily="34" charset="-122"/>
+              </a:rPr>
+              <a:t>Bagherian</a:t>
+            </a:r>
+            <a:r>
+              <a:rPr lang="en-US" altLang="zh-CN" sz="1000" dirty="0">
+                <a:latin typeface="微软雅黑" panose="020B0503020204020204" pitchFamily="34" charset="-122"/>
+                <a:ea typeface="微软雅黑" panose="020B0503020204020204" pitchFamily="34" charset="-122"/>
+              </a:rPr>
+              <a:t> et al., On-Chip Optical Convolutional Neural Networks, </a:t>
+            </a:r>
+            <a:r>
+              <a:rPr lang="en-US" altLang="zh-CN" sz="1000" dirty="0" err="1">
+                <a:latin typeface="微软雅黑" panose="020B0503020204020204" pitchFamily="34" charset="-122"/>
+                <a:ea typeface="微软雅黑" panose="020B0503020204020204" pitchFamily="34" charset="-122"/>
+              </a:rPr>
+              <a:t>arXiv</a:t>
+            </a:r>
+            <a:r>
+              <a:rPr lang="en-US" altLang="zh-CN" sz="1000" dirty="0">
+                <a:latin typeface="微软雅黑" panose="020B0503020204020204" pitchFamily="34" charset="-122"/>
+                <a:ea typeface="微软雅黑" panose="020B0503020204020204" pitchFamily="34" charset="-122"/>
+              </a:rPr>
+              <a:t>, 2018</a:t>
+            </a:r>
+            <a:endParaRPr lang="zh-CN" altLang="en-US" sz="1000" dirty="0">
+              <a:latin typeface="微软雅黑" panose="020B0503020204020204" pitchFamily="34" charset="-122"/>
+              <a:ea typeface="微软雅黑" panose="020B0503020204020204" pitchFamily="34" charset="-122"/>
+            </a:endParaRPr>
+          </a:p>
+        </p:txBody>
+      </p:sp>
     </p:spTree>
     <p:extLst>
       <p:ext uri="{BB962C8B-B14F-4D97-AF65-F5344CB8AC3E}">
-        <p14:creationId xmlns:p14="http://schemas.microsoft.com/office/powerpoint/2010/main" val="2449868782"/>
+        <p14:creationId xmlns:p14="http://schemas.microsoft.com/office/powerpoint/2010/main" val="4099522362"/>
       </p:ext>
     </p:extLst>
   </p:cSld>
@@ -3273,127 +3591,21 @@
           <a:chExt cx="0" cy="0"/>
         </a:xfrm>
       </p:grpSpPr>
-      <p:sp>
-        <p:nvSpPr>
-          <p:cNvPr id="2" name="内容占位符 1">
-            <a:extLst>
-              <a:ext uri="{FF2B5EF4-FFF2-40B4-BE49-F238E27FC236}">
-                <a16:creationId xmlns:a16="http://schemas.microsoft.com/office/drawing/2014/main" id="{00D75A3B-A088-46C0-A2AC-859FF8293EEA}"/>
-              </a:ext>
-            </a:extLst>
-          </p:cNvPr>
-          <p:cNvSpPr>
-            <a:spLocks noGrp="1"/>
-          </p:cNvSpPr>
+      <p:pic>
+        <p:nvPicPr>
+          <p:cNvPr id="3" name="内容占位符 2">
+            <a:extLst>
+              <a:ext uri="{FF2B5EF4-FFF2-40B4-BE49-F238E27FC236}">
+                <a16:creationId xmlns:a16="http://schemas.microsoft.com/office/drawing/2014/main" id="{B39C9D31-5985-4C19-B9B3-0E2577E2EDC0}"/>
+              </a:ext>
+            </a:extLst>
+          </p:cNvPr>
+          <p:cNvPicPr>
+            <a:picLocks noGrp="1" noChangeAspect="1"/>
+          </p:cNvPicPr>
           <p:nvPr>
             <p:ph idx="1"/>
           </p:nvPr>
-        </p:nvSpPr>
-        <p:spPr/>
-        <p:txBody>
-          <a:bodyPr/>
-          <a:lstStyle/>
-          <a:p>
-            <a:r>
-              <a:rPr lang="en-US" altLang="zh-CN" sz="2400" dirty="0">
-                <a:latin typeface="Times New Roman" panose="02020603050405020304" pitchFamily="18" charset="0"/>
-                <a:cs typeface="Times New Roman" panose="02020603050405020304" pitchFamily="18" charset="0"/>
-              </a:rPr>
-              <a:t>mapping quantum optics features(mode mixing, optical nonlinearity) to neural networks</a:t>
-            </a:r>
-          </a:p>
-          <a:p>
-            <a:r>
-              <a:rPr lang="en-US" altLang="zh-CN" sz="2400" dirty="0">
-                <a:latin typeface="Times New Roman" panose="02020603050405020304" pitchFamily="18" charset="0"/>
-                <a:cs typeface="Times New Roman" panose="02020603050405020304" pitchFamily="18" charset="0"/>
-              </a:rPr>
-              <a:t>similar architecture</a:t>
-            </a:r>
-          </a:p>
-          <a:p>
-            <a:r>
-              <a:rPr lang="en-US" altLang="zh-CN" sz="2400" dirty="0">
-                <a:latin typeface="Times New Roman" panose="02020603050405020304" pitchFamily="18" charset="0"/>
-                <a:cs typeface="Times New Roman" panose="02020603050405020304" pitchFamily="18" charset="0"/>
-              </a:rPr>
-              <a:t>CMOS-compatible platform instead of photonics chips</a:t>
-            </a:r>
-          </a:p>
-          <a:p>
-            <a:r>
-              <a:rPr lang="en-US" altLang="zh-CN" sz="2400" dirty="0">
-                <a:latin typeface="Times New Roman" panose="02020603050405020304" pitchFamily="18" charset="0"/>
-                <a:cs typeface="Times New Roman" panose="02020603050405020304" pitchFamily="18" charset="0"/>
-              </a:rPr>
-              <a:t>Application: quantum information processing tasks: quantum optical state compression for quantum networking and black-box quantum simulation</a:t>
-            </a:r>
-          </a:p>
-          <a:p>
-            <a:endParaRPr lang="en-US" altLang="zh-CN" dirty="0"/>
-          </a:p>
-          <a:p>
-            <a:endParaRPr lang="en-US" altLang="zh-CN" dirty="0"/>
-          </a:p>
-          <a:p>
-            <a:endParaRPr lang="en-US" altLang="zh-CN" dirty="0"/>
-          </a:p>
-          <a:p>
-            <a:endParaRPr lang="en-US" altLang="zh-CN" dirty="0"/>
-          </a:p>
-          <a:p>
-            <a:endParaRPr lang="zh-CN" altLang="en-US" dirty="0"/>
-          </a:p>
-        </p:txBody>
-      </p:sp>
-      <p:sp>
-        <p:nvSpPr>
-          <p:cNvPr id="3" name="标题 2">
-            <a:extLst>
-              <a:ext uri="{FF2B5EF4-FFF2-40B4-BE49-F238E27FC236}">
-                <a16:creationId xmlns:a16="http://schemas.microsoft.com/office/drawing/2014/main" id="{D40F7D01-4D3A-4EE9-9FB5-EAFDC3523999}"/>
-              </a:ext>
-            </a:extLst>
-          </p:cNvPr>
-          <p:cNvSpPr>
-            <a:spLocks noGrp="1"/>
-          </p:cNvSpPr>
-          <p:nvPr>
-            <p:ph type="title"/>
-          </p:nvPr>
-        </p:nvSpPr>
-        <p:spPr/>
-        <p:txBody>
-          <a:bodyPr>
-            <a:normAutofit fontScale="90000"/>
-          </a:bodyPr>
-          <a:lstStyle/>
-          <a:p>
-            <a:r>
-              <a:rPr lang="en-US" altLang="zh-CN" dirty="0"/>
-              <a:t>Quantum optical neural networks </a:t>
-            </a:r>
-            <a:r>
-              <a:rPr lang="en-US" altLang="zh-CN" sz="2700" dirty="0"/>
-              <a:t>(Dirk Englund)</a:t>
-            </a:r>
-            <a:endParaRPr lang="zh-CN" altLang="en-US" dirty="0"/>
-          </a:p>
-        </p:txBody>
-      </p:sp>
-      <p:pic>
-        <p:nvPicPr>
-          <p:cNvPr id="4" name="图片 3">
-            <a:extLst>
-              <a:ext uri="{FF2B5EF4-FFF2-40B4-BE49-F238E27FC236}">
-                <a16:creationId xmlns:a16="http://schemas.microsoft.com/office/drawing/2014/main" id="{F083C869-5221-4F58-9BB3-9086F6FA31CE}"/>
-              </a:ext>
-            </a:extLst>
-          </p:cNvPr>
-          <p:cNvPicPr>
-            <a:picLocks noChangeAspect="1"/>
-          </p:cNvPicPr>
-          <p:nvPr/>
         </p:nvPicPr>
         <p:blipFill>
           <a:blip r:embed="rId2"/>
@@ -3403,8 +3615,8 @@
         </p:blipFill>
         <p:spPr>
           <a:xfrm>
-            <a:off x="2106589" y="3937899"/>
-            <a:ext cx="7978822" cy="2554975"/>
+            <a:off x="1643062" y="690562"/>
+            <a:ext cx="8905875" cy="5638800"/>
           </a:xfrm>
           <a:prstGeom prst="rect">
             <a:avLst/>
@@ -3413,10 +3625,10 @@
       </p:pic>
       <p:sp>
         <p:nvSpPr>
-          <p:cNvPr id="5" name="矩形 4">
-            <a:extLst>
-              <a:ext uri="{FF2B5EF4-FFF2-40B4-BE49-F238E27FC236}">
-                <a16:creationId xmlns:a16="http://schemas.microsoft.com/office/drawing/2014/main" id="{12DF7CAD-0E36-4E47-AD1B-E531A170EB30}"/>
+          <p:cNvPr id="4" name="矩形 3">
+            <a:extLst>
+              <a:ext uri="{FF2B5EF4-FFF2-40B4-BE49-F238E27FC236}">
+                <a16:creationId xmlns:a16="http://schemas.microsoft.com/office/drawing/2014/main" id="{44206AA3-E1A8-4E60-8DDB-E7B2BCEA2141}"/>
               </a:ext>
             </a:extLst>
           </p:cNvPr>
@@ -3425,8 +3637,8 @@
         </p:nvSpPr>
         <p:spPr>
           <a:xfrm>
-            <a:off x="2888230" y="6580276"/>
-            <a:ext cx="6415539" cy="261610"/>
+            <a:off x="3288180" y="6611779"/>
+            <a:ext cx="5615640" cy="246221"/>
           </a:xfrm>
           <a:prstGeom prst="rect">
             <a:avLst/>
@@ -3439,41 +3651,48 @@
           <a:lstStyle/>
           <a:p>
             <a:r>
-              <a:rPr lang="en-US" altLang="zh-CN" sz="1100" dirty="0">
+              <a:rPr lang="en-US" altLang="zh-CN" sz="1000" dirty="0" err="1">
                 <a:latin typeface="微软雅黑" panose="020B0503020204020204" pitchFamily="34" charset="-122"/>
                 <a:ea typeface="微软雅黑" panose="020B0503020204020204" pitchFamily="34" charset="-122"/>
               </a:rPr>
-              <a:t>Gregory R. </a:t>
-            </a:r>
-            <a:r>
-              <a:rPr lang="en-US" altLang="zh-CN" sz="1100" dirty="0" err="1">
+              <a:t>Hengameh</a:t>
+            </a:r>
+            <a:r>
+              <a:rPr lang="en-US" altLang="zh-CN" sz="1000" dirty="0">
                 <a:latin typeface="微软雅黑" panose="020B0503020204020204" pitchFamily="34" charset="-122"/>
                 <a:ea typeface="微软雅黑" panose="020B0503020204020204" pitchFamily="34" charset="-122"/>
               </a:rPr>
-              <a:t>Steinbrecher</a:t>
-            </a:r>
-            <a:r>
-              <a:rPr lang="en-US" altLang="zh-CN" sz="1100" dirty="0">
+              <a:t> </a:t>
+            </a:r>
+            <a:r>
+              <a:rPr lang="en-US" altLang="zh-CN" sz="1000" dirty="0" err="1">
                 <a:latin typeface="微软雅黑" panose="020B0503020204020204" pitchFamily="34" charset="-122"/>
                 <a:ea typeface="微软雅黑" panose="020B0503020204020204" pitchFamily="34" charset="-122"/>
               </a:rPr>
-              <a:t> et </a:t>
-            </a:r>
-            <a:r>
-              <a:rPr lang="en-US" altLang="zh-CN" sz="1100" dirty="0" err="1">
+              <a:t>Bagherian</a:t>
+            </a:r>
+            <a:r>
+              <a:rPr lang="en-US" altLang="zh-CN" sz="1000" dirty="0">
                 <a:latin typeface="微软雅黑" panose="020B0503020204020204" pitchFamily="34" charset="-122"/>
                 <a:ea typeface="微软雅黑" panose="020B0503020204020204" pitchFamily="34" charset="-122"/>
               </a:rPr>
-              <a:t>al.,Quantum</a:t>
-            </a:r>
-            <a:r>
-              <a:rPr lang="en-US" altLang="zh-CN" sz="1100" dirty="0">
+              <a:t> et al., On-Chip Optical Convolutional Neural Networks, </a:t>
+            </a:r>
+            <a:r>
+              <a:rPr lang="en-US" altLang="zh-CN" sz="1000" dirty="0" err="1">
                 <a:latin typeface="微软雅黑" panose="020B0503020204020204" pitchFamily="34" charset="-122"/>
                 <a:ea typeface="微软雅黑" panose="020B0503020204020204" pitchFamily="34" charset="-122"/>
               </a:rPr>
-              <a:t> optical neural networks, Quantum Information, 2019</a:t>
-            </a:r>
-            <a:endParaRPr lang="zh-CN" altLang="en-US" sz="1100" dirty="0">
+              <a:t>arXiv</a:t>
+            </a:r>
+            <a:r>
+              <a:rPr lang="en-US" altLang="zh-CN" sz="1000" dirty="0">
+                <a:latin typeface="微软雅黑" panose="020B0503020204020204" pitchFamily="34" charset="-122"/>
+                <a:ea typeface="微软雅黑" panose="020B0503020204020204" pitchFamily="34" charset="-122"/>
+              </a:rPr>
+              <a:t>, 2018</a:t>
+            </a:r>
+            <a:endParaRPr lang="zh-CN" altLang="en-US" sz="1000" dirty="0">
               <a:latin typeface="微软雅黑" panose="020B0503020204020204" pitchFamily="34" charset="-122"/>
               <a:ea typeface="微软雅黑" panose="020B0503020204020204" pitchFamily="34" charset="-122"/>
             </a:endParaRPr>
@@ -3483,7 +3702,7 @@
     </p:spTree>
     <p:extLst>
       <p:ext uri="{BB962C8B-B14F-4D97-AF65-F5344CB8AC3E}">
-        <p14:creationId xmlns:p14="http://schemas.microsoft.com/office/powerpoint/2010/main" val="3082762484"/>
+        <p14:creationId xmlns:p14="http://schemas.microsoft.com/office/powerpoint/2010/main" val="3842675886"/>
       </p:ext>
     </p:extLst>
   </p:cSld>
@@ -3510,150 +3729,21 @@
           <a:chExt cx="0" cy="0"/>
         </a:xfrm>
       </p:grpSpPr>
-      <p:sp>
-        <p:nvSpPr>
-          <p:cNvPr id="2" name="内容占位符 1">
-            <a:extLst>
-              <a:ext uri="{FF2B5EF4-FFF2-40B4-BE49-F238E27FC236}">
-                <a16:creationId xmlns:a16="http://schemas.microsoft.com/office/drawing/2014/main" id="{6B9DE30B-A3CA-4DED-AB7B-F3B275122562}"/>
-              </a:ext>
-            </a:extLst>
-          </p:cNvPr>
-          <p:cNvSpPr>
-            <a:spLocks noGrp="1"/>
-          </p:cNvSpPr>
+      <p:pic>
+        <p:nvPicPr>
+          <p:cNvPr id="3" name="内容占位符 2">
+            <a:extLst>
+              <a:ext uri="{FF2B5EF4-FFF2-40B4-BE49-F238E27FC236}">
+                <a16:creationId xmlns:a16="http://schemas.microsoft.com/office/drawing/2014/main" id="{6B14B6DD-6FFB-4392-99B4-3F248408F016}"/>
+              </a:ext>
+            </a:extLst>
+          </p:cNvPr>
+          <p:cNvPicPr>
+            <a:picLocks noGrp="1" noChangeAspect="1"/>
+          </p:cNvPicPr>
           <p:nvPr>
             <p:ph idx="1"/>
           </p:nvPr>
-        </p:nvSpPr>
-        <p:spPr/>
-        <p:txBody>
-          <a:bodyPr>
-            <a:normAutofit/>
-          </a:bodyPr>
-          <a:lstStyle/>
-          <a:p>
-            <a:r>
-              <a:rPr lang="en-US" altLang="zh-CN" sz="2400" dirty="0">
-                <a:latin typeface="Times New Roman" panose="02020603050405020304" pitchFamily="18" charset="0"/>
-                <a:cs typeface="Times New Roman" panose="02020603050405020304" pitchFamily="18" charset="0"/>
-              </a:rPr>
-              <a:t>Performing  Quantum communication</a:t>
-            </a:r>
-          </a:p>
-          <a:p>
-            <a:r>
-              <a:rPr lang="en-US" altLang="zh-CN" sz="2400" dirty="0">
-                <a:latin typeface="Times New Roman" panose="02020603050405020304" pitchFamily="18" charset="0"/>
-                <a:cs typeface="Times New Roman" panose="02020603050405020304" pitchFamily="18" charset="0"/>
-              </a:rPr>
-              <a:t>Performing high-fidelity counterfactual communication protocol without post-selection enabled by a programmable nano-photonic programmable nanophotonic processor</a:t>
-            </a:r>
-          </a:p>
-          <a:p>
-            <a:r>
-              <a:rPr lang="en-US" altLang="zh-CN" sz="2400" dirty="0">
-                <a:latin typeface="Times New Roman" panose="02020603050405020304" pitchFamily="18" charset="0"/>
-                <a:cs typeface="Times New Roman" panose="02020603050405020304" pitchFamily="18" charset="0"/>
-              </a:rPr>
-              <a:t>implement CFC protocol using two to six concatenated beam splitters on the same photonic chip</a:t>
-            </a:r>
-          </a:p>
-          <a:p>
-            <a:r>
-              <a:rPr lang="en-US" altLang="zh-CN" sz="2400" dirty="0">
-                <a:latin typeface="Times New Roman" panose="02020603050405020304" pitchFamily="18" charset="0"/>
-                <a:cs typeface="Times New Roman" panose="02020603050405020304" pitchFamily="18" charset="0"/>
-              </a:rPr>
-              <a:t>high (99.94%) average visibility of </a:t>
-            </a:r>
-          </a:p>
-          <a:p>
-            <a:pPr marL="0" indent="0">
-              <a:buNone/>
-            </a:pPr>
-            <a:r>
-              <a:rPr lang="en-US" altLang="zh-CN" sz="2400" dirty="0">
-                <a:latin typeface="Times New Roman" panose="02020603050405020304" pitchFamily="18" charset="0"/>
-                <a:cs typeface="Times New Roman" panose="02020603050405020304" pitchFamily="18" charset="0"/>
-              </a:rPr>
-              <a:t>   the individual integrated interferometers </a:t>
-            </a:r>
-          </a:p>
-          <a:p>
-            <a:pPr marL="0" indent="0">
-              <a:buNone/>
-            </a:pPr>
-            <a:r>
-              <a:rPr lang="en-US" altLang="zh-CN" sz="2400" dirty="0">
-                <a:latin typeface="Times New Roman" panose="02020603050405020304" pitchFamily="18" charset="0"/>
-                <a:cs typeface="Times New Roman" panose="02020603050405020304" pitchFamily="18" charset="0"/>
-              </a:rPr>
-              <a:t>   allowed bit error probabilities as </a:t>
-            </a:r>
-          </a:p>
-          <a:p>
-            <a:pPr marL="0" indent="0">
-              <a:buNone/>
-            </a:pPr>
-            <a:r>
-              <a:rPr lang="en-US" altLang="zh-CN" sz="2400" dirty="0">
-                <a:latin typeface="Times New Roman" panose="02020603050405020304" pitchFamily="18" charset="0"/>
-                <a:cs typeface="Times New Roman" panose="02020603050405020304" pitchFamily="18" charset="0"/>
-              </a:rPr>
-              <a:t>   low as 1.5%</a:t>
-            </a:r>
-            <a:endParaRPr lang="zh-CN" altLang="en-US" sz="2400" dirty="0">
-              <a:latin typeface="Times New Roman" panose="02020603050405020304" pitchFamily="18" charset="0"/>
-              <a:cs typeface="Times New Roman" panose="02020603050405020304" pitchFamily="18" charset="0"/>
-            </a:endParaRPr>
-          </a:p>
-        </p:txBody>
-      </p:sp>
-      <p:sp>
-        <p:nvSpPr>
-          <p:cNvPr id="3" name="标题 2">
-            <a:extLst>
-              <a:ext uri="{FF2B5EF4-FFF2-40B4-BE49-F238E27FC236}">
-                <a16:creationId xmlns:a16="http://schemas.microsoft.com/office/drawing/2014/main" id="{F35F31EA-D297-4CDC-A765-1F4A9AE8A7A8}"/>
-              </a:ext>
-            </a:extLst>
-          </p:cNvPr>
-          <p:cNvSpPr>
-            <a:spLocks noGrp="1"/>
-          </p:cNvSpPr>
-          <p:nvPr>
-            <p:ph type="title"/>
-          </p:nvPr>
-        </p:nvSpPr>
-        <p:spPr/>
-        <p:txBody>
-          <a:bodyPr>
-            <a:noAutofit/>
-          </a:bodyPr>
-          <a:lstStyle/>
-          <a:p>
-            <a:r>
-              <a:rPr lang="en-US" altLang="zh-CN" sz="3200" dirty="0"/>
-              <a:t>Trace-free counterfactual communication with a nanophotonic processor</a:t>
-            </a:r>
-            <a:endParaRPr lang="zh-CN" altLang="en-US" sz="3200" dirty="0"/>
-          </a:p>
-        </p:txBody>
-      </p:sp>
-      <p:pic>
-        <p:nvPicPr>
-          <p:cNvPr id="4" name="图片 3">
-            <a:extLst>
-              <a:ext uri="{FF2B5EF4-FFF2-40B4-BE49-F238E27FC236}">
-                <a16:creationId xmlns:a16="http://schemas.microsoft.com/office/drawing/2014/main" id="{17F5BBE2-03D1-49A2-A92A-4EF133EF88A4}"/>
-              </a:ext>
-            </a:extLst>
-          </p:cNvPr>
-          <p:cNvPicPr>
-            <a:picLocks noChangeAspect="1"/>
-          </p:cNvPicPr>
-          <p:nvPr/>
         </p:nvPicPr>
         <p:blipFill>
           <a:blip r:embed="rId2"/>
@@ -3663,8 +3753,8 @@
         </p:blipFill>
         <p:spPr>
           <a:xfrm>
-            <a:off x="6846626" y="3617213"/>
-            <a:ext cx="4030639" cy="2875661"/>
+            <a:off x="2282507" y="365125"/>
+            <a:ext cx="7626985" cy="6289675"/>
           </a:xfrm>
           <a:prstGeom prst="rect">
             <a:avLst/>
@@ -3673,76 +3763,74 @@
       </p:pic>
       <p:sp>
         <p:nvSpPr>
-          <p:cNvPr id="5" name="文本框 4">
-            <a:extLst>
-              <a:ext uri="{FF2B5EF4-FFF2-40B4-BE49-F238E27FC236}">
-                <a16:creationId xmlns:a16="http://schemas.microsoft.com/office/drawing/2014/main" id="{2C5C973E-5803-4CA5-8812-F30EBAFEE1C9}"/>
-              </a:ext>
-            </a:extLst>
-          </p:cNvPr>
-          <p:cNvSpPr txBox="1"/>
+          <p:cNvPr id="4" name="矩形 3">
+            <a:extLst>
+              <a:ext uri="{FF2B5EF4-FFF2-40B4-BE49-F238E27FC236}">
+                <a16:creationId xmlns:a16="http://schemas.microsoft.com/office/drawing/2014/main" id="{C420896E-8583-4F65-9B0A-01AA71BA896D}"/>
+              </a:ext>
+            </a:extLst>
+          </p:cNvPr>
+          <p:cNvSpPr/>
           <p:nvPr/>
         </p:nvSpPr>
         <p:spPr>
           <a:xfrm>
-            <a:off x="2470245" y="6536363"/>
-            <a:ext cx="8119530" cy="237757"/>
+            <a:off x="3288179" y="6615622"/>
+            <a:ext cx="5615640" cy="246221"/>
           </a:xfrm>
           <a:prstGeom prst="rect">
             <a:avLst/>
           </a:prstGeom>
-          <a:noFill/>
         </p:spPr>
         <p:txBody>
-          <a:bodyPr wrap="none" rtlCol="0">
+          <a:bodyPr wrap="none">
             <a:spAutoFit/>
           </a:bodyPr>
           <a:lstStyle/>
           <a:p>
-            <a:pPr>
-              <a:lnSpc>
-                <a:spcPct val="90000"/>
-              </a:lnSpc>
-              <a:spcBef>
-                <a:spcPts val="1000"/>
-              </a:spcBef>
-            </a:pPr>
-            <a:r>
-              <a:rPr lang="en-US" altLang="zh-CN" sz="1050" dirty="0">
+            <a:r>
+              <a:rPr lang="en-US" altLang="zh-CN" sz="1000" dirty="0" err="1">
                 <a:latin typeface="微软雅黑" panose="020B0503020204020204" pitchFamily="34" charset="-122"/>
                 <a:ea typeface="微软雅黑" panose="020B0503020204020204" pitchFamily="34" charset="-122"/>
               </a:rPr>
-              <a:t>I. Alonso </a:t>
-            </a:r>
-            <a:r>
-              <a:rPr lang="en-US" altLang="zh-CN" sz="1050" dirty="0" err="1">
+              <a:t>Hengameh</a:t>
+            </a:r>
+            <a:r>
+              <a:rPr lang="en-US" altLang="zh-CN" sz="1000" dirty="0">
                 <a:latin typeface="微软雅黑" panose="020B0503020204020204" pitchFamily="34" charset="-122"/>
                 <a:ea typeface="微软雅黑" panose="020B0503020204020204" pitchFamily="34" charset="-122"/>
               </a:rPr>
-              <a:t>Calafell</a:t>
-            </a:r>
-            <a:r>
-              <a:rPr lang="en-US" altLang="zh-CN" sz="1050" dirty="0">
+              <a:t> </a:t>
+            </a:r>
+            <a:r>
+              <a:rPr lang="en-US" altLang="zh-CN" sz="1000" dirty="0" err="1">
                 <a:latin typeface="微软雅黑" panose="020B0503020204020204" pitchFamily="34" charset="-122"/>
                 <a:ea typeface="微软雅黑" panose="020B0503020204020204" pitchFamily="34" charset="-122"/>
               </a:rPr>
-              <a:t> et </a:t>
-            </a:r>
-            <a:r>
-              <a:rPr lang="en-US" altLang="zh-CN" sz="1050" dirty="0" err="1">
+              <a:t>Bagherian</a:t>
+            </a:r>
+            <a:r>
+              <a:rPr lang="en-US" altLang="zh-CN" sz="1000" dirty="0">
                 <a:latin typeface="微软雅黑" panose="020B0503020204020204" pitchFamily="34" charset="-122"/>
                 <a:ea typeface="微软雅黑" panose="020B0503020204020204" pitchFamily="34" charset="-122"/>
               </a:rPr>
-              <a:t>al.,Trace</a:t>
-            </a:r>
-            <a:r>
-              <a:rPr lang="en-US" altLang="zh-CN" sz="1050" dirty="0">
+              <a:t> et al., On-Chip Optical Convolutional Neural Networks, </a:t>
+            </a:r>
+            <a:r>
+              <a:rPr lang="en-US" altLang="zh-CN" sz="1000" dirty="0" err="1">
                 <a:latin typeface="微软雅黑" panose="020B0503020204020204" pitchFamily="34" charset="-122"/>
                 <a:ea typeface="微软雅黑" panose="020B0503020204020204" pitchFamily="34" charset="-122"/>
               </a:rPr>
-              <a:t>-free counterfactual communication with a nanophotonic processor, Quantum Information, 2019</a:t>
-            </a:r>
-            <a:endParaRPr lang="zh-CN" altLang="en-US" sz="1050" dirty="0">
+              <a:t>arXiv</a:t>
+            </a:r>
+            <a:r>
+              <a:rPr lang="en-US" altLang="zh-CN" sz="1000" dirty="0">
+                <a:latin typeface="微软雅黑" panose="020B0503020204020204" pitchFamily="34" charset="-122"/>
+                <a:ea typeface="微软雅黑" panose="020B0503020204020204" pitchFamily="34" charset="-122"/>
+              </a:rPr>
+              <a:t>, 2018</a:t>
+            </a:r>
+            <a:endParaRPr lang="zh-CN" altLang="en-US" sz="1000" dirty="0">
               <a:latin typeface="微软雅黑" panose="020B0503020204020204" pitchFamily="34" charset="-122"/>
               <a:ea typeface="微软雅黑" panose="020B0503020204020204" pitchFamily="34" charset="-122"/>
             </a:endParaRPr>
@@ -3752,7 +3840,7 @@
     </p:spTree>
     <p:extLst>
       <p:ext uri="{BB962C8B-B14F-4D97-AF65-F5344CB8AC3E}">
-        <p14:creationId xmlns:p14="http://schemas.microsoft.com/office/powerpoint/2010/main" val="1893634446"/>
+        <p14:creationId xmlns:p14="http://schemas.microsoft.com/office/powerpoint/2010/main" val="710399102"/>
       </p:ext>
     </p:extLst>
   </p:cSld>
@@ -3894,8 +3982,652 @@
           <a:chExt cx="0" cy="0"/>
         </a:xfrm>
       </p:grpSpPr>
-      <mc:AlternateContent xmlns:mc="http://schemas.openxmlformats.org/markup-compatibility/2006">
-        <mc:Choice xmlns:a14="http://schemas.microsoft.com/office/drawing/2010/main" Requires="a14">
+      <p:pic>
+        <p:nvPicPr>
+          <p:cNvPr id="3" name="内容占位符 2">
+            <a:extLst>
+              <a:ext uri="{FF2B5EF4-FFF2-40B4-BE49-F238E27FC236}">
+                <a16:creationId xmlns:a16="http://schemas.microsoft.com/office/drawing/2014/main" id="{05DA62B0-EE43-4A6A-87A6-A2D612ADCD2F}"/>
+              </a:ext>
+            </a:extLst>
+          </p:cNvPr>
+          <p:cNvPicPr>
+            <a:picLocks noGrp="1" noChangeAspect="1"/>
+          </p:cNvPicPr>
+          <p:nvPr>
+            <p:ph idx="1"/>
+          </p:nvPr>
+        </p:nvPicPr>
+        <p:blipFill>
+          <a:blip r:embed="rId2"/>
+          <a:stretch>
+            <a:fillRect/>
+          </a:stretch>
+        </p:blipFill>
+        <p:spPr>
+          <a:xfrm>
+            <a:off x="1662112" y="1190625"/>
+            <a:ext cx="8867775" cy="4476750"/>
+          </a:xfrm>
+          <a:prstGeom prst="rect">
+            <a:avLst/>
+          </a:prstGeom>
+        </p:spPr>
+      </p:pic>
+      <p:sp>
+        <p:nvSpPr>
+          <p:cNvPr id="4" name="矩形 3">
+            <a:extLst>
+              <a:ext uri="{FF2B5EF4-FFF2-40B4-BE49-F238E27FC236}">
+                <a16:creationId xmlns:a16="http://schemas.microsoft.com/office/drawing/2014/main" id="{70D36A1A-D3C0-4CC6-869C-DCBAC5ADCC0E}"/>
+              </a:ext>
+            </a:extLst>
+          </p:cNvPr>
+          <p:cNvSpPr/>
+          <p:nvPr/>
+        </p:nvSpPr>
+        <p:spPr>
+          <a:xfrm>
+            <a:off x="3288180" y="6611779"/>
+            <a:ext cx="5615640" cy="246221"/>
+          </a:xfrm>
+          <a:prstGeom prst="rect">
+            <a:avLst/>
+          </a:prstGeom>
+        </p:spPr>
+        <p:txBody>
+          <a:bodyPr wrap="none">
+            <a:spAutoFit/>
+          </a:bodyPr>
+          <a:lstStyle/>
+          <a:p>
+            <a:r>
+              <a:rPr lang="en-US" altLang="zh-CN" sz="1000" dirty="0" err="1">
+                <a:latin typeface="微软雅黑" panose="020B0503020204020204" pitchFamily="34" charset="-122"/>
+                <a:ea typeface="微软雅黑" panose="020B0503020204020204" pitchFamily="34" charset="-122"/>
+              </a:rPr>
+              <a:t>Hengameh</a:t>
+            </a:r>
+            <a:r>
+              <a:rPr lang="en-US" altLang="zh-CN" sz="1000" dirty="0">
+                <a:latin typeface="微软雅黑" panose="020B0503020204020204" pitchFamily="34" charset="-122"/>
+                <a:ea typeface="微软雅黑" panose="020B0503020204020204" pitchFamily="34" charset="-122"/>
+              </a:rPr>
+              <a:t> </a:t>
+            </a:r>
+            <a:r>
+              <a:rPr lang="en-US" altLang="zh-CN" sz="1000" dirty="0" err="1">
+                <a:latin typeface="微软雅黑" panose="020B0503020204020204" pitchFamily="34" charset="-122"/>
+                <a:ea typeface="微软雅黑" panose="020B0503020204020204" pitchFamily="34" charset="-122"/>
+              </a:rPr>
+              <a:t>Bagherian</a:t>
+            </a:r>
+            <a:r>
+              <a:rPr lang="en-US" altLang="zh-CN" sz="1000" dirty="0">
+                <a:latin typeface="微软雅黑" panose="020B0503020204020204" pitchFamily="34" charset="-122"/>
+                <a:ea typeface="微软雅黑" panose="020B0503020204020204" pitchFamily="34" charset="-122"/>
+              </a:rPr>
+              <a:t> et al., On-Chip Optical Convolutional Neural Networks, </a:t>
+            </a:r>
+            <a:r>
+              <a:rPr lang="en-US" altLang="zh-CN" sz="1000" dirty="0" err="1">
+                <a:latin typeface="微软雅黑" panose="020B0503020204020204" pitchFamily="34" charset="-122"/>
+                <a:ea typeface="微软雅黑" panose="020B0503020204020204" pitchFamily="34" charset="-122"/>
+              </a:rPr>
+              <a:t>arXiv</a:t>
+            </a:r>
+            <a:r>
+              <a:rPr lang="en-US" altLang="zh-CN" sz="1000" dirty="0">
+                <a:latin typeface="微软雅黑" panose="020B0503020204020204" pitchFamily="34" charset="-122"/>
+                <a:ea typeface="微软雅黑" panose="020B0503020204020204" pitchFamily="34" charset="-122"/>
+              </a:rPr>
+              <a:t>, 2018</a:t>
+            </a:r>
+            <a:endParaRPr lang="zh-CN" altLang="en-US" sz="1000" dirty="0">
+              <a:latin typeface="微软雅黑" panose="020B0503020204020204" pitchFamily="34" charset="-122"/>
+              <a:ea typeface="微软雅黑" panose="020B0503020204020204" pitchFamily="34" charset="-122"/>
+            </a:endParaRPr>
+          </a:p>
+        </p:txBody>
+      </p:sp>
+    </p:spTree>
+    <p:extLst>
+      <p:ext uri="{BB962C8B-B14F-4D97-AF65-F5344CB8AC3E}">
+        <p14:creationId xmlns:p14="http://schemas.microsoft.com/office/powerpoint/2010/main" val="1466270181"/>
+      </p:ext>
+    </p:extLst>
+  </p:cSld>
+  <p:clrMapOvr>
+    <a:masterClrMapping/>
+  </p:clrMapOvr>
+</p:sld>
+</file>
+
+<file path=ppt/slides/slide21.xml><?xml version="1.0" encoding="utf-8"?>
+<p:sld xmlns:a="http://schemas.openxmlformats.org/drawingml/2006/main" xmlns:r="http://schemas.openxmlformats.org/officeDocument/2006/relationships" xmlns:p="http://schemas.openxmlformats.org/presentationml/2006/main">
+  <p:cSld>
+    <p:spTree>
+      <p:nvGrpSpPr>
+        <p:cNvPr id="1" name=""/>
+        <p:cNvGrpSpPr/>
+        <p:nvPr/>
+      </p:nvGrpSpPr>
+      <p:grpSpPr>
+        <a:xfrm>
+          <a:off x="0" y="0"/>
+          <a:ext cx="0" cy="0"/>
+          <a:chOff x="0" y="0"/>
+          <a:chExt cx="0" cy="0"/>
+        </a:xfrm>
+      </p:grpSpPr>
+      <p:sp>
+        <p:nvSpPr>
+          <p:cNvPr id="2" name="内容占位符 1">
+            <a:extLst>
+              <a:ext uri="{FF2B5EF4-FFF2-40B4-BE49-F238E27FC236}">
+                <a16:creationId xmlns:a16="http://schemas.microsoft.com/office/drawing/2014/main" id="{00D75A3B-A088-46C0-A2AC-859FF8293EEA}"/>
+              </a:ext>
+            </a:extLst>
+          </p:cNvPr>
+          <p:cNvSpPr>
+            <a:spLocks noGrp="1"/>
+          </p:cNvSpPr>
+          <p:nvPr>
+            <p:ph idx="1"/>
+          </p:nvPr>
+        </p:nvSpPr>
+        <p:spPr/>
+        <p:txBody>
+          <a:bodyPr/>
+          <a:lstStyle/>
+          <a:p>
+            <a:r>
+              <a:rPr lang="en-US" altLang="zh-CN" sz="2400" dirty="0">
+                <a:latin typeface="Times New Roman" panose="02020603050405020304" pitchFamily="18" charset="0"/>
+                <a:cs typeface="Times New Roman" panose="02020603050405020304" pitchFamily="18" charset="0"/>
+              </a:rPr>
+              <a:t>mapping quantum optics features(mode mixing, optical nonlinearity) to neural networks</a:t>
+            </a:r>
+          </a:p>
+          <a:p>
+            <a:r>
+              <a:rPr lang="en-US" altLang="zh-CN" sz="2400" dirty="0">
+                <a:latin typeface="Times New Roman" panose="02020603050405020304" pitchFamily="18" charset="0"/>
+                <a:cs typeface="Times New Roman" panose="02020603050405020304" pitchFamily="18" charset="0"/>
+              </a:rPr>
+              <a:t>similar architecture</a:t>
+            </a:r>
+          </a:p>
+          <a:p>
+            <a:r>
+              <a:rPr lang="en-US" altLang="zh-CN" sz="2400" dirty="0">
+                <a:latin typeface="Times New Roman" panose="02020603050405020304" pitchFamily="18" charset="0"/>
+                <a:cs typeface="Times New Roman" panose="02020603050405020304" pitchFamily="18" charset="0"/>
+              </a:rPr>
+              <a:t>CMOS-compatible platform instead of photonics chips</a:t>
+            </a:r>
+          </a:p>
+          <a:p>
+            <a:r>
+              <a:rPr lang="en-US" altLang="zh-CN" sz="2400" dirty="0">
+                <a:latin typeface="Times New Roman" panose="02020603050405020304" pitchFamily="18" charset="0"/>
+                <a:cs typeface="Times New Roman" panose="02020603050405020304" pitchFamily="18" charset="0"/>
+              </a:rPr>
+              <a:t>Application: quantum information processing tasks: quantum optical state compression for quantum networking and black-box quantum simulation</a:t>
+            </a:r>
+          </a:p>
+          <a:p>
+            <a:endParaRPr lang="en-US" altLang="zh-CN" dirty="0"/>
+          </a:p>
+          <a:p>
+            <a:endParaRPr lang="en-US" altLang="zh-CN" dirty="0"/>
+          </a:p>
+          <a:p>
+            <a:endParaRPr lang="en-US" altLang="zh-CN" dirty="0"/>
+          </a:p>
+          <a:p>
+            <a:endParaRPr lang="en-US" altLang="zh-CN" dirty="0"/>
+          </a:p>
+          <a:p>
+            <a:endParaRPr lang="zh-CN" altLang="en-US" dirty="0"/>
+          </a:p>
+        </p:txBody>
+      </p:sp>
+      <p:sp>
+        <p:nvSpPr>
+          <p:cNvPr id="3" name="标题 2">
+            <a:extLst>
+              <a:ext uri="{FF2B5EF4-FFF2-40B4-BE49-F238E27FC236}">
+                <a16:creationId xmlns:a16="http://schemas.microsoft.com/office/drawing/2014/main" id="{D40F7D01-4D3A-4EE9-9FB5-EAFDC3523999}"/>
+              </a:ext>
+            </a:extLst>
+          </p:cNvPr>
+          <p:cNvSpPr>
+            <a:spLocks noGrp="1"/>
+          </p:cNvSpPr>
+          <p:nvPr>
+            <p:ph type="title"/>
+          </p:nvPr>
+        </p:nvSpPr>
+        <p:spPr/>
+        <p:txBody>
+          <a:bodyPr>
+            <a:normAutofit fontScale="90000"/>
+          </a:bodyPr>
+          <a:lstStyle/>
+          <a:p>
+            <a:r>
+              <a:rPr lang="en-US" altLang="zh-CN" dirty="0"/>
+              <a:t>Quantum optical neural networks </a:t>
+            </a:r>
+            <a:r>
+              <a:rPr lang="en-US" altLang="zh-CN" sz="2700" dirty="0"/>
+              <a:t>(Dirk Englund)</a:t>
+            </a:r>
+            <a:endParaRPr lang="zh-CN" altLang="en-US" dirty="0"/>
+          </a:p>
+        </p:txBody>
+      </p:sp>
+      <p:pic>
+        <p:nvPicPr>
+          <p:cNvPr id="4" name="图片 3">
+            <a:extLst>
+              <a:ext uri="{FF2B5EF4-FFF2-40B4-BE49-F238E27FC236}">
+                <a16:creationId xmlns:a16="http://schemas.microsoft.com/office/drawing/2014/main" id="{F083C869-5221-4F58-9BB3-9086F6FA31CE}"/>
+              </a:ext>
+            </a:extLst>
+          </p:cNvPr>
+          <p:cNvPicPr>
+            <a:picLocks noChangeAspect="1"/>
+          </p:cNvPicPr>
+          <p:nvPr/>
+        </p:nvPicPr>
+        <p:blipFill>
+          <a:blip r:embed="rId2"/>
+          <a:stretch>
+            <a:fillRect/>
+          </a:stretch>
+        </p:blipFill>
+        <p:spPr>
+          <a:xfrm>
+            <a:off x="2106589" y="3937899"/>
+            <a:ext cx="7978822" cy="2554975"/>
+          </a:xfrm>
+          <a:prstGeom prst="rect">
+            <a:avLst/>
+          </a:prstGeom>
+        </p:spPr>
+      </p:pic>
+      <p:sp>
+        <p:nvSpPr>
+          <p:cNvPr id="5" name="矩形 4">
+            <a:extLst>
+              <a:ext uri="{FF2B5EF4-FFF2-40B4-BE49-F238E27FC236}">
+                <a16:creationId xmlns:a16="http://schemas.microsoft.com/office/drawing/2014/main" id="{12DF7CAD-0E36-4E47-AD1B-E531A170EB30}"/>
+              </a:ext>
+            </a:extLst>
+          </p:cNvPr>
+          <p:cNvSpPr/>
+          <p:nvPr/>
+        </p:nvSpPr>
+        <p:spPr>
+          <a:xfrm>
+            <a:off x="2888230" y="6580276"/>
+            <a:ext cx="6415539" cy="261610"/>
+          </a:xfrm>
+          <a:prstGeom prst="rect">
+            <a:avLst/>
+          </a:prstGeom>
+        </p:spPr>
+        <p:txBody>
+          <a:bodyPr wrap="none">
+            <a:spAutoFit/>
+          </a:bodyPr>
+          <a:lstStyle/>
+          <a:p>
+            <a:r>
+              <a:rPr lang="en-US" altLang="zh-CN" sz="1100" dirty="0">
+                <a:latin typeface="微软雅黑" panose="020B0503020204020204" pitchFamily="34" charset="-122"/>
+                <a:ea typeface="微软雅黑" panose="020B0503020204020204" pitchFamily="34" charset="-122"/>
+              </a:rPr>
+              <a:t>Gregory R. </a:t>
+            </a:r>
+            <a:r>
+              <a:rPr lang="en-US" altLang="zh-CN" sz="1100" dirty="0" err="1">
+                <a:latin typeface="微软雅黑" panose="020B0503020204020204" pitchFamily="34" charset="-122"/>
+                <a:ea typeface="微软雅黑" panose="020B0503020204020204" pitchFamily="34" charset="-122"/>
+              </a:rPr>
+              <a:t>Steinbrecher</a:t>
+            </a:r>
+            <a:r>
+              <a:rPr lang="en-US" altLang="zh-CN" sz="1100" dirty="0">
+                <a:latin typeface="微软雅黑" panose="020B0503020204020204" pitchFamily="34" charset="-122"/>
+                <a:ea typeface="微软雅黑" panose="020B0503020204020204" pitchFamily="34" charset="-122"/>
+              </a:rPr>
+              <a:t> et </a:t>
+            </a:r>
+            <a:r>
+              <a:rPr lang="en-US" altLang="zh-CN" sz="1100" dirty="0" err="1">
+                <a:latin typeface="微软雅黑" panose="020B0503020204020204" pitchFamily="34" charset="-122"/>
+                <a:ea typeface="微软雅黑" panose="020B0503020204020204" pitchFamily="34" charset="-122"/>
+              </a:rPr>
+              <a:t>al.,Quantum</a:t>
+            </a:r>
+            <a:r>
+              <a:rPr lang="en-US" altLang="zh-CN" sz="1100" dirty="0">
+                <a:latin typeface="微软雅黑" panose="020B0503020204020204" pitchFamily="34" charset="-122"/>
+                <a:ea typeface="微软雅黑" panose="020B0503020204020204" pitchFamily="34" charset="-122"/>
+              </a:rPr>
+              <a:t> optical neural networks, Quantum Information, 2019</a:t>
+            </a:r>
+            <a:endParaRPr lang="zh-CN" altLang="en-US" sz="1100" dirty="0">
+              <a:latin typeface="微软雅黑" panose="020B0503020204020204" pitchFamily="34" charset="-122"/>
+              <a:ea typeface="微软雅黑" panose="020B0503020204020204" pitchFamily="34" charset="-122"/>
+            </a:endParaRPr>
+          </a:p>
+        </p:txBody>
+      </p:sp>
+    </p:spTree>
+    <p:extLst>
+      <p:ext uri="{BB962C8B-B14F-4D97-AF65-F5344CB8AC3E}">
+        <p14:creationId xmlns:p14="http://schemas.microsoft.com/office/powerpoint/2010/main" val="3082762484"/>
+      </p:ext>
+    </p:extLst>
+  </p:cSld>
+  <p:clrMapOvr>
+    <a:masterClrMapping/>
+  </p:clrMapOvr>
+</p:sld>
+</file>
+
+<file path=ppt/slides/slide22.xml><?xml version="1.0" encoding="utf-8"?>
+<p:sld xmlns:a="http://schemas.openxmlformats.org/drawingml/2006/main" xmlns:r="http://schemas.openxmlformats.org/officeDocument/2006/relationships" xmlns:p="http://schemas.openxmlformats.org/presentationml/2006/main">
+  <p:cSld>
+    <p:spTree>
+      <p:nvGrpSpPr>
+        <p:cNvPr id="1" name=""/>
+        <p:cNvGrpSpPr/>
+        <p:nvPr/>
+      </p:nvGrpSpPr>
+      <p:grpSpPr>
+        <a:xfrm>
+          <a:off x="0" y="0"/>
+          <a:ext cx="0" cy="0"/>
+          <a:chOff x="0" y="0"/>
+          <a:chExt cx="0" cy="0"/>
+        </a:xfrm>
+      </p:grpSpPr>
+      <p:sp>
+        <p:nvSpPr>
+          <p:cNvPr id="2" name="内容占位符 1">
+            <a:extLst>
+              <a:ext uri="{FF2B5EF4-FFF2-40B4-BE49-F238E27FC236}">
+                <a16:creationId xmlns:a16="http://schemas.microsoft.com/office/drawing/2014/main" id="{6B9DE30B-A3CA-4DED-AB7B-F3B275122562}"/>
+              </a:ext>
+            </a:extLst>
+          </p:cNvPr>
+          <p:cNvSpPr>
+            <a:spLocks noGrp="1"/>
+          </p:cNvSpPr>
+          <p:nvPr>
+            <p:ph idx="1"/>
+          </p:nvPr>
+        </p:nvSpPr>
+        <p:spPr/>
+        <p:txBody>
+          <a:bodyPr>
+            <a:normAutofit/>
+          </a:bodyPr>
+          <a:lstStyle/>
+          <a:p>
+            <a:r>
+              <a:rPr lang="en-US" altLang="zh-CN" sz="2400" dirty="0">
+                <a:latin typeface="Times New Roman" panose="02020603050405020304" pitchFamily="18" charset="0"/>
+                <a:cs typeface="Times New Roman" panose="02020603050405020304" pitchFamily="18" charset="0"/>
+              </a:rPr>
+              <a:t>Performing  Quantum communication</a:t>
+            </a:r>
+          </a:p>
+          <a:p>
+            <a:r>
+              <a:rPr lang="en-US" altLang="zh-CN" sz="2400" dirty="0">
+                <a:latin typeface="Times New Roman" panose="02020603050405020304" pitchFamily="18" charset="0"/>
+                <a:cs typeface="Times New Roman" panose="02020603050405020304" pitchFamily="18" charset="0"/>
+              </a:rPr>
+              <a:t>Performing high-fidelity counterfactual communication protocol without post-selection enabled by a programmable nano-photonic programmable nanophotonic processor</a:t>
+            </a:r>
+          </a:p>
+          <a:p>
+            <a:r>
+              <a:rPr lang="en-US" altLang="zh-CN" sz="2400" dirty="0">
+                <a:latin typeface="Times New Roman" panose="02020603050405020304" pitchFamily="18" charset="0"/>
+                <a:cs typeface="Times New Roman" panose="02020603050405020304" pitchFamily="18" charset="0"/>
+              </a:rPr>
+              <a:t>implement CFC protocol using two to six concatenated beam splitters on the same photonic chip</a:t>
+            </a:r>
+          </a:p>
+          <a:p>
+            <a:r>
+              <a:rPr lang="en-US" altLang="zh-CN" sz="2400" dirty="0">
+                <a:latin typeface="Times New Roman" panose="02020603050405020304" pitchFamily="18" charset="0"/>
+                <a:cs typeface="Times New Roman" panose="02020603050405020304" pitchFamily="18" charset="0"/>
+              </a:rPr>
+              <a:t>high (99.94%) average visibility of </a:t>
+            </a:r>
+          </a:p>
+          <a:p>
+            <a:pPr marL="0" indent="0">
+              <a:buNone/>
+            </a:pPr>
+            <a:r>
+              <a:rPr lang="en-US" altLang="zh-CN" sz="2400" dirty="0">
+                <a:latin typeface="Times New Roman" panose="02020603050405020304" pitchFamily="18" charset="0"/>
+                <a:cs typeface="Times New Roman" panose="02020603050405020304" pitchFamily="18" charset="0"/>
+              </a:rPr>
+              <a:t>   the individual integrated interferometers </a:t>
+            </a:r>
+          </a:p>
+          <a:p>
+            <a:pPr marL="0" indent="0">
+              <a:buNone/>
+            </a:pPr>
+            <a:r>
+              <a:rPr lang="en-US" altLang="zh-CN" sz="2400" dirty="0">
+                <a:latin typeface="Times New Roman" panose="02020603050405020304" pitchFamily="18" charset="0"/>
+                <a:cs typeface="Times New Roman" panose="02020603050405020304" pitchFamily="18" charset="0"/>
+              </a:rPr>
+              <a:t>   allowed bit error probabilities as </a:t>
+            </a:r>
+          </a:p>
+          <a:p>
+            <a:pPr marL="0" indent="0">
+              <a:buNone/>
+            </a:pPr>
+            <a:r>
+              <a:rPr lang="en-US" altLang="zh-CN" sz="2400" dirty="0">
+                <a:latin typeface="Times New Roman" panose="02020603050405020304" pitchFamily="18" charset="0"/>
+                <a:cs typeface="Times New Roman" panose="02020603050405020304" pitchFamily="18" charset="0"/>
+              </a:rPr>
+              <a:t>   low as 1.5%</a:t>
+            </a:r>
+            <a:endParaRPr lang="zh-CN" altLang="en-US" sz="2400" dirty="0">
+              <a:latin typeface="Times New Roman" panose="02020603050405020304" pitchFamily="18" charset="0"/>
+              <a:cs typeface="Times New Roman" panose="02020603050405020304" pitchFamily="18" charset="0"/>
+            </a:endParaRPr>
+          </a:p>
+        </p:txBody>
+      </p:sp>
+      <p:sp>
+        <p:nvSpPr>
+          <p:cNvPr id="3" name="标题 2">
+            <a:extLst>
+              <a:ext uri="{FF2B5EF4-FFF2-40B4-BE49-F238E27FC236}">
+                <a16:creationId xmlns:a16="http://schemas.microsoft.com/office/drawing/2014/main" id="{F35F31EA-D297-4CDC-A765-1F4A9AE8A7A8}"/>
+              </a:ext>
+            </a:extLst>
+          </p:cNvPr>
+          <p:cNvSpPr>
+            <a:spLocks noGrp="1"/>
+          </p:cNvSpPr>
+          <p:nvPr>
+            <p:ph type="title"/>
+          </p:nvPr>
+        </p:nvSpPr>
+        <p:spPr/>
+        <p:txBody>
+          <a:bodyPr>
+            <a:noAutofit/>
+          </a:bodyPr>
+          <a:lstStyle/>
+          <a:p>
+            <a:r>
+              <a:rPr lang="en-US" altLang="zh-CN" sz="3200" dirty="0"/>
+              <a:t>Trace-free counterfactual communication with a nanophotonic processor</a:t>
+            </a:r>
+            <a:endParaRPr lang="zh-CN" altLang="en-US" sz="3200" dirty="0"/>
+          </a:p>
+        </p:txBody>
+      </p:sp>
+      <p:pic>
+        <p:nvPicPr>
+          <p:cNvPr id="4" name="图片 3">
+            <a:extLst>
+              <a:ext uri="{FF2B5EF4-FFF2-40B4-BE49-F238E27FC236}">
+                <a16:creationId xmlns:a16="http://schemas.microsoft.com/office/drawing/2014/main" id="{17F5BBE2-03D1-49A2-A92A-4EF133EF88A4}"/>
+              </a:ext>
+            </a:extLst>
+          </p:cNvPr>
+          <p:cNvPicPr>
+            <a:picLocks noChangeAspect="1"/>
+          </p:cNvPicPr>
+          <p:nvPr/>
+        </p:nvPicPr>
+        <p:blipFill>
+          <a:blip r:embed="rId2"/>
+          <a:stretch>
+            <a:fillRect/>
+          </a:stretch>
+        </p:blipFill>
+        <p:spPr>
+          <a:xfrm>
+            <a:off x="6846626" y="3617213"/>
+            <a:ext cx="4030639" cy="2875661"/>
+          </a:xfrm>
+          <a:prstGeom prst="rect">
+            <a:avLst/>
+          </a:prstGeom>
+        </p:spPr>
+      </p:pic>
+      <p:sp>
+        <p:nvSpPr>
+          <p:cNvPr id="5" name="文本框 4">
+            <a:extLst>
+              <a:ext uri="{FF2B5EF4-FFF2-40B4-BE49-F238E27FC236}">
+                <a16:creationId xmlns:a16="http://schemas.microsoft.com/office/drawing/2014/main" id="{2C5C973E-5803-4CA5-8812-F30EBAFEE1C9}"/>
+              </a:ext>
+            </a:extLst>
+          </p:cNvPr>
+          <p:cNvSpPr txBox="1"/>
+          <p:nvPr/>
+        </p:nvSpPr>
+        <p:spPr>
+          <a:xfrm>
+            <a:off x="2470245" y="6536363"/>
+            <a:ext cx="8119530" cy="237757"/>
+          </a:xfrm>
+          <a:prstGeom prst="rect">
+            <a:avLst/>
+          </a:prstGeom>
+          <a:noFill/>
+        </p:spPr>
+        <p:txBody>
+          <a:bodyPr wrap="none" rtlCol="0">
+            <a:spAutoFit/>
+          </a:bodyPr>
+          <a:lstStyle/>
+          <a:p>
+            <a:pPr>
+              <a:lnSpc>
+                <a:spcPct val="90000"/>
+              </a:lnSpc>
+              <a:spcBef>
+                <a:spcPts val="1000"/>
+              </a:spcBef>
+            </a:pPr>
+            <a:r>
+              <a:rPr lang="en-US" altLang="zh-CN" sz="1050" dirty="0">
+                <a:latin typeface="微软雅黑" panose="020B0503020204020204" pitchFamily="34" charset="-122"/>
+                <a:ea typeface="微软雅黑" panose="020B0503020204020204" pitchFamily="34" charset="-122"/>
+              </a:rPr>
+              <a:t>I. Alonso </a:t>
+            </a:r>
+            <a:r>
+              <a:rPr lang="en-US" altLang="zh-CN" sz="1050" dirty="0" err="1">
+                <a:latin typeface="微软雅黑" panose="020B0503020204020204" pitchFamily="34" charset="-122"/>
+                <a:ea typeface="微软雅黑" panose="020B0503020204020204" pitchFamily="34" charset="-122"/>
+              </a:rPr>
+              <a:t>Calafell</a:t>
+            </a:r>
+            <a:r>
+              <a:rPr lang="en-US" altLang="zh-CN" sz="1050" dirty="0">
+                <a:latin typeface="微软雅黑" panose="020B0503020204020204" pitchFamily="34" charset="-122"/>
+                <a:ea typeface="微软雅黑" panose="020B0503020204020204" pitchFamily="34" charset="-122"/>
+              </a:rPr>
+              <a:t> et </a:t>
+            </a:r>
+            <a:r>
+              <a:rPr lang="en-US" altLang="zh-CN" sz="1050" dirty="0" err="1">
+                <a:latin typeface="微软雅黑" panose="020B0503020204020204" pitchFamily="34" charset="-122"/>
+                <a:ea typeface="微软雅黑" panose="020B0503020204020204" pitchFamily="34" charset="-122"/>
+              </a:rPr>
+              <a:t>al.,Trace</a:t>
+            </a:r>
+            <a:r>
+              <a:rPr lang="en-US" altLang="zh-CN" sz="1050" dirty="0">
+                <a:latin typeface="微软雅黑" panose="020B0503020204020204" pitchFamily="34" charset="-122"/>
+                <a:ea typeface="微软雅黑" panose="020B0503020204020204" pitchFamily="34" charset="-122"/>
+              </a:rPr>
+              <a:t>-free counterfactual communication with a nanophotonic processor, Quantum Information, 2019</a:t>
+            </a:r>
+            <a:endParaRPr lang="zh-CN" altLang="en-US" sz="1050" dirty="0">
+              <a:latin typeface="微软雅黑" panose="020B0503020204020204" pitchFamily="34" charset="-122"/>
+              <a:ea typeface="微软雅黑" panose="020B0503020204020204" pitchFamily="34" charset="-122"/>
+            </a:endParaRPr>
+          </a:p>
+        </p:txBody>
+      </p:sp>
+    </p:spTree>
+    <p:extLst>
+      <p:ext uri="{BB962C8B-B14F-4D97-AF65-F5344CB8AC3E}">
+        <p14:creationId xmlns:p14="http://schemas.microsoft.com/office/powerpoint/2010/main" val="1893634446"/>
+      </p:ext>
+    </p:extLst>
+  </p:cSld>
+  <p:clrMapOvr>
+    <a:masterClrMapping/>
+  </p:clrMapOvr>
+</p:sld>
+</file>
+
+<file path=ppt/slides/slide23.xml><?xml version="1.0" encoding="utf-8"?>
+<p:sld xmlns:a="http://schemas.openxmlformats.org/drawingml/2006/main" xmlns:r="http://schemas.openxmlformats.org/officeDocument/2006/relationships" xmlns:p="http://schemas.openxmlformats.org/presentationml/2006/main">
+  <p:cSld>
+    <p:spTree>
+      <p:nvGrpSpPr>
+        <p:cNvPr id="1" name=""/>
+        <p:cNvGrpSpPr/>
+        <p:nvPr/>
+      </p:nvGrpSpPr>
+      <p:grpSpPr>
+        <a:xfrm>
+          <a:off x="0" y="0"/>
+          <a:ext cx="0" cy="0"/>
+          <a:chOff x="0" y="0"/>
+          <a:chExt cx="0" cy="0"/>
+        </a:xfrm>
+      </p:grpSpPr>
+      <mc:AlternateContent xmlns:mc="http://schemas.openxmlformats.org/markup-compatibility/2006" xmlns:a14="http://schemas.microsoft.com/office/drawing/2010/main">
+        <mc:Choice Requires="a14">
           <p:sp>
             <p:nvSpPr>
               <p:cNvPr id="2" name="内容占位符 1">
@@ -4202,7 +4934,7 @@
             </p:txBody>
           </p:sp>
         </mc:Choice>
-        <mc:Fallback>
+        <mc:Fallback xmlns="">
           <p:sp>
             <p:nvSpPr>
               <p:cNvPr id="2" name="内容占位符 1">
@@ -4379,644 +5111,6 @@
 </p:sld>
 </file>
 
-<file path=ppt/slides/slide21.xml><?xml version="1.0" encoding="utf-8"?>
-<p:sld xmlns:a="http://schemas.openxmlformats.org/drawingml/2006/main" xmlns:r="http://schemas.openxmlformats.org/officeDocument/2006/relationships" xmlns:p="http://schemas.openxmlformats.org/presentationml/2006/main">
-  <p:cSld>
-    <p:spTree>
-      <p:nvGrpSpPr>
-        <p:cNvPr id="1" name=""/>
-        <p:cNvGrpSpPr/>
-        <p:nvPr/>
-      </p:nvGrpSpPr>
-      <p:grpSpPr>
-        <a:xfrm>
-          <a:off x="0" y="0"/>
-          <a:ext cx="0" cy="0"/>
-          <a:chOff x="0" y="0"/>
-          <a:chExt cx="0" cy="0"/>
-        </a:xfrm>
-      </p:grpSpPr>
-      <p:sp>
-        <p:nvSpPr>
-          <p:cNvPr id="3" name="标题 2">
-            <a:extLst>
-              <a:ext uri="{FF2B5EF4-FFF2-40B4-BE49-F238E27FC236}">
-                <a16:creationId xmlns:a16="http://schemas.microsoft.com/office/drawing/2014/main" id="{C53A317E-D7C4-433C-BE8D-81F88A7390C2}"/>
-              </a:ext>
-            </a:extLst>
-          </p:cNvPr>
-          <p:cNvSpPr>
-            <a:spLocks noGrp="1"/>
-          </p:cNvSpPr>
-          <p:nvPr>
-            <p:ph type="title"/>
-          </p:nvPr>
-        </p:nvSpPr>
-        <p:spPr/>
-        <p:txBody>
-          <a:bodyPr>
-            <a:noAutofit/>
-          </a:bodyPr>
-          <a:lstStyle/>
-          <a:p>
-            <a:r>
-              <a:rPr lang="en-US" altLang="zh-CN" sz="3200" dirty="0"/>
-              <a:t>On-Chip Optical Convolutional Neural Networks</a:t>
-            </a:r>
-            <a:endParaRPr lang="zh-CN" altLang="en-US" sz="3200" dirty="0"/>
-          </a:p>
-        </p:txBody>
-      </p:sp>
-      <p:sp>
-        <p:nvSpPr>
-          <p:cNvPr id="7" name="内容占位符 6">
-            <a:extLst>
-              <a:ext uri="{FF2B5EF4-FFF2-40B4-BE49-F238E27FC236}">
-                <a16:creationId xmlns:a16="http://schemas.microsoft.com/office/drawing/2014/main" id="{06C6F7D6-8350-4698-9355-D4F287902E5E}"/>
-              </a:ext>
-            </a:extLst>
-          </p:cNvPr>
-          <p:cNvSpPr>
-            <a:spLocks noGrp="1"/>
-          </p:cNvSpPr>
-          <p:nvPr>
-            <p:ph idx="1"/>
-          </p:nvPr>
-        </p:nvSpPr>
-        <p:spPr>
-          <a:xfrm>
-            <a:off x="838200" y="1510748"/>
-            <a:ext cx="8276771" cy="5144494"/>
-          </a:xfrm>
-        </p:spPr>
-        <p:txBody>
-          <a:bodyPr/>
-          <a:lstStyle/>
-          <a:p>
-            <a:r>
-              <a:rPr lang="en-US" altLang="zh-CN" dirty="0">
-                <a:latin typeface="Times New Roman" panose="02020603050405020304" pitchFamily="18" charset="0"/>
-                <a:cs typeface="Times New Roman" panose="02020603050405020304" pitchFamily="18" charset="0"/>
-              </a:rPr>
-              <a:t>Convolutional Neural Networks (CNN): convolving input images with filter-kernels for object recognition and classification purposes</a:t>
-            </a:r>
-          </a:p>
-          <a:p>
-            <a:r>
-              <a:rPr lang="en-US" altLang="zh-CN" dirty="0">
-                <a:latin typeface="Times New Roman" panose="02020603050405020304" pitchFamily="18" charset="0"/>
-                <a:cs typeface="Times New Roman" panose="02020603050405020304" pitchFamily="18" charset="0"/>
-              </a:rPr>
-              <a:t>input image </a:t>
-            </a:r>
-            <a:r>
-              <a:rPr lang="en-US" altLang="zh-CN" dirty="0">
-                <a:latin typeface="Times New Roman" panose="02020603050405020304" pitchFamily="18" charset="0"/>
-                <a:cs typeface="Times New Roman" panose="02020603050405020304" pitchFamily="18" charset="0"/>
-                <a:sym typeface="Wingdings" panose="05000000000000000000" pitchFamily="2" charset="2"/>
-              </a:rPr>
-              <a:t> convolution and pooling layers  mapping output to classification targets</a:t>
-            </a:r>
-            <a:endParaRPr lang="zh-CN" altLang="en-US" dirty="0">
-              <a:latin typeface="Times New Roman" panose="02020603050405020304" pitchFamily="18" charset="0"/>
-              <a:cs typeface="Times New Roman" panose="02020603050405020304" pitchFamily="18" charset="0"/>
-            </a:endParaRPr>
-          </a:p>
-        </p:txBody>
-      </p:sp>
-      <p:pic>
-        <p:nvPicPr>
-          <p:cNvPr id="10" name="图片 9">
-            <a:extLst>
-              <a:ext uri="{FF2B5EF4-FFF2-40B4-BE49-F238E27FC236}">
-                <a16:creationId xmlns:a16="http://schemas.microsoft.com/office/drawing/2014/main" id="{1F80F86E-8394-4C02-A4F0-235070134B6C}"/>
-              </a:ext>
-            </a:extLst>
-          </p:cNvPr>
-          <p:cNvPicPr>
-            <a:picLocks noChangeAspect="1"/>
-          </p:cNvPicPr>
-          <p:nvPr/>
-        </p:nvPicPr>
-        <p:blipFill>
-          <a:blip r:embed="rId2"/>
-          <a:stretch>
-            <a:fillRect/>
-          </a:stretch>
-        </p:blipFill>
-        <p:spPr>
-          <a:xfrm rot="5400000">
-            <a:off x="8182429" y="2615648"/>
-            <a:ext cx="4305300" cy="2095500"/>
-          </a:xfrm>
-          <a:prstGeom prst="rect">
-            <a:avLst/>
-          </a:prstGeom>
-        </p:spPr>
-      </p:pic>
-      <p:sp>
-        <p:nvSpPr>
-          <p:cNvPr id="11" name="矩形 10">
-            <a:extLst>
-              <a:ext uri="{FF2B5EF4-FFF2-40B4-BE49-F238E27FC236}">
-                <a16:creationId xmlns:a16="http://schemas.microsoft.com/office/drawing/2014/main" id="{27682AEF-2213-4723-9E07-566A6F59670D}"/>
-              </a:ext>
-            </a:extLst>
-          </p:cNvPr>
-          <p:cNvSpPr/>
-          <p:nvPr/>
-        </p:nvSpPr>
-        <p:spPr>
-          <a:xfrm>
-            <a:off x="2753418" y="6516742"/>
-            <a:ext cx="6685163" cy="276999"/>
-          </a:xfrm>
-          <a:prstGeom prst="rect">
-            <a:avLst/>
-          </a:prstGeom>
-        </p:spPr>
-        <p:txBody>
-          <a:bodyPr wrap="none">
-            <a:spAutoFit/>
-          </a:bodyPr>
-          <a:lstStyle/>
-          <a:p>
-            <a:r>
-              <a:rPr lang="en-US" altLang="zh-CN" sz="1200" dirty="0" err="1">
-                <a:latin typeface="微软雅黑" panose="020B0503020204020204" pitchFamily="34" charset="-122"/>
-                <a:ea typeface="微软雅黑" panose="020B0503020204020204" pitchFamily="34" charset="-122"/>
-              </a:rPr>
-              <a:t>Hengameh</a:t>
-            </a:r>
-            <a:r>
-              <a:rPr lang="en-US" altLang="zh-CN" sz="1200" dirty="0">
-                <a:latin typeface="微软雅黑" panose="020B0503020204020204" pitchFamily="34" charset="-122"/>
-                <a:ea typeface="微软雅黑" panose="020B0503020204020204" pitchFamily="34" charset="-122"/>
-              </a:rPr>
-              <a:t> </a:t>
-            </a:r>
-            <a:r>
-              <a:rPr lang="en-US" altLang="zh-CN" sz="1200" dirty="0" err="1">
-                <a:latin typeface="微软雅黑" panose="020B0503020204020204" pitchFamily="34" charset="-122"/>
-                <a:ea typeface="微软雅黑" panose="020B0503020204020204" pitchFamily="34" charset="-122"/>
-              </a:rPr>
-              <a:t>Bagherian</a:t>
-            </a:r>
-            <a:r>
-              <a:rPr lang="en-US" altLang="zh-CN" sz="1200" dirty="0">
-                <a:latin typeface="微软雅黑" panose="020B0503020204020204" pitchFamily="34" charset="-122"/>
-                <a:ea typeface="微软雅黑" panose="020B0503020204020204" pitchFamily="34" charset="-122"/>
-              </a:rPr>
-              <a:t> et al., On-Chip Optical Convolutional Neural Networks, </a:t>
-            </a:r>
-            <a:r>
-              <a:rPr lang="en-US" altLang="zh-CN" sz="1200" dirty="0" err="1">
-                <a:latin typeface="微软雅黑" panose="020B0503020204020204" pitchFamily="34" charset="-122"/>
-                <a:ea typeface="微软雅黑" panose="020B0503020204020204" pitchFamily="34" charset="-122"/>
-              </a:rPr>
-              <a:t>arXiv</a:t>
-            </a:r>
-            <a:r>
-              <a:rPr lang="en-US" altLang="zh-CN" sz="1200" dirty="0">
-                <a:latin typeface="微软雅黑" panose="020B0503020204020204" pitchFamily="34" charset="-122"/>
-                <a:ea typeface="微软雅黑" panose="020B0503020204020204" pitchFamily="34" charset="-122"/>
-              </a:rPr>
-              <a:t>, 2018</a:t>
-            </a:r>
-            <a:endParaRPr lang="zh-CN" altLang="en-US" sz="1200" dirty="0">
-              <a:latin typeface="微软雅黑" panose="020B0503020204020204" pitchFamily="34" charset="-122"/>
-              <a:ea typeface="微软雅黑" panose="020B0503020204020204" pitchFamily="34" charset="-122"/>
-            </a:endParaRPr>
-          </a:p>
-        </p:txBody>
-      </p:sp>
-    </p:spTree>
-    <p:extLst>
-      <p:ext uri="{BB962C8B-B14F-4D97-AF65-F5344CB8AC3E}">
-        <p14:creationId xmlns:p14="http://schemas.microsoft.com/office/powerpoint/2010/main" val="4099522362"/>
-      </p:ext>
-    </p:extLst>
-  </p:cSld>
-  <p:clrMapOvr>
-    <a:masterClrMapping/>
-  </p:clrMapOvr>
-</p:sld>
-</file>
-
-<file path=ppt/slides/slide22.xml><?xml version="1.0" encoding="utf-8"?>
-<p:sld xmlns:a="http://schemas.openxmlformats.org/drawingml/2006/main" xmlns:r="http://schemas.openxmlformats.org/officeDocument/2006/relationships" xmlns:p="http://schemas.openxmlformats.org/presentationml/2006/main">
-  <p:cSld>
-    <p:spTree>
-      <p:nvGrpSpPr>
-        <p:cNvPr id="1" name=""/>
-        <p:cNvGrpSpPr/>
-        <p:nvPr/>
-      </p:nvGrpSpPr>
-      <p:grpSpPr>
-        <a:xfrm>
-          <a:off x="0" y="0"/>
-          <a:ext cx="0" cy="0"/>
-          <a:chOff x="0" y="0"/>
-          <a:chExt cx="0" cy="0"/>
-        </a:xfrm>
-      </p:grpSpPr>
-      <p:pic>
-        <p:nvPicPr>
-          <p:cNvPr id="3" name="内容占位符 2">
-            <a:extLst>
-              <a:ext uri="{FF2B5EF4-FFF2-40B4-BE49-F238E27FC236}">
-                <a16:creationId xmlns:a16="http://schemas.microsoft.com/office/drawing/2014/main" id="{B39C9D31-5985-4C19-B9B3-0E2577E2EDC0}"/>
-              </a:ext>
-            </a:extLst>
-          </p:cNvPr>
-          <p:cNvPicPr>
-            <a:picLocks noGrp="1" noChangeAspect="1"/>
-          </p:cNvPicPr>
-          <p:nvPr>
-            <p:ph idx="1"/>
-          </p:nvPr>
-        </p:nvPicPr>
-        <p:blipFill>
-          <a:blip r:embed="rId2"/>
-          <a:stretch>
-            <a:fillRect/>
-          </a:stretch>
-        </p:blipFill>
-        <p:spPr>
-          <a:xfrm>
-            <a:off x="1643062" y="690562"/>
-            <a:ext cx="8905875" cy="5638800"/>
-          </a:xfrm>
-          <a:prstGeom prst="rect">
-            <a:avLst/>
-          </a:prstGeom>
-        </p:spPr>
-      </p:pic>
-      <p:sp>
-        <p:nvSpPr>
-          <p:cNvPr id="4" name="矩形 3">
-            <a:extLst>
-              <a:ext uri="{FF2B5EF4-FFF2-40B4-BE49-F238E27FC236}">
-                <a16:creationId xmlns:a16="http://schemas.microsoft.com/office/drawing/2014/main" id="{44206AA3-E1A8-4E60-8DDB-E7B2BCEA2141}"/>
-              </a:ext>
-            </a:extLst>
-          </p:cNvPr>
-          <p:cNvSpPr/>
-          <p:nvPr/>
-        </p:nvSpPr>
-        <p:spPr>
-          <a:xfrm>
-            <a:off x="2753418" y="6516742"/>
-            <a:ext cx="6685163" cy="276999"/>
-          </a:xfrm>
-          <a:prstGeom prst="rect">
-            <a:avLst/>
-          </a:prstGeom>
-        </p:spPr>
-        <p:txBody>
-          <a:bodyPr wrap="none">
-            <a:spAutoFit/>
-          </a:bodyPr>
-          <a:lstStyle/>
-          <a:p>
-            <a:r>
-              <a:rPr lang="en-US" altLang="zh-CN" sz="1200" dirty="0" err="1">
-                <a:latin typeface="微软雅黑" panose="020B0503020204020204" pitchFamily="34" charset="-122"/>
-                <a:ea typeface="微软雅黑" panose="020B0503020204020204" pitchFamily="34" charset="-122"/>
-              </a:rPr>
-              <a:t>Hengameh</a:t>
-            </a:r>
-            <a:r>
-              <a:rPr lang="en-US" altLang="zh-CN" sz="1200" dirty="0">
-                <a:latin typeface="微软雅黑" panose="020B0503020204020204" pitchFamily="34" charset="-122"/>
-                <a:ea typeface="微软雅黑" panose="020B0503020204020204" pitchFamily="34" charset="-122"/>
-              </a:rPr>
-              <a:t> </a:t>
-            </a:r>
-            <a:r>
-              <a:rPr lang="en-US" altLang="zh-CN" sz="1200" dirty="0" err="1">
-                <a:latin typeface="微软雅黑" panose="020B0503020204020204" pitchFamily="34" charset="-122"/>
-                <a:ea typeface="微软雅黑" panose="020B0503020204020204" pitchFamily="34" charset="-122"/>
-              </a:rPr>
-              <a:t>Bagherian</a:t>
-            </a:r>
-            <a:r>
-              <a:rPr lang="en-US" altLang="zh-CN" sz="1200" dirty="0">
-                <a:latin typeface="微软雅黑" panose="020B0503020204020204" pitchFamily="34" charset="-122"/>
-                <a:ea typeface="微软雅黑" panose="020B0503020204020204" pitchFamily="34" charset="-122"/>
-              </a:rPr>
-              <a:t> et al., On-Chip Optical Convolutional Neural Networks, </a:t>
-            </a:r>
-            <a:r>
-              <a:rPr lang="en-US" altLang="zh-CN" sz="1200" dirty="0" err="1">
-                <a:latin typeface="微软雅黑" panose="020B0503020204020204" pitchFamily="34" charset="-122"/>
-                <a:ea typeface="微软雅黑" panose="020B0503020204020204" pitchFamily="34" charset="-122"/>
-              </a:rPr>
-              <a:t>arXiv</a:t>
-            </a:r>
-            <a:r>
-              <a:rPr lang="en-US" altLang="zh-CN" sz="1200" dirty="0">
-                <a:latin typeface="微软雅黑" panose="020B0503020204020204" pitchFamily="34" charset="-122"/>
-                <a:ea typeface="微软雅黑" panose="020B0503020204020204" pitchFamily="34" charset="-122"/>
-              </a:rPr>
-              <a:t>, 2018</a:t>
-            </a:r>
-            <a:endParaRPr lang="zh-CN" altLang="en-US" sz="1200" dirty="0">
-              <a:latin typeface="微软雅黑" panose="020B0503020204020204" pitchFamily="34" charset="-122"/>
-              <a:ea typeface="微软雅黑" panose="020B0503020204020204" pitchFamily="34" charset="-122"/>
-            </a:endParaRPr>
-          </a:p>
-        </p:txBody>
-      </p:sp>
-    </p:spTree>
-    <p:extLst>
-      <p:ext uri="{BB962C8B-B14F-4D97-AF65-F5344CB8AC3E}">
-        <p14:creationId xmlns:p14="http://schemas.microsoft.com/office/powerpoint/2010/main" val="3842675886"/>
-      </p:ext>
-    </p:extLst>
-  </p:cSld>
-  <p:clrMapOvr>
-    <a:masterClrMapping/>
-  </p:clrMapOvr>
-</p:sld>
-</file>
-
-<file path=ppt/slides/slide23.xml><?xml version="1.0" encoding="utf-8"?>
-<p:sld xmlns:a="http://schemas.openxmlformats.org/drawingml/2006/main" xmlns:r="http://schemas.openxmlformats.org/officeDocument/2006/relationships" xmlns:p="http://schemas.openxmlformats.org/presentationml/2006/main">
-  <p:cSld>
-    <p:spTree>
-      <p:nvGrpSpPr>
-        <p:cNvPr id="1" name=""/>
-        <p:cNvGrpSpPr/>
-        <p:nvPr/>
-      </p:nvGrpSpPr>
-      <p:grpSpPr>
-        <a:xfrm>
-          <a:off x="0" y="0"/>
-          <a:ext cx="0" cy="0"/>
-          <a:chOff x="0" y="0"/>
-          <a:chExt cx="0" cy="0"/>
-        </a:xfrm>
-      </p:grpSpPr>
-      <p:pic>
-        <p:nvPicPr>
-          <p:cNvPr id="3" name="内容占位符 2">
-            <a:extLst>
-              <a:ext uri="{FF2B5EF4-FFF2-40B4-BE49-F238E27FC236}">
-                <a16:creationId xmlns:a16="http://schemas.microsoft.com/office/drawing/2014/main" id="{6B14B6DD-6FFB-4392-99B4-3F248408F016}"/>
-              </a:ext>
-            </a:extLst>
-          </p:cNvPr>
-          <p:cNvPicPr>
-            <a:picLocks noGrp="1" noChangeAspect="1"/>
-          </p:cNvPicPr>
-          <p:nvPr>
-            <p:ph idx="1"/>
-          </p:nvPr>
-        </p:nvPicPr>
-        <p:blipFill>
-          <a:blip r:embed="rId2"/>
-          <a:stretch>
-            <a:fillRect/>
-          </a:stretch>
-        </p:blipFill>
-        <p:spPr>
-          <a:xfrm>
-            <a:off x="2282507" y="365125"/>
-            <a:ext cx="7626985" cy="6289675"/>
-          </a:xfrm>
-          <a:prstGeom prst="rect">
-            <a:avLst/>
-          </a:prstGeom>
-        </p:spPr>
-      </p:pic>
-      <p:sp>
-        <p:nvSpPr>
-          <p:cNvPr id="4" name="矩形 3">
-            <a:extLst>
-              <a:ext uri="{FF2B5EF4-FFF2-40B4-BE49-F238E27FC236}">
-                <a16:creationId xmlns:a16="http://schemas.microsoft.com/office/drawing/2014/main" id="{C420896E-8583-4F65-9B0A-01AA71BA896D}"/>
-              </a:ext>
-            </a:extLst>
-          </p:cNvPr>
-          <p:cNvSpPr/>
-          <p:nvPr/>
-        </p:nvSpPr>
-        <p:spPr>
-          <a:xfrm>
-            <a:off x="2753418" y="6516742"/>
-            <a:ext cx="6685163" cy="276999"/>
-          </a:xfrm>
-          <a:prstGeom prst="rect">
-            <a:avLst/>
-          </a:prstGeom>
-        </p:spPr>
-        <p:txBody>
-          <a:bodyPr wrap="none">
-            <a:spAutoFit/>
-          </a:bodyPr>
-          <a:lstStyle/>
-          <a:p>
-            <a:r>
-              <a:rPr lang="en-US" altLang="zh-CN" sz="1200" dirty="0" err="1">
-                <a:latin typeface="微软雅黑" panose="020B0503020204020204" pitchFamily="34" charset="-122"/>
-                <a:ea typeface="微软雅黑" panose="020B0503020204020204" pitchFamily="34" charset="-122"/>
-              </a:rPr>
-              <a:t>Hengameh</a:t>
-            </a:r>
-            <a:r>
-              <a:rPr lang="en-US" altLang="zh-CN" sz="1200" dirty="0">
-                <a:latin typeface="微软雅黑" panose="020B0503020204020204" pitchFamily="34" charset="-122"/>
-                <a:ea typeface="微软雅黑" panose="020B0503020204020204" pitchFamily="34" charset="-122"/>
-              </a:rPr>
-              <a:t> </a:t>
-            </a:r>
-            <a:r>
-              <a:rPr lang="en-US" altLang="zh-CN" sz="1200" dirty="0" err="1">
-                <a:latin typeface="微软雅黑" panose="020B0503020204020204" pitchFamily="34" charset="-122"/>
-                <a:ea typeface="微软雅黑" panose="020B0503020204020204" pitchFamily="34" charset="-122"/>
-              </a:rPr>
-              <a:t>Bagherian</a:t>
-            </a:r>
-            <a:r>
-              <a:rPr lang="en-US" altLang="zh-CN" sz="1200" dirty="0">
-                <a:latin typeface="微软雅黑" panose="020B0503020204020204" pitchFamily="34" charset="-122"/>
-                <a:ea typeface="微软雅黑" panose="020B0503020204020204" pitchFamily="34" charset="-122"/>
-              </a:rPr>
-              <a:t> et al., On-Chip Optical Convolutional Neural Networks, </a:t>
-            </a:r>
-            <a:r>
-              <a:rPr lang="en-US" altLang="zh-CN" sz="1200" dirty="0" err="1">
-                <a:latin typeface="微软雅黑" panose="020B0503020204020204" pitchFamily="34" charset="-122"/>
-                <a:ea typeface="微软雅黑" panose="020B0503020204020204" pitchFamily="34" charset="-122"/>
-              </a:rPr>
-              <a:t>arXiv</a:t>
-            </a:r>
-            <a:r>
-              <a:rPr lang="en-US" altLang="zh-CN" sz="1200" dirty="0">
-                <a:latin typeface="微软雅黑" panose="020B0503020204020204" pitchFamily="34" charset="-122"/>
-                <a:ea typeface="微软雅黑" panose="020B0503020204020204" pitchFamily="34" charset="-122"/>
-              </a:rPr>
-              <a:t>, 2018</a:t>
-            </a:r>
-            <a:endParaRPr lang="zh-CN" altLang="en-US" sz="1200" dirty="0">
-              <a:latin typeface="微软雅黑" panose="020B0503020204020204" pitchFamily="34" charset="-122"/>
-              <a:ea typeface="微软雅黑" panose="020B0503020204020204" pitchFamily="34" charset="-122"/>
-            </a:endParaRPr>
-          </a:p>
-        </p:txBody>
-      </p:sp>
-    </p:spTree>
-    <p:extLst>
-      <p:ext uri="{BB962C8B-B14F-4D97-AF65-F5344CB8AC3E}">
-        <p14:creationId xmlns:p14="http://schemas.microsoft.com/office/powerpoint/2010/main" val="710399102"/>
-      </p:ext>
-    </p:extLst>
-  </p:cSld>
-  <p:clrMapOvr>
-    <a:masterClrMapping/>
-  </p:clrMapOvr>
-</p:sld>
-</file>
-
-<file path=ppt/slides/slide24.xml><?xml version="1.0" encoding="utf-8"?>
-<p:sld xmlns:a="http://schemas.openxmlformats.org/drawingml/2006/main" xmlns:r="http://schemas.openxmlformats.org/officeDocument/2006/relationships" xmlns:p="http://schemas.openxmlformats.org/presentationml/2006/main">
-  <p:cSld>
-    <p:spTree>
-      <p:nvGrpSpPr>
-        <p:cNvPr id="1" name=""/>
-        <p:cNvGrpSpPr/>
-        <p:nvPr/>
-      </p:nvGrpSpPr>
-      <p:grpSpPr>
-        <a:xfrm>
-          <a:off x="0" y="0"/>
-          <a:ext cx="0" cy="0"/>
-          <a:chOff x="0" y="0"/>
-          <a:chExt cx="0" cy="0"/>
-        </a:xfrm>
-      </p:grpSpPr>
-      <p:pic>
-        <p:nvPicPr>
-          <p:cNvPr id="3" name="内容占位符 2">
-            <a:extLst>
-              <a:ext uri="{FF2B5EF4-FFF2-40B4-BE49-F238E27FC236}">
-                <a16:creationId xmlns:a16="http://schemas.microsoft.com/office/drawing/2014/main" id="{05DA62B0-EE43-4A6A-87A6-A2D612ADCD2F}"/>
-              </a:ext>
-            </a:extLst>
-          </p:cNvPr>
-          <p:cNvPicPr>
-            <a:picLocks noGrp="1" noChangeAspect="1"/>
-          </p:cNvPicPr>
-          <p:nvPr>
-            <p:ph idx="1"/>
-          </p:nvPr>
-        </p:nvPicPr>
-        <p:blipFill>
-          <a:blip r:embed="rId2"/>
-          <a:stretch>
-            <a:fillRect/>
-          </a:stretch>
-        </p:blipFill>
-        <p:spPr>
-          <a:xfrm>
-            <a:off x="1662112" y="1190625"/>
-            <a:ext cx="8867775" cy="4476750"/>
-          </a:xfrm>
-          <a:prstGeom prst="rect">
-            <a:avLst/>
-          </a:prstGeom>
-        </p:spPr>
-      </p:pic>
-      <p:sp>
-        <p:nvSpPr>
-          <p:cNvPr id="4" name="矩形 3">
-            <a:extLst>
-              <a:ext uri="{FF2B5EF4-FFF2-40B4-BE49-F238E27FC236}">
-                <a16:creationId xmlns:a16="http://schemas.microsoft.com/office/drawing/2014/main" id="{70D36A1A-D3C0-4CC6-869C-DCBAC5ADCC0E}"/>
-              </a:ext>
-            </a:extLst>
-          </p:cNvPr>
-          <p:cNvSpPr/>
-          <p:nvPr/>
-        </p:nvSpPr>
-        <p:spPr>
-          <a:xfrm>
-            <a:off x="2753418" y="6516742"/>
-            <a:ext cx="6685163" cy="276999"/>
-          </a:xfrm>
-          <a:prstGeom prst="rect">
-            <a:avLst/>
-          </a:prstGeom>
-        </p:spPr>
-        <p:txBody>
-          <a:bodyPr wrap="none">
-            <a:spAutoFit/>
-          </a:bodyPr>
-          <a:lstStyle/>
-          <a:p>
-            <a:r>
-              <a:rPr lang="en-US" altLang="zh-CN" sz="1200" dirty="0" err="1">
-                <a:latin typeface="微软雅黑" panose="020B0503020204020204" pitchFamily="34" charset="-122"/>
-                <a:ea typeface="微软雅黑" panose="020B0503020204020204" pitchFamily="34" charset="-122"/>
-              </a:rPr>
-              <a:t>Hengameh</a:t>
-            </a:r>
-            <a:r>
-              <a:rPr lang="en-US" altLang="zh-CN" sz="1200" dirty="0">
-                <a:latin typeface="微软雅黑" panose="020B0503020204020204" pitchFamily="34" charset="-122"/>
-                <a:ea typeface="微软雅黑" panose="020B0503020204020204" pitchFamily="34" charset="-122"/>
-              </a:rPr>
-              <a:t> </a:t>
-            </a:r>
-            <a:r>
-              <a:rPr lang="en-US" altLang="zh-CN" sz="1200" dirty="0" err="1">
-                <a:latin typeface="微软雅黑" panose="020B0503020204020204" pitchFamily="34" charset="-122"/>
-                <a:ea typeface="微软雅黑" panose="020B0503020204020204" pitchFamily="34" charset="-122"/>
-              </a:rPr>
-              <a:t>Bagherian</a:t>
-            </a:r>
-            <a:r>
-              <a:rPr lang="en-US" altLang="zh-CN" sz="1200" dirty="0">
-                <a:latin typeface="微软雅黑" panose="020B0503020204020204" pitchFamily="34" charset="-122"/>
-                <a:ea typeface="微软雅黑" panose="020B0503020204020204" pitchFamily="34" charset="-122"/>
-              </a:rPr>
-              <a:t> et al., On-Chip Optical Convolutional Neural Networks, </a:t>
-            </a:r>
-            <a:r>
-              <a:rPr lang="en-US" altLang="zh-CN" sz="1200" dirty="0" err="1">
-                <a:latin typeface="微软雅黑" panose="020B0503020204020204" pitchFamily="34" charset="-122"/>
-                <a:ea typeface="微软雅黑" panose="020B0503020204020204" pitchFamily="34" charset="-122"/>
-              </a:rPr>
-              <a:t>arXiv</a:t>
-            </a:r>
-            <a:r>
-              <a:rPr lang="en-US" altLang="zh-CN" sz="1200" dirty="0">
-                <a:latin typeface="微软雅黑" panose="020B0503020204020204" pitchFamily="34" charset="-122"/>
-                <a:ea typeface="微软雅黑" panose="020B0503020204020204" pitchFamily="34" charset="-122"/>
-              </a:rPr>
-              <a:t>, 2018</a:t>
-            </a:r>
-            <a:endParaRPr lang="zh-CN" altLang="en-US" sz="1200" dirty="0">
-              <a:latin typeface="微软雅黑" panose="020B0503020204020204" pitchFamily="34" charset="-122"/>
-              <a:ea typeface="微软雅黑" panose="020B0503020204020204" pitchFamily="34" charset="-122"/>
-            </a:endParaRPr>
-          </a:p>
-        </p:txBody>
-      </p:sp>
-    </p:spTree>
-    <p:extLst>
-      <p:ext uri="{BB962C8B-B14F-4D97-AF65-F5344CB8AC3E}">
-        <p14:creationId xmlns:p14="http://schemas.microsoft.com/office/powerpoint/2010/main" val="1466270181"/>
-      </p:ext>
-    </p:extLst>
-  </p:cSld>
-  <p:clrMapOvr>
-    <a:masterClrMapping/>
-  </p:clrMapOvr>
-</p:sld>
-</file>
-
 <file path=ppt/slides/slide3.xml><?xml version="1.0" encoding="utf-8"?>
 <p:sld xmlns:a="http://schemas.openxmlformats.org/drawingml/2006/main" xmlns:r="http://schemas.openxmlformats.org/officeDocument/2006/relationships" xmlns:p="http://schemas.openxmlformats.org/presentationml/2006/main">
   <p:cSld>
@@ -5908,81 +6002,6 @@
       </p:grpSpPr>
       <p:sp>
         <p:nvSpPr>
-          <p:cNvPr id="2" name="内容占位符 1">
-            <a:extLst>
-              <a:ext uri="{FF2B5EF4-FFF2-40B4-BE49-F238E27FC236}">
-                <a16:creationId xmlns:a16="http://schemas.microsoft.com/office/drawing/2014/main" id="{6D4EE4BC-A0FC-4612-AE3D-CA0D9FBC2AAD}"/>
-              </a:ext>
-            </a:extLst>
-          </p:cNvPr>
-          <p:cNvSpPr>
-            <a:spLocks noGrp="1"/>
-          </p:cNvSpPr>
-          <p:nvPr>
-            <p:ph idx="1"/>
-          </p:nvPr>
-        </p:nvSpPr>
-        <p:spPr>
-          <a:xfrm>
-            <a:off x="6504316" y="1643078"/>
-            <a:ext cx="4849483" cy="5012163"/>
-          </a:xfrm>
-        </p:spPr>
-        <p:txBody>
-          <a:bodyPr/>
-          <a:lstStyle/>
-          <a:p>
-            <a:pPr marL="0" indent="0">
-              <a:buNone/>
-            </a:pPr>
-            <a:endParaRPr lang="en-US" altLang="zh-CN" sz="2000" dirty="0"/>
-          </a:p>
-          <a:p>
-            <a:r>
-              <a:rPr lang="en-US" altLang="zh-CN" sz="2400" dirty="0">
-                <a:latin typeface="Times New Roman" panose="02020603050405020304" pitchFamily="18" charset="0"/>
-                <a:cs typeface="Times New Roman" panose="02020603050405020304" pitchFamily="18" charset="0"/>
-              </a:rPr>
-              <a:t>in situ intensity measurements.</a:t>
-            </a:r>
-          </a:p>
-          <a:p>
-            <a:r>
-              <a:rPr lang="en-US" altLang="zh-CN" sz="2400" dirty="0">
-                <a:latin typeface="Times New Roman" panose="02020603050405020304" pitchFamily="18" charset="0"/>
-                <a:cs typeface="Times New Roman" panose="02020603050405020304" pitchFamily="18" charset="0"/>
-              </a:rPr>
-              <a:t>requiring an integrated intensity detection scheme</a:t>
-            </a:r>
-          </a:p>
-          <a:p>
-            <a:r>
-              <a:rPr lang="en-US" altLang="zh-CN" sz="2400" dirty="0">
-                <a:latin typeface="Times New Roman" panose="02020603050405020304" pitchFamily="18" charset="0"/>
-                <a:cs typeface="Times New Roman" panose="02020603050405020304" pitchFamily="18" charset="0"/>
-              </a:rPr>
-              <a:t>physically implementing adjoint variable method</a:t>
-            </a:r>
-          </a:p>
-          <a:p>
-            <a:r>
-              <a:rPr lang="en-US" altLang="zh-CN" sz="2400" dirty="0">
-                <a:latin typeface="Times New Roman" panose="02020603050405020304" pitchFamily="18" charset="0"/>
-                <a:cs typeface="Times New Roman" panose="02020603050405020304" pitchFamily="18" charset="0"/>
-              </a:rPr>
-              <a:t>improved version of </a:t>
-            </a:r>
-          </a:p>
-          <a:p>
-            <a:endParaRPr lang="en-US" altLang="zh-CN" sz="2000" dirty="0"/>
-          </a:p>
-          <a:p>
-            <a:endParaRPr lang="zh-CN" altLang="en-US" dirty="0"/>
-          </a:p>
-        </p:txBody>
-      </p:sp>
-      <p:sp>
-        <p:nvSpPr>
           <p:cNvPr id="3" name="标题 2">
             <a:extLst>
               <a:ext uri="{FF2B5EF4-FFF2-40B4-BE49-F238E27FC236}">
@@ -6026,7 +6045,7 @@
         </p:nvSpPr>
         <p:spPr>
           <a:xfrm>
-            <a:off x="237067" y="5323323"/>
+            <a:off x="6096000" y="3592532"/>
             <a:ext cx="5809103" cy="523220"/>
           </a:xfrm>
           <a:prstGeom prst="rect">
@@ -6079,8 +6098,8 @@
         </p:nvSpPr>
         <p:spPr>
           <a:xfrm>
-            <a:off x="537633" y="6361965"/>
-            <a:ext cx="11116734" cy="261610"/>
+            <a:off x="6096000" y="4115752"/>
+            <a:ext cx="6059461" cy="430887"/>
           </a:xfrm>
           <a:prstGeom prst="rect">
             <a:avLst/>
@@ -6128,8 +6147,8 @@
         </p:nvSpPr>
         <p:spPr>
           <a:xfrm>
-            <a:off x="6654600" y="4477041"/>
-            <a:ext cx="4849483" cy="400110"/>
+            <a:off x="838200" y="3915697"/>
+            <a:ext cx="3776430" cy="400110"/>
           </a:xfrm>
           <a:prstGeom prst="rect">
             <a:avLst/>
@@ -6202,8 +6221,8 @@
         </p:blipFill>
         <p:spPr>
           <a:xfrm>
-            <a:off x="237067" y="1643079"/>
-            <a:ext cx="5636417" cy="3034017"/>
+            <a:off x="6480133" y="1195462"/>
+            <a:ext cx="4280541" cy="2304165"/>
           </a:xfrm>
           <a:prstGeom prst="rect">
             <a:avLst/>
@@ -6232,14 +6251,221 @@
         </p:blipFill>
         <p:spPr>
           <a:xfrm>
-            <a:off x="7510463" y="4796183"/>
-            <a:ext cx="2976306" cy="1192780"/>
+            <a:off x="519783" y="1830108"/>
+            <a:ext cx="4916110" cy="1970173"/>
           </a:xfrm>
           <a:prstGeom prst="rect">
             <a:avLst/>
           </a:prstGeom>
         </p:spPr>
       </p:pic>
+      <p:sp>
+        <p:nvSpPr>
+          <p:cNvPr id="10" name="文本框 9">
+            <a:extLst>
+              <a:ext uri="{FF2B5EF4-FFF2-40B4-BE49-F238E27FC236}">
+                <a16:creationId xmlns:a16="http://schemas.microsoft.com/office/drawing/2014/main" id="{8D1B2EF7-C332-4506-8A7F-9FEA541B7417}"/>
+              </a:ext>
+            </a:extLst>
+          </p:cNvPr>
+          <p:cNvSpPr txBox="1"/>
+          <p:nvPr/>
+        </p:nvSpPr>
+        <p:spPr>
+          <a:xfrm>
+            <a:off x="381953" y="4546639"/>
+            <a:ext cx="5320106" cy="2010807"/>
+          </a:xfrm>
+          <a:prstGeom prst="rect">
+            <a:avLst/>
+          </a:prstGeom>
+          <a:noFill/>
+        </p:spPr>
+        <p:txBody>
+          <a:bodyPr wrap="square" rtlCol="0">
+            <a:spAutoFit/>
+          </a:bodyPr>
+          <a:lstStyle/>
+          <a:p>
+            <a:pPr marL="342900" indent="-342900">
+              <a:lnSpc>
+                <a:spcPct val="90000"/>
+              </a:lnSpc>
+              <a:spcBef>
+                <a:spcPts val="1000"/>
+              </a:spcBef>
+              <a:buFont typeface="Arial" panose="020B0604020202020204" pitchFamily="34" charset="0"/>
+              <a:buChar char="•"/>
+            </a:pPr>
+            <a:r>
+              <a:rPr lang="en-US" altLang="zh-CN" sz="2000" dirty="0">
+                <a:latin typeface="Times New Roman" panose="02020603050405020304" pitchFamily="18" charset="0"/>
+                <a:ea typeface="微软雅黑" panose="020B0503020204020204" pitchFamily="34" charset="-122"/>
+                <a:cs typeface="Times New Roman" panose="02020603050405020304" pitchFamily="18" charset="0"/>
+              </a:rPr>
+              <a:t>t</a:t>
+            </a:r>
+            <a:r>
+              <a:rPr lang="en-US" altLang="zh-CN" sz="2000" dirty="0">
+                <a:latin typeface="Times New Roman" panose="02020603050405020304" pitchFamily="18" charset="0"/>
+                <a:cs typeface="Times New Roman" panose="02020603050405020304" pitchFamily="18" charset="0"/>
+              </a:rPr>
+              <a:t>raining weights ex situ on a computer model of the system</a:t>
+            </a:r>
+          </a:p>
+          <a:p>
+            <a:pPr marL="342900" indent="-342900">
+              <a:lnSpc>
+                <a:spcPct val="90000"/>
+              </a:lnSpc>
+              <a:spcBef>
+                <a:spcPts val="1000"/>
+              </a:spcBef>
+              <a:buFont typeface="Arial" panose="020B0604020202020204" pitchFamily="34" charset="0"/>
+              <a:buChar char="•"/>
+            </a:pPr>
+            <a:r>
+              <a:rPr lang="en-US" altLang="zh-CN" sz="2000" dirty="0">
+                <a:latin typeface="Times New Roman" panose="02020603050405020304" pitchFamily="18" charset="0"/>
+                <a:ea typeface="微软雅黑" panose="020B0503020204020204" pitchFamily="34" charset="-122"/>
+                <a:cs typeface="Times New Roman" panose="02020603050405020304" pitchFamily="18" charset="0"/>
+              </a:rPr>
+              <a:t>cr</a:t>
+            </a:r>
+            <a:r>
+              <a:rPr lang="en-US" altLang="zh-CN" sz="2000" dirty="0">
+                <a:latin typeface="Times New Roman" panose="02020603050405020304" pitchFamily="18" charset="0"/>
+                <a:cs typeface="Times New Roman" panose="02020603050405020304" pitchFamily="18" charset="0"/>
+              </a:rPr>
+              <a:t>eating final weights in the physical device using an idealized model that relates the matrix elements to the phase shifters</a:t>
+            </a:r>
+          </a:p>
+          <a:p>
+            <a:pPr marL="342900" indent="-342900">
+              <a:lnSpc>
+                <a:spcPct val="90000"/>
+              </a:lnSpc>
+              <a:spcBef>
+                <a:spcPts val="1000"/>
+              </a:spcBef>
+              <a:buFont typeface="Arial" panose="020B0604020202020204" pitchFamily="34" charset="0"/>
+              <a:buChar char="•"/>
+            </a:pPr>
+            <a:r>
+              <a:rPr lang="en-US" altLang="zh-CN" sz="2000" dirty="0">
+                <a:latin typeface="Times New Roman" panose="02020603050405020304" pitchFamily="18" charset="0"/>
+                <a:cs typeface="Times New Roman" panose="02020603050405020304" pitchFamily="18" charset="0"/>
+              </a:rPr>
+              <a:t>losing the potential advantages(</a:t>
+            </a:r>
+            <a:r>
+              <a:rPr lang="zh-CN" altLang="en-US" sz="2000" dirty="0">
+                <a:latin typeface="Times New Roman" panose="02020603050405020304" pitchFamily="18" charset="0"/>
+                <a:cs typeface="Times New Roman" panose="02020603050405020304" pitchFamily="18" charset="0"/>
+              </a:rPr>
+              <a:t>对原文的评价</a:t>
+            </a:r>
+            <a:r>
+              <a:rPr lang="en-US" altLang="zh-CN" sz="2000" dirty="0">
+                <a:latin typeface="Times New Roman" panose="02020603050405020304" pitchFamily="18" charset="0"/>
+                <a:cs typeface="Times New Roman" panose="02020603050405020304" pitchFamily="18" charset="0"/>
+              </a:rPr>
+              <a:t>)</a:t>
+            </a:r>
+            <a:endParaRPr lang="zh-CN" altLang="en-US" sz="2000" dirty="0">
+              <a:latin typeface="Times New Roman" panose="02020603050405020304" pitchFamily="18" charset="0"/>
+              <a:cs typeface="Times New Roman" panose="02020603050405020304" pitchFamily="18" charset="0"/>
+            </a:endParaRPr>
+          </a:p>
+        </p:txBody>
+      </p:sp>
+      <p:sp>
+        <p:nvSpPr>
+          <p:cNvPr id="11" name="文本框 10">
+            <a:extLst>
+              <a:ext uri="{FF2B5EF4-FFF2-40B4-BE49-F238E27FC236}">
+                <a16:creationId xmlns:a16="http://schemas.microsoft.com/office/drawing/2014/main" id="{7D7F2598-2415-4DA5-8265-64C5663D846F}"/>
+              </a:ext>
+            </a:extLst>
+          </p:cNvPr>
+          <p:cNvSpPr txBox="1"/>
+          <p:nvPr/>
+        </p:nvSpPr>
+        <p:spPr>
+          <a:xfrm>
+            <a:off x="6096000" y="4962137"/>
+            <a:ext cx="5561138" cy="1179810"/>
+          </a:xfrm>
+          <a:prstGeom prst="rect">
+            <a:avLst/>
+          </a:prstGeom>
+          <a:noFill/>
+        </p:spPr>
+        <p:txBody>
+          <a:bodyPr wrap="none" rtlCol="0">
+            <a:spAutoFit/>
+          </a:bodyPr>
+          <a:lstStyle/>
+          <a:p>
+            <a:pPr marL="342900" indent="-342900" algn="l">
+              <a:lnSpc>
+                <a:spcPct val="90000"/>
+              </a:lnSpc>
+              <a:spcBef>
+                <a:spcPts val="1000"/>
+              </a:spcBef>
+              <a:buFont typeface="Arial" panose="020B0604020202020204" pitchFamily="34" charset="0"/>
+              <a:buChar char="•"/>
+            </a:pPr>
+            <a:r>
+              <a:rPr lang="en-US" altLang="zh-CN" sz="2000" dirty="0">
+                <a:latin typeface="Times New Roman" panose="02020603050405020304" pitchFamily="18" charset="0"/>
+                <a:ea typeface="微软雅黑" panose="020B0503020204020204" pitchFamily="34" charset="-122"/>
+                <a:cs typeface="Times New Roman" panose="02020603050405020304" pitchFamily="18" charset="0"/>
+              </a:rPr>
+              <a:t>in situ intensity measurements</a:t>
+            </a:r>
+          </a:p>
+          <a:p>
+            <a:pPr marL="342900" indent="-342900">
+              <a:lnSpc>
+                <a:spcPct val="90000"/>
+              </a:lnSpc>
+              <a:spcBef>
+                <a:spcPts val="1000"/>
+              </a:spcBef>
+              <a:buFont typeface="Arial" panose="020B0604020202020204" pitchFamily="34" charset="0"/>
+              <a:buChar char="•"/>
+            </a:pPr>
+            <a:r>
+              <a:rPr lang="en-US" altLang="zh-CN" sz="2000" dirty="0">
+                <a:latin typeface="Times New Roman" panose="02020603050405020304" pitchFamily="18" charset="0"/>
+                <a:cs typeface="Times New Roman" panose="02020603050405020304" pitchFamily="18" charset="0"/>
+              </a:rPr>
+              <a:t>Additional components:</a:t>
+            </a:r>
+          </a:p>
+          <a:p>
+            <a:pPr marL="342900" indent="-342900">
+              <a:lnSpc>
+                <a:spcPct val="90000"/>
+              </a:lnSpc>
+              <a:spcBef>
+                <a:spcPts val="1000"/>
+              </a:spcBef>
+              <a:buFont typeface="Arial" panose="020B0604020202020204" pitchFamily="34" charset="0"/>
+              <a:buChar char="•"/>
+            </a:pPr>
+            <a:r>
+              <a:rPr lang="en-US" altLang="zh-CN" sz="2000" dirty="0">
+                <a:latin typeface="Times New Roman" panose="02020603050405020304" pitchFamily="18" charset="0"/>
+                <a:cs typeface="Times New Roman" panose="02020603050405020304" pitchFamily="18" charset="0"/>
+              </a:rPr>
+              <a:t>physically implementing adjoint variable method</a:t>
+            </a:r>
+          </a:p>
+        </p:txBody>
+      </p:sp>
     </p:spTree>
     <p:extLst>
       <p:ext uri="{BB962C8B-B14F-4D97-AF65-F5344CB8AC3E}">

--- a/20190918 - 光芯片深度学习调研.pptx
+++ b/20190918 - 光芯片深度学习调研.pptx
@@ -1078,6 +1078,10 @@
               <a:rPr lang="zh-CN" altLang="en-US" dirty="0"/>
               <a:t>调研：</a:t>
             </a:r>
+            <a:r>
+              <a:rPr lang="en-US" altLang="zh-CN" dirty="0"/>
+              <a:t/>
+            </a:r>
             <a:br>
               <a:rPr lang="en-US" altLang="zh-CN" dirty="0"/>
             </a:br>
@@ -1625,8 +1629,8 @@
           <a:chExt cx="0" cy="0"/>
         </a:xfrm>
       </p:grpSpPr>
-      <mc:AlternateContent xmlns:mc="http://schemas.openxmlformats.org/markup-compatibility/2006">
-        <mc:Choice xmlns:a14="http://schemas.microsoft.com/office/drawing/2010/main" Requires="a14">
+      <mc:AlternateContent xmlns:mc="http://schemas.openxmlformats.org/markup-compatibility/2006" xmlns:a14="http://schemas.microsoft.com/office/drawing/2010/main">
+        <mc:Choice Requires="a14">
           <p:sp>
             <p:nvSpPr>
               <p:cNvPr id="2" name="内容占位符 1">
@@ -1913,7 +1917,7 @@
             </p:txBody>
           </p:sp>
         </mc:Choice>
-        <mc:Fallback>
+        <mc:Fallback xmlns="">
           <p:sp>
             <p:nvSpPr>
               <p:cNvPr id="2" name="内容占位符 1">
